--- a/PTPMDV/SlideJMS.pptx
+++ b/PTPMDV/SlideJMS.pptx
@@ -7,15 +7,16 @@
   <p:sldIdLst>
     <p:sldId id="256" r:id="rId2"/>
     <p:sldId id="257" r:id="rId3"/>
-    <p:sldId id="258" r:id="rId4"/>
-    <p:sldId id="259" r:id="rId5"/>
-    <p:sldId id="260" r:id="rId6"/>
-    <p:sldId id="261" r:id="rId7"/>
-    <p:sldId id="262" r:id="rId8"/>
-    <p:sldId id="263" r:id="rId9"/>
-    <p:sldId id="264" r:id="rId10"/>
-    <p:sldId id="265" r:id="rId11"/>
-    <p:sldId id="266" r:id="rId12"/>
+    <p:sldId id="267" r:id="rId4"/>
+    <p:sldId id="258" r:id="rId5"/>
+    <p:sldId id="259" r:id="rId6"/>
+    <p:sldId id="260" r:id="rId7"/>
+    <p:sldId id="261" r:id="rId8"/>
+    <p:sldId id="268" r:id="rId9"/>
+    <p:sldId id="263" r:id="rId10"/>
+    <p:sldId id="264" r:id="rId11"/>
+    <p:sldId id="265" r:id="rId12"/>
+    <p:sldId id="269" r:id="rId13"/>
   </p:sldIdLst>
   <p:sldSz cx="12192000" cy="6858000"/>
   <p:notesSz cx="6858000" cy="9144000"/>
@@ -845,7 +846,7 @@
             <a:fld id="{B61BEF0D-F0BB-DE4B-95CE-6DB70DBA9567}" type="datetimeFigureOut">
               <a:rPr lang="en-US" dirty="0"/>
               <a:pPr/>
-              <a:t>08-Apr-20</a:t>
+              <a:t>4/9/2020</a:t>
             </a:fld>
             <a:endParaRPr lang="en-US" dirty="0"/>
           </a:p>
@@ -1093,7 +1094,7 @@
             <a:fld id="{B61BEF0D-F0BB-DE4B-95CE-6DB70DBA9567}" type="datetimeFigureOut">
               <a:rPr lang="en-US" dirty="0"/>
               <a:pPr/>
-              <a:t>08-Apr-20</a:t>
+              <a:t>4/9/2020</a:t>
             </a:fld>
             <a:endParaRPr lang="en-US" dirty="0"/>
           </a:p>
@@ -1404,7 +1405,7 @@
             <a:fld id="{B61BEF0D-F0BB-DE4B-95CE-6DB70DBA9567}" type="datetimeFigureOut">
               <a:rPr lang="en-US" dirty="0"/>
               <a:pPr/>
-              <a:t>08-Apr-20</a:t>
+              <a:t>4/9/2020</a:t>
             </a:fld>
             <a:endParaRPr lang="en-US" dirty="0"/>
           </a:p>
@@ -1742,7 +1743,7 @@
             <a:fld id="{B61BEF0D-F0BB-DE4B-95CE-6DB70DBA9567}" type="datetimeFigureOut">
               <a:rPr lang="en-US" dirty="0"/>
               <a:pPr/>
-              <a:t>08-Apr-20</a:t>
+              <a:t>4/9/2020</a:t>
             </a:fld>
             <a:endParaRPr lang="en-US" dirty="0"/>
           </a:p>
@@ -2053,7 +2054,7 @@
             <a:fld id="{B61BEF0D-F0BB-DE4B-95CE-6DB70DBA9567}" type="datetimeFigureOut">
               <a:rPr lang="en-US" dirty="0"/>
               <a:pPr/>
-              <a:t>08-Apr-20</a:t>
+              <a:t>4/9/2020</a:t>
             </a:fld>
             <a:endParaRPr lang="en-US" dirty="0"/>
           </a:p>
@@ -2443,7 +2444,7 @@
             <a:fld id="{B61BEF0D-F0BB-DE4B-95CE-6DB70DBA9567}" type="datetimeFigureOut">
               <a:rPr lang="en-US" dirty="0"/>
               <a:pPr/>
-              <a:t>08-Apr-20</a:t>
+              <a:t>4/9/2020</a:t>
             </a:fld>
             <a:endParaRPr lang="en-US" dirty="0"/>
           </a:p>
@@ -2609,7 +2610,7 @@
           <a:p>
             <a:fld id="{55C6B4A9-1611-4792-9094-5F34BCA07E0B}" type="datetimeFigureOut">
               <a:rPr lang="en-US" dirty="0"/>
-              <a:t>08-Apr-20</a:t>
+              <a:t>4/9/2020</a:t>
             </a:fld>
             <a:endParaRPr lang="en-US" dirty="0"/>
           </a:p>
@@ -2785,7 +2786,7 @@
             <a:fld id="{B61BEF0D-F0BB-DE4B-95CE-6DB70DBA9567}" type="datetimeFigureOut">
               <a:rPr lang="en-US" dirty="0"/>
               <a:pPr/>
-              <a:t>08-Apr-20</a:t>
+              <a:t>4/9/2020</a:t>
             </a:fld>
             <a:endParaRPr lang="en-US" dirty="0"/>
           </a:p>
@@ -2958,7 +2959,7 @@
             <a:fld id="{B61BEF0D-F0BB-DE4B-95CE-6DB70DBA9567}" type="datetimeFigureOut">
               <a:rPr lang="en-US" dirty="0"/>
               <a:pPr/>
-              <a:t>08-Apr-20</a:t>
+              <a:t>4/9/2020</a:t>
             </a:fld>
             <a:endParaRPr lang="en-US" dirty="0"/>
           </a:p>
@@ -3202,7 +3203,7 @@
             <a:fld id="{B61BEF0D-F0BB-DE4B-95CE-6DB70DBA9567}" type="datetimeFigureOut">
               <a:rPr lang="en-US" dirty="0"/>
               <a:pPr/>
-              <a:t>08-Apr-20</a:t>
+              <a:t>4/9/2020</a:t>
             </a:fld>
             <a:endParaRPr lang="en-US" dirty="0"/>
           </a:p>
@@ -3430,7 +3431,7 @@
           <a:p>
             <a:fld id="{EB712588-04B1-427B-82EE-E8DB90309F08}" type="datetimeFigureOut">
               <a:rPr lang="en-US" dirty="0"/>
-              <a:t>08-Apr-20</a:t>
+              <a:t>4/9/2020</a:t>
             </a:fld>
             <a:endParaRPr lang="en-US" dirty="0"/>
           </a:p>
@@ -3800,7 +3801,7 @@
             <a:fld id="{B61BEF0D-F0BB-DE4B-95CE-6DB70DBA9567}" type="datetimeFigureOut">
               <a:rPr lang="en-US" dirty="0"/>
               <a:pPr/>
-              <a:t>08-Apr-20</a:t>
+              <a:t>4/9/2020</a:t>
             </a:fld>
             <a:endParaRPr lang="en-US" dirty="0"/>
           </a:p>
@@ -3920,7 +3921,7 @@
             <a:fld id="{B61BEF0D-F0BB-DE4B-95CE-6DB70DBA9567}" type="datetimeFigureOut">
               <a:rPr lang="en-US" dirty="0"/>
               <a:pPr/>
-              <a:t>08-Apr-20</a:t>
+              <a:t>4/9/2020</a:t>
             </a:fld>
             <a:endParaRPr lang="en-US" dirty="0"/>
           </a:p>
@@ -4012,7 +4013,7 @@
             <a:fld id="{B61BEF0D-F0BB-DE4B-95CE-6DB70DBA9567}" type="datetimeFigureOut">
               <a:rPr lang="en-US" dirty="0"/>
               <a:pPr/>
-              <a:t>08-Apr-20</a:t>
+              <a:t>4/9/2020</a:t>
             </a:fld>
             <a:endParaRPr lang="en-US" dirty="0"/>
           </a:p>
@@ -4263,7 +4264,7 @@
           <a:p>
             <a:fld id="{42A54C80-263E-416B-A8E0-580EDEADCBDC}" type="datetimeFigureOut">
               <a:rPr lang="en-US" dirty="0"/>
-              <a:t>08-Apr-20</a:t>
+              <a:t>4/9/2020</a:t>
             </a:fld>
             <a:endParaRPr lang="en-US" dirty="0"/>
           </a:p>
@@ -4522,7 +4523,7 @@
             <a:fld id="{B61BEF0D-F0BB-DE4B-95CE-6DB70DBA9567}" type="datetimeFigureOut">
               <a:rPr lang="en-US" dirty="0"/>
               <a:pPr/>
-              <a:t>08-Apr-20</a:t>
+              <a:t>4/9/2020</a:t>
             </a:fld>
             <a:endParaRPr lang="en-US" dirty="0"/>
           </a:p>
@@ -5262,7 +5263,7 @@
             <a:fld id="{B61BEF0D-F0BB-DE4B-95CE-6DB70DBA9567}" type="datetimeFigureOut">
               <a:rPr lang="en-US" dirty="0"/>
               <a:pPr/>
-              <a:t>08-Apr-20</a:t>
+              <a:t>4/9/2020</a:t>
             </a:fld>
             <a:endParaRPr lang="en-US" dirty="0"/>
           </a:p>
@@ -5898,7 +5899,7 @@
       </p:grpSpPr>
       <p:sp>
         <p:nvSpPr>
-          <p:cNvPr id="3" name="Content Placeholder 2"/>
+          <p:cNvPr id="2" name="Content Placeholder 1"/>
           <p:cNvSpPr>
             <a:spLocks noGrp="1"/>
           </p:cNvSpPr>
@@ -5908,181 +5909,750 @@
         </p:nvSpPr>
         <p:spPr>
           <a:xfrm>
-            <a:off x="821025" y="684486"/>
-            <a:ext cx="8087843" cy="5820817"/>
+            <a:off x="677334" y="480061"/>
+            <a:ext cx="11072706" cy="5561302"/>
           </a:xfrm>
         </p:spPr>
         <p:txBody>
           <a:bodyPr>
-            <a:normAutofit fontScale="47500" lnSpcReduction="20000"/>
+            <a:normAutofit/>
           </a:bodyPr>
           <a:lstStyle/>
+          <a:p>
+            <a:r>
+              <a:rPr lang="en-US" sz="2400" dirty="0" err="1" smtClean="0">
+                <a:latin typeface="Times New Roman" panose="02020603050405020304" pitchFamily="18" charset="0"/>
+                <a:cs typeface="Times New Roman" panose="02020603050405020304" pitchFamily="18" charset="0"/>
+              </a:rPr>
+              <a:t>Sơ</a:t>
+            </a:r>
+            <a:r>
+              <a:rPr lang="en-US" sz="2400" dirty="0" smtClean="0">
+                <a:latin typeface="Times New Roman" panose="02020603050405020304" pitchFamily="18" charset="0"/>
+                <a:cs typeface="Times New Roman" panose="02020603050405020304" pitchFamily="18" charset="0"/>
+              </a:rPr>
+              <a:t> </a:t>
+            </a:r>
+            <a:r>
+              <a:rPr lang="en-US" sz="2400" dirty="0" err="1" smtClean="0">
+                <a:latin typeface="Times New Roman" panose="02020603050405020304" pitchFamily="18" charset="0"/>
+                <a:cs typeface="Times New Roman" panose="02020603050405020304" pitchFamily="18" charset="0"/>
+              </a:rPr>
+              <a:t>đồ</a:t>
+            </a:r>
+            <a:r>
+              <a:rPr lang="en-US" sz="2400" dirty="0" smtClean="0">
+                <a:latin typeface="Times New Roman" panose="02020603050405020304" pitchFamily="18" charset="0"/>
+                <a:cs typeface="Times New Roman" panose="02020603050405020304" pitchFamily="18" charset="0"/>
+              </a:rPr>
+              <a:t> P2P </a:t>
+            </a:r>
+            <a:r>
+              <a:rPr lang="en-US" sz="2400" dirty="0" err="1" smtClean="0">
+                <a:latin typeface="Times New Roman" panose="02020603050405020304" pitchFamily="18" charset="0"/>
+                <a:cs typeface="Times New Roman" panose="02020603050405020304" pitchFamily="18" charset="0"/>
+              </a:rPr>
+              <a:t>có</a:t>
+            </a:r>
+            <a:r>
+              <a:rPr lang="en-US" sz="2400" dirty="0" smtClean="0">
+                <a:latin typeface="Times New Roman" panose="02020603050405020304" pitchFamily="18" charset="0"/>
+                <a:cs typeface="Times New Roman" panose="02020603050405020304" pitchFamily="18" charset="0"/>
+              </a:rPr>
+              <a:t> 3 </a:t>
+            </a:r>
+            <a:r>
+              <a:rPr lang="en-US" sz="2400" dirty="0" err="1" smtClean="0">
+                <a:latin typeface="Times New Roman" panose="02020603050405020304" pitchFamily="18" charset="0"/>
+                <a:cs typeface="Times New Roman" panose="02020603050405020304" pitchFamily="18" charset="0"/>
+              </a:rPr>
+              <a:t>thành</a:t>
+            </a:r>
+            <a:r>
+              <a:rPr lang="en-US" sz="2400" dirty="0" smtClean="0">
+                <a:latin typeface="Times New Roman" panose="02020603050405020304" pitchFamily="18" charset="0"/>
+                <a:cs typeface="Times New Roman" panose="02020603050405020304" pitchFamily="18" charset="0"/>
+              </a:rPr>
+              <a:t> </a:t>
+            </a:r>
+            <a:r>
+              <a:rPr lang="en-US" sz="2400" dirty="0" err="1" smtClean="0">
+                <a:latin typeface="Times New Roman" panose="02020603050405020304" pitchFamily="18" charset="0"/>
+                <a:cs typeface="Times New Roman" panose="02020603050405020304" pitchFamily="18" charset="0"/>
+              </a:rPr>
+              <a:t>phần</a:t>
+            </a:r>
+            <a:r>
+              <a:rPr lang="en-US" sz="2400" dirty="0" smtClean="0">
+                <a:latin typeface="Times New Roman" panose="02020603050405020304" pitchFamily="18" charset="0"/>
+                <a:cs typeface="Times New Roman" panose="02020603050405020304" pitchFamily="18" charset="0"/>
+              </a:rPr>
+              <a:t> </a:t>
+            </a:r>
+            <a:r>
+              <a:rPr lang="en-US" sz="2400" dirty="0" err="1" smtClean="0">
+                <a:latin typeface="Times New Roman" panose="02020603050405020304" pitchFamily="18" charset="0"/>
+                <a:cs typeface="Times New Roman" panose="02020603050405020304" pitchFamily="18" charset="0"/>
+              </a:rPr>
+              <a:t>chính</a:t>
+            </a:r>
+            <a:r>
+              <a:rPr lang="en-US" sz="2400" dirty="0" smtClean="0">
+                <a:latin typeface="Times New Roman" panose="02020603050405020304" pitchFamily="18" charset="0"/>
+                <a:cs typeface="Times New Roman" panose="02020603050405020304" pitchFamily="18" charset="0"/>
+              </a:rPr>
+              <a:t>: </a:t>
+            </a:r>
+            <a:r>
+              <a:rPr lang="en-US" sz="2400" dirty="0" err="1" smtClean="0">
+                <a:latin typeface="Times New Roman" panose="02020603050405020304" pitchFamily="18" charset="0"/>
+                <a:cs typeface="Times New Roman" panose="02020603050405020304" pitchFamily="18" charset="0"/>
+              </a:rPr>
+              <a:t>ứng</a:t>
+            </a:r>
+            <a:r>
+              <a:rPr lang="en-US" sz="2400" dirty="0" smtClean="0">
+                <a:latin typeface="Times New Roman" panose="02020603050405020304" pitchFamily="18" charset="0"/>
+                <a:cs typeface="Times New Roman" panose="02020603050405020304" pitchFamily="18" charset="0"/>
+              </a:rPr>
+              <a:t> </a:t>
+            </a:r>
+            <a:r>
+              <a:rPr lang="en-US" sz="2400" dirty="0" err="1" smtClean="0">
+                <a:latin typeface="Times New Roman" panose="02020603050405020304" pitchFamily="18" charset="0"/>
+                <a:cs typeface="Times New Roman" panose="02020603050405020304" pitchFamily="18" charset="0"/>
+              </a:rPr>
+              <a:t>dụng</a:t>
+            </a:r>
+            <a:r>
+              <a:rPr lang="en-US" sz="2400" dirty="0" smtClean="0">
+                <a:latin typeface="Times New Roman" panose="02020603050405020304" pitchFamily="18" charset="0"/>
+                <a:cs typeface="Times New Roman" panose="02020603050405020304" pitchFamily="18" charset="0"/>
+              </a:rPr>
+              <a:t> </a:t>
+            </a:r>
+            <a:r>
+              <a:rPr lang="en-US" sz="2400" dirty="0" err="1" smtClean="0">
+                <a:latin typeface="Times New Roman" panose="02020603050405020304" pitchFamily="18" charset="0"/>
+                <a:cs typeface="Times New Roman" panose="02020603050405020304" pitchFamily="18" charset="0"/>
+              </a:rPr>
+              <a:t>gửi</a:t>
+            </a:r>
+            <a:r>
+              <a:rPr lang="en-US" sz="2400" dirty="0" smtClean="0">
+                <a:latin typeface="Times New Roman" panose="02020603050405020304" pitchFamily="18" charset="0"/>
+                <a:cs typeface="Times New Roman" panose="02020603050405020304" pitchFamily="18" charset="0"/>
+              </a:rPr>
+              <a:t>, </a:t>
+            </a:r>
+            <a:r>
+              <a:rPr lang="en-US" sz="2400" b="1" i="1" dirty="0" smtClean="0">
+                <a:latin typeface="Times New Roman" panose="02020603050405020304" pitchFamily="18" charset="0"/>
+                <a:cs typeface="Times New Roman" panose="02020603050405020304" pitchFamily="18" charset="0"/>
+              </a:rPr>
+              <a:t>Queue</a:t>
+            </a:r>
+            <a:r>
+              <a:rPr lang="en-US" sz="2400" dirty="0" smtClean="0">
+                <a:latin typeface="Times New Roman" panose="02020603050405020304" pitchFamily="18" charset="0"/>
+                <a:cs typeface="Times New Roman" panose="02020603050405020304" pitchFamily="18" charset="0"/>
+              </a:rPr>
+              <a:t>, </a:t>
+            </a:r>
+            <a:r>
+              <a:rPr lang="en-US" sz="2400" dirty="0" err="1" smtClean="0">
+                <a:latin typeface="Times New Roman" panose="02020603050405020304" pitchFamily="18" charset="0"/>
+                <a:cs typeface="Times New Roman" panose="02020603050405020304" pitchFamily="18" charset="0"/>
+              </a:rPr>
+              <a:t>ứng</a:t>
+            </a:r>
+            <a:r>
+              <a:rPr lang="en-US" sz="2400" dirty="0" smtClean="0">
+                <a:latin typeface="Times New Roman" panose="02020603050405020304" pitchFamily="18" charset="0"/>
+                <a:cs typeface="Times New Roman" panose="02020603050405020304" pitchFamily="18" charset="0"/>
+              </a:rPr>
+              <a:t> </a:t>
+            </a:r>
+            <a:r>
+              <a:rPr lang="en-US" sz="2400" dirty="0" err="1" smtClean="0">
+                <a:latin typeface="Times New Roman" panose="02020603050405020304" pitchFamily="18" charset="0"/>
+                <a:cs typeface="Times New Roman" panose="02020603050405020304" pitchFamily="18" charset="0"/>
+              </a:rPr>
+              <a:t>dụng</a:t>
+            </a:r>
+            <a:r>
+              <a:rPr lang="en-US" sz="2400" dirty="0" smtClean="0">
+                <a:latin typeface="Times New Roman" panose="02020603050405020304" pitchFamily="18" charset="0"/>
+                <a:cs typeface="Times New Roman" panose="02020603050405020304" pitchFamily="18" charset="0"/>
+              </a:rPr>
+              <a:t> </a:t>
+            </a:r>
+            <a:r>
+              <a:rPr lang="en-US" sz="2400" dirty="0" err="1" smtClean="0">
+                <a:latin typeface="Times New Roman" panose="02020603050405020304" pitchFamily="18" charset="0"/>
+                <a:cs typeface="Times New Roman" panose="02020603050405020304" pitchFamily="18" charset="0"/>
+              </a:rPr>
+              <a:t>nhận</a:t>
+            </a:r>
+            <a:r>
+              <a:rPr lang="en-US" sz="2400" dirty="0" smtClean="0">
+                <a:latin typeface="Times New Roman" panose="02020603050405020304" pitchFamily="18" charset="0"/>
+                <a:cs typeface="Times New Roman" panose="02020603050405020304" pitchFamily="18" charset="0"/>
+              </a:rPr>
+              <a:t> tin.</a:t>
+            </a:r>
+          </a:p>
+          <a:p>
+            <a:r>
+              <a:rPr lang="en-US" sz="2400" dirty="0" err="1" smtClean="0">
+                <a:latin typeface="Times New Roman" panose="02020603050405020304" pitchFamily="18" charset="0"/>
+                <a:cs typeface="Times New Roman" panose="02020603050405020304" pitchFamily="18" charset="0"/>
+              </a:rPr>
+              <a:t>Mỗi</a:t>
+            </a:r>
+            <a:r>
+              <a:rPr lang="en-US" sz="2400" dirty="0" smtClean="0">
+                <a:latin typeface="Times New Roman" panose="02020603050405020304" pitchFamily="18" charset="0"/>
+                <a:cs typeface="Times New Roman" panose="02020603050405020304" pitchFamily="18" charset="0"/>
+              </a:rPr>
+              <a:t> message </a:t>
+            </a:r>
+            <a:r>
+              <a:rPr lang="en-US" sz="2400" dirty="0" err="1" smtClean="0">
+                <a:latin typeface="Times New Roman" panose="02020603050405020304" pitchFamily="18" charset="0"/>
+                <a:cs typeface="Times New Roman" panose="02020603050405020304" pitchFamily="18" charset="0"/>
+              </a:rPr>
+              <a:t>được</a:t>
+            </a:r>
+            <a:r>
+              <a:rPr lang="en-US" sz="2400" dirty="0" smtClean="0">
+                <a:latin typeface="Times New Roman" panose="02020603050405020304" pitchFamily="18" charset="0"/>
+                <a:cs typeface="Times New Roman" panose="02020603050405020304" pitchFamily="18" charset="0"/>
+              </a:rPr>
+              <a:t> </a:t>
+            </a:r>
+            <a:r>
+              <a:rPr lang="en-US" sz="2400" dirty="0" err="1" smtClean="0">
+                <a:latin typeface="Times New Roman" panose="02020603050405020304" pitchFamily="18" charset="0"/>
+                <a:cs typeface="Times New Roman" panose="02020603050405020304" pitchFamily="18" charset="0"/>
+              </a:rPr>
+              <a:t>gửi</a:t>
+            </a:r>
+            <a:r>
+              <a:rPr lang="en-US" sz="2400" dirty="0" smtClean="0">
+                <a:latin typeface="Times New Roman" panose="02020603050405020304" pitchFamily="18" charset="0"/>
+                <a:cs typeface="Times New Roman" panose="02020603050405020304" pitchFamily="18" charset="0"/>
+              </a:rPr>
+              <a:t> </a:t>
+            </a:r>
+            <a:r>
+              <a:rPr lang="en-US" sz="2400" dirty="0" err="1" smtClean="0">
+                <a:latin typeface="Times New Roman" panose="02020603050405020304" pitchFamily="18" charset="0"/>
+                <a:cs typeface="Times New Roman" panose="02020603050405020304" pitchFamily="18" charset="0"/>
+              </a:rPr>
+              <a:t>đến</a:t>
+            </a:r>
+            <a:r>
+              <a:rPr lang="en-US" sz="2400" dirty="0" smtClean="0">
+                <a:latin typeface="Times New Roman" panose="02020603050405020304" pitchFamily="18" charset="0"/>
+                <a:cs typeface="Times New Roman" panose="02020603050405020304" pitchFamily="18" charset="0"/>
+              </a:rPr>
+              <a:t> 1 client </a:t>
+            </a:r>
+            <a:r>
+              <a:rPr lang="en-US" sz="2400" dirty="0" err="1" smtClean="0">
+                <a:latin typeface="Times New Roman" panose="02020603050405020304" pitchFamily="18" charset="0"/>
+                <a:cs typeface="Times New Roman" panose="02020603050405020304" pitchFamily="18" charset="0"/>
+              </a:rPr>
+              <a:t>cụ</a:t>
+            </a:r>
+            <a:r>
+              <a:rPr lang="en-US" sz="2400" dirty="0" smtClean="0">
+                <a:latin typeface="Times New Roman" panose="02020603050405020304" pitchFamily="18" charset="0"/>
+                <a:cs typeface="Times New Roman" panose="02020603050405020304" pitchFamily="18" charset="0"/>
+              </a:rPr>
+              <a:t> </a:t>
+            </a:r>
+            <a:r>
+              <a:rPr lang="en-US" sz="2400" dirty="0" err="1" smtClean="0">
+                <a:latin typeface="Times New Roman" panose="02020603050405020304" pitchFamily="18" charset="0"/>
+                <a:cs typeface="Times New Roman" panose="02020603050405020304" pitchFamily="18" charset="0"/>
+              </a:rPr>
+              <a:t>thể</a:t>
+            </a:r>
+            <a:r>
+              <a:rPr lang="en-US" sz="2400" dirty="0" smtClean="0">
+                <a:latin typeface="Times New Roman" panose="02020603050405020304" pitchFamily="18" charset="0"/>
+                <a:cs typeface="Times New Roman" panose="02020603050405020304" pitchFamily="18" charset="0"/>
+              </a:rPr>
+              <a:t>. Queue </a:t>
+            </a:r>
+            <a:r>
+              <a:rPr lang="en-US" sz="2400" dirty="0" err="1" smtClean="0">
+                <a:latin typeface="Times New Roman" panose="02020603050405020304" pitchFamily="18" charset="0"/>
+                <a:cs typeface="Times New Roman" panose="02020603050405020304" pitchFamily="18" charset="0"/>
+              </a:rPr>
+              <a:t>giữ</a:t>
+            </a:r>
+            <a:r>
+              <a:rPr lang="en-US" sz="2400" dirty="0" smtClean="0">
+                <a:latin typeface="Times New Roman" panose="02020603050405020304" pitchFamily="18" charset="0"/>
+                <a:cs typeface="Times New Roman" panose="02020603050405020304" pitchFamily="18" charset="0"/>
+              </a:rPr>
+              <a:t> </a:t>
+            </a:r>
+            <a:r>
+              <a:rPr lang="en-US" sz="2400" dirty="0" err="1" smtClean="0">
+                <a:latin typeface="Times New Roman" panose="02020603050405020304" pitchFamily="18" charset="0"/>
+                <a:cs typeface="Times New Roman" panose="02020603050405020304" pitchFamily="18" charset="0"/>
+              </a:rPr>
+              <a:t>lại</a:t>
+            </a:r>
+            <a:r>
+              <a:rPr lang="en-US" sz="2400" dirty="0" smtClean="0">
+                <a:latin typeface="Times New Roman" panose="02020603050405020304" pitchFamily="18" charset="0"/>
+                <a:cs typeface="Times New Roman" panose="02020603050405020304" pitchFamily="18" charset="0"/>
+              </a:rPr>
+              <a:t> </a:t>
+            </a:r>
+            <a:r>
+              <a:rPr lang="en-US" sz="2400" dirty="0" err="1" smtClean="0">
+                <a:latin typeface="Times New Roman" panose="02020603050405020304" pitchFamily="18" charset="0"/>
+                <a:cs typeface="Times New Roman" panose="02020603050405020304" pitchFamily="18" charset="0"/>
+              </a:rPr>
+              <a:t>các</a:t>
+            </a:r>
+            <a:r>
+              <a:rPr lang="en-US" sz="2400" dirty="0" smtClean="0">
+                <a:latin typeface="Times New Roman" panose="02020603050405020304" pitchFamily="18" charset="0"/>
+                <a:cs typeface="Times New Roman" panose="02020603050405020304" pitchFamily="18" charset="0"/>
+              </a:rPr>
+              <a:t> message </a:t>
+            </a:r>
+            <a:r>
+              <a:rPr lang="en-US" sz="2400" dirty="0" err="1" smtClean="0">
+                <a:latin typeface="Times New Roman" panose="02020603050405020304" pitchFamily="18" charset="0"/>
+                <a:cs typeface="Times New Roman" panose="02020603050405020304" pitchFamily="18" charset="0"/>
+              </a:rPr>
+              <a:t>cho</a:t>
+            </a:r>
+            <a:r>
+              <a:rPr lang="en-US" sz="2400" dirty="0" smtClean="0">
+                <a:latin typeface="Times New Roman" panose="02020603050405020304" pitchFamily="18" charset="0"/>
+                <a:cs typeface="Times New Roman" panose="02020603050405020304" pitchFamily="18" charset="0"/>
+              </a:rPr>
+              <a:t> </a:t>
+            </a:r>
+            <a:r>
+              <a:rPr lang="en-US" sz="2400" dirty="0" err="1" smtClean="0">
+                <a:latin typeface="Times New Roman" panose="02020603050405020304" pitchFamily="18" charset="0"/>
+                <a:cs typeface="Times New Roman" panose="02020603050405020304" pitchFamily="18" charset="0"/>
+              </a:rPr>
+              <a:t>đến</a:t>
+            </a:r>
+            <a:r>
+              <a:rPr lang="en-US" sz="2400" dirty="0" smtClean="0">
+                <a:latin typeface="Times New Roman" panose="02020603050405020304" pitchFamily="18" charset="0"/>
+                <a:cs typeface="Times New Roman" panose="02020603050405020304" pitchFamily="18" charset="0"/>
+              </a:rPr>
+              <a:t> </a:t>
+            </a:r>
+            <a:r>
+              <a:rPr lang="en-US" sz="2400" dirty="0" err="1" smtClean="0">
+                <a:latin typeface="Times New Roman" panose="02020603050405020304" pitchFamily="18" charset="0"/>
+                <a:cs typeface="Times New Roman" panose="02020603050405020304" pitchFamily="18" charset="0"/>
+              </a:rPr>
+              <a:t>khi</a:t>
+            </a:r>
+            <a:r>
+              <a:rPr lang="en-US" sz="2400" dirty="0" smtClean="0">
+                <a:latin typeface="Times New Roman" panose="02020603050405020304" pitchFamily="18" charset="0"/>
+                <a:cs typeface="Times New Roman" panose="02020603050405020304" pitchFamily="18" charset="0"/>
+              </a:rPr>
+              <a:t> client </a:t>
+            </a:r>
+            <a:r>
+              <a:rPr lang="en-US" sz="2400" dirty="0" err="1" smtClean="0">
+                <a:latin typeface="Times New Roman" panose="02020603050405020304" pitchFamily="18" charset="0"/>
+                <a:cs typeface="Times New Roman" panose="02020603050405020304" pitchFamily="18" charset="0"/>
+              </a:rPr>
+              <a:t>nhận</a:t>
+            </a:r>
+            <a:r>
+              <a:rPr lang="en-US" sz="2400" dirty="0" smtClean="0">
+                <a:latin typeface="Times New Roman" panose="02020603050405020304" pitchFamily="18" charset="0"/>
+                <a:cs typeface="Times New Roman" panose="02020603050405020304" pitchFamily="18" charset="0"/>
+              </a:rPr>
+              <a:t> </a:t>
+            </a:r>
+            <a:r>
+              <a:rPr lang="en-US" sz="2400" dirty="0" err="1" smtClean="0">
+                <a:latin typeface="Times New Roman" panose="02020603050405020304" pitchFamily="18" charset="0"/>
+                <a:cs typeface="Times New Roman" panose="02020603050405020304" pitchFamily="18" charset="0"/>
+              </a:rPr>
+              <a:t>hết</a:t>
+            </a:r>
+            <a:r>
+              <a:rPr lang="en-US" sz="2400" dirty="0" smtClean="0">
+                <a:latin typeface="Times New Roman" panose="02020603050405020304" pitchFamily="18" charset="0"/>
+                <a:cs typeface="Times New Roman" panose="02020603050405020304" pitchFamily="18" charset="0"/>
+              </a:rPr>
+              <a:t> </a:t>
+            </a:r>
+            <a:r>
+              <a:rPr lang="en-US" sz="2400" dirty="0" err="1" smtClean="0">
+                <a:latin typeface="Times New Roman" panose="02020603050405020304" pitchFamily="18" charset="0"/>
+                <a:cs typeface="Times New Roman" panose="02020603050405020304" pitchFamily="18" charset="0"/>
+              </a:rPr>
+              <a:t>hoặc</a:t>
+            </a:r>
+            <a:r>
+              <a:rPr lang="en-US" sz="2400" dirty="0" smtClean="0">
+                <a:latin typeface="Times New Roman" panose="02020603050405020304" pitchFamily="18" charset="0"/>
+                <a:cs typeface="Times New Roman" panose="02020603050405020304" pitchFamily="18" charset="0"/>
+              </a:rPr>
+              <a:t> </a:t>
+            </a:r>
+            <a:r>
+              <a:rPr lang="en-US" sz="2400" dirty="0" err="1" smtClean="0">
+                <a:latin typeface="Times New Roman" panose="02020603050405020304" pitchFamily="18" charset="0"/>
+                <a:cs typeface="Times New Roman" panose="02020603050405020304" pitchFamily="18" charset="0"/>
+              </a:rPr>
+              <a:t>đến</a:t>
+            </a:r>
+            <a:r>
+              <a:rPr lang="en-US" sz="2400" dirty="0" smtClean="0">
+                <a:latin typeface="Times New Roman" panose="02020603050405020304" pitchFamily="18" charset="0"/>
+                <a:cs typeface="Times New Roman" panose="02020603050405020304" pitchFamily="18" charset="0"/>
+              </a:rPr>
+              <a:t> </a:t>
+            </a:r>
+            <a:r>
+              <a:rPr lang="en-US" sz="2400" dirty="0" err="1" smtClean="0">
+                <a:latin typeface="Times New Roman" panose="02020603050405020304" pitchFamily="18" charset="0"/>
+                <a:cs typeface="Times New Roman" panose="02020603050405020304" pitchFamily="18" charset="0"/>
+              </a:rPr>
+              <a:t>thời</a:t>
+            </a:r>
+            <a:r>
+              <a:rPr lang="en-US" sz="2400" dirty="0" smtClean="0">
+                <a:latin typeface="Times New Roman" panose="02020603050405020304" pitchFamily="18" charset="0"/>
+                <a:cs typeface="Times New Roman" panose="02020603050405020304" pitchFamily="18" charset="0"/>
+              </a:rPr>
+              <a:t> </a:t>
+            </a:r>
+            <a:r>
+              <a:rPr lang="en-US" sz="2400" dirty="0" err="1" smtClean="0">
+                <a:latin typeface="Times New Roman" panose="02020603050405020304" pitchFamily="18" charset="0"/>
+                <a:cs typeface="Times New Roman" panose="02020603050405020304" pitchFamily="18" charset="0"/>
+              </a:rPr>
+              <a:t>gian</a:t>
+            </a:r>
+            <a:r>
+              <a:rPr lang="en-US" sz="2400" dirty="0" smtClean="0">
+                <a:latin typeface="Times New Roman" panose="02020603050405020304" pitchFamily="18" charset="0"/>
+                <a:cs typeface="Times New Roman" panose="02020603050405020304" pitchFamily="18" charset="0"/>
+              </a:rPr>
+              <a:t> timeout </a:t>
+            </a:r>
+            <a:r>
+              <a:rPr lang="en-US" sz="2400" dirty="0" err="1" smtClean="0">
+                <a:latin typeface="Times New Roman" panose="02020603050405020304" pitchFamily="18" charset="0"/>
+                <a:cs typeface="Times New Roman" panose="02020603050405020304" pitchFamily="18" charset="0"/>
+              </a:rPr>
+              <a:t>thiết</a:t>
+            </a:r>
+            <a:r>
+              <a:rPr lang="en-US" sz="2400" dirty="0" smtClean="0">
+                <a:latin typeface="Times New Roman" panose="02020603050405020304" pitchFamily="18" charset="0"/>
+                <a:cs typeface="Times New Roman" panose="02020603050405020304" pitchFamily="18" charset="0"/>
+              </a:rPr>
+              <a:t> </a:t>
+            </a:r>
+            <a:r>
+              <a:rPr lang="en-US" sz="2400" dirty="0" err="1" smtClean="0">
+                <a:latin typeface="Times New Roman" panose="02020603050405020304" pitchFamily="18" charset="0"/>
+                <a:cs typeface="Times New Roman" panose="02020603050405020304" pitchFamily="18" charset="0"/>
+              </a:rPr>
+              <a:t>lập</a:t>
+            </a:r>
+            <a:r>
+              <a:rPr lang="en-US" sz="2400" dirty="0" smtClean="0">
+                <a:latin typeface="Times New Roman" panose="02020603050405020304" pitchFamily="18" charset="0"/>
+                <a:cs typeface="Times New Roman" panose="02020603050405020304" pitchFamily="18" charset="0"/>
+              </a:rPr>
+              <a:t>.</a:t>
+            </a:r>
+          </a:p>
           <a:p>
             <a:pPr marL="0" indent="0">
               <a:buNone/>
             </a:pPr>
-            <a:r>
-              <a:rPr lang="en-US" sz="5100" b="1" dirty="0" smtClean="0">
-                <a:solidFill>
-                  <a:srgbClr val="92D050"/>
-                </a:solidFill>
-                <a:latin typeface="Times New Roman" panose="02020603050405020304" pitchFamily="18" charset="0"/>
-                <a:cs typeface="Times New Roman" panose="02020603050405020304" pitchFamily="18" charset="0"/>
-              </a:rPr>
-              <a:t>b. Cơ chế Pub/Sub (Publish/Subscribe)</a:t>
-            </a:r>
-          </a:p>
-          <a:p>
-            <a:pPr>
-              <a:buFont typeface="Wingdings" panose="05000000000000000000" pitchFamily="2" charset="2"/>
-              <a:buChar char="Ø"/>
-            </a:pPr>
-            <a:r>
-              <a:rPr lang="vi-VN" sz="4200" dirty="0">
-                <a:latin typeface="Times New Roman" panose="02020603050405020304" pitchFamily="18" charset="0"/>
-                <a:cs typeface="Times New Roman" panose="02020603050405020304" pitchFamily="18" charset="0"/>
-              </a:rPr>
-              <a:t>Mô hình sử dụng Topic làm nơi lưu trữ</a:t>
-            </a:r>
-          </a:p>
-          <a:p>
-            <a:pPr>
-              <a:buFont typeface="Wingdings" panose="05000000000000000000" pitchFamily="2" charset="2"/>
-              <a:buChar char="Ø"/>
-            </a:pPr>
-            <a:r>
-              <a:rPr lang="vi-VN" sz="4200" dirty="0">
-                <a:latin typeface="Times New Roman" panose="02020603050405020304" pitchFamily="18" charset="0"/>
-                <a:cs typeface="Times New Roman" panose="02020603050405020304" pitchFamily="18" charset="0"/>
-              </a:rPr>
-              <a:t>Mô hình cho phép 1 người gửi và nhiều người nhận do vậy đối tượng được định nghĩa là Publisher và Subcribers</a:t>
-            </a:r>
-          </a:p>
-          <a:p>
-            <a:pPr>
-              <a:buFont typeface="Wingdings" panose="05000000000000000000" pitchFamily="2" charset="2"/>
-              <a:buChar char="Ø"/>
-            </a:pPr>
-            <a:r>
-              <a:rPr lang="vi-VN" sz="4200" dirty="0">
-                <a:latin typeface="Times New Roman" panose="02020603050405020304" pitchFamily="18" charset="0"/>
-                <a:cs typeface="Times New Roman" panose="02020603050405020304" pitchFamily="18" charset="0"/>
-              </a:rPr>
-              <a:t>Không cần sử dụng thông tin acknowledge và message được chuyển đến các subscriber chỉ là bản copy</a:t>
-            </a:r>
-          </a:p>
-          <a:p>
-            <a:pPr>
-              <a:buFont typeface="Wingdings" panose="05000000000000000000" pitchFamily="2" charset="2"/>
-              <a:buChar char="Ø"/>
-            </a:pPr>
-            <a:r>
-              <a:rPr lang="vi-VN" sz="4200" dirty="0">
-                <a:latin typeface="Times New Roman" panose="02020603050405020304" pitchFamily="18" charset="0"/>
-                <a:cs typeface="Times New Roman" panose="02020603050405020304" pitchFamily="18" charset="0"/>
-              </a:rPr>
-              <a:t>Mô hình này có thể đại diện cho email so với mô hình P2P tương tự như SMS</a:t>
-            </a:r>
-          </a:p>
-          <a:p>
-            <a:pPr>
-              <a:buFont typeface="Wingdings" panose="05000000000000000000" pitchFamily="2" charset="2"/>
-              <a:buChar char="Ø"/>
-            </a:pPr>
-            <a:r>
-              <a:rPr lang="vi-VN" sz="4200" dirty="0">
-                <a:latin typeface="Times New Roman" panose="02020603050405020304" pitchFamily="18" charset="0"/>
-                <a:cs typeface="Times New Roman" panose="02020603050405020304" pitchFamily="18" charset="0"/>
-              </a:rPr>
-              <a:t>Mô hình bảo mật không cao do gửi nhiều người nhận nhưng được ưu điểm đó là áp dụng thuận lợi cho hệ thống phân tán</a:t>
-            </a:r>
-          </a:p>
-          <a:p>
-            <a:pPr>
-              <a:buFont typeface="Wingdings" panose="05000000000000000000" pitchFamily="2" charset="2"/>
-              <a:buChar char="Ø"/>
-            </a:pPr>
-            <a:r>
-              <a:rPr lang="vi-VN" sz="4200" dirty="0">
-                <a:latin typeface="Times New Roman" panose="02020603050405020304" pitchFamily="18" charset="0"/>
-                <a:cs typeface="Times New Roman" panose="02020603050405020304" pitchFamily="18" charset="0"/>
-              </a:rPr>
-              <a:t>Topic thực chất cũng là dạng </a:t>
-            </a:r>
-            <a:r>
-              <a:rPr lang="vi-VN" sz="4600" dirty="0">
-                <a:latin typeface="Times New Roman" panose="02020603050405020304" pitchFamily="18" charset="0"/>
-                <a:cs typeface="Times New Roman" panose="02020603050405020304" pitchFamily="18" charset="0"/>
-              </a:rPr>
-              <a:t>queue</a:t>
-            </a:r>
-            <a:r>
-              <a:rPr lang="vi-VN" sz="4200" dirty="0">
-                <a:latin typeface="Times New Roman" panose="02020603050405020304" pitchFamily="18" charset="0"/>
-                <a:cs typeface="Times New Roman" panose="02020603050405020304" pitchFamily="18" charset="0"/>
-              </a:rPr>
-              <a:t> nhưng có nhiều hơn một queue với các queue có đánh độ ưu tiên khác nhau</a:t>
-            </a:r>
-          </a:p>
-          <a:p>
-            <a:pPr>
-              <a:buFont typeface="Wingdings" panose="05000000000000000000" pitchFamily="2" charset="2"/>
-              <a:buChar char="Ø"/>
-            </a:pPr>
-            <a:r>
-              <a:rPr lang="vi-VN" sz="4200" dirty="0">
-                <a:latin typeface="Times New Roman" panose="02020603050405020304" pitchFamily="18" charset="0"/>
-                <a:cs typeface="Times New Roman" panose="02020603050405020304" pitchFamily="18" charset="0"/>
-              </a:rPr>
-              <a:t>Mô hình Pub/Sub đòi hỏi đối tượng nhận phải active hay listener tại thời điểm gửi nhận message, nếu không message sẽ mất đi (non-durable). Do vậy, để message vẫn không mất đi nhưng được lưu trữ tạm thời trong MOM và cho phép người dùng truy cập vào MOM với tính xác thực thì chức năng durable phải được kích hoạt</a:t>
-            </a:r>
-          </a:p>
-          <a:p>
-            <a:pPr marL="0" indent="0">
-              <a:buNone/>
-            </a:pPr>
-            <a:endParaRPr lang="en-US" sz="2400" b="1" dirty="0" smtClean="0">
-              <a:solidFill>
-                <a:srgbClr val="92D050"/>
-              </a:solidFill>
+            <a:endParaRPr lang="en-US" sz="2400" dirty="0">
               <a:latin typeface="Times New Roman" panose="02020603050405020304" pitchFamily="18" charset="0"/>
               <a:cs typeface="Times New Roman" panose="02020603050405020304" pitchFamily="18" charset="0"/>
             </a:endParaRPr>
           </a:p>
-          <a:p>
-            <a:pPr marL="0" indent="0">
-              <a:buNone/>
-            </a:pPr>
-            <a:r>
-              <a:rPr lang="en-US" sz="2400" b="1" dirty="0" smtClean="0">
-                <a:solidFill>
-                  <a:srgbClr val="92D050"/>
-                </a:solidFill>
-                <a:latin typeface="Times New Roman" panose="02020603050405020304" pitchFamily="18" charset="0"/>
-                <a:cs typeface="Times New Roman" panose="02020603050405020304" pitchFamily="18" charset="0"/>
-              </a:rPr>
-              <a:t> </a:t>
-            </a:r>
-            <a:endParaRPr lang="en-US" sz="2400" b="1" dirty="0">
-              <a:solidFill>
-                <a:srgbClr val="92D050"/>
-              </a:solidFill>
-              <a:latin typeface="Times New Roman" panose="02020603050405020304" pitchFamily="18" charset="0"/>
-              <a:cs typeface="Times New Roman" panose="02020603050405020304" pitchFamily="18" charset="0"/>
-            </a:endParaRPr>
-          </a:p>
         </p:txBody>
       </p:sp>
+      <p:pic>
+        <p:nvPicPr>
+          <p:cNvPr id="5" name="Picture 4"/>
+          <p:cNvPicPr>
+            <a:picLocks noChangeAspect="1"/>
+          </p:cNvPicPr>
+          <p:nvPr/>
+        </p:nvPicPr>
+        <p:blipFill>
+          <a:blip r:embed="rId2">
+            <a:extLst>
+              <a:ext uri="{28A0092B-C50C-407E-A947-70E740481C1C}">
+                <a14:useLocalDpi xmlns:a14="http://schemas.microsoft.com/office/drawing/2010/main" val="0"/>
+              </a:ext>
+            </a:extLst>
+          </a:blip>
+          <a:stretch>
+            <a:fillRect/>
+          </a:stretch>
+        </p:blipFill>
+        <p:spPr>
+          <a:xfrm>
+            <a:off x="677334" y="1988820"/>
+            <a:ext cx="11072705" cy="4555672"/>
+          </a:xfrm>
+          <a:prstGeom prst="rect">
+            <a:avLst/>
+          </a:prstGeom>
+        </p:spPr>
+      </p:pic>
     </p:spTree>
     <p:extLst>
       <p:ext uri="{BB962C8B-B14F-4D97-AF65-F5344CB8AC3E}">
-        <p14:creationId xmlns:p14="http://schemas.microsoft.com/office/powerpoint/2010/main" val="4242717231"/>
+        <p14:creationId xmlns:p14="http://schemas.microsoft.com/office/powerpoint/2010/main" val="4265531700"/>
       </p:ext>
     </p:extLst>
   </p:cSld>
   <p:clrMapOvr>
     <a:masterClrMapping/>
   </p:clrMapOvr>
+  <p:timing>
+    <p:tnLst>
+      <p:par>
+        <p:cTn id="1" dur="indefinite" restart="never" nodeType="tmRoot">
+          <p:childTnLst>
+            <p:seq concurrent="1" nextAc="seek">
+              <p:cTn id="2" dur="indefinite" nodeType="mainSeq">
+                <p:childTnLst>
+                  <p:par>
+                    <p:cTn id="3" fill="hold">
+                      <p:stCondLst>
+                        <p:cond delay="indefinite"/>
+                      </p:stCondLst>
+                      <p:childTnLst>
+                        <p:par>
+                          <p:cTn id="4" fill="hold">
+                            <p:stCondLst>
+                              <p:cond delay="0"/>
+                            </p:stCondLst>
+                            <p:childTnLst>
+                              <p:par>
+                                <p:cTn id="5" presetID="2" presetClass="entr" presetSubtype="4" fill="hold" nodeType="clickEffect">
+                                  <p:stCondLst>
+                                    <p:cond delay="0"/>
+                                  </p:stCondLst>
+                                  <p:childTnLst>
+                                    <p:set>
+                                      <p:cBhvr>
+                                        <p:cTn id="6" dur="1" fill="hold">
+                                          <p:stCondLst>
+                                            <p:cond delay="0"/>
+                                          </p:stCondLst>
+                                        </p:cTn>
+                                        <p:tgtEl>
+                                          <p:spTgt spid="2">
+                                            <p:txEl>
+                                              <p:pRg st="0" end="0"/>
+                                            </p:txEl>
+                                          </p:spTgt>
+                                        </p:tgtEl>
+                                        <p:attrNameLst>
+                                          <p:attrName>style.visibility</p:attrName>
+                                        </p:attrNameLst>
+                                      </p:cBhvr>
+                                      <p:to>
+                                        <p:strVal val="visible"/>
+                                      </p:to>
+                                    </p:set>
+                                    <p:anim calcmode="lin" valueType="num">
+                                      <p:cBhvr additive="base">
+                                        <p:cTn id="7" dur="500" fill="hold"/>
+                                        <p:tgtEl>
+                                          <p:spTgt spid="2">
+                                            <p:txEl>
+                                              <p:pRg st="0" end="0"/>
+                                            </p:txEl>
+                                          </p:spTgt>
+                                        </p:tgtEl>
+                                        <p:attrNameLst>
+                                          <p:attrName>ppt_x</p:attrName>
+                                        </p:attrNameLst>
+                                      </p:cBhvr>
+                                      <p:tavLst>
+                                        <p:tav tm="0">
+                                          <p:val>
+                                            <p:strVal val="#ppt_x"/>
+                                          </p:val>
+                                        </p:tav>
+                                        <p:tav tm="100000">
+                                          <p:val>
+                                            <p:strVal val="#ppt_x"/>
+                                          </p:val>
+                                        </p:tav>
+                                      </p:tavLst>
+                                    </p:anim>
+                                    <p:anim calcmode="lin" valueType="num">
+                                      <p:cBhvr additive="base">
+                                        <p:cTn id="8" dur="500" fill="hold"/>
+                                        <p:tgtEl>
+                                          <p:spTgt spid="2">
+                                            <p:txEl>
+                                              <p:pRg st="0" end="0"/>
+                                            </p:txEl>
+                                          </p:spTgt>
+                                        </p:tgtEl>
+                                        <p:attrNameLst>
+                                          <p:attrName>ppt_y</p:attrName>
+                                        </p:attrNameLst>
+                                      </p:cBhvr>
+                                      <p:tavLst>
+                                        <p:tav tm="0">
+                                          <p:val>
+                                            <p:strVal val="1+#ppt_h/2"/>
+                                          </p:val>
+                                        </p:tav>
+                                        <p:tav tm="100000">
+                                          <p:val>
+                                            <p:strVal val="#ppt_y"/>
+                                          </p:val>
+                                        </p:tav>
+                                      </p:tavLst>
+                                    </p:anim>
+                                  </p:childTnLst>
+                                </p:cTn>
+                              </p:par>
+                              <p:par>
+                                <p:cTn id="9" presetID="2" presetClass="entr" presetSubtype="4" fill="hold" nodeType="withEffect">
+                                  <p:stCondLst>
+                                    <p:cond delay="0"/>
+                                  </p:stCondLst>
+                                  <p:childTnLst>
+                                    <p:set>
+                                      <p:cBhvr>
+                                        <p:cTn id="10" dur="1" fill="hold">
+                                          <p:stCondLst>
+                                            <p:cond delay="0"/>
+                                          </p:stCondLst>
+                                        </p:cTn>
+                                        <p:tgtEl>
+                                          <p:spTgt spid="2">
+                                            <p:txEl>
+                                              <p:pRg st="1" end="1"/>
+                                            </p:txEl>
+                                          </p:spTgt>
+                                        </p:tgtEl>
+                                        <p:attrNameLst>
+                                          <p:attrName>style.visibility</p:attrName>
+                                        </p:attrNameLst>
+                                      </p:cBhvr>
+                                      <p:to>
+                                        <p:strVal val="visible"/>
+                                      </p:to>
+                                    </p:set>
+                                    <p:anim calcmode="lin" valueType="num">
+                                      <p:cBhvr additive="base">
+                                        <p:cTn id="11" dur="500" fill="hold"/>
+                                        <p:tgtEl>
+                                          <p:spTgt spid="2">
+                                            <p:txEl>
+                                              <p:pRg st="1" end="1"/>
+                                            </p:txEl>
+                                          </p:spTgt>
+                                        </p:tgtEl>
+                                        <p:attrNameLst>
+                                          <p:attrName>ppt_x</p:attrName>
+                                        </p:attrNameLst>
+                                      </p:cBhvr>
+                                      <p:tavLst>
+                                        <p:tav tm="0">
+                                          <p:val>
+                                            <p:strVal val="#ppt_x"/>
+                                          </p:val>
+                                        </p:tav>
+                                        <p:tav tm="100000">
+                                          <p:val>
+                                            <p:strVal val="#ppt_x"/>
+                                          </p:val>
+                                        </p:tav>
+                                      </p:tavLst>
+                                    </p:anim>
+                                    <p:anim calcmode="lin" valueType="num">
+                                      <p:cBhvr additive="base">
+                                        <p:cTn id="12" dur="500" fill="hold"/>
+                                        <p:tgtEl>
+                                          <p:spTgt spid="2">
+                                            <p:txEl>
+                                              <p:pRg st="1" end="1"/>
+                                            </p:txEl>
+                                          </p:spTgt>
+                                        </p:tgtEl>
+                                        <p:attrNameLst>
+                                          <p:attrName>ppt_y</p:attrName>
+                                        </p:attrNameLst>
+                                      </p:cBhvr>
+                                      <p:tavLst>
+                                        <p:tav tm="0">
+                                          <p:val>
+                                            <p:strVal val="1+#ppt_h/2"/>
+                                          </p:val>
+                                        </p:tav>
+                                        <p:tav tm="100000">
+                                          <p:val>
+                                            <p:strVal val="#ppt_y"/>
+                                          </p:val>
+                                        </p:tav>
+                                      </p:tavLst>
+                                    </p:anim>
+                                  </p:childTnLst>
+                                </p:cTn>
+                              </p:par>
+                            </p:childTnLst>
+                          </p:cTn>
+                        </p:par>
+                      </p:childTnLst>
+                    </p:cTn>
+                  </p:par>
+                </p:childTnLst>
+              </p:cTn>
+              <p:prevCondLst>
+                <p:cond evt="onPrev" delay="0">
+                  <p:tgtEl>
+                    <p:sldTgt/>
+                  </p:tgtEl>
+                </p:cond>
+              </p:prevCondLst>
+              <p:nextCondLst>
+                <p:cond evt="onNext" delay="0">
+                  <p:tgtEl>
+                    <p:sldTgt/>
+                  </p:tgtEl>
+                </p:cond>
+              </p:nextCondLst>
+            </p:seq>
+          </p:childTnLst>
+        </p:cTn>
+      </p:par>
+    </p:tnLst>
+  </p:timing>
 </p:sld>
 </file>
 
@@ -6115,39 +6685,1364 @@
         </p:nvSpPr>
         <p:spPr>
           <a:xfrm>
-            <a:off x="2780454" y="5178109"/>
-            <a:ext cx="4835192" cy="660988"/>
+            <a:off x="821025" y="684486"/>
+            <a:ext cx="8087843" cy="5820817"/>
           </a:xfrm>
         </p:spPr>
         <p:txBody>
-          <a:bodyPr/>
+          <a:bodyPr>
+            <a:normAutofit fontScale="47500" lnSpcReduction="20000"/>
+          </a:bodyPr>
           <a:lstStyle/>
           <a:p>
             <a:pPr marL="0" indent="0">
               <a:buNone/>
             </a:pPr>
             <a:r>
-              <a:rPr lang="en-US" sz="2800" b="1" dirty="0">
-                <a:solidFill>
-                  <a:schemeClr val="tx1"/>
-                </a:solidFill>
-                <a:latin typeface="Times New Roman" panose="02020603050405020304" pitchFamily="18" charset="0"/>
-                <a:cs typeface="Times New Roman" panose="02020603050405020304" pitchFamily="18" charset="0"/>
-              </a:rPr>
-              <a:t>Pub/Sub (Publish/Subscribe)</a:t>
+              <a:rPr lang="en-US" sz="5100" b="1" dirty="0" smtClean="0">
+                <a:solidFill>
+                  <a:srgbClr val="92D050"/>
+                </a:solidFill>
+                <a:latin typeface="Times New Roman" panose="02020603050405020304" pitchFamily="18" charset="0"/>
+                <a:cs typeface="Times New Roman" panose="02020603050405020304" pitchFamily="18" charset="0"/>
+              </a:rPr>
+              <a:t>b. Cơ chế Pub/Sub (Publish/Subscribe)</a:t>
+            </a:r>
+          </a:p>
+          <a:p>
+            <a:pPr>
+              <a:buFont typeface="Wingdings" panose="05000000000000000000" pitchFamily="2" charset="2"/>
+              <a:buChar char="Ø"/>
+            </a:pPr>
+            <a:r>
+              <a:rPr lang="vi-VN" sz="4200" dirty="0">
+                <a:latin typeface="Times New Roman" panose="02020603050405020304" pitchFamily="18" charset="0"/>
+                <a:cs typeface="Times New Roman" panose="02020603050405020304" pitchFamily="18" charset="0"/>
+              </a:rPr>
+              <a:t>Mô hình sử dụng Topic làm nơi lưu trữ</a:t>
+            </a:r>
+          </a:p>
+          <a:p>
+            <a:pPr>
+              <a:buFont typeface="Wingdings" panose="05000000000000000000" pitchFamily="2" charset="2"/>
+              <a:buChar char="Ø"/>
+            </a:pPr>
+            <a:r>
+              <a:rPr lang="vi-VN" sz="4200" dirty="0">
+                <a:latin typeface="Times New Roman" panose="02020603050405020304" pitchFamily="18" charset="0"/>
+                <a:cs typeface="Times New Roman" panose="02020603050405020304" pitchFamily="18" charset="0"/>
+              </a:rPr>
+              <a:t>Mô hình cho phép 1 người gửi và nhiều người nhận do vậy đối tượng được định nghĩa là Publisher và Subcribers</a:t>
+            </a:r>
+          </a:p>
+          <a:p>
+            <a:pPr>
+              <a:buFont typeface="Wingdings" panose="05000000000000000000" pitchFamily="2" charset="2"/>
+              <a:buChar char="Ø"/>
+            </a:pPr>
+            <a:r>
+              <a:rPr lang="vi-VN" sz="4200" dirty="0">
+                <a:latin typeface="Times New Roman" panose="02020603050405020304" pitchFamily="18" charset="0"/>
+                <a:cs typeface="Times New Roman" panose="02020603050405020304" pitchFamily="18" charset="0"/>
+              </a:rPr>
+              <a:t>Không cần sử dụng thông tin acknowledge và message được chuyển đến các subscriber chỉ là bản copy</a:t>
+            </a:r>
+          </a:p>
+          <a:p>
+            <a:pPr>
+              <a:buFont typeface="Wingdings" panose="05000000000000000000" pitchFamily="2" charset="2"/>
+              <a:buChar char="Ø"/>
+            </a:pPr>
+            <a:r>
+              <a:rPr lang="vi-VN" sz="4200" dirty="0">
+                <a:latin typeface="Times New Roman" panose="02020603050405020304" pitchFamily="18" charset="0"/>
+                <a:cs typeface="Times New Roman" panose="02020603050405020304" pitchFamily="18" charset="0"/>
+              </a:rPr>
+              <a:t>Mô hình này có thể đại diện cho email so với mô hình P2P tương tự như SMS</a:t>
+            </a:r>
+          </a:p>
+          <a:p>
+            <a:pPr>
+              <a:buFont typeface="Wingdings" panose="05000000000000000000" pitchFamily="2" charset="2"/>
+              <a:buChar char="Ø"/>
+            </a:pPr>
+            <a:r>
+              <a:rPr lang="vi-VN" sz="4200" dirty="0">
+                <a:latin typeface="Times New Roman" panose="02020603050405020304" pitchFamily="18" charset="0"/>
+                <a:cs typeface="Times New Roman" panose="02020603050405020304" pitchFamily="18" charset="0"/>
+              </a:rPr>
+              <a:t>Mô hình bảo mật không cao do gửi nhiều người nhận nhưng được ưu điểm đó là áp dụng thuận lợi cho hệ thống phân tán</a:t>
+            </a:r>
+          </a:p>
+          <a:p>
+            <a:pPr>
+              <a:buFont typeface="Wingdings" panose="05000000000000000000" pitchFamily="2" charset="2"/>
+              <a:buChar char="Ø"/>
+            </a:pPr>
+            <a:r>
+              <a:rPr lang="vi-VN" sz="4200" dirty="0">
+                <a:latin typeface="Times New Roman" panose="02020603050405020304" pitchFamily="18" charset="0"/>
+                <a:cs typeface="Times New Roman" panose="02020603050405020304" pitchFamily="18" charset="0"/>
+              </a:rPr>
+              <a:t>Topic thực chất cũng là dạng </a:t>
+            </a:r>
+            <a:r>
+              <a:rPr lang="vi-VN" sz="4600" dirty="0">
+                <a:latin typeface="Times New Roman" panose="02020603050405020304" pitchFamily="18" charset="0"/>
+                <a:cs typeface="Times New Roman" panose="02020603050405020304" pitchFamily="18" charset="0"/>
+              </a:rPr>
+              <a:t>queue</a:t>
+            </a:r>
+            <a:r>
+              <a:rPr lang="vi-VN" sz="4200" dirty="0">
+                <a:latin typeface="Times New Roman" panose="02020603050405020304" pitchFamily="18" charset="0"/>
+                <a:cs typeface="Times New Roman" panose="02020603050405020304" pitchFamily="18" charset="0"/>
+              </a:rPr>
+              <a:t> nhưng có nhiều hơn một queue với các queue có đánh độ ưu tiên khác nhau</a:t>
+            </a:r>
+          </a:p>
+          <a:p>
+            <a:pPr>
+              <a:buFont typeface="Wingdings" panose="05000000000000000000" pitchFamily="2" charset="2"/>
+              <a:buChar char="Ø"/>
+            </a:pPr>
+            <a:r>
+              <a:rPr lang="vi-VN" sz="4200" dirty="0">
+                <a:latin typeface="Times New Roman" panose="02020603050405020304" pitchFamily="18" charset="0"/>
+                <a:cs typeface="Times New Roman" panose="02020603050405020304" pitchFamily="18" charset="0"/>
+              </a:rPr>
+              <a:t>Mô hình Pub/Sub đòi hỏi đối tượng nhận phải active hay listener tại thời điểm gửi nhận message, nếu không message sẽ mất đi (non-durable). Do vậy, để message vẫn không mất đi nhưng được lưu trữ tạm thời trong MOM và cho phép người dùng truy cập vào MOM với tính xác thực thì chức năng durable phải được kích hoạt</a:t>
             </a:r>
           </a:p>
           <a:p>
             <a:pPr marL="0" indent="0">
               <a:buNone/>
             </a:pPr>
-            <a:endParaRPr lang="en-US" dirty="0"/>
+            <a:endParaRPr lang="en-US" sz="2400" b="1" dirty="0" smtClean="0">
+              <a:solidFill>
+                <a:srgbClr val="92D050"/>
+              </a:solidFill>
+              <a:latin typeface="Times New Roman" panose="02020603050405020304" pitchFamily="18" charset="0"/>
+              <a:cs typeface="Times New Roman" panose="02020603050405020304" pitchFamily="18" charset="0"/>
+            </a:endParaRPr>
+          </a:p>
+          <a:p>
+            <a:pPr marL="0" indent="0">
+              <a:buNone/>
+            </a:pPr>
+            <a:r>
+              <a:rPr lang="en-US" sz="2400" b="1" dirty="0" smtClean="0">
+                <a:solidFill>
+                  <a:srgbClr val="92D050"/>
+                </a:solidFill>
+                <a:latin typeface="Times New Roman" panose="02020603050405020304" pitchFamily="18" charset="0"/>
+                <a:cs typeface="Times New Roman" panose="02020603050405020304" pitchFamily="18" charset="0"/>
+              </a:rPr>
+              <a:t> </a:t>
+            </a:r>
+            <a:endParaRPr lang="en-US" sz="2400" b="1" dirty="0">
+              <a:solidFill>
+                <a:srgbClr val="92D050"/>
+              </a:solidFill>
+              <a:latin typeface="Times New Roman" panose="02020603050405020304" pitchFamily="18" charset="0"/>
+              <a:cs typeface="Times New Roman" panose="02020603050405020304" pitchFamily="18" charset="0"/>
+            </a:endParaRPr>
+          </a:p>
+        </p:txBody>
+      </p:sp>
+    </p:spTree>
+    <p:extLst>
+      <p:ext uri="{BB962C8B-B14F-4D97-AF65-F5344CB8AC3E}">
+        <p14:creationId xmlns:p14="http://schemas.microsoft.com/office/powerpoint/2010/main" val="4242717231"/>
+      </p:ext>
+    </p:extLst>
+  </p:cSld>
+  <p:clrMapOvr>
+    <a:masterClrMapping/>
+  </p:clrMapOvr>
+  <p:timing>
+    <p:tnLst>
+      <p:par>
+        <p:cTn id="1" dur="indefinite" restart="never" nodeType="tmRoot">
+          <p:childTnLst>
+            <p:seq concurrent="1" nextAc="seek">
+              <p:cTn id="2" dur="indefinite" nodeType="mainSeq">
+                <p:childTnLst>
+                  <p:par>
+                    <p:cTn id="3" fill="hold">
+                      <p:stCondLst>
+                        <p:cond delay="indefinite"/>
+                      </p:stCondLst>
+                      <p:childTnLst>
+                        <p:par>
+                          <p:cTn id="4" fill="hold">
+                            <p:stCondLst>
+                              <p:cond delay="0"/>
+                            </p:stCondLst>
+                            <p:childTnLst>
+                              <p:par>
+                                <p:cTn id="5" presetID="2" presetClass="entr" presetSubtype="4" fill="hold" nodeType="clickEffect">
+                                  <p:stCondLst>
+                                    <p:cond delay="0"/>
+                                  </p:stCondLst>
+                                  <p:childTnLst>
+                                    <p:set>
+                                      <p:cBhvr>
+                                        <p:cTn id="6" dur="1" fill="hold">
+                                          <p:stCondLst>
+                                            <p:cond delay="0"/>
+                                          </p:stCondLst>
+                                        </p:cTn>
+                                        <p:tgtEl>
+                                          <p:spTgt spid="3">
+                                            <p:txEl>
+                                              <p:pRg st="1" end="1"/>
+                                            </p:txEl>
+                                          </p:spTgt>
+                                        </p:tgtEl>
+                                        <p:attrNameLst>
+                                          <p:attrName>style.visibility</p:attrName>
+                                        </p:attrNameLst>
+                                      </p:cBhvr>
+                                      <p:to>
+                                        <p:strVal val="visible"/>
+                                      </p:to>
+                                    </p:set>
+                                    <p:anim calcmode="lin" valueType="num">
+                                      <p:cBhvr additive="base">
+                                        <p:cTn id="7" dur="500" fill="hold"/>
+                                        <p:tgtEl>
+                                          <p:spTgt spid="3">
+                                            <p:txEl>
+                                              <p:pRg st="1" end="1"/>
+                                            </p:txEl>
+                                          </p:spTgt>
+                                        </p:tgtEl>
+                                        <p:attrNameLst>
+                                          <p:attrName>ppt_x</p:attrName>
+                                        </p:attrNameLst>
+                                      </p:cBhvr>
+                                      <p:tavLst>
+                                        <p:tav tm="0">
+                                          <p:val>
+                                            <p:strVal val="#ppt_x"/>
+                                          </p:val>
+                                        </p:tav>
+                                        <p:tav tm="100000">
+                                          <p:val>
+                                            <p:strVal val="#ppt_x"/>
+                                          </p:val>
+                                        </p:tav>
+                                      </p:tavLst>
+                                    </p:anim>
+                                    <p:anim calcmode="lin" valueType="num">
+                                      <p:cBhvr additive="base">
+                                        <p:cTn id="8" dur="500" fill="hold"/>
+                                        <p:tgtEl>
+                                          <p:spTgt spid="3">
+                                            <p:txEl>
+                                              <p:pRg st="1" end="1"/>
+                                            </p:txEl>
+                                          </p:spTgt>
+                                        </p:tgtEl>
+                                        <p:attrNameLst>
+                                          <p:attrName>ppt_y</p:attrName>
+                                        </p:attrNameLst>
+                                      </p:cBhvr>
+                                      <p:tavLst>
+                                        <p:tav tm="0">
+                                          <p:val>
+                                            <p:strVal val="1+#ppt_h/2"/>
+                                          </p:val>
+                                        </p:tav>
+                                        <p:tav tm="100000">
+                                          <p:val>
+                                            <p:strVal val="#ppt_y"/>
+                                          </p:val>
+                                        </p:tav>
+                                      </p:tavLst>
+                                    </p:anim>
+                                  </p:childTnLst>
+                                </p:cTn>
+                              </p:par>
+                              <p:par>
+                                <p:cTn id="9" presetID="2" presetClass="entr" presetSubtype="4" fill="hold" nodeType="withEffect">
+                                  <p:stCondLst>
+                                    <p:cond delay="0"/>
+                                  </p:stCondLst>
+                                  <p:childTnLst>
+                                    <p:set>
+                                      <p:cBhvr>
+                                        <p:cTn id="10" dur="1" fill="hold">
+                                          <p:stCondLst>
+                                            <p:cond delay="0"/>
+                                          </p:stCondLst>
+                                        </p:cTn>
+                                        <p:tgtEl>
+                                          <p:spTgt spid="3">
+                                            <p:txEl>
+                                              <p:pRg st="2" end="2"/>
+                                            </p:txEl>
+                                          </p:spTgt>
+                                        </p:tgtEl>
+                                        <p:attrNameLst>
+                                          <p:attrName>style.visibility</p:attrName>
+                                        </p:attrNameLst>
+                                      </p:cBhvr>
+                                      <p:to>
+                                        <p:strVal val="visible"/>
+                                      </p:to>
+                                    </p:set>
+                                    <p:anim calcmode="lin" valueType="num">
+                                      <p:cBhvr additive="base">
+                                        <p:cTn id="11" dur="500" fill="hold"/>
+                                        <p:tgtEl>
+                                          <p:spTgt spid="3">
+                                            <p:txEl>
+                                              <p:pRg st="2" end="2"/>
+                                            </p:txEl>
+                                          </p:spTgt>
+                                        </p:tgtEl>
+                                        <p:attrNameLst>
+                                          <p:attrName>ppt_x</p:attrName>
+                                        </p:attrNameLst>
+                                      </p:cBhvr>
+                                      <p:tavLst>
+                                        <p:tav tm="0">
+                                          <p:val>
+                                            <p:strVal val="#ppt_x"/>
+                                          </p:val>
+                                        </p:tav>
+                                        <p:tav tm="100000">
+                                          <p:val>
+                                            <p:strVal val="#ppt_x"/>
+                                          </p:val>
+                                        </p:tav>
+                                      </p:tavLst>
+                                    </p:anim>
+                                    <p:anim calcmode="lin" valueType="num">
+                                      <p:cBhvr additive="base">
+                                        <p:cTn id="12" dur="500" fill="hold"/>
+                                        <p:tgtEl>
+                                          <p:spTgt spid="3">
+                                            <p:txEl>
+                                              <p:pRg st="2" end="2"/>
+                                            </p:txEl>
+                                          </p:spTgt>
+                                        </p:tgtEl>
+                                        <p:attrNameLst>
+                                          <p:attrName>ppt_y</p:attrName>
+                                        </p:attrNameLst>
+                                      </p:cBhvr>
+                                      <p:tavLst>
+                                        <p:tav tm="0">
+                                          <p:val>
+                                            <p:strVal val="1+#ppt_h/2"/>
+                                          </p:val>
+                                        </p:tav>
+                                        <p:tav tm="100000">
+                                          <p:val>
+                                            <p:strVal val="#ppt_y"/>
+                                          </p:val>
+                                        </p:tav>
+                                      </p:tavLst>
+                                    </p:anim>
+                                  </p:childTnLst>
+                                </p:cTn>
+                              </p:par>
+                              <p:par>
+                                <p:cTn id="13" presetID="2" presetClass="entr" presetSubtype="4" fill="hold" nodeType="withEffect">
+                                  <p:stCondLst>
+                                    <p:cond delay="0"/>
+                                  </p:stCondLst>
+                                  <p:childTnLst>
+                                    <p:set>
+                                      <p:cBhvr>
+                                        <p:cTn id="14" dur="1" fill="hold">
+                                          <p:stCondLst>
+                                            <p:cond delay="0"/>
+                                          </p:stCondLst>
+                                        </p:cTn>
+                                        <p:tgtEl>
+                                          <p:spTgt spid="3">
+                                            <p:txEl>
+                                              <p:pRg st="3" end="3"/>
+                                            </p:txEl>
+                                          </p:spTgt>
+                                        </p:tgtEl>
+                                        <p:attrNameLst>
+                                          <p:attrName>style.visibility</p:attrName>
+                                        </p:attrNameLst>
+                                      </p:cBhvr>
+                                      <p:to>
+                                        <p:strVal val="visible"/>
+                                      </p:to>
+                                    </p:set>
+                                    <p:anim calcmode="lin" valueType="num">
+                                      <p:cBhvr additive="base">
+                                        <p:cTn id="15" dur="500" fill="hold"/>
+                                        <p:tgtEl>
+                                          <p:spTgt spid="3">
+                                            <p:txEl>
+                                              <p:pRg st="3" end="3"/>
+                                            </p:txEl>
+                                          </p:spTgt>
+                                        </p:tgtEl>
+                                        <p:attrNameLst>
+                                          <p:attrName>ppt_x</p:attrName>
+                                        </p:attrNameLst>
+                                      </p:cBhvr>
+                                      <p:tavLst>
+                                        <p:tav tm="0">
+                                          <p:val>
+                                            <p:strVal val="#ppt_x"/>
+                                          </p:val>
+                                        </p:tav>
+                                        <p:tav tm="100000">
+                                          <p:val>
+                                            <p:strVal val="#ppt_x"/>
+                                          </p:val>
+                                        </p:tav>
+                                      </p:tavLst>
+                                    </p:anim>
+                                    <p:anim calcmode="lin" valueType="num">
+                                      <p:cBhvr additive="base">
+                                        <p:cTn id="16" dur="500" fill="hold"/>
+                                        <p:tgtEl>
+                                          <p:spTgt spid="3">
+                                            <p:txEl>
+                                              <p:pRg st="3" end="3"/>
+                                            </p:txEl>
+                                          </p:spTgt>
+                                        </p:tgtEl>
+                                        <p:attrNameLst>
+                                          <p:attrName>ppt_y</p:attrName>
+                                        </p:attrNameLst>
+                                      </p:cBhvr>
+                                      <p:tavLst>
+                                        <p:tav tm="0">
+                                          <p:val>
+                                            <p:strVal val="1+#ppt_h/2"/>
+                                          </p:val>
+                                        </p:tav>
+                                        <p:tav tm="100000">
+                                          <p:val>
+                                            <p:strVal val="#ppt_y"/>
+                                          </p:val>
+                                        </p:tav>
+                                      </p:tavLst>
+                                    </p:anim>
+                                  </p:childTnLst>
+                                </p:cTn>
+                              </p:par>
+                              <p:par>
+                                <p:cTn id="17" presetID="2" presetClass="entr" presetSubtype="4" fill="hold" nodeType="withEffect">
+                                  <p:stCondLst>
+                                    <p:cond delay="0"/>
+                                  </p:stCondLst>
+                                  <p:childTnLst>
+                                    <p:set>
+                                      <p:cBhvr>
+                                        <p:cTn id="18" dur="1" fill="hold">
+                                          <p:stCondLst>
+                                            <p:cond delay="0"/>
+                                          </p:stCondLst>
+                                        </p:cTn>
+                                        <p:tgtEl>
+                                          <p:spTgt spid="3">
+                                            <p:txEl>
+                                              <p:pRg st="4" end="4"/>
+                                            </p:txEl>
+                                          </p:spTgt>
+                                        </p:tgtEl>
+                                        <p:attrNameLst>
+                                          <p:attrName>style.visibility</p:attrName>
+                                        </p:attrNameLst>
+                                      </p:cBhvr>
+                                      <p:to>
+                                        <p:strVal val="visible"/>
+                                      </p:to>
+                                    </p:set>
+                                    <p:anim calcmode="lin" valueType="num">
+                                      <p:cBhvr additive="base">
+                                        <p:cTn id="19" dur="500" fill="hold"/>
+                                        <p:tgtEl>
+                                          <p:spTgt spid="3">
+                                            <p:txEl>
+                                              <p:pRg st="4" end="4"/>
+                                            </p:txEl>
+                                          </p:spTgt>
+                                        </p:tgtEl>
+                                        <p:attrNameLst>
+                                          <p:attrName>ppt_x</p:attrName>
+                                        </p:attrNameLst>
+                                      </p:cBhvr>
+                                      <p:tavLst>
+                                        <p:tav tm="0">
+                                          <p:val>
+                                            <p:strVal val="#ppt_x"/>
+                                          </p:val>
+                                        </p:tav>
+                                        <p:tav tm="100000">
+                                          <p:val>
+                                            <p:strVal val="#ppt_x"/>
+                                          </p:val>
+                                        </p:tav>
+                                      </p:tavLst>
+                                    </p:anim>
+                                    <p:anim calcmode="lin" valueType="num">
+                                      <p:cBhvr additive="base">
+                                        <p:cTn id="20" dur="500" fill="hold"/>
+                                        <p:tgtEl>
+                                          <p:spTgt spid="3">
+                                            <p:txEl>
+                                              <p:pRg st="4" end="4"/>
+                                            </p:txEl>
+                                          </p:spTgt>
+                                        </p:tgtEl>
+                                        <p:attrNameLst>
+                                          <p:attrName>ppt_y</p:attrName>
+                                        </p:attrNameLst>
+                                      </p:cBhvr>
+                                      <p:tavLst>
+                                        <p:tav tm="0">
+                                          <p:val>
+                                            <p:strVal val="1+#ppt_h/2"/>
+                                          </p:val>
+                                        </p:tav>
+                                        <p:tav tm="100000">
+                                          <p:val>
+                                            <p:strVal val="#ppt_y"/>
+                                          </p:val>
+                                        </p:tav>
+                                      </p:tavLst>
+                                    </p:anim>
+                                  </p:childTnLst>
+                                </p:cTn>
+                              </p:par>
+                              <p:par>
+                                <p:cTn id="21" presetID="2" presetClass="entr" presetSubtype="4" fill="hold" nodeType="withEffect">
+                                  <p:stCondLst>
+                                    <p:cond delay="0"/>
+                                  </p:stCondLst>
+                                  <p:childTnLst>
+                                    <p:set>
+                                      <p:cBhvr>
+                                        <p:cTn id="22" dur="1" fill="hold">
+                                          <p:stCondLst>
+                                            <p:cond delay="0"/>
+                                          </p:stCondLst>
+                                        </p:cTn>
+                                        <p:tgtEl>
+                                          <p:spTgt spid="3">
+                                            <p:txEl>
+                                              <p:pRg st="5" end="5"/>
+                                            </p:txEl>
+                                          </p:spTgt>
+                                        </p:tgtEl>
+                                        <p:attrNameLst>
+                                          <p:attrName>style.visibility</p:attrName>
+                                        </p:attrNameLst>
+                                      </p:cBhvr>
+                                      <p:to>
+                                        <p:strVal val="visible"/>
+                                      </p:to>
+                                    </p:set>
+                                    <p:anim calcmode="lin" valueType="num">
+                                      <p:cBhvr additive="base">
+                                        <p:cTn id="23" dur="500" fill="hold"/>
+                                        <p:tgtEl>
+                                          <p:spTgt spid="3">
+                                            <p:txEl>
+                                              <p:pRg st="5" end="5"/>
+                                            </p:txEl>
+                                          </p:spTgt>
+                                        </p:tgtEl>
+                                        <p:attrNameLst>
+                                          <p:attrName>ppt_x</p:attrName>
+                                        </p:attrNameLst>
+                                      </p:cBhvr>
+                                      <p:tavLst>
+                                        <p:tav tm="0">
+                                          <p:val>
+                                            <p:strVal val="#ppt_x"/>
+                                          </p:val>
+                                        </p:tav>
+                                        <p:tav tm="100000">
+                                          <p:val>
+                                            <p:strVal val="#ppt_x"/>
+                                          </p:val>
+                                        </p:tav>
+                                      </p:tavLst>
+                                    </p:anim>
+                                    <p:anim calcmode="lin" valueType="num">
+                                      <p:cBhvr additive="base">
+                                        <p:cTn id="24" dur="500" fill="hold"/>
+                                        <p:tgtEl>
+                                          <p:spTgt spid="3">
+                                            <p:txEl>
+                                              <p:pRg st="5" end="5"/>
+                                            </p:txEl>
+                                          </p:spTgt>
+                                        </p:tgtEl>
+                                        <p:attrNameLst>
+                                          <p:attrName>ppt_y</p:attrName>
+                                        </p:attrNameLst>
+                                      </p:cBhvr>
+                                      <p:tavLst>
+                                        <p:tav tm="0">
+                                          <p:val>
+                                            <p:strVal val="1+#ppt_h/2"/>
+                                          </p:val>
+                                        </p:tav>
+                                        <p:tav tm="100000">
+                                          <p:val>
+                                            <p:strVal val="#ppt_y"/>
+                                          </p:val>
+                                        </p:tav>
+                                      </p:tavLst>
+                                    </p:anim>
+                                  </p:childTnLst>
+                                </p:cTn>
+                              </p:par>
+                              <p:par>
+                                <p:cTn id="25" presetID="2" presetClass="entr" presetSubtype="4" fill="hold" nodeType="withEffect">
+                                  <p:stCondLst>
+                                    <p:cond delay="0"/>
+                                  </p:stCondLst>
+                                  <p:childTnLst>
+                                    <p:set>
+                                      <p:cBhvr>
+                                        <p:cTn id="26" dur="1" fill="hold">
+                                          <p:stCondLst>
+                                            <p:cond delay="0"/>
+                                          </p:stCondLst>
+                                        </p:cTn>
+                                        <p:tgtEl>
+                                          <p:spTgt spid="3">
+                                            <p:txEl>
+                                              <p:pRg st="6" end="6"/>
+                                            </p:txEl>
+                                          </p:spTgt>
+                                        </p:tgtEl>
+                                        <p:attrNameLst>
+                                          <p:attrName>style.visibility</p:attrName>
+                                        </p:attrNameLst>
+                                      </p:cBhvr>
+                                      <p:to>
+                                        <p:strVal val="visible"/>
+                                      </p:to>
+                                    </p:set>
+                                    <p:anim calcmode="lin" valueType="num">
+                                      <p:cBhvr additive="base">
+                                        <p:cTn id="27" dur="500" fill="hold"/>
+                                        <p:tgtEl>
+                                          <p:spTgt spid="3">
+                                            <p:txEl>
+                                              <p:pRg st="6" end="6"/>
+                                            </p:txEl>
+                                          </p:spTgt>
+                                        </p:tgtEl>
+                                        <p:attrNameLst>
+                                          <p:attrName>ppt_x</p:attrName>
+                                        </p:attrNameLst>
+                                      </p:cBhvr>
+                                      <p:tavLst>
+                                        <p:tav tm="0">
+                                          <p:val>
+                                            <p:strVal val="#ppt_x"/>
+                                          </p:val>
+                                        </p:tav>
+                                        <p:tav tm="100000">
+                                          <p:val>
+                                            <p:strVal val="#ppt_x"/>
+                                          </p:val>
+                                        </p:tav>
+                                      </p:tavLst>
+                                    </p:anim>
+                                    <p:anim calcmode="lin" valueType="num">
+                                      <p:cBhvr additive="base">
+                                        <p:cTn id="28" dur="500" fill="hold"/>
+                                        <p:tgtEl>
+                                          <p:spTgt spid="3">
+                                            <p:txEl>
+                                              <p:pRg st="6" end="6"/>
+                                            </p:txEl>
+                                          </p:spTgt>
+                                        </p:tgtEl>
+                                        <p:attrNameLst>
+                                          <p:attrName>ppt_y</p:attrName>
+                                        </p:attrNameLst>
+                                      </p:cBhvr>
+                                      <p:tavLst>
+                                        <p:tav tm="0">
+                                          <p:val>
+                                            <p:strVal val="1+#ppt_h/2"/>
+                                          </p:val>
+                                        </p:tav>
+                                        <p:tav tm="100000">
+                                          <p:val>
+                                            <p:strVal val="#ppt_y"/>
+                                          </p:val>
+                                        </p:tav>
+                                      </p:tavLst>
+                                    </p:anim>
+                                  </p:childTnLst>
+                                </p:cTn>
+                              </p:par>
+                              <p:par>
+                                <p:cTn id="29" presetID="2" presetClass="entr" presetSubtype="4" fill="hold" nodeType="withEffect">
+                                  <p:stCondLst>
+                                    <p:cond delay="0"/>
+                                  </p:stCondLst>
+                                  <p:childTnLst>
+                                    <p:set>
+                                      <p:cBhvr>
+                                        <p:cTn id="30" dur="1" fill="hold">
+                                          <p:stCondLst>
+                                            <p:cond delay="0"/>
+                                          </p:stCondLst>
+                                        </p:cTn>
+                                        <p:tgtEl>
+                                          <p:spTgt spid="3">
+                                            <p:txEl>
+                                              <p:pRg st="7" end="7"/>
+                                            </p:txEl>
+                                          </p:spTgt>
+                                        </p:tgtEl>
+                                        <p:attrNameLst>
+                                          <p:attrName>style.visibility</p:attrName>
+                                        </p:attrNameLst>
+                                      </p:cBhvr>
+                                      <p:to>
+                                        <p:strVal val="visible"/>
+                                      </p:to>
+                                    </p:set>
+                                    <p:anim calcmode="lin" valueType="num">
+                                      <p:cBhvr additive="base">
+                                        <p:cTn id="31" dur="500" fill="hold"/>
+                                        <p:tgtEl>
+                                          <p:spTgt spid="3">
+                                            <p:txEl>
+                                              <p:pRg st="7" end="7"/>
+                                            </p:txEl>
+                                          </p:spTgt>
+                                        </p:tgtEl>
+                                        <p:attrNameLst>
+                                          <p:attrName>ppt_x</p:attrName>
+                                        </p:attrNameLst>
+                                      </p:cBhvr>
+                                      <p:tavLst>
+                                        <p:tav tm="0">
+                                          <p:val>
+                                            <p:strVal val="#ppt_x"/>
+                                          </p:val>
+                                        </p:tav>
+                                        <p:tav tm="100000">
+                                          <p:val>
+                                            <p:strVal val="#ppt_x"/>
+                                          </p:val>
+                                        </p:tav>
+                                      </p:tavLst>
+                                    </p:anim>
+                                    <p:anim calcmode="lin" valueType="num">
+                                      <p:cBhvr additive="base">
+                                        <p:cTn id="32" dur="500" fill="hold"/>
+                                        <p:tgtEl>
+                                          <p:spTgt spid="3">
+                                            <p:txEl>
+                                              <p:pRg st="7" end="7"/>
+                                            </p:txEl>
+                                          </p:spTgt>
+                                        </p:tgtEl>
+                                        <p:attrNameLst>
+                                          <p:attrName>ppt_y</p:attrName>
+                                        </p:attrNameLst>
+                                      </p:cBhvr>
+                                      <p:tavLst>
+                                        <p:tav tm="0">
+                                          <p:val>
+                                            <p:strVal val="1+#ppt_h/2"/>
+                                          </p:val>
+                                        </p:tav>
+                                        <p:tav tm="100000">
+                                          <p:val>
+                                            <p:strVal val="#ppt_y"/>
+                                          </p:val>
+                                        </p:tav>
+                                      </p:tavLst>
+                                    </p:anim>
+                                  </p:childTnLst>
+                                </p:cTn>
+                              </p:par>
+                            </p:childTnLst>
+                          </p:cTn>
+                        </p:par>
+                      </p:childTnLst>
+                    </p:cTn>
+                  </p:par>
+                </p:childTnLst>
+              </p:cTn>
+              <p:prevCondLst>
+                <p:cond evt="onPrev" delay="0">
+                  <p:tgtEl>
+                    <p:sldTgt/>
+                  </p:tgtEl>
+                </p:cond>
+              </p:prevCondLst>
+              <p:nextCondLst>
+                <p:cond evt="onNext" delay="0">
+                  <p:tgtEl>
+                    <p:sldTgt/>
+                  </p:tgtEl>
+                </p:cond>
+              </p:nextCondLst>
+            </p:seq>
+          </p:childTnLst>
+        </p:cTn>
+      </p:par>
+    </p:tnLst>
+  </p:timing>
+</p:sld>
+</file>
+
+<file path=ppt/slides/slide12.xml><?xml version="1.0" encoding="utf-8"?>
+<p:sld xmlns:a="http://schemas.openxmlformats.org/drawingml/2006/main" xmlns:r="http://schemas.openxmlformats.org/officeDocument/2006/relationships" xmlns:p="http://schemas.openxmlformats.org/presentationml/2006/main">
+  <p:cSld>
+    <p:spTree>
+      <p:nvGrpSpPr>
+        <p:cNvPr id="1" name=""/>
+        <p:cNvGrpSpPr/>
+        <p:nvPr/>
+      </p:nvGrpSpPr>
+      <p:grpSpPr>
+        <a:xfrm>
+          <a:off x="0" y="0"/>
+          <a:ext cx="0" cy="0"/>
+          <a:chOff x="0" y="0"/>
+          <a:chExt cx="0" cy="0"/>
+        </a:xfrm>
+      </p:grpSpPr>
+      <p:sp>
+        <p:nvSpPr>
+          <p:cNvPr id="2" name="Content Placeholder 1"/>
+          <p:cNvSpPr>
+            <a:spLocks noGrp="1"/>
+          </p:cNvSpPr>
+          <p:nvPr>
+            <p:ph idx="1"/>
+          </p:nvPr>
+        </p:nvSpPr>
+        <p:spPr>
+          <a:xfrm>
+            <a:off x="677334" y="480061"/>
+            <a:ext cx="11013922" cy="5561302"/>
+          </a:xfrm>
+        </p:spPr>
+        <p:txBody>
+          <a:bodyPr>
+            <a:normAutofit/>
+          </a:bodyPr>
+          <a:lstStyle/>
+          <a:p>
+            <a:r>
+              <a:rPr lang="en-US" sz="2400" dirty="0" err="1" smtClean="0">
+                <a:latin typeface="Times New Roman" panose="02020603050405020304" pitchFamily="18" charset="0"/>
+                <a:cs typeface="Times New Roman" panose="02020603050405020304" pitchFamily="18" charset="0"/>
+              </a:rPr>
+              <a:t>Sơ</a:t>
+            </a:r>
+            <a:r>
+              <a:rPr lang="en-US" sz="2400" dirty="0" smtClean="0">
+                <a:latin typeface="Times New Roman" panose="02020603050405020304" pitchFamily="18" charset="0"/>
+                <a:cs typeface="Times New Roman" panose="02020603050405020304" pitchFamily="18" charset="0"/>
+              </a:rPr>
+              <a:t> </a:t>
+            </a:r>
+            <a:r>
+              <a:rPr lang="en-US" sz="2400" dirty="0" err="1" smtClean="0">
+                <a:latin typeface="Times New Roman" panose="02020603050405020304" pitchFamily="18" charset="0"/>
+                <a:cs typeface="Times New Roman" panose="02020603050405020304" pitchFamily="18" charset="0"/>
+              </a:rPr>
+              <a:t>đồ</a:t>
+            </a:r>
+            <a:r>
+              <a:rPr lang="en-US" sz="2400" dirty="0" smtClean="0">
+                <a:latin typeface="Times New Roman" panose="02020603050405020304" pitchFamily="18" charset="0"/>
+                <a:cs typeface="Times New Roman" panose="02020603050405020304" pitchFamily="18" charset="0"/>
+              </a:rPr>
+              <a:t> Pub/Sub </a:t>
+            </a:r>
+            <a:r>
+              <a:rPr lang="en-US" sz="2400" dirty="0" err="1" smtClean="0">
+                <a:latin typeface="Times New Roman" panose="02020603050405020304" pitchFamily="18" charset="0"/>
+                <a:cs typeface="Times New Roman" panose="02020603050405020304" pitchFamily="18" charset="0"/>
+              </a:rPr>
+              <a:t>có</a:t>
+            </a:r>
+            <a:r>
+              <a:rPr lang="en-US" sz="2400" dirty="0" smtClean="0">
+                <a:latin typeface="Times New Roman" panose="02020603050405020304" pitchFamily="18" charset="0"/>
+                <a:cs typeface="Times New Roman" panose="02020603050405020304" pitchFamily="18" charset="0"/>
+              </a:rPr>
+              <a:t> 3 </a:t>
+            </a:r>
+            <a:r>
+              <a:rPr lang="en-US" sz="2400" dirty="0" err="1" smtClean="0">
+                <a:latin typeface="Times New Roman" panose="02020603050405020304" pitchFamily="18" charset="0"/>
+                <a:cs typeface="Times New Roman" panose="02020603050405020304" pitchFamily="18" charset="0"/>
+              </a:rPr>
+              <a:t>thành</a:t>
+            </a:r>
+            <a:r>
+              <a:rPr lang="en-US" sz="2400" dirty="0" smtClean="0">
+                <a:latin typeface="Times New Roman" panose="02020603050405020304" pitchFamily="18" charset="0"/>
+                <a:cs typeface="Times New Roman" panose="02020603050405020304" pitchFamily="18" charset="0"/>
+              </a:rPr>
+              <a:t> </a:t>
+            </a:r>
+            <a:r>
+              <a:rPr lang="en-US" sz="2400" dirty="0" err="1" smtClean="0">
+                <a:latin typeface="Times New Roman" panose="02020603050405020304" pitchFamily="18" charset="0"/>
+                <a:cs typeface="Times New Roman" panose="02020603050405020304" pitchFamily="18" charset="0"/>
+              </a:rPr>
+              <a:t>phần</a:t>
+            </a:r>
+            <a:r>
+              <a:rPr lang="en-US" sz="2400" dirty="0" smtClean="0">
+                <a:latin typeface="Times New Roman" panose="02020603050405020304" pitchFamily="18" charset="0"/>
+                <a:cs typeface="Times New Roman" panose="02020603050405020304" pitchFamily="18" charset="0"/>
+              </a:rPr>
+              <a:t> </a:t>
+            </a:r>
+            <a:r>
+              <a:rPr lang="en-US" sz="2400" dirty="0" err="1" smtClean="0">
+                <a:latin typeface="Times New Roman" panose="02020603050405020304" pitchFamily="18" charset="0"/>
+                <a:cs typeface="Times New Roman" panose="02020603050405020304" pitchFamily="18" charset="0"/>
+              </a:rPr>
+              <a:t>chính</a:t>
+            </a:r>
+            <a:r>
+              <a:rPr lang="en-US" sz="2400" dirty="0" smtClean="0">
+                <a:latin typeface="Times New Roman" panose="02020603050405020304" pitchFamily="18" charset="0"/>
+                <a:cs typeface="Times New Roman" panose="02020603050405020304" pitchFamily="18" charset="0"/>
+              </a:rPr>
+              <a:t>: </a:t>
+            </a:r>
+            <a:r>
+              <a:rPr lang="en-US" sz="2400" dirty="0" err="1" smtClean="0">
+                <a:latin typeface="Times New Roman" panose="02020603050405020304" pitchFamily="18" charset="0"/>
+                <a:cs typeface="Times New Roman" panose="02020603050405020304" pitchFamily="18" charset="0"/>
+              </a:rPr>
+              <a:t>ứng</a:t>
+            </a:r>
+            <a:r>
+              <a:rPr lang="en-US" sz="2400" dirty="0" smtClean="0">
+                <a:latin typeface="Times New Roman" panose="02020603050405020304" pitchFamily="18" charset="0"/>
+                <a:cs typeface="Times New Roman" panose="02020603050405020304" pitchFamily="18" charset="0"/>
+              </a:rPr>
+              <a:t> </a:t>
+            </a:r>
+            <a:r>
+              <a:rPr lang="en-US" sz="2400" dirty="0" err="1" smtClean="0">
+                <a:latin typeface="Times New Roman" panose="02020603050405020304" pitchFamily="18" charset="0"/>
+                <a:cs typeface="Times New Roman" panose="02020603050405020304" pitchFamily="18" charset="0"/>
+              </a:rPr>
+              <a:t>dụng</a:t>
+            </a:r>
+            <a:r>
+              <a:rPr lang="en-US" sz="2400" dirty="0" smtClean="0">
+                <a:latin typeface="Times New Roman" panose="02020603050405020304" pitchFamily="18" charset="0"/>
+                <a:cs typeface="Times New Roman" panose="02020603050405020304" pitchFamily="18" charset="0"/>
+              </a:rPr>
+              <a:t> </a:t>
+            </a:r>
+            <a:r>
+              <a:rPr lang="en-US" sz="2400" dirty="0" err="1" smtClean="0">
+                <a:latin typeface="Times New Roman" panose="02020603050405020304" pitchFamily="18" charset="0"/>
+                <a:cs typeface="Times New Roman" panose="02020603050405020304" pitchFamily="18" charset="0"/>
+              </a:rPr>
+              <a:t>gửi</a:t>
+            </a:r>
+            <a:r>
+              <a:rPr lang="en-US" sz="2400" dirty="0" smtClean="0">
+                <a:latin typeface="Times New Roman" panose="02020603050405020304" pitchFamily="18" charset="0"/>
+                <a:cs typeface="Times New Roman" panose="02020603050405020304" pitchFamily="18" charset="0"/>
+              </a:rPr>
+              <a:t>, </a:t>
+            </a:r>
+            <a:r>
+              <a:rPr lang="en-US" sz="2400" b="1" i="1" dirty="0" smtClean="0">
+                <a:latin typeface="Times New Roman" panose="02020603050405020304" pitchFamily="18" charset="0"/>
+                <a:cs typeface="Times New Roman" panose="02020603050405020304" pitchFamily="18" charset="0"/>
+              </a:rPr>
+              <a:t>Topic</a:t>
+            </a:r>
+            <a:r>
+              <a:rPr lang="en-US" sz="2400" dirty="0" smtClean="0">
+                <a:latin typeface="Times New Roman" panose="02020603050405020304" pitchFamily="18" charset="0"/>
+                <a:cs typeface="Times New Roman" panose="02020603050405020304" pitchFamily="18" charset="0"/>
+              </a:rPr>
+              <a:t>, </a:t>
+            </a:r>
+            <a:r>
+              <a:rPr lang="en-US" sz="2400" dirty="0" err="1" smtClean="0">
+                <a:latin typeface="Times New Roman" panose="02020603050405020304" pitchFamily="18" charset="0"/>
+                <a:cs typeface="Times New Roman" panose="02020603050405020304" pitchFamily="18" charset="0"/>
+              </a:rPr>
+              <a:t>ứng</a:t>
+            </a:r>
+            <a:r>
+              <a:rPr lang="en-US" sz="2400" dirty="0" smtClean="0">
+                <a:latin typeface="Times New Roman" panose="02020603050405020304" pitchFamily="18" charset="0"/>
+                <a:cs typeface="Times New Roman" panose="02020603050405020304" pitchFamily="18" charset="0"/>
+              </a:rPr>
+              <a:t> </a:t>
+            </a:r>
+            <a:r>
+              <a:rPr lang="en-US" sz="2400" dirty="0" err="1" smtClean="0">
+                <a:latin typeface="Times New Roman" panose="02020603050405020304" pitchFamily="18" charset="0"/>
+                <a:cs typeface="Times New Roman" panose="02020603050405020304" pitchFamily="18" charset="0"/>
+              </a:rPr>
+              <a:t>dụng</a:t>
+            </a:r>
+            <a:r>
+              <a:rPr lang="en-US" sz="2400" dirty="0" smtClean="0">
+                <a:latin typeface="Times New Roman" panose="02020603050405020304" pitchFamily="18" charset="0"/>
+                <a:cs typeface="Times New Roman" panose="02020603050405020304" pitchFamily="18" charset="0"/>
+              </a:rPr>
+              <a:t> </a:t>
+            </a:r>
+            <a:r>
+              <a:rPr lang="en-US" sz="2400" dirty="0" err="1" smtClean="0">
+                <a:latin typeface="Times New Roman" panose="02020603050405020304" pitchFamily="18" charset="0"/>
+                <a:cs typeface="Times New Roman" panose="02020603050405020304" pitchFamily="18" charset="0"/>
+              </a:rPr>
+              <a:t>nhận</a:t>
+            </a:r>
+            <a:r>
+              <a:rPr lang="en-US" sz="2400" dirty="0" smtClean="0">
+                <a:latin typeface="Times New Roman" panose="02020603050405020304" pitchFamily="18" charset="0"/>
+                <a:cs typeface="Times New Roman" panose="02020603050405020304" pitchFamily="18" charset="0"/>
+              </a:rPr>
+              <a:t> tin.</a:t>
+            </a:r>
+          </a:p>
+          <a:p>
+            <a:r>
+              <a:rPr lang="en-US" sz="2400" dirty="0" err="1" smtClean="0">
+                <a:latin typeface="Times New Roman" panose="02020603050405020304" pitchFamily="18" charset="0"/>
+                <a:cs typeface="Times New Roman" panose="02020603050405020304" pitchFamily="18" charset="0"/>
+              </a:rPr>
+              <a:t>Mỗi</a:t>
+            </a:r>
+            <a:r>
+              <a:rPr lang="en-US" sz="2400" dirty="0" smtClean="0">
+                <a:latin typeface="Times New Roman" panose="02020603050405020304" pitchFamily="18" charset="0"/>
+                <a:cs typeface="Times New Roman" panose="02020603050405020304" pitchFamily="18" charset="0"/>
+              </a:rPr>
+              <a:t> message </a:t>
+            </a:r>
+            <a:r>
+              <a:rPr lang="en-US" sz="2400" dirty="0" err="1" smtClean="0">
+                <a:latin typeface="Times New Roman" panose="02020603050405020304" pitchFamily="18" charset="0"/>
+                <a:cs typeface="Times New Roman" panose="02020603050405020304" pitchFamily="18" charset="0"/>
+              </a:rPr>
+              <a:t>có</a:t>
+            </a:r>
+            <a:r>
+              <a:rPr lang="en-US" sz="2400" dirty="0" smtClean="0">
+                <a:latin typeface="Times New Roman" panose="02020603050405020304" pitchFamily="18" charset="0"/>
+                <a:cs typeface="Times New Roman" panose="02020603050405020304" pitchFamily="18" charset="0"/>
+              </a:rPr>
+              <a:t> </a:t>
+            </a:r>
+            <a:r>
+              <a:rPr lang="en-US" sz="2400" dirty="0" err="1" smtClean="0">
+                <a:latin typeface="Times New Roman" panose="02020603050405020304" pitchFamily="18" charset="0"/>
+                <a:cs typeface="Times New Roman" panose="02020603050405020304" pitchFamily="18" charset="0"/>
+              </a:rPr>
+              <a:t>thể</a:t>
+            </a:r>
+            <a:r>
+              <a:rPr lang="en-US" sz="2400" dirty="0" smtClean="0">
+                <a:latin typeface="Times New Roman" panose="02020603050405020304" pitchFamily="18" charset="0"/>
+                <a:cs typeface="Times New Roman" panose="02020603050405020304" pitchFamily="18" charset="0"/>
+              </a:rPr>
+              <a:t> </a:t>
+            </a:r>
+            <a:r>
+              <a:rPr lang="en-US" sz="2400" dirty="0" err="1" smtClean="0">
+                <a:latin typeface="Times New Roman" panose="02020603050405020304" pitchFamily="18" charset="0"/>
+                <a:cs typeface="Times New Roman" panose="02020603050405020304" pitchFamily="18" charset="0"/>
+              </a:rPr>
+              <a:t>được</a:t>
+            </a:r>
+            <a:r>
+              <a:rPr lang="en-US" sz="2400" dirty="0" smtClean="0">
+                <a:latin typeface="Times New Roman" panose="02020603050405020304" pitchFamily="18" charset="0"/>
+                <a:cs typeface="Times New Roman" panose="02020603050405020304" pitchFamily="18" charset="0"/>
+              </a:rPr>
+              <a:t> </a:t>
+            </a:r>
+            <a:r>
+              <a:rPr lang="en-US" sz="2400" dirty="0" err="1" smtClean="0">
+                <a:latin typeface="Times New Roman" panose="02020603050405020304" pitchFamily="18" charset="0"/>
+                <a:cs typeface="Times New Roman" panose="02020603050405020304" pitchFamily="18" charset="0"/>
+              </a:rPr>
+              <a:t>nhận</a:t>
+            </a:r>
+            <a:r>
+              <a:rPr lang="en-US" sz="2400" dirty="0" smtClean="0">
+                <a:latin typeface="Times New Roman" panose="02020603050405020304" pitchFamily="18" charset="0"/>
+                <a:cs typeface="Times New Roman" panose="02020603050405020304" pitchFamily="18" charset="0"/>
+              </a:rPr>
+              <a:t> </a:t>
+            </a:r>
+            <a:r>
+              <a:rPr lang="en-US" sz="2400" dirty="0" err="1" smtClean="0">
+                <a:latin typeface="Times New Roman" panose="02020603050405020304" pitchFamily="18" charset="0"/>
+                <a:cs typeface="Times New Roman" panose="02020603050405020304" pitchFamily="18" charset="0"/>
+              </a:rPr>
+              <a:t>bởi</a:t>
+            </a:r>
+            <a:r>
+              <a:rPr lang="en-US" sz="2400" dirty="0" smtClean="0">
+                <a:latin typeface="Times New Roman" panose="02020603050405020304" pitchFamily="18" charset="0"/>
+                <a:cs typeface="Times New Roman" panose="02020603050405020304" pitchFamily="18" charset="0"/>
+              </a:rPr>
+              <a:t> </a:t>
+            </a:r>
+            <a:r>
+              <a:rPr lang="en-US" sz="2400" dirty="0" err="1" smtClean="0">
+                <a:latin typeface="Times New Roman" panose="02020603050405020304" pitchFamily="18" charset="0"/>
+                <a:cs typeface="Times New Roman" panose="02020603050405020304" pitchFamily="18" charset="0"/>
+              </a:rPr>
+              <a:t>nhiều</a:t>
+            </a:r>
+            <a:r>
+              <a:rPr lang="en-US" sz="2400" dirty="0" smtClean="0">
+                <a:latin typeface="Times New Roman" panose="02020603050405020304" pitchFamily="18" charset="0"/>
+                <a:cs typeface="Times New Roman" panose="02020603050405020304" pitchFamily="18" charset="0"/>
+              </a:rPr>
+              <a:t> clients. Topic </a:t>
+            </a:r>
+            <a:r>
+              <a:rPr lang="en-US" sz="2400" dirty="0" err="1" smtClean="0">
+                <a:latin typeface="Times New Roman" panose="02020603050405020304" pitchFamily="18" charset="0"/>
+                <a:cs typeface="Times New Roman" panose="02020603050405020304" pitchFamily="18" charset="0"/>
+              </a:rPr>
+              <a:t>sẽ</a:t>
+            </a:r>
+            <a:r>
+              <a:rPr lang="en-US" sz="2400" dirty="0" smtClean="0">
+                <a:latin typeface="Times New Roman" panose="02020603050405020304" pitchFamily="18" charset="0"/>
+                <a:cs typeface="Times New Roman" panose="02020603050405020304" pitchFamily="18" charset="0"/>
+              </a:rPr>
+              <a:t> </a:t>
+            </a:r>
+            <a:r>
+              <a:rPr lang="en-US" sz="2400" dirty="0" err="1" smtClean="0">
+                <a:latin typeface="Times New Roman" panose="02020603050405020304" pitchFamily="18" charset="0"/>
+                <a:cs typeface="Times New Roman" panose="02020603050405020304" pitchFamily="18" charset="0"/>
+              </a:rPr>
+              <a:t>lưu</a:t>
+            </a:r>
+            <a:r>
+              <a:rPr lang="en-US" sz="2400" dirty="0" smtClean="0">
+                <a:latin typeface="Times New Roman" panose="02020603050405020304" pitchFamily="18" charset="0"/>
+                <a:cs typeface="Times New Roman" panose="02020603050405020304" pitchFamily="18" charset="0"/>
+              </a:rPr>
+              <a:t> </a:t>
+            </a:r>
+            <a:r>
+              <a:rPr lang="en-US" sz="2400" dirty="0" err="1" smtClean="0">
+                <a:latin typeface="Times New Roman" panose="02020603050405020304" pitchFamily="18" charset="0"/>
+                <a:cs typeface="Times New Roman" panose="02020603050405020304" pitchFamily="18" charset="0"/>
+              </a:rPr>
+              <a:t>lại</a:t>
+            </a:r>
+            <a:r>
+              <a:rPr lang="en-US" sz="2400" dirty="0" smtClean="0">
+                <a:latin typeface="Times New Roman" panose="02020603050405020304" pitchFamily="18" charset="0"/>
+                <a:cs typeface="Times New Roman" panose="02020603050405020304" pitchFamily="18" charset="0"/>
+              </a:rPr>
+              <a:t> </a:t>
+            </a:r>
+            <a:r>
+              <a:rPr lang="en-US" sz="2400" dirty="0" err="1" smtClean="0">
+                <a:latin typeface="Times New Roman" panose="02020603050405020304" pitchFamily="18" charset="0"/>
+                <a:cs typeface="Times New Roman" panose="02020603050405020304" pitchFamily="18" charset="0"/>
+              </a:rPr>
+              <a:t>toàn</a:t>
+            </a:r>
+            <a:r>
+              <a:rPr lang="en-US" sz="2400" dirty="0" smtClean="0">
+                <a:latin typeface="Times New Roman" panose="02020603050405020304" pitchFamily="18" charset="0"/>
+                <a:cs typeface="Times New Roman" panose="02020603050405020304" pitchFamily="18" charset="0"/>
+              </a:rPr>
+              <a:t> </a:t>
+            </a:r>
+            <a:r>
+              <a:rPr lang="en-US" sz="2400" dirty="0" err="1" smtClean="0">
+                <a:latin typeface="Times New Roman" panose="02020603050405020304" pitchFamily="18" charset="0"/>
+                <a:cs typeface="Times New Roman" panose="02020603050405020304" pitchFamily="18" charset="0"/>
+              </a:rPr>
+              <a:t>bộ</a:t>
+            </a:r>
+            <a:r>
+              <a:rPr lang="en-US" sz="2400" dirty="0" smtClean="0">
+                <a:latin typeface="Times New Roman" panose="02020603050405020304" pitchFamily="18" charset="0"/>
+                <a:cs typeface="Times New Roman" panose="02020603050405020304" pitchFamily="18" charset="0"/>
+              </a:rPr>
+              <a:t> messages </a:t>
+            </a:r>
+            <a:r>
+              <a:rPr lang="en-US" sz="2400" dirty="0" err="1" smtClean="0">
+                <a:latin typeface="Times New Roman" panose="02020603050405020304" pitchFamily="18" charset="0"/>
+                <a:cs typeface="Times New Roman" panose="02020603050405020304" pitchFamily="18" charset="0"/>
+              </a:rPr>
+              <a:t>mà</a:t>
+            </a:r>
+            <a:r>
+              <a:rPr lang="en-US" sz="2400" dirty="0" smtClean="0">
+                <a:latin typeface="Times New Roman" panose="02020603050405020304" pitchFamily="18" charset="0"/>
+                <a:cs typeface="Times New Roman" panose="02020603050405020304" pitchFamily="18" charset="0"/>
+              </a:rPr>
+              <a:t> </a:t>
+            </a:r>
+            <a:r>
+              <a:rPr lang="en-US" sz="2400" dirty="0" err="1" smtClean="0">
+                <a:latin typeface="Times New Roman" panose="02020603050405020304" pitchFamily="18" charset="0"/>
+                <a:cs typeface="Times New Roman" panose="02020603050405020304" pitchFamily="18" charset="0"/>
+              </a:rPr>
+              <a:t>không</a:t>
+            </a:r>
+            <a:r>
+              <a:rPr lang="en-US" sz="2400" dirty="0" smtClean="0">
+                <a:latin typeface="Times New Roman" panose="02020603050405020304" pitchFamily="18" charset="0"/>
+                <a:cs typeface="Times New Roman" panose="02020603050405020304" pitchFamily="18" charset="0"/>
+              </a:rPr>
+              <a:t> </a:t>
+            </a:r>
+            <a:r>
+              <a:rPr lang="en-US" sz="2400" dirty="0" err="1" smtClean="0">
+                <a:latin typeface="Times New Roman" panose="02020603050405020304" pitchFamily="18" charset="0"/>
+                <a:cs typeface="Times New Roman" panose="02020603050405020304" pitchFamily="18" charset="0"/>
+              </a:rPr>
+              <a:t>bị</a:t>
+            </a:r>
+            <a:r>
+              <a:rPr lang="en-US" sz="2400" dirty="0" smtClean="0">
+                <a:latin typeface="Times New Roman" panose="02020603050405020304" pitchFamily="18" charset="0"/>
+                <a:cs typeface="Times New Roman" panose="02020603050405020304" pitchFamily="18" charset="0"/>
+              </a:rPr>
+              <a:t> </a:t>
+            </a:r>
+            <a:r>
+              <a:rPr lang="en-US" sz="2400" dirty="0" err="1" smtClean="0">
+                <a:latin typeface="Times New Roman" panose="02020603050405020304" pitchFamily="18" charset="0"/>
+                <a:cs typeface="Times New Roman" panose="02020603050405020304" pitchFamily="18" charset="0"/>
+              </a:rPr>
+              <a:t>mất</a:t>
+            </a:r>
+            <a:r>
+              <a:rPr lang="en-US" sz="2400" dirty="0" smtClean="0">
+                <a:latin typeface="Times New Roman" panose="02020603050405020304" pitchFamily="18" charset="0"/>
+                <a:cs typeface="Times New Roman" panose="02020603050405020304" pitchFamily="18" charset="0"/>
+              </a:rPr>
+              <a:t> </a:t>
+            </a:r>
+            <a:r>
+              <a:rPr lang="en-US" sz="2400" dirty="0" err="1" smtClean="0">
+                <a:latin typeface="Times New Roman" panose="02020603050405020304" pitchFamily="18" charset="0"/>
+                <a:cs typeface="Times New Roman" panose="02020603050405020304" pitchFamily="18" charset="0"/>
+              </a:rPr>
+              <a:t>đi</a:t>
+            </a:r>
+            <a:r>
+              <a:rPr lang="en-US" sz="2400" dirty="0" smtClean="0">
+                <a:latin typeface="Times New Roman" panose="02020603050405020304" pitchFamily="18" charset="0"/>
+                <a:cs typeface="Times New Roman" panose="02020603050405020304" pitchFamily="18" charset="0"/>
+              </a:rPr>
+              <a:t> </a:t>
+            </a:r>
+            <a:r>
+              <a:rPr lang="en-US" sz="2400" dirty="0" err="1" smtClean="0">
+                <a:latin typeface="Times New Roman" panose="02020603050405020304" pitchFamily="18" charset="0"/>
+                <a:cs typeface="Times New Roman" panose="02020603050405020304" pitchFamily="18" charset="0"/>
+              </a:rPr>
+              <a:t>cho</a:t>
+            </a:r>
+            <a:r>
+              <a:rPr lang="en-US" sz="2400" dirty="0" smtClean="0">
+                <a:latin typeface="Times New Roman" panose="02020603050405020304" pitchFamily="18" charset="0"/>
+                <a:cs typeface="Times New Roman" panose="02020603050405020304" pitchFamily="18" charset="0"/>
+              </a:rPr>
+              <a:t> </a:t>
+            </a:r>
+            <a:r>
+              <a:rPr lang="en-US" sz="2400" dirty="0" err="1" smtClean="0">
+                <a:latin typeface="Times New Roman" panose="02020603050405020304" pitchFamily="18" charset="0"/>
+                <a:cs typeface="Times New Roman" panose="02020603050405020304" pitchFamily="18" charset="0"/>
+              </a:rPr>
+              <a:t>đến</a:t>
+            </a:r>
+            <a:r>
+              <a:rPr lang="en-US" sz="2400" dirty="0" smtClean="0">
+                <a:latin typeface="Times New Roman" panose="02020603050405020304" pitchFamily="18" charset="0"/>
+                <a:cs typeface="Times New Roman" panose="02020603050405020304" pitchFamily="18" charset="0"/>
+              </a:rPr>
+              <a:t> </a:t>
+            </a:r>
+            <a:r>
+              <a:rPr lang="en-US" sz="2400" dirty="0" err="1" smtClean="0">
+                <a:latin typeface="Times New Roman" panose="02020603050405020304" pitchFamily="18" charset="0"/>
+                <a:cs typeface="Times New Roman" panose="02020603050405020304" pitchFamily="18" charset="0"/>
+              </a:rPr>
+              <a:t>khi</a:t>
+            </a:r>
+            <a:r>
+              <a:rPr lang="en-US" sz="2400" dirty="0" smtClean="0">
+                <a:latin typeface="Times New Roman" panose="02020603050405020304" pitchFamily="18" charset="0"/>
+                <a:cs typeface="Times New Roman" panose="02020603050405020304" pitchFamily="18" charset="0"/>
+              </a:rPr>
+              <a:t> MOM </a:t>
+            </a:r>
+            <a:r>
+              <a:rPr lang="en-US" sz="2400" dirty="0" err="1" smtClean="0">
+                <a:latin typeface="Times New Roman" panose="02020603050405020304" pitchFamily="18" charset="0"/>
+                <a:cs typeface="Times New Roman" panose="02020603050405020304" pitchFamily="18" charset="0"/>
+              </a:rPr>
+              <a:t>được</a:t>
+            </a:r>
+            <a:r>
+              <a:rPr lang="en-US" sz="2400" dirty="0" smtClean="0">
+                <a:latin typeface="Times New Roman" panose="02020603050405020304" pitchFamily="18" charset="0"/>
+                <a:cs typeface="Times New Roman" panose="02020603050405020304" pitchFamily="18" charset="0"/>
+              </a:rPr>
+              <a:t> reset hay </a:t>
+            </a:r>
+            <a:r>
+              <a:rPr lang="en-US" sz="2400" dirty="0" err="1" smtClean="0">
+                <a:latin typeface="Times New Roman" panose="02020603050405020304" pitchFamily="18" charset="0"/>
+                <a:cs typeface="Times New Roman" panose="02020603050405020304" pitchFamily="18" charset="0"/>
+              </a:rPr>
+              <a:t>xóa</a:t>
+            </a:r>
+            <a:r>
+              <a:rPr lang="en-US" sz="2400" dirty="0" smtClean="0">
+                <a:latin typeface="Times New Roman" panose="02020603050405020304" pitchFamily="18" charset="0"/>
+                <a:cs typeface="Times New Roman" panose="02020603050405020304" pitchFamily="18" charset="0"/>
+              </a:rPr>
+              <a:t>.</a:t>
+            </a:r>
           </a:p>
         </p:txBody>
       </p:sp>
       <p:pic>
         <p:nvPicPr>
-          <p:cNvPr id="4" name="Picture 3"/>
+          <p:cNvPr id="3" name="Picture 2"/>
           <p:cNvPicPr>
             <a:picLocks noChangeAspect="1"/>
           </p:cNvPicPr>
@@ -6167,8 +8062,8 @@
         </p:blipFill>
         <p:spPr>
           <a:xfrm>
-            <a:off x="1377992" y="867366"/>
-            <a:ext cx="7640116" cy="3905795"/>
+            <a:off x="677333" y="2125980"/>
+            <a:ext cx="11013923" cy="4523014"/>
           </a:xfrm>
           <a:prstGeom prst="rect">
             <a:avLst/>
@@ -6178,13 +8073,231 @@
     </p:spTree>
     <p:extLst>
       <p:ext uri="{BB962C8B-B14F-4D97-AF65-F5344CB8AC3E}">
-        <p14:creationId xmlns:p14="http://schemas.microsoft.com/office/powerpoint/2010/main" val="3593873220"/>
+        <p14:creationId xmlns:p14="http://schemas.microsoft.com/office/powerpoint/2010/main" val="2296297778"/>
       </p:ext>
     </p:extLst>
   </p:cSld>
   <p:clrMapOvr>
     <a:masterClrMapping/>
   </p:clrMapOvr>
+  <p:timing>
+    <p:tnLst>
+      <p:par>
+        <p:cTn id="1" dur="indefinite" restart="never" nodeType="tmRoot">
+          <p:childTnLst>
+            <p:seq concurrent="1" nextAc="seek">
+              <p:cTn id="2" dur="indefinite" nodeType="mainSeq">
+                <p:childTnLst>
+                  <p:par>
+                    <p:cTn id="3" fill="hold">
+                      <p:stCondLst>
+                        <p:cond delay="indefinite"/>
+                      </p:stCondLst>
+                      <p:childTnLst>
+                        <p:par>
+                          <p:cTn id="4" fill="hold">
+                            <p:stCondLst>
+                              <p:cond delay="0"/>
+                            </p:stCondLst>
+                            <p:childTnLst>
+                              <p:par>
+                                <p:cTn id="5" presetID="2" presetClass="entr" presetSubtype="4" fill="hold" nodeType="clickEffect">
+                                  <p:stCondLst>
+                                    <p:cond delay="0"/>
+                                  </p:stCondLst>
+                                  <p:childTnLst>
+                                    <p:set>
+                                      <p:cBhvr>
+                                        <p:cTn id="6" dur="1" fill="hold">
+                                          <p:stCondLst>
+                                            <p:cond delay="0"/>
+                                          </p:stCondLst>
+                                        </p:cTn>
+                                        <p:tgtEl>
+                                          <p:spTgt spid="2">
+                                            <p:txEl>
+                                              <p:pRg st="0" end="0"/>
+                                            </p:txEl>
+                                          </p:spTgt>
+                                        </p:tgtEl>
+                                        <p:attrNameLst>
+                                          <p:attrName>style.visibility</p:attrName>
+                                        </p:attrNameLst>
+                                      </p:cBhvr>
+                                      <p:to>
+                                        <p:strVal val="visible"/>
+                                      </p:to>
+                                    </p:set>
+                                    <p:anim calcmode="lin" valueType="num">
+                                      <p:cBhvr additive="base">
+                                        <p:cTn id="7" dur="500" fill="hold"/>
+                                        <p:tgtEl>
+                                          <p:spTgt spid="2">
+                                            <p:txEl>
+                                              <p:pRg st="0" end="0"/>
+                                            </p:txEl>
+                                          </p:spTgt>
+                                        </p:tgtEl>
+                                        <p:attrNameLst>
+                                          <p:attrName>ppt_x</p:attrName>
+                                        </p:attrNameLst>
+                                      </p:cBhvr>
+                                      <p:tavLst>
+                                        <p:tav tm="0">
+                                          <p:val>
+                                            <p:strVal val="#ppt_x"/>
+                                          </p:val>
+                                        </p:tav>
+                                        <p:tav tm="100000">
+                                          <p:val>
+                                            <p:strVal val="#ppt_x"/>
+                                          </p:val>
+                                        </p:tav>
+                                      </p:tavLst>
+                                    </p:anim>
+                                    <p:anim calcmode="lin" valueType="num">
+                                      <p:cBhvr additive="base">
+                                        <p:cTn id="8" dur="500" fill="hold"/>
+                                        <p:tgtEl>
+                                          <p:spTgt spid="2">
+                                            <p:txEl>
+                                              <p:pRg st="0" end="0"/>
+                                            </p:txEl>
+                                          </p:spTgt>
+                                        </p:tgtEl>
+                                        <p:attrNameLst>
+                                          <p:attrName>ppt_y</p:attrName>
+                                        </p:attrNameLst>
+                                      </p:cBhvr>
+                                      <p:tavLst>
+                                        <p:tav tm="0">
+                                          <p:val>
+                                            <p:strVal val="1+#ppt_h/2"/>
+                                          </p:val>
+                                        </p:tav>
+                                        <p:tav tm="100000">
+                                          <p:val>
+                                            <p:strVal val="#ppt_y"/>
+                                          </p:val>
+                                        </p:tav>
+                                      </p:tavLst>
+                                    </p:anim>
+                                  </p:childTnLst>
+                                </p:cTn>
+                              </p:par>
+                              <p:par>
+                                <p:cTn id="9" presetID="2" presetClass="entr" presetSubtype="4" fill="hold" nodeType="withEffect">
+                                  <p:stCondLst>
+                                    <p:cond delay="0"/>
+                                  </p:stCondLst>
+                                  <p:childTnLst>
+                                    <p:set>
+                                      <p:cBhvr>
+                                        <p:cTn id="10" dur="1" fill="hold">
+                                          <p:stCondLst>
+                                            <p:cond delay="0"/>
+                                          </p:stCondLst>
+                                        </p:cTn>
+                                        <p:tgtEl>
+                                          <p:spTgt spid="2">
+                                            <p:txEl>
+                                              <p:pRg st="1" end="1"/>
+                                            </p:txEl>
+                                          </p:spTgt>
+                                        </p:tgtEl>
+                                        <p:attrNameLst>
+                                          <p:attrName>style.visibility</p:attrName>
+                                        </p:attrNameLst>
+                                      </p:cBhvr>
+                                      <p:to>
+                                        <p:strVal val="visible"/>
+                                      </p:to>
+                                    </p:set>
+                                    <p:anim calcmode="lin" valueType="num">
+                                      <p:cBhvr additive="base">
+                                        <p:cTn id="11" dur="500" fill="hold"/>
+                                        <p:tgtEl>
+                                          <p:spTgt spid="2">
+                                            <p:txEl>
+                                              <p:pRg st="1" end="1"/>
+                                            </p:txEl>
+                                          </p:spTgt>
+                                        </p:tgtEl>
+                                        <p:attrNameLst>
+                                          <p:attrName>ppt_x</p:attrName>
+                                        </p:attrNameLst>
+                                      </p:cBhvr>
+                                      <p:tavLst>
+                                        <p:tav tm="0">
+                                          <p:val>
+                                            <p:strVal val="#ppt_x"/>
+                                          </p:val>
+                                        </p:tav>
+                                        <p:tav tm="100000">
+                                          <p:val>
+                                            <p:strVal val="#ppt_x"/>
+                                          </p:val>
+                                        </p:tav>
+                                      </p:tavLst>
+                                    </p:anim>
+                                    <p:anim calcmode="lin" valueType="num">
+                                      <p:cBhvr additive="base">
+                                        <p:cTn id="12" dur="500" fill="hold"/>
+                                        <p:tgtEl>
+                                          <p:spTgt spid="2">
+                                            <p:txEl>
+                                              <p:pRg st="1" end="1"/>
+                                            </p:txEl>
+                                          </p:spTgt>
+                                        </p:tgtEl>
+                                        <p:attrNameLst>
+                                          <p:attrName>ppt_y</p:attrName>
+                                        </p:attrNameLst>
+                                      </p:cBhvr>
+                                      <p:tavLst>
+                                        <p:tav tm="0">
+                                          <p:val>
+                                            <p:strVal val="1+#ppt_h/2"/>
+                                          </p:val>
+                                        </p:tav>
+                                        <p:tav tm="100000">
+                                          <p:val>
+                                            <p:strVal val="#ppt_y"/>
+                                          </p:val>
+                                        </p:tav>
+                                      </p:tavLst>
+                                    </p:anim>
+                                  </p:childTnLst>
+                                </p:cTn>
+                              </p:par>
+                            </p:childTnLst>
+                          </p:cTn>
+                        </p:par>
+                      </p:childTnLst>
+                    </p:cTn>
+                  </p:par>
+                </p:childTnLst>
+              </p:cTn>
+              <p:prevCondLst>
+                <p:cond evt="onPrev" delay="0">
+                  <p:tgtEl>
+                    <p:sldTgt/>
+                  </p:tgtEl>
+                </p:cond>
+              </p:prevCondLst>
+              <p:nextCondLst>
+                <p:cond evt="onNext" delay="0">
+                  <p:tgtEl>
+                    <p:sldTgt/>
+                  </p:tgtEl>
+                </p:cond>
+              </p:nextCondLst>
+            </p:seq>
+          </p:childTnLst>
+        </p:cTn>
+      </p:par>
+    </p:tnLst>
+  </p:timing>
 </p:sld>
 </file>
 
@@ -6253,13 +8366,13 @@
         </p:nvSpPr>
         <p:spPr>
           <a:xfrm>
-            <a:off x="677334" y="1930400"/>
-            <a:ext cx="8871615" cy="3704634"/>
+            <a:off x="677334" y="1587500"/>
+            <a:ext cx="9746826" cy="4538980"/>
           </a:xfrm>
         </p:spPr>
         <p:txBody>
           <a:bodyPr>
-            <a:normAutofit/>
+            <a:normAutofit fontScale="92500"/>
           </a:bodyPr>
           <a:lstStyle/>
           <a:p>
@@ -6313,9 +8426,690 @@
                 <a:latin typeface="Times New Roman" panose="02020603050405020304" pitchFamily="18" charset="0"/>
                 <a:cs typeface="Times New Roman" panose="02020603050405020304" pitchFamily="18" charset="0"/>
               </a:rPr>
-              <a:t>Messaging cho phép hình thức giao tiếp phân tán, tức là đối tượng gửi hoặc nhận không nhất thiết phải trong trạng thái luôn sẵn sàng để có thể giao tiếp (loosely coupled)</a:t>
+              <a:t>Messaging cho phép hình thức giao tiếp phân tán, tức là đối tượng gửi hoặc nhận không nhất thiết phải trong trạng thái luôn sẵn sàng để có thể giao tiếp (loosely coupled</a:t>
+            </a:r>
+            <a:r>
+              <a:rPr lang="en-US" sz="2400" dirty="0" smtClean="0">
+                <a:latin typeface="Times New Roman" panose="02020603050405020304" pitchFamily="18" charset="0"/>
+                <a:cs typeface="Times New Roman" panose="02020603050405020304" pitchFamily="18" charset="0"/>
+              </a:rPr>
+              <a:t>).</a:t>
             </a:r>
             <a:endParaRPr lang="en-US" sz="2400" dirty="0">
+              <a:latin typeface="Times New Roman" panose="02020603050405020304" pitchFamily="18" charset="0"/>
+              <a:cs typeface="Times New Roman" panose="02020603050405020304" pitchFamily="18" charset="0"/>
+            </a:endParaRPr>
+          </a:p>
+          <a:p>
+            <a:pPr>
+              <a:buFontTx/>
+              <a:buChar char="-"/>
+            </a:pPr>
+            <a:r>
+              <a:rPr lang="en-US" sz="2400" dirty="0" err="1" smtClean="0">
+                <a:latin typeface="Times New Roman" panose="02020603050405020304" pitchFamily="18" charset="0"/>
+                <a:cs typeface="Times New Roman" panose="02020603050405020304" pitchFamily="18" charset="0"/>
+              </a:rPr>
+              <a:t>Đối</a:t>
+            </a:r>
+            <a:r>
+              <a:rPr lang="en-US" sz="2400" dirty="0" smtClean="0">
+                <a:latin typeface="Times New Roman" panose="02020603050405020304" pitchFamily="18" charset="0"/>
+                <a:cs typeface="Times New Roman" panose="02020603050405020304" pitchFamily="18" charset="0"/>
+              </a:rPr>
+              <a:t> </a:t>
+            </a:r>
+            <a:r>
+              <a:rPr lang="en-US" sz="2400" dirty="0" err="1" smtClean="0">
+                <a:latin typeface="Times New Roman" panose="02020603050405020304" pitchFamily="18" charset="0"/>
+                <a:cs typeface="Times New Roman" panose="02020603050405020304" pitchFamily="18" charset="0"/>
+              </a:rPr>
+              <a:t>tượng</a:t>
+            </a:r>
+            <a:r>
+              <a:rPr lang="en-US" sz="2400" dirty="0" smtClean="0">
+                <a:latin typeface="Times New Roman" panose="02020603050405020304" pitchFamily="18" charset="0"/>
+                <a:cs typeface="Times New Roman" panose="02020603050405020304" pitchFamily="18" charset="0"/>
+              </a:rPr>
+              <a:t> </a:t>
+            </a:r>
+            <a:r>
+              <a:rPr lang="en-US" sz="2400" dirty="0" err="1" smtClean="0">
+                <a:latin typeface="Times New Roman" panose="02020603050405020304" pitchFamily="18" charset="0"/>
+                <a:cs typeface="Times New Roman" panose="02020603050405020304" pitchFamily="18" charset="0"/>
+              </a:rPr>
+              <a:t>trun</a:t>
+            </a:r>
+            <a:r>
+              <a:rPr lang="en-US" sz="2400" dirty="0" err="1" smtClean="0">
+                <a:latin typeface="Times New Roman" panose="02020603050405020304" pitchFamily="18" charset="0"/>
+                <a:cs typeface="Times New Roman" panose="02020603050405020304" pitchFamily="18" charset="0"/>
+              </a:rPr>
+              <a:t>g</a:t>
+            </a:r>
+            <a:r>
+              <a:rPr lang="en-US" sz="2400" dirty="0" smtClean="0">
+                <a:latin typeface="Times New Roman" panose="02020603050405020304" pitchFamily="18" charset="0"/>
+                <a:cs typeface="Times New Roman" panose="02020603050405020304" pitchFamily="18" charset="0"/>
+              </a:rPr>
+              <a:t> </a:t>
+            </a:r>
+            <a:r>
+              <a:rPr lang="en-US" sz="2400" dirty="0" err="1" smtClean="0">
+                <a:latin typeface="Times New Roman" panose="02020603050405020304" pitchFamily="18" charset="0"/>
+                <a:cs typeface="Times New Roman" panose="02020603050405020304" pitchFamily="18" charset="0"/>
+              </a:rPr>
+              <a:t>gian</a:t>
+            </a:r>
+            <a:r>
+              <a:rPr lang="en-US" sz="2400" dirty="0" smtClean="0">
+                <a:latin typeface="Times New Roman" panose="02020603050405020304" pitchFamily="18" charset="0"/>
+                <a:cs typeface="Times New Roman" panose="02020603050405020304" pitchFamily="18" charset="0"/>
+              </a:rPr>
+              <a:t> </a:t>
+            </a:r>
+            <a:r>
+              <a:rPr lang="en-US" sz="2400" b="1" dirty="0" smtClean="0">
+                <a:latin typeface="Times New Roman" panose="02020603050405020304" pitchFamily="18" charset="0"/>
+                <a:cs typeface="Times New Roman" panose="02020603050405020304" pitchFamily="18" charset="0"/>
+              </a:rPr>
+              <a:t>MOM </a:t>
+            </a:r>
+            <a:r>
+              <a:rPr lang="en-US" sz="2400" b="1" i="1" dirty="0" smtClean="0">
+                <a:latin typeface="Times New Roman" panose="02020603050405020304" pitchFamily="18" charset="0"/>
+                <a:cs typeface="Times New Roman" panose="02020603050405020304" pitchFamily="18" charset="0"/>
+              </a:rPr>
+              <a:t>(Message Oriented Middleware) </a:t>
+            </a:r>
+            <a:r>
+              <a:rPr lang="en-US" sz="2400" dirty="0" smtClean="0">
+                <a:latin typeface="Times New Roman" panose="02020603050405020304" pitchFamily="18" charset="0"/>
+                <a:cs typeface="Times New Roman" panose="02020603050405020304" pitchFamily="18" charset="0"/>
+              </a:rPr>
+              <a:t>hay </a:t>
+            </a:r>
+            <a:r>
+              <a:rPr lang="en-US" sz="2400" b="1" dirty="0" smtClean="0">
+                <a:latin typeface="Times New Roman" panose="02020603050405020304" pitchFamily="18" charset="0"/>
+                <a:cs typeface="Times New Roman" panose="02020603050405020304" pitchFamily="18" charset="0"/>
+              </a:rPr>
+              <a:t>MQ </a:t>
+            </a:r>
+            <a:r>
+              <a:rPr lang="en-US" sz="2400" b="1" i="1" dirty="0" smtClean="0">
+                <a:latin typeface="Times New Roman" panose="02020603050405020304" pitchFamily="18" charset="0"/>
+                <a:cs typeface="Times New Roman" panose="02020603050405020304" pitchFamily="18" charset="0"/>
+              </a:rPr>
+              <a:t>(Message Queue)</a:t>
+            </a:r>
+            <a:r>
+              <a:rPr lang="en-US" sz="2400" dirty="0" smtClean="0">
+                <a:latin typeface="Times New Roman" panose="02020603050405020304" pitchFamily="18" charset="0"/>
+                <a:cs typeface="Times New Roman" panose="02020603050405020304" pitchFamily="18" charset="0"/>
+              </a:rPr>
+              <a:t>: </a:t>
+            </a:r>
+            <a:r>
+              <a:rPr lang="en-US" sz="2400" dirty="0" err="1" smtClean="0">
+                <a:latin typeface="Times New Roman" panose="02020603050405020304" pitchFamily="18" charset="0"/>
+                <a:cs typeface="Times New Roman" panose="02020603050405020304" pitchFamily="18" charset="0"/>
+              </a:rPr>
+              <a:t>hỗ</a:t>
+            </a:r>
+            <a:r>
+              <a:rPr lang="en-US" sz="2400" dirty="0" smtClean="0">
+                <a:latin typeface="Times New Roman" panose="02020603050405020304" pitchFamily="18" charset="0"/>
+                <a:cs typeface="Times New Roman" panose="02020603050405020304" pitchFamily="18" charset="0"/>
+              </a:rPr>
+              <a:t> </a:t>
+            </a:r>
+            <a:r>
+              <a:rPr lang="en-US" sz="2400" dirty="0" err="1" smtClean="0">
+                <a:latin typeface="Times New Roman" panose="02020603050405020304" pitchFamily="18" charset="0"/>
+                <a:cs typeface="Times New Roman" panose="02020603050405020304" pitchFamily="18" charset="0"/>
+              </a:rPr>
+              <a:t>trợ</a:t>
+            </a:r>
+            <a:r>
+              <a:rPr lang="en-US" sz="2400" dirty="0" smtClean="0">
+                <a:latin typeface="Times New Roman" panose="02020603050405020304" pitchFamily="18" charset="0"/>
+                <a:cs typeface="Times New Roman" panose="02020603050405020304" pitchFamily="18" charset="0"/>
+              </a:rPr>
+              <a:t> </a:t>
+            </a:r>
+            <a:r>
+              <a:rPr lang="en-US" sz="2400" dirty="0" err="1" smtClean="0">
+                <a:latin typeface="Times New Roman" panose="02020603050405020304" pitchFamily="18" charset="0"/>
+                <a:cs typeface="Times New Roman" panose="02020603050405020304" pitchFamily="18" charset="0"/>
+              </a:rPr>
+              <a:t>cơ</a:t>
+            </a:r>
+            <a:r>
+              <a:rPr lang="en-US" sz="2400" dirty="0" smtClean="0">
+                <a:latin typeface="Times New Roman" panose="02020603050405020304" pitchFamily="18" charset="0"/>
+                <a:cs typeface="Times New Roman" panose="02020603050405020304" pitchFamily="18" charset="0"/>
+              </a:rPr>
+              <a:t> </a:t>
+            </a:r>
+            <a:r>
+              <a:rPr lang="en-US" sz="2400" dirty="0" err="1" smtClean="0">
+                <a:latin typeface="Times New Roman" panose="02020603050405020304" pitchFamily="18" charset="0"/>
+                <a:cs typeface="Times New Roman" panose="02020603050405020304" pitchFamily="18" charset="0"/>
+              </a:rPr>
+              <a:t>chế</a:t>
+            </a:r>
+            <a:r>
+              <a:rPr lang="en-US" sz="2400" dirty="0" smtClean="0">
+                <a:latin typeface="Times New Roman" panose="02020603050405020304" pitchFamily="18" charset="0"/>
+                <a:cs typeface="Times New Roman" panose="02020603050405020304" pitchFamily="18" charset="0"/>
+              </a:rPr>
+              <a:t> </a:t>
+            </a:r>
+            <a:r>
+              <a:rPr lang="en-US" sz="2400" dirty="0" err="1" smtClean="0">
+                <a:latin typeface="Times New Roman" panose="02020603050405020304" pitchFamily="18" charset="0"/>
+                <a:cs typeface="Times New Roman" panose="02020603050405020304" pitchFamily="18" charset="0"/>
+              </a:rPr>
+              <a:t>tương</a:t>
+            </a:r>
+            <a:r>
+              <a:rPr lang="en-US" sz="2400" dirty="0" smtClean="0">
+                <a:latin typeface="Times New Roman" panose="02020603050405020304" pitchFamily="18" charset="0"/>
+                <a:cs typeface="Times New Roman" panose="02020603050405020304" pitchFamily="18" charset="0"/>
+              </a:rPr>
+              <a:t> </a:t>
+            </a:r>
+            <a:r>
+              <a:rPr lang="en-US" sz="2400" dirty="0" err="1" smtClean="0">
+                <a:latin typeface="Times New Roman" panose="02020603050405020304" pitchFamily="18" charset="0"/>
+                <a:cs typeface="Times New Roman" panose="02020603050405020304" pitchFamily="18" charset="0"/>
+              </a:rPr>
+              <a:t>tự</a:t>
+            </a:r>
+            <a:r>
+              <a:rPr lang="en-US" sz="2400" dirty="0" smtClean="0">
+                <a:latin typeface="Times New Roman" panose="02020603050405020304" pitchFamily="18" charset="0"/>
+                <a:cs typeface="Times New Roman" panose="02020603050405020304" pitchFamily="18" charset="0"/>
+              </a:rPr>
+              <a:t> </a:t>
+            </a:r>
+            <a:r>
+              <a:rPr lang="en-US" sz="2400" dirty="0" err="1" smtClean="0">
+                <a:latin typeface="Times New Roman" panose="02020603050405020304" pitchFamily="18" charset="0"/>
+                <a:cs typeface="Times New Roman" panose="02020603050405020304" pitchFamily="18" charset="0"/>
+              </a:rPr>
+              <a:t>như</a:t>
+            </a:r>
+            <a:r>
+              <a:rPr lang="en-US" sz="2400" dirty="0" smtClean="0">
+                <a:latin typeface="Times New Roman" panose="02020603050405020304" pitchFamily="18" charset="0"/>
+                <a:cs typeface="Times New Roman" panose="02020603050405020304" pitchFamily="18" charset="0"/>
+              </a:rPr>
+              <a:t> DB </a:t>
+            </a:r>
+            <a:r>
+              <a:rPr lang="en-US" sz="2400" dirty="0" err="1" smtClean="0">
+                <a:latin typeface="Times New Roman" panose="02020603050405020304" pitchFamily="18" charset="0"/>
+                <a:cs typeface="Times New Roman" panose="02020603050405020304" pitchFamily="18" charset="0"/>
+              </a:rPr>
+              <a:t>với</a:t>
+            </a:r>
+            <a:r>
+              <a:rPr lang="en-US" sz="2400" dirty="0" smtClean="0">
+                <a:latin typeface="Times New Roman" panose="02020603050405020304" pitchFamily="18" charset="0"/>
+                <a:cs typeface="Times New Roman" panose="02020603050405020304" pitchFamily="18" charset="0"/>
+              </a:rPr>
+              <a:t> </a:t>
+            </a:r>
+            <a:r>
+              <a:rPr lang="en-US" sz="2400" dirty="0" err="1" smtClean="0">
+                <a:latin typeface="Times New Roman" panose="02020603050405020304" pitchFamily="18" charset="0"/>
+                <a:cs typeface="Times New Roman" panose="02020603050405020304" pitchFamily="18" charset="0"/>
+              </a:rPr>
+              <a:t>việc</a:t>
+            </a:r>
+            <a:r>
+              <a:rPr lang="en-US" sz="2400" dirty="0" smtClean="0">
+                <a:latin typeface="Times New Roman" panose="02020603050405020304" pitchFamily="18" charset="0"/>
+                <a:cs typeface="Times New Roman" panose="02020603050405020304" pitchFamily="18" charset="0"/>
+              </a:rPr>
+              <a:t> </a:t>
+            </a:r>
+            <a:r>
+              <a:rPr lang="en-US" sz="2400" dirty="0" err="1" smtClean="0">
+                <a:latin typeface="Times New Roman" panose="02020603050405020304" pitchFamily="18" charset="0"/>
+                <a:cs typeface="Times New Roman" panose="02020603050405020304" pitchFamily="18" charset="0"/>
+              </a:rPr>
+              <a:t>nhận</a:t>
+            </a:r>
+            <a:r>
+              <a:rPr lang="en-US" sz="2400" dirty="0" smtClean="0">
+                <a:latin typeface="Times New Roman" panose="02020603050405020304" pitchFamily="18" charset="0"/>
+                <a:cs typeface="Times New Roman" panose="02020603050405020304" pitchFamily="18" charset="0"/>
+              </a:rPr>
+              <a:t> </a:t>
+            </a:r>
+            <a:r>
+              <a:rPr lang="en-US" sz="2400" dirty="0" err="1" smtClean="0">
+                <a:latin typeface="Times New Roman" panose="02020603050405020304" pitchFamily="18" charset="0"/>
+                <a:cs typeface="Times New Roman" panose="02020603050405020304" pitchFamily="18" charset="0"/>
+              </a:rPr>
+              <a:t>và</a:t>
+            </a:r>
+            <a:r>
+              <a:rPr lang="en-US" sz="2400" dirty="0" smtClean="0">
+                <a:latin typeface="Times New Roman" panose="02020603050405020304" pitchFamily="18" charset="0"/>
+                <a:cs typeface="Times New Roman" panose="02020603050405020304" pitchFamily="18" charset="0"/>
+              </a:rPr>
+              <a:t> </a:t>
+            </a:r>
+            <a:r>
+              <a:rPr lang="en-US" sz="2400" dirty="0" err="1" smtClean="0">
+                <a:latin typeface="Times New Roman" panose="02020603050405020304" pitchFamily="18" charset="0"/>
+                <a:cs typeface="Times New Roman" panose="02020603050405020304" pitchFamily="18" charset="0"/>
+              </a:rPr>
+              <a:t>gửi</a:t>
+            </a:r>
+            <a:r>
+              <a:rPr lang="en-US" sz="2400" dirty="0" smtClean="0">
+                <a:latin typeface="Times New Roman" panose="02020603050405020304" pitchFamily="18" charset="0"/>
+                <a:cs typeface="Times New Roman" panose="02020603050405020304" pitchFamily="18" charset="0"/>
+              </a:rPr>
+              <a:t> message, </a:t>
+            </a:r>
+            <a:r>
+              <a:rPr lang="en-US" sz="2400" dirty="0" err="1" smtClean="0">
+                <a:latin typeface="Times New Roman" panose="02020603050405020304" pitchFamily="18" charset="0"/>
+                <a:cs typeface="Times New Roman" panose="02020603050405020304" pitchFamily="18" charset="0"/>
+              </a:rPr>
+              <a:t>đảm</a:t>
+            </a:r>
+            <a:r>
+              <a:rPr lang="en-US" sz="2400" dirty="0" smtClean="0">
+                <a:latin typeface="Times New Roman" panose="02020603050405020304" pitchFamily="18" charset="0"/>
+                <a:cs typeface="Times New Roman" panose="02020603050405020304" pitchFamily="18" charset="0"/>
+              </a:rPr>
+              <a:t> </a:t>
+            </a:r>
+            <a:r>
+              <a:rPr lang="en-US" sz="2400" dirty="0" err="1" smtClean="0">
+                <a:latin typeface="Times New Roman" panose="02020603050405020304" pitchFamily="18" charset="0"/>
+                <a:cs typeface="Times New Roman" panose="02020603050405020304" pitchFamily="18" charset="0"/>
+              </a:rPr>
+              <a:t>bảo</a:t>
+            </a:r>
+            <a:r>
+              <a:rPr lang="en-US" sz="2400" dirty="0" smtClean="0">
+                <a:latin typeface="Times New Roman" panose="02020603050405020304" pitchFamily="18" charset="0"/>
+                <a:cs typeface="Times New Roman" panose="02020603050405020304" pitchFamily="18" charset="0"/>
+              </a:rPr>
+              <a:t> </a:t>
+            </a:r>
+            <a:r>
+              <a:rPr lang="en-US" sz="2400" dirty="0" err="1" smtClean="0">
+                <a:latin typeface="Times New Roman" panose="02020603050405020304" pitchFamily="18" charset="0"/>
+                <a:cs typeface="Times New Roman" panose="02020603050405020304" pitchFamily="18" charset="0"/>
+              </a:rPr>
+              <a:t>toàn</a:t>
+            </a:r>
+            <a:r>
+              <a:rPr lang="en-US" sz="2400" dirty="0" smtClean="0">
+                <a:latin typeface="Times New Roman" panose="02020603050405020304" pitchFamily="18" charset="0"/>
+                <a:cs typeface="Times New Roman" panose="02020603050405020304" pitchFamily="18" charset="0"/>
+              </a:rPr>
+              <a:t> </a:t>
+            </a:r>
+            <a:r>
+              <a:rPr lang="en-US" sz="2400" dirty="0" err="1" smtClean="0">
+                <a:latin typeface="Times New Roman" panose="02020603050405020304" pitchFamily="18" charset="0"/>
+                <a:cs typeface="Times New Roman" panose="02020603050405020304" pitchFamily="18" charset="0"/>
+              </a:rPr>
+              <a:t>vẹn</a:t>
+            </a:r>
+            <a:r>
+              <a:rPr lang="en-US" sz="2400" dirty="0" smtClean="0">
+                <a:latin typeface="Times New Roman" panose="02020603050405020304" pitchFamily="18" charset="0"/>
+                <a:cs typeface="Times New Roman" panose="02020603050405020304" pitchFamily="18" charset="0"/>
+              </a:rPr>
+              <a:t> </a:t>
+            </a:r>
+            <a:r>
+              <a:rPr lang="en-US" sz="2400" dirty="0" err="1" smtClean="0">
+                <a:latin typeface="Times New Roman" panose="02020603050405020304" pitchFamily="18" charset="0"/>
+                <a:cs typeface="Times New Roman" panose="02020603050405020304" pitchFamily="18" charset="0"/>
+              </a:rPr>
+              <a:t>dữ</a:t>
+            </a:r>
+            <a:r>
+              <a:rPr lang="en-US" sz="2400" dirty="0" smtClean="0">
+                <a:latin typeface="Times New Roman" panose="02020603050405020304" pitchFamily="18" charset="0"/>
+                <a:cs typeface="Times New Roman" panose="02020603050405020304" pitchFamily="18" charset="0"/>
+              </a:rPr>
+              <a:t> </a:t>
+            </a:r>
+            <a:r>
+              <a:rPr lang="en-US" sz="2400" dirty="0" err="1" smtClean="0">
+                <a:latin typeface="Times New Roman" panose="02020603050405020304" pitchFamily="18" charset="0"/>
+                <a:cs typeface="Times New Roman" panose="02020603050405020304" pitchFamily="18" charset="0"/>
+              </a:rPr>
+              <a:t>liệu</a:t>
+            </a:r>
+            <a:r>
+              <a:rPr lang="en-US" sz="2400" dirty="0" smtClean="0">
+                <a:latin typeface="Times New Roman" panose="02020603050405020304" pitchFamily="18" charset="0"/>
+                <a:cs typeface="Times New Roman" panose="02020603050405020304" pitchFamily="18" charset="0"/>
+              </a:rPr>
+              <a:t>, transaction </a:t>
+            </a:r>
+            <a:r>
+              <a:rPr lang="en-US" sz="2400" dirty="0" err="1" smtClean="0">
+                <a:latin typeface="Times New Roman" panose="02020603050405020304" pitchFamily="18" charset="0"/>
+                <a:cs typeface="Times New Roman" panose="02020603050405020304" pitchFamily="18" charset="0"/>
+              </a:rPr>
+              <a:t>và</a:t>
+            </a:r>
+            <a:r>
+              <a:rPr lang="en-US" sz="2400" dirty="0" smtClean="0">
+                <a:latin typeface="Times New Roman" panose="02020603050405020304" pitchFamily="18" charset="0"/>
+                <a:cs typeface="Times New Roman" panose="02020603050405020304" pitchFamily="18" charset="0"/>
+              </a:rPr>
+              <a:t> </a:t>
+            </a:r>
+            <a:r>
+              <a:rPr lang="en-US" sz="2400" dirty="0" err="1" smtClean="0">
+                <a:latin typeface="Times New Roman" panose="02020603050405020304" pitchFamily="18" charset="0"/>
+                <a:cs typeface="Times New Roman" panose="02020603050405020304" pitchFamily="18" charset="0"/>
+              </a:rPr>
+              <a:t>cân</a:t>
+            </a:r>
+            <a:r>
+              <a:rPr lang="en-US" sz="2400" dirty="0" smtClean="0">
+                <a:latin typeface="Times New Roman" panose="02020603050405020304" pitchFamily="18" charset="0"/>
+                <a:cs typeface="Times New Roman" panose="02020603050405020304" pitchFamily="18" charset="0"/>
+              </a:rPr>
+              <a:t> </a:t>
+            </a:r>
+            <a:r>
+              <a:rPr lang="en-US" sz="2400" dirty="0" err="1" smtClean="0">
+                <a:latin typeface="Times New Roman" panose="02020603050405020304" pitchFamily="18" charset="0"/>
+                <a:cs typeface="Times New Roman" panose="02020603050405020304" pitchFamily="18" charset="0"/>
+              </a:rPr>
+              <a:t>bằng</a:t>
+            </a:r>
+            <a:r>
+              <a:rPr lang="en-US" sz="2400" dirty="0" smtClean="0">
+                <a:latin typeface="Times New Roman" panose="02020603050405020304" pitchFamily="18" charset="0"/>
+                <a:cs typeface="Times New Roman" panose="02020603050405020304" pitchFamily="18" charset="0"/>
+              </a:rPr>
+              <a:t> </a:t>
+            </a:r>
+            <a:r>
+              <a:rPr lang="en-US" sz="2400" dirty="0" err="1" smtClean="0">
+                <a:latin typeface="Times New Roman" panose="02020603050405020304" pitchFamily="18" charset="0"/>
+                <a:cs typeface="Times New Roman" panose="02020603050405020304" pitchFamily="18" charset="0"/>
+              </a:rPr>
+              <a:t>cho</a:t>
+            </a:r>
+            <a:r>
+              <a:rPr lang="en-US" sz="2400" dirty="0" smtClean="0">
+                <a:latin typeface="Times New Roman" panose="02020603050405020304" pitchFamily="18" charset="0"/>
+                <a:cs typeface="Times New Roman" panose="02020603050405020304" pitchFamily="18" charset="0"/>
+              </a:rPr>
+              <a:t> </a:t>
+            </a:r>
+            <a:r>
+              <a:rPr lang="en-US" sz="2400" dirty="0" err="1" smtClean="0">
+                <a:latin typeface="Times New Roman" panose="02020603050405020304" pitchFamily="18" charset="0"/>
+                <a:cs typeface="Times New Roman" panose="02020603050405020304" pitchFamily="18" charset="0"/>
+              </a:rPr>
+              <a:t>việc</a:t>
+            </a:r>
+            <a:r>
+              <a:rPr lang="en-US" sz="2400" dirty="0" smtClean="0">
+                <a:latin typeface="Times New Roman" panose="02020603050405020304" pitchFamily="18" charset="0"/>
+                <a:cs typeface="Times New Roman" panose="02020603050405020304" pitchFamily="18" charset="0"/>
+              </a:rPr>
+              <a:t> </a:t>
+            </a:r>
+            <a:r>
+              <a:rPr lang="en-US" sz="2400" dirty="0" err="1" smtClean="0">
+                <a:latin typeface="Times New Roman" panose="02020603050405020304" pitchFamily="18" charset="0"/>
+                <a:cs typeface="Times New Roman" panose="02020603050405020304" pitchFamily="18" charset="0"/>
+              </a:rPr>
+              <a:t>gửi</a:t>
+            </a:r>
+            <a:r>
+              <a:rPr lang="en-US" sz="2400" dirty="0" smtClean="0">
+                <a:latin typeface="Times New Roman" panose="02020603050405020304" pitchFamily="18" charset="0"/>
+                <a:cs typeface="Times New Roman" panose="02020603050405020304" pitchFamily="18" charset="0"/>
+              </a:rPr>
+              <a:t> </a:t>
+            </a:r>
+            <a:r>
+              <a:rPr lang="en-US" sz="2400" dirty="0" err="1" smtClean="0">
+                <a:latin typeface="Times New Roman" panose="02020603050405020304" pitchFamily="18" charset="0"/>
+                <a:cs typeface="Times New Roman" panose="02020603050405020304" pitchFamily="18" charset="0"/>
+              </a:rPr>
+              <a:t>nhận</a:t>
+            </a:r>
+            <a:r>
+              <a:rPr lang="en-US" sz="2400" dirty="0" smtClean="0">
+                <a:latin typeface="Times New Roman" panose="02020603050405020304" pitchFamily="18" charset="0"/>
+                <a:cs typeface="Times New Roman" panose="02020603050405020304" pitchFamily="18" charset="0"/>
+              </a:rPr>
+              <a:t> </a:t>
+            </a:r>
+            <a:r>
+              <a:rPr lang="en-US" sz="2400" dirty="0" err="1" smtClean="0">
+                <a:latin typeface="Times New Roman" panose="02020603050405020304" pitchFamily="18" charset="0"/>
+                <a:cs typeface="Times New Roman" panose="02020603050405020304" pitchFamily="18" charset="0"/>
+              </a:rPr>
+              <a:t>dữ</a:t>
+            </a:r>
+            <a:r>
+              <a:rPr lang="en-US" sz="2400" dirty="0" smtClean="0">
+                <a:latin typeface="Times New Roman" panose="02020603050405020304" pitchFamily="18" charset="0"/>
+                <a:cs typeface="Times New Roman" panose="02020603050405020304" pitchFamily="18" charset="0"/>
+              </a:rPr>
+              <a:t> </a:t>
+            </a:r>
+            <a:r>
+              <a:rPr lang="en-US" sz="2400" dirty="0" err="1" smtClean="0">
+                <a:latin typeface="Times New Roman" panose="02020603050405020304" pitchFamily="18" charset="0"/>
+                <a:cs typeface="Times New Roman" panose="02020603050405020304" pitchFamily="18" charset="0"/>
+              </a:rPr>
+              <a:t>liệu</a:t>
+            </a:r>
+            <a:r>
+              <a:rPr lang="en-US" sz="2400" dirty="0" smtClean="0">
+                <a:latin typeface="Times New Roman" panose="02020603050405020304" pitchFamily="18" charset="0"/>
+                <a:cs typeface="Times New Roman" panose="02020603050405020304" pitchFamily="18" charset="0"/>
+              </a:rPr>
+              <a:t>.</a:t>
+            </a:r>
+          </a:p>
+          <a:p>
+            <a:pPr>
+              <a:buFontTx/>
+              <a:buChar char="-"/>
+            </a:pPr>
+            <a:r>
+              <a:rPr lang="en-US" sz="2400" dirty="0" err="1" smtClean="0">
+                <a:latin typeface="Times New Roman" panose="02020603050405020304" pitchFamily="18" charset="0"/>
+                <a:cs typeface="Times New Roman" panose="02020603050405020304" pitchFamily="18" charset="0"/>
+              </a:rPr>
+              <a:t>Nơi</a:t>
+            </a:r>
+            <a:r>
+              <a:rPr lang="en-US" sz="2400" dirty="0" smtClean="0">
+                <a:latin typeface="Times New Roman" panose="02020603050405020304" pitchFamily="18" charset="0"/>
+                <a:cs typeface="Times New Roman" panose="02020603050405020304" pitchFamily="18" charset="0"/>
+              </a:rPr>
+              <a:t> </a:t>
+            </a:r>
+            <a:r>
+              <a:rPr lang="en-US" sz="2400" dirty="0" err="1" smtClean="0">
+                <a:latin typeface="Times New Roman" panose="02020603050405020304" pitchFamily="18" charset="0"/>
+                <a:cs typeface="Times New Roman" panose="02020603050405020304" pitchFamily="18" charset="0"/>
+              </a:rPr>
+              <a:t>lưu</a:t>
+            </a:r>
+            <a:r>
+              <a:rPr lang="en-US" sz="2400" dirty="0" smtClean="0">
+                <a:latin typeface="Times New Roman" panose="02020603050405020304" pitchFamily="18" charset="0"/>
+                <a:cs typeface="Times New Roman" panose="02020603050405020304" pitchFamily="18" charset="0"/>
+              </a:rPr>
+              <a:t> </a:t>
+            </a:r>
+            <a:r>
+              <a:rPr lang="en-US" sz="2400" dirty="0" err="1" smtClean="0">
+                <a:latin typeface="Times New Roman" panose="02020603050405020304" pitchFamily="18" charset="0"/>
+                <a:cs typeface="Times New Roman" panose="02020603050405020304" pitchFamily="18" charset="0"/>
+              </a:rPr>
+              <a:t>trữ</a:t>
+            </a:r>
+            <a:r>
+              <a:rPr lang="en-US" sz="2400" dirty="0" smtClean="0">
+                <a:latin typeface="Times New Roman" panose="02020603050405020304" pitchFamily="18" charset="0"/>
+                <a:cs typeface="Times New Roman" panose="02020603050405020304" pitchFamily="18" charset="0"/>
+              </a:rPr>
+              <a:t> </a:t>
+            </a:r>
+            <a:r>
+              <a:rPr lang="en-US" sz="2400" dirty="0" err="1" smtClean="0">
+                <a:latin typeface="Times New Roman" panose="02020603050405020304" pitchFamily="18" charset="0"/>
+                <a:cs typeface="Times New Roman" panose="02020603050405020304" pitchFamily="18" charset="0"/>
+              </a:rPr>
+              <a:t>dữ</a:t>
+            </a:r>
+            <a:r>
+              <a:rPr lang="en-US" sz="2400" dirty="0" smtClean="0">
+                <a:latin typeface="Times New Roman" panose="02020603050405020304" pitchFamily="18" charset="0"/>
+                <a:cs typeface="Times New Roman" panose="02020603050405020304" pitchFamily="18" charset="0"/>
+              </a:rPr>
+              <a:t> </a:t>
+            </a:r>
+            <a:r>
+              <a:rPr lang="en-US" sz="2400" dirty="0" err="1" smtClean="0">
+                <a:latin typeface="Times New Roman" panose="02020603050405020304" pitchFamily="18" charset="0"/>
+                <a:cs typeface="Times New Roman" panose="02020603050405020304" pitchFamily="18" charset="0"/>
+              </a:rPr>
+              <a:t>liệu</a:t>
+            </a:r>
+            <a:r>
+              <a:rPr lang="en-US" sz="2400" dirty="0" smtClean="0">
+                <a:latin typeface="Times New Roman" panose="02020603050405020304" pitchFamily="18" charset="0"/>
+                <a:cs typeface="Times New Roman" panose="02020603050405020304" pitchFamily="18" charset="0"/>
+              </a:rPr>
+              <a:t> </a:t>
+            </a:r>
+            <a:r>
+              <a:rPr lang="en-US" sz="2400" dirty="0" err="1" smtClean="0">
+                <a:latin typeface="Times New Roman" panose="02020603050405020304" pitchFamily="18" charset="0"/>
+                <a:cs typeface="Times New Roman" panose="02020603050405020304" pitchFamily="18" charset="0"/>
+              </a:rPr>
+              <a:t>và</a:t>
+            </a:r>
+            <a:r>
+              <a:rPr lang="en-US" sz="2400" dirty="0" smtClean="0">
+                <a:latin typeface="Times New Roman" panose="02020603050405020304" pitchFamily="18" charset="0"/>
+                <a:cs typeface="Times New Roman" panose="02020603050405020304" pitchFamily="18" charset="0"/>
+              </a:rPr>
+              <a:t> </a:t>
+            </a:r>
+            <a:r>
+              <a:rPr lang="en-US" sz="2400" dirty="0" err="1" smtClean="0">
+                <a:latin typeface="Times New Roman" panose="02020603050405020304" pitchFamily="18" charset="0"/>
+                <a:cs typeface="Times New Roman" panose="02020603050405020304" pitchFamily="18" charset="0"/>
+              </a:rPr>
+              <a:t>tương</a:t>
+            </a:r>
+            <a:r>
+              <a:rPr lang="en-US" sz="2400" dirty="0" smtClean="0">
+                <a:latin typeface="Times New Roman" panose="02020603050405020304" pitchFamily="18" charset="0"/>
+                <a:cs typeface="Times New Roman" panose="02020603050405020304" pitchFamily="18" charset="0"/>
+              </a:rPr>
+              <a:t> </a:t>
+            </a:r>
+            <a:r>
+              <a:rPr lang="en-US" sz="2400" dirty="0" err="1" smtClean="0">
+                <a:latin typeface="Times New Roman" panose="02020603050405020304" pitchFamily="18" charset="0"/>
+                <a:cs typeface="Times New Roman" panose="02020603050405020304" pitchFamily="18" charset="0"/>
+              </a:rPr>
+              <a:t>tác</a:t>
+            </a:r>
+            <a:r>
+              <a:rPr lang="en-US" sz="2400" dirty="0" smtClean="0">
+                <a:latin typeface="Times New Roman" panose="02020603050405020304" pitchFamily="18" charset="0"/>
+                <a:cs typeface="Times New Roman" panose="02020603050405020304" pitchFamily="18" charset="0"/>
+              </a:rPr>
+              <a:t> </a:t>
+            </a:r>
+            <a:r>
+              <a:rPr lang="en-US" sz="2400" dirty="0" err="1" smtClean="0">
+                <a:latin typeface="Times New Roman" panose="02020603050405020304" pitchFamily="18" charset="0"/>
+                <a:cs typeface="Times New Roman" panose="02020603050405020304" pitchFamily="18" charset="0"/>
+              </a:rPr>
+              <a:t>với</a:t>
+            </a:r>
+            <a:r>
+              <a:rPr lang="en-US" sz="2400" dirty="0" smtClean="0">
+                <a:latin typeface="Times New Roman" panose="02020603050405020304" pitchFamily="18" charset="0"/>
+                <a:cs typeface="Times New Roman" panose="02020603050405020304" pitchFamily="18" charset="0"/>
+              </a:rPr>
+              <a:t> MOM </a:t>
+            </a:r>
+            <a:r>
+              <a:rPr lang="en-US" sz="2400" dirty="0" err="1" smtClean="0">
+                <a:latin typeface="Times New Roman" panose="02020603050405020304" pitchFamily="18" charset="0"/>
+                <a:cs typeface="Times New Roman" panose="02020603050405020304" pitchFamily="18" charset="0"/>
+              </a:rPr>
+              <a:t>được</a:t>
+            </a:r>
+            <a:r>
+              <a:rPr lang="en-US" sz="2400" dirty="0" smtClean="0">
+                <a:latin typeface="Times New Roman" panose="02020603050405020304" pitchFamily="18" charset="0"/>
+                <a:cs typeface="Times New Roman" panose="02020603050405020304" pitchFamily="18" charset="0"/>
+              </a:rPr>
+              <a:t> </a:t>
+            </a:r>
+            <a:r>
+              <a:rPr lang="en-US" sz="2400" dirty="0" err="1" smtClean="0">
+                <a:latin typeface="Times New Roman" panose="02020603050405020304" pitchFamily="18" charset="0"/>
+                <a:cs typeface="Times New Roman" panose="02020603050405020304" pitchFamily="18" charset="0"/>
+              </a:rPr>
+              <a:t>gọi</a:t>
+            </a:r>
+            <a:r>
+              <a:rPr lang="en-US" sz="2400" dirty="0" smtClean="0">
+                <a:latin typeface="Times New Roman" panose="02020603050405020304" pitchFamily="18" charset="0"/>
+                <a:cs typeface="Times New Roman" panose="02020603050405020304" pitchFamily="18" charset="0"/>
+              </a:rPr>
+              <a:t> </a:t>
+            </a:r>
+            <a:r>
+              <a:rPr lang="en-US" sz="2400" dirty="0" err="1" smtClean="0">
+                <a:latin typeface="Times New Roman" panose="02020603050405020304" pitchFamily="18" charset="0"/>
+                <a:cs typeface="Times New Roman" panose="02020603050405020304" pitchFamily="18" charset="0"/>
+              </a:rPr>
+              <a:t>là</a:t>
+            </a:r>
+            <a:r>
+              <a:rPr lang="en-US" sz="2400" dirty="0" smtClean="0">
+                <a:latin typeface="Times New Roman" panose="02020603050405020304" pitchFamily="18" charset="0"/>
+                <a:cs typeface="Times New Roman" panose="02020603050405020304" pitchFamily="18" charset="0"/>
+              </a:rPr>
+              <a:t> </a:t>
+            </a:r>
+            <a:r>
+              <a:rPr lang="en-US" sz="2400" b="1" i="1" dirty="0" smtClean="0">
+                <a:latin typeface="Times New Roman" panose="02020603050405020304" pitchFamily="18" charset="0"/>
+                <a:cs typeface="Times New Roman" panose="02020603050405020304" pitchFamily="18" charset="0"/>
+              </a:rPr>
+              <a:t>Destination.</a:t>
+            </a:r>
+            <a:endParaRPr lang="en-US" sz="2400" dirty="0" smtClean="0">
               <a:latin typeface="Times New Roman" panose="02020603050405020304" pitchFamily="18" charset="0"/>
               <a:cs typeface="Times New Roman" panose="02020603050405020304" pitchFamily="18" charset="0"/>
             </a:endParaRPr>
@@ -6335,7 +9129,612 @@
   <p:timing>
     <p:tnLst>
       <p:par>
-        <p:cTn id="1" dur="indefinite" restart="never" nodeType="tmRoot"/>
+        <p:cTn id="1" dur="indefinite" restart="never" nodeType="tmRoot">
+          <p:childTnLst>
+            <p:seq concurrent="1" nextAc="seek">
+              <p:cTn id="2" dur="indefinite" nodeType="mainSeq">
+                <p:childTnLst>
+                  <p:par>
+                    <p:cTn id="3" fill="hold">
+                      <p:stCondLst>
+                        <p:cond delay="indefinite"/>
+                      </p:stCondLst>
+                      <p:childTnLst>
+                        <p:par>
+                          <p:cTn id="4" fill="hold">
+                            <p:stCondLst>
+                              <p:cond delay="0"/>
+                            </p:stCondLst>
+                            <p:childTnLst>
+                              <p:par>
+                                <p:cTn id="5" presetID="2" presetClass="entr" presetSubtype="4" fill="hold" nodeType="clickEffect">
+                                  <p:stCondLst>
+                                    <p:cond delay="0"/>
+                                  </p:stCondLst>
+                                  <p:childTnLst>
+                                    <p:set>
+                                      <p:cBhvr>
+                                        <p:cTn id="6" dur="1" fill="hold">
+                                          <p:stCondLst>
+                                            <p:cond delay="0"/>
+                                          </p:stCondLst>
+                                        </p:cTn>
+                                        <p:tgtEl>
+                                          <p:spTgt spid="3">
+                                            <p:txEl>
+                                              <p:pRg st="0" end="0"/>
+                                            </p:txEl>
+                                          </p:spTgt>
+                                        </p:tgtEl>
+                                        <p:attrNameLst>
+                                          <p:attrName>style.visibility</p:attrName>
+                                        </p:attrNameLst>
+                                      </p:cBhvr>
+                                      <p:to>
+                                        <p:strVal val="visible"/>
+                                      </p:to>
+                                    </p:set>
+                                    <p:anim calcmode="lin" valueType="num">
+                                      <p:cBhvr additive="base">
+                                        <p:cTn id="7" dur="500" fill="hold"/>
+                                        <p:tgtEl>
+                                          <p:spTgt spid="3">
+                                            <p:txEl>
+                                              <p:pRg st="0" end="0"/>
+                                            </p:txEl>
+                                          </p:spTgt>
+                                        </p:tgtEl>
+                                        <p:attrNameLst>
+                                          <p:attrName>ppt_x</p:attrName>
+                                        </p:attrNameLst>
+                                      </p:cBhvr>
+                                      <p:tavLst>
+                                        <p:tav tm="0">
+                                          <p:val>
+                                            <p:strVal val="#ppt_x"/>
+                                          </p:val>
+                                        </p:tav>
+                                        <p:tav tm="100000">
+                                          <p:val>
+                                            <p:strVal val="#ppt_x"/>
+                                          </p:val>
+                                        </p:tav>
+                                      </p:tavLst>
+                                    </p:anim>
+                                    <p:anim calcmode="lin" valueType="num">
+                                      <p:cBhvr additive="base">
+                                        <p:cTn id="8" dur="500" fill="hold"/>
+                                        <p:tgtEl>
+                                          <p:spTgt spid="3">
+                                            <p:txEl>
+                                              <p:pRg st="0" end="0"/>
+                                            </p:txEl>
+                                          </p:spTgt>
+                                        </p:tgtEl>
+                                        <p:attrNameLst>
+                                          <p:attrName>ppt_y</p:attrName>
+                                        </p:attrNameLst>
+                                      </p:cBhvr>
+                                      <p:tavLst>
+                                        <p:tav tm="0">
+                                          <p:val>
+                                            <p:strVal val="1+#ppt_h/2"/>
+                                          </p:val>
+                                        </p:tav>
+                                        <p:tav tm="100000">
+                                          <p:val>
+                                            <p:strVal val="#ppt_y"/>
+                                          </p:val>
+                                        </p:tav>
+                                      </p:tavLst>
+                                    </p:anim>
+                                  </p:childTnLst>
+                                </p:cTn>
+                              </p:par>
+                            </p:childTnLst>
+                          </p:cTn>
+                        </p:par>
+                      </p:childTnLst>
+                    </p:cTn>
+                  </p:par>
+                  <p:par>
+                    <p:cTn id="9" fill="hold">
+                      <p:stCondLst>
+                        <p:cond delay="indefinite"/>
+                      </p:stCondLst>
+                      <p:childTnLst>
+                        <p:par>
+                          <p:cTn id="10" fill="hold">
+                            <p:stCondLst>
+                              <p:cond delay="0"/>
+                            </p:stCondLst>
+                            <p:childTnLst>
+                              <p:par>
+                                <p:cTn id="11" presetID="2" presetClass="entr" presetSubtype="4" fill="hold" nodeType="clickEffect">
+                                  <p:stCondLst>
+                                    <p:cond delay="0"/>
+                                  </p:stCondLst>
+                                  <p:childTnLst>
+                                    <p:set>
+                                      <p:cBhvr>
+                                        <p:cTn id="12" dur="1" fill="hold">
+                                          <p:stCondLst>
+                                            <p:cond delay="0"/>
+                                          </p:stCondLst>
+                                        </p:cTn>
+                                        <p:tgtEl>
+                                          <p:spTgt spid="3">
+                                            <p:txEl>
+                                              <p:pRg st="1" end="1"/>
+                                            </p:txEl>
+                                          </p:spTgt>
+                                        </p:tgtEl>
+                                        <p:attrNameLst>
+                                          <p:attrName>style.visibility</p:attrName>
+                                        </p:attrNameLst>
+                                      </p:cBhvr>
+                                      <p:to>
+                                        <p:strVal val="visible"/>
+                                      </p:to>
+                                    </p:set>
+                                    <p:anim calcmode="lin" valueType="num">
+                                      <p:cBhvr additive="base">
+                                        <p:cTn id="13" dur="500" fill="hold"/>
+                                        <p:tgtEl>
+                                          <p:spTgt spid="3">
+                                            <p:txEl>
+                                              <p:pRg st="1" end="1"/>
+                                            </p:txEl>
+                                          </p:spTgt>
+                                        </p:tgtEl>
+                                        <p:attrNameLst>
+                                          <p:attrName>ppt_x</p:attrName>
+                                        </p:attrNameLst>
+                                      </p:cBhvr>
+                                      <p:tavLst>
+                                        <p:tav tm="0">
+                                          <p:val>
+                                            <p:strVal val="#ppt_x"/>
+                                          </p:val>
+                                        </p:tav>
+                                        <p:tav tm="100000">
+                                          <p:val>
+                                            <p:strVal val="#ppt_x"/>
+                                          </p:val>
+                                        </p:tav>
+                                      </p:tavLst>
+                                    </p:anim>
+                                    <p:anim calcmode="lin" valueType="num">
+                                      <p:cBhvr additive="base">
+                                        <p:cTn id="14" dur="500" fill="hold"/>
+                                        <p:tgtEl>
+                                          <p:spTgt spid="3">
+                                            <p:txEl>
+                                              <p:pRg st="1" end="1"/>
+                                            </p:txEl>
+                                          </p:spTgt>
+                                        </p:tgtEl>
+                                        <p:attrNameLst>
+                                          <p:attrName>ppt_y</p:attrName>
+                                        </p:attrNameLst>
+                                      </p:cBhvr>
+                                      <p:tavLst>
+                                        <p:tav tm="0">
+                                          <p:val>
+                                            <p:strVal val="1+#ppt_h/2"/>
+                                          </p:val>
+                                        </p:tav>
+                                        <p:tav tm="100000">
+                                          <p:val>
+                                            <p:strVal val="#ppt_y"/>
+                                          </p:val>
+                                        </p:tav>
+                                      </p:tavLst>
+                                    </p:anim>
+                                  </p:childTnLst>
+                                </p:cTn>
+                              </p:par>
+                              <p:par>
+                                <p:cTn id="15" presetID="2" presetClass="entr" presetSubtype="4" fill="hold" nodeType="withEffect">
+                                  <p:stCondLst>
+                                    <p:cond delay="0"/>
+                                  </p:stCondLst>
+                                  <p:childTnLst>
+                                    <p:set>
+                                      <p:cBhvr>
+                                        <p:cTn id="16" dur="1" fill="hold">
+                                          <p:stCondLst>
+                                            <p:cond delay="0"/>
+                                          </p:stCondLst>
+                                        </p:cTn>
+                                        <p:tgtEl>
+                                          <p:spTgt spid="3">
+                                            <p:txEl>
+                                              <p:pRg st="2" end="2"/>
+                                            </p:txEl>
+                                          </p:spTgt>
+                                        </p:tgtEl>
+                                        <p:attrNameLst>
+                                          <p:attrName>style.visibility</p:attrName>
+                                        </p:attrNameLst>
+                                      </p:cBhvr>
+                                      <p:to>
+                                        <p:strVal val="visible"/>
+                                      </p:to>
+                                    </p:set>
+                                    <p:anim calcmode="lin" valueType="num">
+                                      <p:cBhvr additive="base">
+                                        <p:cTn id="17" dur="500" fill="hold"/>
+                                        <p:tgtEl>
+                                          <p:spTgt spid="3">
+                                            <p:txEl>
+                                              <p:pRg st="2" end="2"/>
+                                            </p:txEl>
+                                          </p:spTgt>
+                                        </p:tgtEl>
+                                        <p:attrNameLst>
+                                          <p:attrName>ppt_x</p:attrName>
+                                        </p:attrNameLst>
+                                      </p:cBhvr>
+                                      <p:tavLst>
+                                        <p:tav tm="0">
+                                          <p:val>
+                                            <p:strVal val="#ppt_x"/>
+                                          </p:val>
+                                        </p:tav>
+                                        <p:tav tm="100000">
+                                          <p:val>
+                                            <p:strVal val="#ppt_x"/>
+                                          </p:val>
+                                        </p:tav>
+                                      </p:tavLst>
+                                    </p:anim>
+                                    <p:anim calcmode="lin" valueType="num">
+                                      <p:cBhvr additive="base">
+                                        <p:cTn id="18" dur="500" fill="hold"/>
+                                        <p:tgtEl>
+                                          <p:spTgt spid="3">
+                                            <p:txEl>
+                                              <p:pRg st="2" end="2"/>
+                                            </p:txEl>
+                                          </p:spTgt>
+                                        </p:tgtEl>
+                                        <p:attrNameLst>
+                                          <p:attrName>ppt_y</p:attrName>
+                                        </p:attrNameLst>
+                                      </p:cBhvr>
+                                      <p:tavLst>
+                                        <p:tav tm="0">
+                                          <p:val>
+                                            <p:strVal val="1+#ppt_h/2"/>
+                                          </p:val>
+                                        </p:tav>
+                                        <p:tav tm="100000">
+                                          <p:val>
+                                            <p:strVal val="#ppt_y"/>
+                                          </p:val>
+                                        </p:tav>
+                                      </p:tavLst>
+                                    </p:anim>
+                                  </p:childTnLst>
+                                </p:cTn>
+                              </p:par>
+                              <p:par>
+                                <p:cTn id="19" presetID="2" presetClass="entr" presetSubtype="4" fill="hold" nodeType="withEffect">
+                                  <p:stCondLst>
+                                    <p:cond delay="0"/>
+                                  </p:stCondLst>
+                                  <p:childTnLst>
+                                    <p:set>
+                                      <p:cBhvr>
+                                        <p:cTn id="20" dur="1" fill="hold">
+                                          <p:stCondLst>
+                                            <p:cond delay="0"/>
+                                          </p:stCondLst>
+                                        </p:cTn>
+                                        <p:tgtEl>
+                                          <p:spTgt spid="3">
+                                            <p:txEl>
+                                              <p:pRg st="3" end="3"/>
+                                            </p:txEl>
+                                          </p:spTgt>
+                                        </p:tgtEl>
+                                        <p:attrNameLst>
+                                          <p:attrName>style.visibility</p:attrName>
+                                        </p:attrNameLst>
+                                      </p:cBhvr>
+                                      <p:to>
+                                        <p:strVal val="visible"/>
+                                      </p:to>
+                                    </p:set>
+                                    <p:anim calcmode="lin" valueType="num">
+                                      <p:cBhvr additive="base">
+                                        <p:cTn id="21" dur="500" fill="hold"/>
+                                        <p:tgtEl>
+                                          <p:spTgt spid="3">
+                                            <p:txEl>
+                                              <p:pRg st="3" end="3"/>
+                                            </p:txEl>
+                                          </p:spTgt>
+                                        </p:tgtEl>
+                                        <p:attrNameLst>
+                                          <p:attrName>ppt_x</p:attrName>
+                                        </p:attrNameLst>
+                                      </p:cBhvr>
+                                      <p:tavLst>
+                                        <p:tav tm="0">
+                                          <p:val>
+                                            <p:strVal val="#ppt_x"/>
+                                          </p:val>
+                                        </p:tav>
+                                        <p:tav tm="100000">
+                                          <p:val>
+                                            <p:strVal val="#ppt_x"/>
+                                          </p:val>
+                                        </p:tav>
+                                      </p:tavLst>
+                                    </p:anim>
+                                    <p:anim calcmode="lin" valueType="num">
+                                      <p:cBhvr additive="base">
+                                        <p:cTn id="22" dur="500" fill="hold"/>
+                                        <p:tgtEl>
+                                          <p:spTgt spid="3">
+                                            <p:txEl>
+                                              <p:pRg st="3" end="3"/>
+                                            </p:txEl>
+                                          </p:spTgt>
+                                        </p:tgtEl>
+                                        <p:attrNameLst>
+                                          <p:attrName>ppt_y</p:attrName>
+                                        </p:attrNameLst>
+                                      </p:cBhvr>
+                                      <p:tavLst>
+                                        <p:tav tm="0">
+                                          <p:val>
+                                            <p:strVal val="1+#ppt_h/2"/>
+                                          </p:val>
+                                        </p:tav>
+                                        <p:tav tm="100000">
+                                          <p:val>
+                                            <p:strVal val="#ppt_y"/>
+                                          </p:val>
+                                        </p:tav>
+                                      </p:tavLst>
+                                    </p:anim>
+                                  </p:childTnLst>
+                                </p:cTn>
+                              </p:par>
+                            </p:childTnLst>
+                          </p:cTn>
+                        </p:par>
+                      </p:childTnLst>
+                    </p:cTn>
+                  </p:par>
+                  <p:par>
+                    <p:cTn id="23" fill="hold">
+                      <p:stCondLst>
+                        <p:cond delay="indefinite"/>
+                      </p:stCondLst>
+                      <p:childTnLst>
+                        <p:par>
+                          <p:cTn id="24" fill="hold">
+                            <p:stCondLst>
+                              <p:cond delay="0"/>
+                            </p:stCondLst>
+                            <p:childTnLst>
+                              <p:par>
+                                <p:cTn id="25" presetID="2" presetClass="entr" presetSubtype="4" fill="hold" nodeType="clickEffect">
+                                  <p:stCondLst>
+                                    <p:cond delay="0"/>
+                                  </p:stCondLst>
+                                  <p:childTnLst>
+                                    <p:set>
+                                      <p:cBhvr>
+                                        <p:cTn id="26" dur="1" fill="hold">
+                                          <p:stCondLst>
+                                            <p:cond delay="0"/>
+                                          </p:stCondLst>
+                                        </p:cTn>
+                                        <p:tgtEl>
+                                          <p:spTgt spid="3">
+                                            <p:txEl>
+                                              <p:pRg st="4" end="4"/>
+                                            </p:txEl>
+                                          </p:spTgt>
+                                        </p:tgtEl>
+                                        <p:attrNameLst>
+                                          <p:attrName>style.visibility</p:attrName>
+                                        </p:attrNameLst>
+                                      </p:cBhvr>
+                                      <p:to>
+                                        <p:strVal val="visible"/>
+                                      </p:to>
+                                    </p:set>
+                                    <p:anim calcmode="lin" valueType="num">
+                                      <p:cBhvr additive="base">
+                                        <p:cTn id="27" dur="500" fill="hold"/>
+                                        <p:tgtEl>
+                                          <p:spTgt spid="3">
+                                            <p:txEl>
+                                              <p:pRg st="4" end="4"/>
+                                            </p:txEl>
+                                          </p:spTgt>
+                                        </p:tgtEl>
+                                        <p:attrNameLst>
+                                          <p:attrName>ppt_x</p:attrName>
+                                        </p:attrNameLst>
+                                      </p:cBhvr>
+                                      <p:tavLst>
+                                        <p:tav tm="0">
+                                          <p:val>
+                                            <p:strVal val="#ppt_x"/>
+                                          </p:val>
+                                        </p:tav>
+                                        <p:tav tm="100000">
+                                          <p:val>
+                                            <p:strVal val="#ppt_x"/>
+                                          </p:val>
+                                        </p:tav>
+                                      </p:tavLst>
+                                    </p:anim>
+                                    <p:anim calcmode="lin" valueType="num">
+                                      <p:cBhvr additive="base">
+                                        <p:cTn id="28" dur="500" fill="hold"/>
+                                        <p:tgtEl>
+                                          <p:spTgt spid="3">
+                                            <p:txEl>
+                                              <p:pRg st="4" end="4"/>
+                                            </p:txEl>
+                                          </p:spTgt>
+                                        </p:tgtEl>
+                                        <p:attrNameLst>
+                                          <p:attrName>ppt_y</p:attrName>
+                                        </p:attrNameLst>
+                                      </p:cBhvr>
+                                      <p:tavLst>
+                                        <p:tav tm="0">
+                                          <p:val>
+                                            <p:strVal val="1+#ppt_h/2"/>
+                                          </p:val>
+                                        </p:tav>
+                                        <p:tav tm="100000">
+                                          <p:val>
+                                            <p:strVal val="#ppt_y"/>
+                                          </p:val>
+                                        </p:tav>
+                                      </p:tavLst>
+                                    </p:anim>
+                                  </p:childTnLst>
+                                </p:cTn>
+                              </p:par>
+                            </p:childTnLst>
+                          </p:cTn>
+                        </p:par>
+                      </p:childTnLst>
+                    </p:cTn>
+                  </p:par>
+                  <p:par>
+                    <p:cTn id="29" fill="hold">
+                      <p:stCondLst>
+                        <p:cond delay="indefinite"/>
+                      </p:stCondLst>
+                      <p:childTnLst>
+                        <p:par>
+                          <p:cTn id="30" fill="hold">
+                            <p:stCondLst>
+                              <p:cond delay="0"/>
+                            </p:stCondLst>
+                            <p:childTnLst>
+                              <p:par>
+                                <p:cTn id="31" presetID="2" presetClass="entr" presetSubtype="4" fill="hold" nodeType="clickEffect">
+                                  <p:stCondLst>
+                                    <p:cond delay="0"/>
+                                  </p:stCondLst>
+                                  <p:childTnLst>
+                                    <p:set>
+                                      <p:cBhvr>
+                                        <p:cTn id="32" dur="1" fill="hold">
+                                          <p:stCondLst>
+                                            <p:cond delay="0"/>
+                                          </p:stCondLst>
+                                        </p:cTn>
+                                        <p:tgtEl>
+                                          <p:spTgt spid="3">
+                                            <p:txEl>
+                                              <p:pRg st="5" end="5"/>
+                                            </p:txEl>
+                                          </p:spTgt>
+                                        </p:tgtEl>
+                                        <p:attrNameLst>
+                                          <p:attrName>style.visibility</p:attrName>
+                                        </p:attrNameLst>
+                                      </p:cBhvr>
+                                      <p:to>
+                                        <p:strVal val="visible"/>
+                                      </p:to>
+                                    </p:set>
+                                    <p:anim calcmode="lin" valueType="num">
+                                      <p:cBhvr additive="base">
+                                        <p:cTn id="33" dur="500" fill="hold"/>
+                                        <p:tgtEl>
+                                          <p:spTgt spid="3">
+                                            <p:txEl>
+                                              <p:pRg st="5" end="5"/>
+                                            </p:txEl>
+                                          </p:spTgt>
+                                        </p:tgtEl>
+                                        <p:attrNameLst>
+                                          <p:attrName>ppt_x</p:attrName>
+                                        </p:attrNameLst>
+                                      </p:cBhvr>
+                                      <p:tavLst>
+                                        <p:tav tm="0">
+                                          <p:val>
+                                            <p:strVal val="#ppt_x"/>
+                                          </p:val>
+                                        </p:tav>
+                                        <p:tav tm="100000">
+                                          <p:val>
+                                            <p:strVal val="#ppt_x"/>
+                                          </p:val>
+                                        </p:tav>
+                                      </p:tavLst>
+                                    </p:anim>
+                                    <p:anim calcmode="lin" valueType="num">
+                                      <p:cBhvr additive="base">
+                                        <p:cTn id="34" dur="500" fill="hold"/>
+                                        <p:tgtEl>
+                                          <p:spTgt spid="3">
+                                            <p:txEl>
+                                              <p:pRg st="5" end="5"/>
+                                            </p:txEl>
+                                          </p:spTgt>
+                                        </p:tgtEl>
+                                        <p:attrNameLst>
+                                          <p:attrName>ppt_y</p:attrName>
+                                        </p:attrNameLst>
+                                      </p:cBhvr>
+                                      <p:tavLst>
+                                        <p:tav tm="0">
+                                          <p:val>
+                                            <p:strVal val="1+#ppt_h/2"/>
+                                          </p:val>
+                                        </p:tav>
+                                        <p:tav tm="100000">
+                                          <p:val>
+                                            <p:strVal val="#ppt_y"/>
+                                          </p:val>
+                                        </p:tav>
+                                      </p:tavLst>
+                                    </p:anim>
+                                  </p:childTnLst>
+                                </p:cTn>
+                              </p:par>
+                            </p:childTnLst>
+                          </p:cTn>
+                        </p:par>
+                      </p:childTnLst>
+                    </p:cTn>
+                  </p:par>
+                </p:childTnLst>
+              </p:cTn>
+              <p:prevCondLst>
+                <p:cond evt="onPrev" delay="0">
+                  <p:tgtEl>
+                    <p:sldTgt/>
+                  </p:tgtEl>
+                </p:cond>
+              </p:prevCondLst>
+              <p:nextCondLst>
+                <p:cond evt="onNext" delay="0">
+                  <p:tgtEl>
+                    <p:sldTgt/>
+                  </p:tgtEl>
+                </p:cond>
+              </p:nextCondLst>
+            </p:seq>
+          </p:childTnLst>
+        </p:cTn>
       </p:par>
     </p:tnLst>
   </p:timing>
@@ -6359,130 +9758,15 @@
           <a:chExt cx="0" cy="0"/>
         </a:xfrm>
       </p:grpSpPr>
-      <p:sp>
-        <p:nvSpPr>
-          <p:cNvPr id="3" name="Content Placeholder 2"/>
-          <p:cNvSpPr>
-            <a:spLocks noGrp="1"/>
-          </p:cNvSpPr>
+      <p:pic>
+        <p:nvPicPr>
+          <p:cNvPr id="6" name="Content Placeholder 5"/>
+          <p:cNvPicPr>
+            <a:picLocks noGrp="1" noChangeAspect="1"/>
+          </p:cNvPicPr>
           <p:nvPr>
             <p:ph idx="1"/>
           </p:nvPr>
-        </p:nvSpPr>
-        <p:spPr>
-          <a:xfrm>
-            <a:off x="625080" y="253412"/>
-            <a:ext cx="9145935" cy="1745205"/>
-          </a:xfrm>
-        </p:spPr>
-        <p:txBody>
-          <a:bodyPr>
-            <a:normAutofit/>
-          </a:bodyPr>
-          <a:lstStyle/>
-          <a:p>
-            <a:pPr marL="0" indent="0">
-              <a:buNone/>
-            </a:pPr>
-            <a:r>
-              <a:rPr lang="en-US" sz="2800" b="1" dirty="0" smtClean="0">
-                <a:solidFill>
-                  <a:srgbClr val="92D050"/>
-                </a:solidFill>
-                <a:latin typeface="Times New Roman" panose="02020603050405020304" pitchFamily="18" charset="0"/>
-                <a:cs typeface="Times New Roman" panose="02020603050405020304" pitchFamily="18" charset="0"/>
-              </a:rPr>
-              <a:t>2. Khái niệm JMS</a:t>
-            </a:r>
-          </a:p>
-          <a:p>
-            <a:pPr marL="0" indent="0">
-              <a:buNone/>
-            </a:pPr>
-            <a:r>
-              <a:rPr lang="en-US" sz="2400" dirty="0" smtClean="0">
-                <a:solidFill>
-                  <a:schemeClr val="tx1"/>
-                </a:solidFill>
-                <a:latin typeface="Times New Roman" panose="02020603050405020304" pitchFamily="18" charset="0"/>
-                <a:cs typeface="Times New Roman" panose="02020603050405020304" pitchFamily="18" charset="0"/>
-              </a:rPr>
-              <a:t>- Java Message Service là 1 chuẩn API cho phép các ứng dụng có thể </a:t>
-            </a:r>
-            <a:r>
-              <a:rPr lang="en-US" sz="2400" dirty="0">
-                <a:solidFill>
-                  <a:schemeClr val="tx1"/>
-                </a:solidFill>
-                <a:latin typeface="Times New Roman" panose="02020603050405020304" pitchFamily="18" charset="0"/>
-                <a:cs typeface="Times New Roman" panose="02020603050405020304" pitchFamily="18" charset="0"/>
-              </a:rPr>
-              <a:t>gửi hoặc </a:t>
-            </a:r>
-            <a:r>
-              <a:rPr lang="en-US" sz="2400" dirty="0" smtClean="0">
-                <a:solidFill>
-                  <a:schemeClr val="tx1"/>
-                </a:solidFill>
-                <a:latin typeface="Times New Roman" panose="02020603050405020304" pitchFamily="18" charset="0"/>
-                <a:cs typeface="Times New Roman" panose="02020603050405020304" pitchFamily="18" charset="0"/>
-              </a:rPr>
-              <a:t>nhận </a:t>
-            </a:r>
-            <a:r>
-              <a:rPr lang="en-US" sz="2400" dirty="0">
-                <a:solidFill>
-                  <a:schemeClr val="tx1"/>
-                </a:solidFill>
-                <a:latin typeface="Times New Roman" panose="02020603050405020304" pitchFamily="18" charset="0"/>
-                <a:cs typeface="Times New Roman" panose="02020603050405020304" pitchFamily="18" charset="0"/>
-              </a:rPr>
-              <a:t>thông điệp (messages</a:t>
-            </a:r>
-            <a:r>
-              <a:rPr lang="en-US" sz="2400" dirty="0" smtClean="0">
-                <a:solidFill>
-                  <a:schemeClr val="tx1"/>
-                </a:solidFill>
-                <a:latin typeface="Times New Roman" panose="02020603050405020304" pitchFamily="18" charset="0"/>
-                <a:cs typeface="Times New Roman" panose="02020603050405020304" pitchFamily="18" charset="0"/>
-              </a:rPr>
-              <a:t>) để giao tiếp với nhau thông qua 1 đối tượng trung gian gọi là MOM (</a:t>
-            </a:r>
-            <a:r>
-              <a:rPr lang="en-US" sz="2400" dirty="0">
-                <a:latin typeface="Times New Roman" panose="02020603050405020304" pitchFamily="18" charset="0"/>
-                <a:cs typeface="Times New Roman" panose="02020603050405020304" pitchFamily="18" charset="0"/>
-              </a:rPr>
-              <a:t>Message Oriented Middleware</a:t>
-            </a:r>
-            <a:r>
-              <a:rPr lang="en-US" sz="2400" dirty="0" smtClean="0">
-                <a:solidFill>
-                  <a:schemeClr val="tx1"/>
-                </a:solidFill>
-                <a:latin typeface="Times New Roman" panose="02020603050405020304" pitchFamily="18" charset="0"/>
-                <a:cs typeface="Times New Roman" panose="02020603050405020304" pitchFamily="18" charset="0"/>
-              </a:rPr>
-              <a:t>)</a:t>
-            </a:r>
-            <a:endParaRPr lang="en-US" sz="2400" dirty="0">
-              <a:solidFill>
-                <a:schemeClr val="tx1"/>
-              </a:solidFill>
-              <a:latin typeface="Times New Roman" panose="02020603050405020304" pitchFamily="18" charset="0"/>
-              <a:cs typeface="Times New Roman" panose="02020603050405020304" pitchFamily="18" charset="0"/>
-            </a:endParaRPr>
-          </a:p>
-        </p:txBody>
-      </p:sp>
-      <p:pic>
-        <p:nvPicPr>
-          <p:cNvPr id="4" name="Picture 3"/>
-          <p:cNvPicPr>
-            <a:picLocks noChangeAspect="1"/>
-          </p:cNvPicPr>
-          <p:nvPr/>
         </p:nvPicPr>
         <p:blipFill>
           <a:blip r:embed="rId2">
@@ -6498,18 +9782,79 @@
         </p:blipFill>
         <p:spPr>
           <a:xfrm>
-            <a:off x="1324424" y="2194561"/>
-            <a:ext cx="7747245" cy="4357826"/>
+            <a:off x="677335" y="1397726"/>
+            <a:ext cx="8806300" cy="4924697"/>
           </a:xfrm>
-          <a:prstGeom prst="rect">
-            <a:avLst/>
-          </a:prstGeom>
         </p:spPr>
       </p:pic>
+      <p:sp>
+        <p:nvSpPr>
+          <p:cNvPr id="5" name="Title 4"/>
+          <p:cNvSpPr>
+            <a:spLocks noGrp="1"/>
+          </p:cNvSpPr>
+          <p:nvPr>
+            <p:ph type="title"/>
+          </p:nvPr>
+        </p:nvSpPr>
+        <p:spPr>
+          <a:xfrm>
+            <a:off x="677334" y="609600"/>
+            <a:ext cx="8596668" cy="435429"/>
+          </a:xfrm>
+        </p:spPr>
+        <p:txBody>
+          <a:bodyPr>
+            <a:normAutofit fontScale="90000"/>
+          </a:bodyPr>
+          <a:lstStyle/>
+          <a:p>
+            <a:r>
+              <a:rPr lang="en-US" sz="3000" dirty="0" smtClean="0">
+                <a:latin typeface="Times New Roman" panose="02020603050405020304" pitchFamily="18" charset="0"/>
+                <a:cs typeface="Times New Roman" panose="02020603050405020304" pitchFamily="18" charset="0"/>
+              </a:rPr>
+              <a:t>* </a:t>
+            </a:r>
+            <a:r>
+              <a:rPr lang="en-US" sz="3000" dirty="0" err="1" smtClean="0">
+                <a:latin typeface="Times New Roman" panose="02020603050405020304" pitchFamily="18" charset="0"/>
+                <a:cs typeface="Times New Roman" panose="02020603050405020304" pitchFamily="18" charset="0"/>
+              </a:rPr>
+              <a:t>Mô</a:t>
+            </a:r>
+            <a:r>
+              <a:rPr lang="en-US" sz="3000" dirty="0" smtClean="0">
+                <a:latin typeface="Times New Roman" panose="02020603050405020304" pitchFamily="18" charset="0"/>
+                <a:cs typeface="Times New Roman" panose="02020603050405020304" pitchFamily="18" charset="0"/>
+              </a:rPr>
+              <a:t> </a:t>
+            </a:r>
+            <a:r>
+              <a:rPr lang="en-US" sz="3000" dirty="0" err="1" smtClean="0">
+                <a:latin typeface="Times New Roman" panose="02020603050405020304" pitchFamily="18" charset="0"/>
+                <a:cs typeface="Times New Roman" panose="02020603050405020304" pitchFamily="18" charset="0"/>
+              </a:rPr>
+              <a:t>hình</a:t>
+            </a:r>
+            <a:r>
+              <a:rPr lang="en-US" sz="3000" dirty="0" smtClean="0">
+                <a:latin typeface="Times New Roman" panose="02020603050405020304" pitchFamily="18" charset="0"/>
+                <a:cs typeface="Times New Roman" panose="02020603050405020304" pitchFamily="18" charset="0"/>
+              </a:rPr>
+              <a:t> Messaging:</a:t>
+            </a:r>
+            <a:endParaRPr lang="en-US" sz="3000" dirty="0">
+              <a:latin typeface="Times New Roman" panose="02020603050405020304" pitchFamily="18" charset="0"/>
+              <a:cs typeface="Times New Roman" panose="02020603050405020304" pitchFamily="18" charset="0"/>
+            </a:endParaRPr>
+          </a:p>
+        </p:txBody>
+      </p:sp>
     </p:spTree>
     <p:extLst>
       <p:ext uri="{BB962C8B-B14F-4D97-AF65-F5344CB8AC3E}">
-        <p14:creationId xmlns:p14="http://schemas.microsoft.com/office/powerpoint/2010/main" val="1154209484"/>
+        <p14:creationId xmlns:p14="http://schemas.microsoft.com/office/powerpoint/2010/main" val="4146443841"/>
       </p:ext>
     </p:extLst>
   </p:cSld>
@@ -6555,6 +9900,1066 @@
         </p:nvSpPr>
         <p:spPr>
           <a:xfrm>
+            <a:off x="625080" y="253412"/>
+            <a:ext cx="5331583" cy="6447834"/>
+          </a:xfrm>
+        </p:spPr>
+        <p:txBody>
+          <a:bodyPr>
+            <a:normAutofit/>
+          </a:bodyPr>
+          <a:lstStyle/>
+          <a:p>
+            <a:pPr marL="0" indent="0">
+              <a:buNone/>
+            </a:pPr>
+            <a:r>
+              <a:rPr lang="en-US" sz="2800" b="1" dirty="0" smtClean="0">
+                <a:solidFill>
+                  <a:srgbClr val="92D050"/>
+                </a:solidFill>
+                <a:latin typeface="Times New Roman" panose="02020603050405020304" pitchFamily="18" charset="0"/>
+                <a:cs typeface="Times New Roman" panose="02020603050405020304" pitchFamily="18" charset="0"/>
+              </a:rPr>
+              <a:t>2. Khái </a:t>
+            </a:r>
+            <a:r>
+              <a:rPr lang="en-US" sz="2800" b="1" dirty="0" err="1" smtClean="0">
+                <a:solidFill>
+                  <a:srgbClr val="92D050"/>
+                </a:solidFill>
+                <a:latin typeface="Times New Roman" panose="02020603050405020304" pitchFamily="18" charset="0"/>
+                <a:cs typeface="Times New Roman" panose="02020603050405020304" pitchFamily="18" charset="0"/>
+              </a:rPr>
+              <a:t>niệm</a:t>
+            </a:r>
+            <a:r>
+              <a:rPr lang="en-US" sz="2800" b="1" dirty="0" smtClean="0">
+                <a:solidFill>
+                  <a:srgbClr val="92D050"/>
+                </a:solidFill>
+                <a:latin typeface="Times New Roman" panose="02020603050405020304" pitchFamily="18" charset="0"/>
+                <a:cs typeface="Times New Roman" panose="02020603050405020304" pitchFamily="18" charset="0"/>
+              </a:rPr>
+              <a:t> </a:t>
+            </a:r>
+            <a:r>
+              <a:rPr lang="en-US" sz="2800" b="1" dirty="0" smtClean="0">
+                <a:solidFill>
+                  <a:srgbClr val="92D050"/>
+                </a:solidFill>
+                <a:latin typeface="Times New Roman" panose="02020603050405020304" pitchFamily="18" charset="0"/>
+                <a:cs typeface="Times New Roman" panose="02020603050405020304" pitchFamily="18" charset="0"/>
+              </a:rPr>
+              <a:t>JMS API.</a:t>
+            </a:r>
+          </a:p>
+          <a:p>
+            <a:pPr marL="0" indent="0">
+              <a:buNone/>
+            </a:pPr>
+            <a:endParaRPr lang="en-US" sz="2800" b="1" dirty="0" smtClean="0">
+              <a:solidFill>
+                <a:srgbClr val="92D050"/>
+              </a:solidFill>
+              <a:latin typeface="Times New Roman" panose="02020603050405020304" pitchFamily="18" charset="0"/>
+              <a:cs typeface="Times New Roman" panose="02020603050405020304" pitchFamily="18" charset="0"/>
+            </a:endParaRPr>
+          </a:p>
+          <a:p>
+            <a:pPr>
+              <a:buFontTx/>
+              <a:buChar char="-"/>
+            </a:pPr>
+            <a:r>
+              <a:rPr lang="en-US" sz="2400" dirty="0" smtClean="0">
+                <a:solidFill>
+                  <a:schemeClr val="tx1"/>
+                </a:solidFill>
+                <a:latin typeface="Times New Roman" panose="02020603050405020304" pitchFamily="18" charset="0"/>
+                <a:cs typeface="Times New Roman" panose="02020603050405020304" pitchFamily="18" charset="0"/>
+              </a:rPr>
+              <a:t>Java </a:t>
+            </a:r>
+            <a:r>
+              <a:rPr lang="en-US" sz="2400" dirty="0" smtClean="0">
+                <a:solidFill>
+                  <a:schemeClr val="tx1"/>
+                </a:solidFill>
+                <a:latin typeface="Times New Roman" panose="02020603050405020304" pitchFamily="18" charset="0"/>
+                <a:cs typeface="Times New Roman" panose="02020603050405020304" pitchFamily="18" charset="0"/>
+              </a:rPr>
+              <a:t>Message </a:t>
+            </a:r>
+            <a:r>
+              <a:rPr lang="en-US" sz="2400" dirty="0" smtClean="0">
+                <a:solidFill>
+                  <a:schemeClr val="tx1"/>
+                </a:solidFill>
+                <a:latin typeface="Times New Roman" panose="02020603050405020304" pitchFamily="18" charset="0"/>
+                <a:cs typeface="Times New Roman" panose="02020603050405020304" pitchFamily="18" charset="0"/>
+              </a:rPr>
+              <a:t>Service (JMS) API </a:t>
+            </a:r>
+            <a:r>
+              <a:rPr lang="en-US" sz="2400" dirty="0" err="1" smtClean="0">
+                <a:solidFill>
+                  <a:schemeClr val="tx1"/>
+                </a:solidFill>
+                <a:latin typeface="Times New Roman" panose="02020603050405020304" pitchFamily="18" charset="0"/>
+                <a:cs typeface="Times New Roman" panose="02020603050405020304" pitchFamily="18" charset="0"/>
+              </a:rPr>
+              <a:t>là</a:t>
+            </a:r>
+            <a:r>
+              <a:rPr lang="en-US" sz="2400" dirty="0" smtClean="0">
+                <a:solidFill>
+                  <a:schemeClr val="tx1"/>
+                </a:solidFill>
+                <a:latin typeface="Times New Roman" panose="02020603050405020304" pitchFamily="18" charset="0"/>
+                <a:cs typeface="Times New Roman" panose="02020603050405020304" pitchFamily="18" charset="0"/>
+              </a:rPr>
+              <a:t> </a:t>
+            </a:r>
+            <a:r>
+              <a:rPr lang="en-US" sz="2400" dirty="0" err="1" smtClean="0">
+                <a:solidFill>
+                  <a:schemeClr val="tx1"/>
+                </a:solidFill>
+                <a:latin typeface="Times New Roman" panose="02020603050405020304" pitchFamily="18" charset="0"/>
+                <a:cs typeface="Times New Roman" panose="02020603050405020304" pitchFamily="18" charset="0"/>
+              </a:rPr>
+              <a:t>một</a:t>
+            </a:r>
+            <a:r>
+              <a:rPr lang="en-US" sz="2400" dirty="0" smtClean="0">
+                <a:solidFill>
+                  <a:schemeClr val="tx1"/>
+                </a:solidFill>
+                <a:latin typeface="Times New Roman" panose="02020603050405020304" pitchFamily="18" charset="0"/>
+                <a:cs typeface="Times New Roman" panose="02020603050405020304" pitchFamily="18" charset="0"/>
+              </a:rPr>
+              <a:t> </a:t>
+            </a:r>
+            <a:r>
+              <a:rPr lang="en-US" sz="2400" dirty="0" err="1" smtClean="0">
+                <a:solidFill>
+                  <a:schemeClr val="tx1"/>
+                </a:solidFill>
+                <a:latin typeface="Times New Roman" panose="02020603050405020304" pitchFamily="18" charset="0"/>
+                <a:cs typeface="Times New Roman" panose="02020603050405020304" pitchFamily="18" charset="0"/>
+              </a:rPr>
+              <a:t>phần</a:t>
+            </a:r>
+            <a:r>
+              <a:rPr lang="en-US" sz="2400" dirty="0" smtClean="0">
+                <a:solidFill>
+                  <a:schemeClr val="tx1"/>
+                </a:solidFill>
+                <a:latin typeface="Times New Roman" panose="02020603050405020304" pitchFamily="18" charset="0"/>
+                <a:cs typeface="Times New Roman" panose="02020603050405020304" pitchFamily="18" charset="0"/>
+              </a:rPr>
+              <a:t> </a:t>
+            </a:r>
+            <a:r>
+              <a:rPr lang="en-US" sz="2400" dirty="0" err="1" smtClean="0">
+                <a:solidFill>
+                  <a:schemeClr val="tx1"/>
+                </a:solidFill>
+                <a:latin typeface="Times New Roman" panose="02020603050405020304" pitchFamily="18" charset="0"/>
+                <a:cs typeface="Times New Roman" panose="02020603050405020304" pitchFamily="18" charset="0"/>
+              </a:rPr>
+              <a:t>của</a:t>
+            </a:r>
+            <a:r>
+              <a:rPr lang="en-US" sz="2400" dirty="0" smtClean="0">
+                <a:solidFill>
+                  <a:schemeClr val="tx1"/>
+                </a:solidFill>
+                <a:latin typeface="Times New Roman" panose="02020603050405020304" pitchFamily="18" charset="0"/>
+                <a:cs typeface="Times New Roman" panose="02020603050405020304" pitchFamily="18" charset="0"/>
+              </a:rPr>
+              <a:t> </a:t>
+            </a:r>
+            <a:r>
+              <a:rPr lang="en-US" sz="2400" dirty="0" err="1" smtClean="0">
+                <a:solidFill>
+                  <a:schemeClr val="tx1"/>
+                </a:solidFill>
+                <a:latin typeface="Times New Roman" panose="02020603050405020304" pitchFamily="18" charset="0"/>
+                <a:cs typeface="Times New Roman" panose="02020603050405020304" pitchFamily="18" charset="0"/>
+              </a:rPr>
+              <a:t>kỹ</a:t>
+            </a:r>
+            <a:r>
+              <a:rPr lang="en-US" sz="2400" dirty="0" smtClean="0">
+                <a:solidFill>
+                  <a:schemeClr val="tx1"/>
+                </a:solidFill>
+                <a:latin typeface="Times New Roman" panose="02020603050405020304" pitchFamily="18" charset="0"/>
+                <a:cs typeface="Times New Roman" panose="02020603050405020304" pitchFamily="18" charset="0"/>
+              </a:rPr>
+              <a:t> </a:t>
+            </a:r>
+            <a:r>
+              <a:rPr lang="en-US" sz="2400" dirty="0" err="1" smtClean="0">
+                <a:solidFill>
+                  <a:schemeClr val="tx1"/>
+                </a:solidFill>
+                <a:latin typeface="Times New Roman" panose="02020603050405020304" pitchFamily="18" charset="0"/>
+                <a:cs typeface="Times New Roman" panose="02020603050405020304" pitchFamily="18" charset="0"/>
+              </a:rPr>
+              <a:t>thuật</a:t>
+            </a:r>
+            <a:r>
+              <a:rPr lang="en-US" sz="2400" dirty="0" smtClean="0">
+                <a:solidFill>
+                  <a:schemeClr val="tx1"/>
+                </a:solidFill>
+                <a:latin typeface="Times New Roman" panose="02020603050405020304" pitchFamily="18" charset="0"/>
+                <a:cs typeface="Times New Roman" panose="02020603050405020304" pitchFamily="18" charset="0"/>
+              </a:rPr>
+              <a:t> Java </a:t>
+            </a:r>
+            <a:r>
+              <a:rPr lang="en-US" sz="2400" dirty="0" err="1" smtClean="0">
+                <a:solidFill>
+                  <a:schemeClr val="tx1"/>
+                </a:solidFill>
+                <a:latin typeface="Times New Roman" panose="02020603050405020304" pitchFamily="18" charset="0"/>
+                <a:cs typeface="Times New Roman" panose="02020603050405020304" pitchFamily="18" charset="0"/>
+              </a:rPr>
+              <a:t>Enterprice</a:t>
+            </a:r>
+            <a:r>
+              <a:rPr lang="en-US" sz="2400" dirty="0" smtClean="0">
+                <a:solidFill>
+                  <a:schemeClr val="tx1"/>
+                </a:solidFill>
+                <a:latin typeface="Times New Roman" panose="02020603050405020304" pitchFamily="18" charset="0"/>
+                <a:cs typeface="Times New Roman" panose="02020603050405020304" pitchFamily="18" charset="0"/>
+              </a:rPr>
+              <a:t> Edition (JEE), </a:t>
+            </a:r>
+            <a:r>
+              <a:rPr lang="en-US" sz="2400" dirty="0" err="1" smtClean="0">
+                <a:solidFill>
+                  <a:schemeClr val="tx1"/>
+                </a:solidFill>
+                <a:latin typeface="Times New Roman" panose="02020603050405020304" pitchFamily="18" charset="0"/>
+                <a:cs typeface="Times New Roman" panose="02020603050405020304" pitchFamily="18" charset="0"/>
+              </a:rPr>
+              <a:t>bao</a:t>
+            </a:r>
+            <a:r>
+              <a:rPr lang="en-US" sz="2400" dirty="0" smtClean="0">
+                <a:solidFill>
+                  <a:schemeClr val="tx1"/>
+                </a:solidFill>
+                <a:latin typeface="Times New Roman" panose="02020603050405020304" pitchFamily="18" charset="0"/>
+                <a:cs typeface="Times New Roman" panose="02020603050405020304" pitchFamily="18" charset="0"/>
+              </a:rPr>
+              <a:t> </a:t>
+            </a:r>
+            <a:r>
+              <a:rPr lang="en-US" sz="2400" dirty="0" err="1" smtClean="0">
+                <a:solidFill>
+                  <a:schemeClr val="tx1"/>
+                </a:solidFill>
+                <a:latin typeface="Times New Roman" panose="02020603050405020304" pitchFamily="18" charset="0"/>
+                <a:cs typeface="Times New Roman" panose="02020603050405020304" pitchFamily="18" charset="0"/>
+              </a:rPr>
+              <a:t>gồm</a:t>
+            </a:r>
+            <a:r>
+              <a:rPr lang="en-US" sz="2400" dirty="0" smtClean="0">
+                <a:solidFill>
+                  <a:schemeClr val="tx1"/>
+                </a:solidFill>
+                <a:latin typeface="Times New Roman" panose="02020603050405020304" pitchFamily="18" charset="0"/>
+                <a:cs typeface="Times New Roman" panose="02020603050405020304" pitchFamily="18" charset="0"/>
+              </a:rPr>
+              <a:t> </a:t>
+            </a:r>
+            <a:r>
+              <a:rPr lang="en-US" sz="2400" dirty="0" err="1" smtClean="0">
+                <a:solidFill>
+                  <a:schemeClr val="tx1"/>
+                </a:solidFill>
+                <a:latin typeface="Times New Roman" panose="02020603050405020304" pitchFamily="18" charset="0"/>
+                <a:cs typeface="Times New Roman" panose="02020603050405020304" pitchFamily="18" charset="0"/>
+              </a:rPr>
+              <a:t>những</a:t>
+            </a:r>
+            <a:r>
+              <a:rPr lang="en-US" sz="2400" dirty="0" smtClean="0">
+                <a:solidFill>
+                  <a:schemeClr val="tx1"/>
+                </a:solidFill>
+                <a:latin typeface="Times New Roman" panose="02020603050405020304" pitchFamily="18" charset="0"/>
+                <a:cs typeface="Times New Roman" panose="02020603050405020304" pitchFamily="18" charset="0"/>
+              </a:rPr>
+              <a:t> </a:t>
+            </a:r>
+            <a:r>
+              <a:rPr lang="en-US" sz="2400" dirty="0" err="1" smtClean="0">
+                <a:solidFill>
+                  <a:schemeClr val="tx1"/>
+                </a:solidFill>
+                <a:latin typeface="Times New Roman" panose="02020603050405020304" pitchFamily="18" charset="0"/>
+                <a:cs typeface="Times New Roman" panose="02020603050405020304" pitchFamily="18" charset="0"/>
+              </a:rPr>
+              <a:t>gì</a:t>
+            </a:r>
+            <a:r>
+              <a:rPr lang="en-US" sz="2400" dirty="0" smtClean="0">
+                <a:solidFill>
+                  <a:schemeClr val="tx1"/>
+                </a:solidFill>
+                <a:latin typeface="Times New Roman" panose="02020603050405020304" pitchFamily="18" charset="0"/>
+                <a:cs typeface="Times New Roman" panose="02020603050405020304" pitchFamily="18" charset="0"/>
+              </a:rPr>
+              <a:t> </a:t>
+            </a:r>
+            <a:r>
+              <a:rPr lang="en-US" sz="2400" dirty="0" err="1" smtClean="0">
+                <a:solidFill>
+                  <a:schemeClr val="tx1"/>
+                </a:solidFill>
+                <a:latin typeface="Times New Roman" panose="02020603050405020304" pitchFamily="18" charset="0"/>
+                <a:cs typeface="Times New Roman" panose="02020603050405020304" pitchFamily="18" charset="0"/>
+              </a:rPr>
+              <a:t>thuộc</a:t>
+            </a:r>
+            <a:r>
+              <a:rPr lang="en-US" sz="2400" dirty="0" smtClean="0">
+                <a:solidFill>
+                  <a:schemeClr val="tx1"/>
+                </a:solidFill>
+                <a:latin typeface="Times New Roman" panose="02020603050405020304" pitchFamily="18" charset="0"/>
+                <a:cs typeface="Times New Roman" panose="02020603050405020304" pitchFamily="18" charset="0"/>
+              </a:rPr>
+              <a:t> </a:t>
+            </a:r>
+            <a:r>
+              <a:rPr lang="en-US" sz="2400" dirty="0" err="1" smtClean="0">
+                <a:solidFill>
+                  <a:schemeClr val="tx1"/>
+                </a:solidFill>
+                <a:latin typeface="Times New Roman" panose="02020603050405020304" pitchFamily="18" charset="0"/>
+                <a:cs typeface="Times New Roman" panose="02020603050405020304" pitchFamily="18" charset="0"/>
+              </a:rPr>
+              <a:t>về</a:t>
+            </a:r>
+            <a:r>
+              <a:rPr lang="en-US" sz="2400" dirty="0" smtClean="0">
+                <a:solidFill>
+                  <a:schemeClr val="tx1"/>
+                </a:solidFill>
+                <a:latin typeface="Times New Roman" panose="02020603050405020304" pitchFamily="18" charset="0"/>
+                <a:cs typeface="Times New Roman" panose="02020603050405020304" pitchFamily="18" charset="0"/>
+              </a:rPr>
+              <a:t> </a:t>
+            </a:r>
+            <a:r>
+              <a:rPr lang="en-US" sz="2400" dirty="0" err="1" smtClean="0">
+                <a:solidFill>
+                  <a:schemeClr val="tx1"/>
+                </a:solidFill>
+                <a:latin typeface="Times New Roman" panose="02020603050405020304" pitchFamily="18" charset="0"/>
+                <a:cs typeface="Times New Roman" panose="02020603050405020304" pitchFamily="18" charset="0"/>
+              </a:rPr>
+              <a:t>việc</a:t>
+            </a:r>
+            <a:r>
+              <a:rPr lang="en-US" sz="2400" dirty="0" smtClean="0">
+                <a:solidFill>
+                  <a:schemeClr val="tx1"/>
+                </a:solidFill>
+                <a:latin typeface="Times New Roman" panose="02020603050405020304" pitchFamily="18" charset="0"/>
+                <a:cs typeface="Times New Roman" panose="02020603050405020304" pitchFamily="18" charset="0"/>
+              </a:rPr>
+              <a:t> </a:t>
+            </a:r>
+            <a:r>
+              <a:rPr lang="en-US" sz="2400" dirty="0" err="1" smtClean="0">
+                <a:solidFill>
+                  <a:schemeClr val="tx1"/>
+                </a:solidFill>
+                <a:latin typeface="Times New Roman" panose="02020603050405020304" pitchFamily="18" charset="0"/>
+                <a:cs typeface="Times New Roman" panose="02020603050405020304" pitchFamily="18" charset="0"/>
+              </a:rPr>
+              <a:t>gửi</a:t>
+            </a:r>
+            <a:r>
+              <a:rPr lang="en-US" sz="2400" dirty="0" smtClean="0">
+                <a:solidFill>
+                  <a:schemeClr val="tx1"/>
+                </a:solidFill>
+                <a:latin typeface="Times New Roman" panose="02020603050405020304" pitchFamily="18" charset="0"/>
+                <a:cs typeface="Times New Roman" panose="02020603050405020304" pitchFamily="18" charset="0"/>
+              </a:rPr>
+              <a:t> </a:t>
+            </a:r>
+            <a:r>
+              <a:rPr lang="en-US" sz="2400" dirty="0" err="1" smtClean="0">
+                <a:solidFill>
+                  <a:schemeClr val="tx1"/>
+                </a:solidFill>
+                <a:latin typeface="Times New Roman" panose="02020603050405020304" pitchFamily="18" charset="0"/>
+                <a:cs typeface="Times New Roman" panose="02020603050405020304" pitchFamily="18" charset="0"/>
+              </a:rPr>
+              <a:t>và</a:t>
+            </a:r>
+            <a:r>
+              <a:rPr lang="en-US" sz="2400" dirty="0" smtClean="0">
+                <a:solidFill>
+                  <a:schemeClr val="tx1"/>
+                </a:solidFill>
+                <a:latin typeface="Times New Roman" panose="02020603050405020304" pitchFamily="18" charset="0"/>
+                <a:cs typeface="Times New Roman" panose="02020603050405020304" pitchFamily="18" charset="0"/>
+              </a:rPr>
+              <a:t> </a:t>
+            </a:r>
+            <a:r>
+              <a:rPr lang="en-US" sz="2400" dirty="0" err="1" smtClean="0">
+                <a:solidFill>
+                  <a:schemeClr val="tx1"/>
+                </a:solidFill>
+                <a:latin typeface="Times New Roman" panose="02020603050405020304" pitchFamily="18" charset="0"/>
+                <a:cs typeface="Times New Roman" panose="02020603050405020304" pitchFamily="18" charset="0"/>
+              </a:rPr>
+              <a:t>nhận</a:t>
+            </a:r>
+            <a:r>
+              <a:rPr lang="en-US" sz="2400" dirty="0" smtClean="0">
+                <a:solidFill>
+                  <a:schemeClr val="tx1"/>
+                </a:solidFill>
+                <a:latin typeface="Times New Roman" panose="02020603050405020304" pitchFamily="18" charset="0"/>
+                <a:cs typeface="Times New Roman" panose="02020603050405020304" pitchFamily="18" charset="0"/>
+              </a:rPr>
+              <a:t> message </a:t>
+            </a:r>
+            <a:r>
+              <a:rPr lang="en-US" sz="2400" dirty="0" err="1" smtClean="0">
+                <a:solidFill>
+                  <a:schemeClr val="tx1"/>
+                </a:solidFill>
+                <a:latin typeface="Times New Roman" panose="02020603050405020304" pitchFamily="18" charset="0"/>
+                <a:cs typeface="Times New Roman" panose="02020603050405020304" pitchFamily="18" charset="0"/>
+              </a:rPr>
+              <a:t>giữa</a:t>
+            </a:r>
+            <a:r>
+              <a:rPr lang="en-US" sz="2400" dirty="0" smtClean="0">
+                <a:solidFill>
+                  <a:schemeClr val="tx1"/>
+                </a:solidFill>
+                <a:latin typeface="Times New Roman" panose="02020603050405020304" pitchFamily="18" charset="0"/>
+                <a:cs typeface="Times New Roman" panose="02020603050405020304" pitchFamily="18" charset="0"/>
+              </a:rPr>
+              <a:t> </a:t>
+            </a:r>
+            <a:r>
+              <a:rPr lang="en-US" sz="2400" dirty="0" err="1" smtClean="0">
+                <a:solidFill>
+                  <a:schemeClr val="tx1"/>
+                </a:solidFill>
+                <a:latin typeface="Times New Roman" panose="02020603050405020304" pitchFamily="18" charset="0"/>
+                <a:cs typeface="Times New Roman" panose="02020603050405020304" pitchFamily="18" charset="0"/>
+              </a:rPr>
+              <a:t>hai</a:t>
+            </a:r>
+            <a:r>
+              <a:rPr lang="en-US" sz="2400" dirty="0" smtClean="0">
+                <a:solidFill>
+                  <a:schemeClr val="tx1"/>
+                </a:solidFill>
+                <a:latin typeface="Times New Roman" panose="02020603050405020304" pitchFamily="18" charset="0"/>
+                <a:cs typeface="Times New Roman" panose="02020603050405020304" pitchFamily="18" charset="0"/>
+              </a:rPr>
+              <a:t> hay </a:t>
+            </a:r>
+            <a:r>
+              <a:rPr lang="en-US" sz="2400" dirty="0" err="1" smtClean="0">
+                <a:solidFill>
+                  <a:schemeClr val="tx1"/>
+                </a:solidFill>
+                <a:latin typeface="Times New Roman" panose="02020603050405020304" pitchFamily="18" charset="0"/>
+                <a:cs typeface="Times New Roman" panose="02020603050405020304" pitchFamily="18" charset="0"/>
+              </a:rPr>
+              <a:t>nhiều</a:t>
+            </a:r>
+            <a:r>
+              <a:rPr lang="en-US" sz="2400" dirty="0" smtClean="0">
+                <a:solidFill>
+                  <a:schemeClr val="tx1"/>
+                </a:solidFill>
+                <a:latin typeface="Times New Roman" panose="02020603050405020304" pitchFamily="18" charset="0"/>
+                <a:cs typeface="Times New Roman" panose="02020603050405020304" pitchFamily="18" charset="0"/>
+              </a:rPr>
+              <a:t> client.</a:t>
+            </a:r>
+          </a:p>
+          <a:p>
+            <a:pPr>
+              <a:buFontTx/>
+              <a:buChar char="-"/>
+            </a:pPr>
+            <a:endParaRPr lang="en-US" sz="2400" dirty="0" smtClean="0">
+              <a:solidFill>
+                <a:schemeClr val="tx1"/>
+              </a:solidFill>
+              <a:latin typeface="Times New Roman" panose="02020603050405020304" pitchFamily="18" charset="0"/>
+              <a:cs typeface="Times New Roman" panose="02020603050405020304" pitchFamily="18" charset="0"/>
+            </a:endParaRPr>
+          </a:p>
+          <a:p>
+            <a:pPr>
+              <a:buFontTx/>
+              <a:buChar char="-"/>
+            </a:pPr>
+            <a:r>
+              <a:rPr lang="en-US" sz="2400" dirty="0" smtClean="0">
+                <a:solidFill>
+                  <a:schemeClr val="tx1"/>
+                </a:solidFill>
+                <a:latin typeface="Times New Roman" panose="02020603050405020304" pitchFamily="18" charset="0"/>
+                <a:cs typeface="Times New Roman" panose="02020603050405020304" pitchFamily="18" charset="0"/>
+              </a:rPr>
+              <a:t>JMS</a:t>
+            </a:r>
+            <a:r>
+              <a:rPr lang="en-US" sz="2400" dirty="0" smtClean="0">
+                <a:solidFill>
+                  <a:schemeClr val="tx1"/>
+                </a:solidFill>
+                <a:latin typeface="Times New Roman" panose="02020603050405020304" pitchFamily="18" charset="0"/>
+                <a:cs typeface="Times New Roman" panose="02020603050405020304" pitchFamily="18" charset="0"/>
+              </a:rPr>
+              <a:t> </a:t>
+            </a:r>
+            <a:r>
+              <a:rPr lang="en-US" sz="2400" dirty="0" smtClean="0">
+                <a:solidFill>
+                  <a:schemeClr val="tx1"/>
+                </a:solidFill>
+                <a:latin typeface="Times New Roman" panose="02020603050405020304" pitchFamily="18" charset="0"/>
+                <a:cs typeface="Times New Roman" panose="02020603050405020304" pitchFamily="18" charset="0"/>
+              </a:rPr>
+              <a:t>cho phép các ứng dụng có </a:t>
+            </a:r>
+            <a:r>
+              <a:rPr lang="en-US" sz="2400" dirty="0" err="1" smtClean="0">
+                <a:solidFill>
+                  <a:schemeClr val="tx1"/>
+                </a:solidFill>
+                <a:latin typeface="Times New Roman" panose="02020603050405020304" pitchFamily="18" charset="0"/>
+                <a:cs typeface="Times New Roman" panose="02020603050405020304" pitchFamily="18" charset="0"/>
+              </a:rPr>
+              <a:t>thể</a:t>
+            </a:r>
+            <a:r>
+              <a:rPr lang="en-US" sz="2400" dirty="0" smtClean="0">
+                <a:solidFill>
+                  <a:schemeClr val="tx1"/>
+                </a:solidFill>
+                <a:latin typeface="Times New Roman" panose="02020603050405020304" pitchFamily="18" charset="0"/>
+                <a:cs typeface="Times New Roman" panose="02020603050405020304" pitchFamily="18" charset="0"/>
+              </a:rPr>
+              <a:t> </a:t>
+            </a:r>
+            <a:r>
+              <a:rPr lang="en-US" sz="2400" dirty="0" err="1" smtClean="0">
+                <a:solidFill>
+                  <a:schemeClr val="tx1"/>
+                </a:solidFill>
+                <a:latin typeface="Times New Roman" panose="02020603050405020304" pitchFamily="18" charset="0"/>
+                <a:cs typeface="Times New Roman" panose="02020603050405020304" pitchFamily="18" charset="0"/>
+              </a:rPr>
+              <a:t>tạo</a:t>
+            </a:r>
+            <a:r>
+              <a:rPr lang="en-US" sz="2400" dirty="0" smtClean="0">
+                <a:solidFill>
+                  <a:schemeClr val="tx1"/>
+                </a:solidFill>
+                <a:latin typeface="Times New Roman" panose="02020603050405020304" pitchFamily="18" charset="0"/>
+                <a:cs typeface="Times New Roman" panose="02020603050405020304" pitchFamily="18" charset="0"/>
+              </a:rPr>
+              <a:t>, </a:t>
+            </a:r>
+            <a:r>
+              <a:rPr lang="en-US" sz="2400" dirty="0" err="1" smtClean="0">
+                <a:solidFill>
+                  <a:schemeClr val="tx1"/>
+                </a:solidFill>
+                <a:latin typeface="Times New Roman" panose="02020603050405020304" pitchFamily="18" charset="0"/>
+                <a:cs typeface="Times New Roman" panose="02020603050405020304" pitchFamily="18" charset="0"/>
+              </a:rPr>
+              <a:t>gửi</a:t>
+            </a:r>
+            <a:r>
+              <a:rPr lang="en-US" sz="2400" dirty="0" smtClean="0">
+                <a:solidFill>
+                  <a:schemeClr val="tx1"/>
+                </a:solidFill>
+                <a:latin typeface="Times New Roman" panose="02020603050405020304" pitchFamily="18" charset="0"/>
+                <a:cs typeface="Times New Roman" panose="02020603050405020304" pitchFamily="18" charset="0"/>
+              </a:rPr>
+              <a:t>, </a:t>
+            </a:r>
+            <a:r>
+              <a:rPr lang="en-US" sz="2400" dirty="0" err="1" smtClean="0">
+                <a:solidFill>
+                  <a:schemeClr val="tx1"/>
+                </a:solidFill>
+                <a:latin typeface="Times New Roman" panose="02020603050405020304" pitchFamily="18" charset="0"/>
+                <a:cs typeface="Times New Roman" panose="02020603050405020304" pitchFamily="18" charset="0"/>
+              </a:rPr>
+              <a:t>nhận</a:t>
+            </a:r>
+            <a:r>
+              <a:rPr lang="en-US" sz="2400" dirty="0" smtClean="0">
+                <a:solidFill>
+                  <a:schemeClr val="tx1"/>
+                </a:solidFill>
+                <a:latin typeface="Times New Roman" panose="02020603050405020304" pitchFamily="18" charset="0"/>
+                <a:cs typeface="Times New Roman" panose="02020603050405020304" pitchFamily="18" charset="0"/>
+              </a:rPr>
+              <a:t> </a:t>
+            </a:r>
+            <a:r>
+              <a:rPr lang="en-US" sz="2400" dirty="0" err="1" smtClean="0">
+                <a:solidFill>
+                  <a:schemeClr val="tx1"/>
+                </a:solidFill>
+                <a:latin typeface="Times New Roman" panose="02020603050405020304" pitchFamily="18" charset="0"/>
+                <a:cs typeface="Times New Roman" panose="02020603050405020304" pitchFamily="18" charset="0"/>
+              </a:rPr>
+              <a:t>và</a:t>
+            </a:r>
+            <a:r>
+              <a:rPr lang="en-US" sz="2400" dirty="0" smtClean="0">
+                <a:solidFill>
+                  <a:schemeClr val="tx1"/>
+                </a:solidFill>
+                <a:latin typeface="Times New Roman" panose="02020603050405020304" pitchFamily="18" charset="0"/>
+                <a:cs typeface="Times New Roman" panose="02020603050405020304" pitchFamily="18" charset="0"/>
+              </a:rPr>
+              <a:t> </a:t>
+            </a:r>
+            <a:r>
+              <a:rPr lang="en-US" sz="2400" dirty="0" err="1" smtClean="0">
+                <a:solidFill>
+                  <a:schemeClr val="tx1"/>
+                </a:solidFill>
+                <a:latin typeface="Times New Roman" panose="02020603050405020304" pitchFamily="18" charset="0"/>
+                <a:cs typeface="Times New Roman" panose="02020603050405020304" pitchFamily="18" charset="0"/>
+              </a:rPr>
+              <a:t>đọc</a:t>
+            </a:r>
+            <a:r>
+              <a:rPr lang="en-US" sz="2400" dirty="0" smtClean="0">
+                <a:solidFill>
+                  <a:schemeClr val="tx1"/>
+                </a:solidFill>
+                <a:latin typeface="Times New Roman" panose="02020603050405020304" pitchFamily="18" charset="0"/>
+                <a:cs typeface="Times New Roman" panose="02020603050405020304" pitchFamily="18" charset="0"/>
+              </a:rPr>
+              <a:t> </a:t>
+            </a:r>
+            <a:r>
+              <a:rPr lang="en-US" sz="2400" dirty="0">
+                <a:solidFill>
+                  <a:schemeClr val="tx1"/>
+                </a:solidFill>
+                <a:latin typeface="Times New Roman" panose="02020603050405020304" pitchFamily="18" charset="0"/>
+                <a:cs typeface="Times New Roman" panose="02020603050405020304" pitchFamily="18" charset="0"/>
+              </a:rPr>
+              <a:t>thông điệp (messages</a:t>
+            </a:r>
+            <a:r>
+              <a:rPr lang="en-US" sz="2400" dirty="0" smtClean="0">
+                <a:solidFill>
+                  <a:schemeClr val="tx1"/>
+                </a:solidFill>
+                <a:latin typeface="Times New Roman" panose="02020603050405020304" pitchFamily="18" charset="0"/>
+                <a:cs typeface="Times New Roman" panose="02020603050405020304" pitchFamily="18" charset="0"/>
+              </a:rPr>
+              <a:t>) để giao tiếp với nhau thông qua </a:t>
+            </a:r>
+            <a:r>
+              <a:rPr lang="en-US" sz="2400" dirty="0" err="1" smtClean="0">
+                <a:solidFill>
+                  <a:schemeClr val="tx1"/>
+                </a:solidFill>
+                <a:latin typeface="Times New Roman" panose="02020603050405020304" pitchFamily="18" charset="0"/>
+                <a:cs typeface="Times New Roman" panose="02020603050405020304" pitchFamily="18" charset="0"/>
+              </a:rPr>
+              <a:t>đối</a:t>
+            </a:r>
+            <a:r>
+              <a:rPr lang="en-US" sz="2400" dirty="0" smtClean="0">
+                <a:solidFill>
+                  <a:schemeClr val="tx1"/>
+                </a:solidFill>
+                <a:latin typeface="Times New Roman" panose="02020603050405020304" pitchFamily="18" charset="0"/>
+                <a:cs typeface="Times New Roman" panose="02020603050405020304" pitchFamily="18" charset="0"/>
+              </a:rPr>
+              <a:t> </a:t>
+            </a:r>
+            <a:r>
+              <a:rPr lang="en-US" sz="2400" dirty="0" smtClean="0">
+                <a:solidFill>
+                  <a:schemeClr val="tx1"/>
+                </a:solidFill>
+                <a:latin typeface="Times New Roman" panose="02020603050405020304" pitchFamily="18" charset="0"/>
+                <a:cs typeface="Times New Roman" panose="02020603050405020304" pitchFamily="18" charset="0"/>
+              </a:rPr>
+              <a:t>tượng </a:t>
+            </a:r>
+            <a:r>
+              <a:rPr lang="en-US" sz="2400" dirty="0" err="1" smtClean="0">
+                <a:solidFill>
+                  <a:schemeClr val="tx1"/>
+                </a:solidFill>
+                <a:latin typeface="Times New Roman" panose="02020603050405020304" pitchFamily="18" charset="0"/>
+                <a:cs typeface="Times New Roman" panose="02020603050405020304" pitchFamily="18" charset="0"/>
+              </a:rPr>
+              <a:t>trung</a:t>
+            </a:r>
+            <a:r>
+              <a:rPr lang="en-US" sz="2400" dirty="0" smtClean="0">
+                <a:solidFill>
+                  <a:schemeClr val="tx1"/>
+                </a:solidFill>
+                <a:latin typeface="Times New Roman" panose="02020603050405020304" pitchFamily="18" charset="0"/>
+                <a:cs typeface="Times New Roman" panose="02020603050405020304" pitchFamily="18" charset="0"/>
+              </a:rPr>
+              <a:t> </a:t>
+            </a:r>
+            <a:r>
+              <a:rPr lang="en-US" sz="2400" dirty="0" err="1" smtClean="0">
+                <a:solidFill>
+                  <a:schemeClr val="tx1"/>
+                </a:solidFill>
+                <a:latin typeface="Times New Roman" panose="02020603050405020304" pitchFamily="18" charset="0"/>
+                <a:cs typeface="Times New Roman" panose="02020603050405020304" pitchFamily="18" charset="0"/>
+              </a:rPr>
+              <a:t>gian</a:t>
+            </a:r>
+            <a:r>
+              <a:rPr lang="en-US" sz="2400" dirty="0" smtClean="0">
+                <a:solidFill>
+                  <a:schemeClr val="tx1"/>
+                </a:solidFill>
+                <a:latin typeface="Times New Roman" panose="02020603050405020304" pitchFamily="18" charset="0"/>
+                <a:cs typeface="Times New Roman" panose="02020603050405020304" pitchFamily="18" charset="0"/>
+              </a:rPr>
+              <a:t> MOM.</a:t>
+            </a:r>
+            <a:endParaRPr lang="en-US" sz="2400" dirty="0">
+              <a:solidFill>
+                <a:schemeClr val="tx1"/>
+              </a:solidFill>
+              <a:latin typeface="Times New Roman" panose="02020603050405020304" pitchFamily="18" charset="0"/>
+              <a:cs typeface="Times New Roman" panose="02020603050405020304" pitchFamily="18" charset="0"/>
+            </a:endParaRPr>
+          </a:p>
+        </p:txBody>
+      </p:sp>
+      <p:pic>
+        <p:nvPicPr>
+          <p:cNvPr id="2" name="Picture 1"/>
+          <p:cNvPicPr>
+            <a:picLocks noChangeAspect="1"/>
+          </p:cNvPicPr>
+          <p:nvPr/>
+        </p:nvPicPr>
+        <p:blipFill>
+          <a:blip r:embed="rId2">
+            <a:extLst>
+              <a:ext uri="{28A0092B-C50C-407E-A947-70E740481C1C}">
+                <a14:useLocalDpi xmlns:a14="http://schemas.microsoft.com/office/drawing/2010/main" val="0"/>
+              </a:ext>
+            </a:extLst>
+          </a:blip>
+          <a:stretch>
+            <a:fillRect/>
+          </a:stretch>
+        </p:blipFill>
+        <p:spPr>
+          <a:xfrm>
+            <a:off x="6204857" y="365760"/>
+            <a:ext cx="5852160" cy="6335486"/>
+          </a:xfrm>
+          <a:prstGeom prst="rect">
+            <a:avLst/>
+          </a:prstGeom>
+        </p:spPr>
+      </p:pic>
+    </p:spTree>
+    <p:extLst>
+      <p:ext uri="{BB962C8B-B14F-4D97-AF65-F5344CB8AC3E}">
+        <p14:creationId xmlns:p14="http://schemas.microsoft.com/office/powerpoint/2010/main" val="1154209484"/>
+      </p:ext>
+    </p:extLst>
+  </p:cSld>
+  <p:clrMapOvr>
+    <a:masterClrMapping/>
+  </p:clrMapOvr>
+  <p:timing>
+    <p:tnLst>
+      <p:par>
+        <p:cTn id="1" dur="indefinite" restart="never" nodeType="tmRoot">
+          <p:childTnLst>
+            <p:seq concurrent="1" nextAc="seek">
+              <p:cTn id="2" dur="indefinite" nodeType="mainSeq">
+                <p:childTnLst>
+                  <p:par>
+                    <p:cTn id="3" fill="hold">
+                      <p:stCondLst>
+                        <p:cond delay="indefinite"/>
+                      </p:stCondLst>
+                      <p:childTnLst>
+                        <p:par>
+                          <p:cTn id="4" fill="hold">
+                            <p:stCondLst>
+                              <p:cond delay="0"/>
+                            </p:stCondLst>
+                            <p:childTnLst>
+                              <p:par>
+                                <p:cTn id="5" presetID="2" presetClass="entr" presetSubtype="4" fill="hold" nodeType="clickEffect">
+                                  <p:stCondLst>
+                                    <p:cond delay="0"/>
+                                  </p:stCondLst>
+                                  <p:childTnLst>
+                                    <p:set>
+                                      <p:cBhvr>
+                                        <p:cTn id="6" dur="1" fill="hold">
+                                          <p:stCondLst>
+                                            <p:cond delay="0"/>
+                                          </p:stCondLst>
+                                        </p:cTn>
+                                        <p:tgtEl>
+                                          <p:spTgt spid="3">
+                                            <p:txEl>
+                                              <p:pRg st="2" end="2"/>
+                                            </p:txEl>
+                                          </p:spTgt>
+                                        </p:tgtEl>
+                                        <p:attrNameLst>
+                                          <p:attrName>style.visibility</p:attrName>
+                                        </p:attrNameLst>
+                                      </p:cBhvr>
+                                      <p:to>
+                                        <p:strVal val="visible"/>
+                                      </p:to>
+                                    </p:set>
+                                    <p:anim calcmode="lin" valueType="num">
+                                      <p:cBhvr additive="base">
+                                        <p:cTn id="7" dur="500" fill="hold"/>
+                                        <p:tgtEl>
+                                          <p:spTgt spid="3">
+                                            <p:txEl>
+                                              <p:pRg st="2" end="2"/>
+                                            </p:txEl>
+                                          </p:spTgt>
+                                        </p:tgtEl>
+                                        <p:attrNameLst>
+                                          <p:attrName>ppt_x</p:attrName>
+                                        </p:attrNameLst>
+                                      </p:cBhvr>
+                                      <p:tavLst>
+                                        <p:tav tm="0">
+                                          <p:val>
+                                            <p:strVal val="#ppt_x"/>
+                                          </p:val>
+                                        </p:tav>
+                                        <p:tav tm="100000">
+                                          <p:val>
+                                            <p:strVal val="#ppt_x"/>
+                                          </p:val>
+                                        </p:tav>
+                                      </p:tavLst>
+                                    </p:anim>
+                                    <p:anim calcmode="lin" valueType="num">
+                                      <p:cBhvr additive="base">
+                                        <p:cTn id="8" dur="500" fill="hold"/>
+                                        <p:tgtEl>
+                                          <p:spTgt spid="3">
+                                            <p:txEl>
+                                              <p:pRg st="2" end="2"/>
+                                            </p:txEl>
+                                          </p:spTgt>
+                                        </p:tgtEl>
+                                        <p:attrNameLst>
+                                          <p:attrName>ppt_y</p:attrName>
+                                        </p:attrNameLst>
+                                      </p:cBhvr>
+                                      <p:tavLst>
+                                        <p:tav tm="0">
+                                          <p:val>
+                                            <p:strVal val="1+#ppt_h/2"/>
+                                          </p:val>
+                                        </p:tav>
+                                        <p:tav tm="100000">
+                                          <p:val>
+                                            <p:strVal val="#ppt_y"/>
+                                          </p:val>
+                                        </p:tav>
+                                      </p:tavLst>
+                                    </p:anim>
+                                  </p:childTnLst>
+                                </p:cTn>
+                              </p:par>
+                              <p:par>
+                                <p:cTn id="9" presetID="2" presetClass="entr" presetSubtype="4" fill="hold" nodeType="withEffect">
+                                  <p:stCondLst>
+                                    <p:cond delay="0"/>
+                                  </p:stCondLst>
+                                  <p:childTnLst>
+                                    <p:set>
+                                      <p:cBhvr>
+                                        <p:cTn id="10" dur="1" fill="hold">
+                                          <p:stCondLst>
+                                            <p:cond delay="0"/>
+                                          </p:stCondLst>
+                                        </p:cTn>
+                                        <p:tgtEl>
+                                          <p:spTgt spid="3">
+                                            <p:txEl>
+                                              <p:pRg st="4" end="4"/>
+                                            </p:txEl>
+                                          </p:spTgt>
+                                        </p:tgtEl>
+                                        <p:attrNameLst>
+                                          <p:attrName>style.visibility</p:attrName>
+                                        </p:attrNameLst>
+                                      </p:cBhvr>
+                                      <p:to>
+                                        <p:strVal val="visible"/>
+                                      </p:to>
+                                    </p:set>
+                                    <p:anim calcmode="lin" valueType="num">
+                                      <p:cBhvr additive="base">
+                                        <p:cTn id="11" dur="500" fill="hold"/>
+                                        <p:tgtEl>
+                                          <p:spTgt spid="3">
+                                            <p:txEl>
+                                              <p:pRg st="4" end="4"/>
+                                            </p:txEl>
+                                          </p:spTgt>
+                                        </p:tgtEl>
+                                        <p:attrNameLst>
+                                          <p:attrName>ppt_x</p:attrName>
+                                        </p:attrNameLst>
+                                      </p:cBhvr>
+                                      <p:tavLst>
+                                        <p:tav tm="0">
+                                          <p:val>
+                                            <p:strVal val="#ppt_x"/>
+                                          </p:val>
+                                        </p:tav>
+                                        <p:tav tm="100000">
+                                          <p:val>
+                                            <p:strVal val="#ppt_x"/>
+                                          </p:val>
+                                        </p:tav>
+                                      </p:tavLst>
+                                    </p:anim>
+                                    <p:anim calcmode="lin" valueType="num">
+                                      <p:cBhvr additive="base">
+                                        <p:cTn id="12" dur="500" fill="hold"/>
+                                        <p:tgtEl>
+                                          <p:spTgt spid="3">
+                                            <p:txEl>
+                                              <p:pRg st="4" end="4"/>
+                                            </p:txEl>
+                                          </p:spTgt>
+                                        </p:tgtEl>
+                                        <p:attrNameLst>
+                                          <p:attrName>ppt_y</p:attrName>
+                                        </p:attrNameLst>
+                                      </p:cBhvr>
+                                      <p:tavLst>
+                                        <p:tav tm="0">
+                                          <p:val>
+                                            <p:strVal val="1+#ppt_h/2"/>
+                                          </p:val>
+                                        </p:tav>
+                                        <p:tav tm="100000">
+                                          <p:val>
+                                            <p:strVal val="#ppt_y"/>
+                                          </p:val>
+                                        </p:tav>
+                                      </p:tavLst>
+                                    </p:anim>
+                                  </p:childTnLst>
+                                </p:cTn>
+                              </p:par>
+                            </p:childTnLst>
+                          </p:cTn>
+                        </p:par>
+                      </p:childTnLst>
+                    </p:cTn>
+                  </p:par>
+                </p:childTnLst>
+              </p:cTn>
+              <p:prevCondLst>
+                <p:cond evt="onPrev" delay="0">
+                  <p:tgtEl>
+                    <p:sldTgt/>
+                  </p:tgtEl>
+                </p:cond>
+              </p:prevCondLst>
+              <p:nextCondLst>
+                <p:cond evt="onNext" delay="0">
+                  <p:tgtEl>
+                    <p:sldTgt/>
+                  </p:tgtEl>
+                </p:cond>
+              </p:nextCondLst>
+            </p:seq>
+          </p:childTnLst>
+        </p:cTn>
+      </p:par>
+    </p:tnLst>
+  </p:timing>
+</p:sld>
+</file>
+
+<file path=ppt/slides/slide5.xml><?xml version="1.0" encoding="utf-8"?>
+<p:sld xmlns:a="http://schemas.openxmlformats.org/drawingml/2006/main" xmlns:r="http://schemas.openxmlformats.org/officeDocument/2006/relationships" xmlns:p="http://schemas.openxmlformats.org/presentationml/2006/main">
+  <p:cSld>
+    <p:spTree>
+      <p:nvGrpSpPr>
+        <p:cNvPr id="1" name=""/>
+        <p:cNvGrpSpPr/>
+        <p:nvPr/>
+      </p:nvGrpSpPr>
+      <p:grpSpPr>
+        <a:xfrm>
+          <a:off x="0" y="0"/>
+          <a:ext cx="0" cy="0"/>
+          <a:chOff x="0" y="0"/>
+          <a:chExt cx="0" cy="0"/>
+        </a:xfrm>
+      </p:grpSpPr>
+      <p:sp>
+        <p:nvSpPr>
+          <p:cNvPr id="3" name="Content Placeholder 2"/>
+          <p:cNvSpPr>
+            <a:spLocks noGrp="1"/>
+          </p:cNvSpPr>
+          <p:nvPr>
+            <p:ph idx="1"/>
+          </p:nvPr>
+        </p:nvSpPr>
+        <p:spPr>
+          <a:xfrm>
             <a:off x="703459" y="1507446"/>
             <a:ext cx="8596668" cy="3077617"/>
           </a:xfrm>
@@ -6610,18 +11015,81 @@
               <a:t>+ </a:t>
             </a:r>
             <a:r>
+              <a:rPr lang="vi-VN" sz="2400" b="1" i="1" dirty="0" smtClean="0">
+                <a:latin typeface="Times New Roman" panose="02020603050405020304" pitchFamily="18" charset="0"/>
+                <a:cs typeface="Times New Roman" panose="02020603050405020304" pitchFamily="18" charset="0"/>
+              </a:rPr>
+              <a:t>Asynchronous</a:t>
+            </a:r>
+            <a:r>
+              <a:rPr lang="en-US" sz="2400" b="1" i="1" dirty="0" smtClean="0">
+                <a:latin typeface="Times New Roman" panose="02020603050405020304" pitchFamily="18" charset="0"/>
+                <a:cs typeface="Times New Roman" panose="02020603050405020304" pitchFamily="18" charset="0"/>
+              </a:rPr>
+              <a:t> </a:t>
+            </a:r>
+            <a:r>
+              <a:rPr lang="en-US" sz="2400" b="1" i="1" dirty="0" smtClean="0">
+                <a:latin typeface="Times New Roman" panose="02020603050405020304" pitchFamily="18" charset="0"/>
+                <a:cs typeface="Times New Roman" panose="02020603050405020304" pitchFamily="18" charset="0"/>
+              </a:rPr>
+              <a:t>(</a:t>
+            </a:r>
+            <a:r>
+              <a:rPr lang="en-US" sz="2400" b="1" i="1" dirty="0" err="1" smtClean="0">
+                <a:latin typeface="Times New Roman" panose="02020603050405020304" pitchFamily="18" charset="0"/>
+                <a:cs typeface="Times New Roman" panose="02020603050405020304" pitchFamily="18" charset="0"/>
+              </a:rPr>
+              <a:t>không</a:t>
+            </a:r>
+            <a:r>
+              <a:rPr lang="en-US" sz="2400" b="1" i="1" dirty="0" smtClean="0">
+                <a:latin typeface="Times New Roman" panose="02020603050405020304" pitchFamily="18" charset="0"/>
+                <a:cs typeface="Times New Roman" panose="02020603050405020304" pitchFamily="18" charset="0"/>
+              </a:rPr>
+              <a:t> </a:t>
+            </a:r>
+            <a:r>
+              <a:rPr lang="en-US" sz="2400" b="1" i="1" dirty="0" err="1" smtClean="0">
+                <a:latin typeface="Times New Roman" panose="02020603050405020304" pitchFamily="18" charset="0"/>
+                <a:cs typeface="Times New Roman" panose="02020603050405020304" pitchFamily="18" charset="0"/>
+              </a:rPr>
+              <a:t>đồng</a:t>
+            </a:r>
+            <a:r>
+              <a:rPr lang="en-US" sz="2400" b="1" i="1" dirty="0" smtClean="0">
+                <a:latin typeface="Times New Roman" panose="02020603050405020304" pitchFamily="18" charset="0"/>
+                <a:cs typeface="Times New Roman" panose="02020603050405020304" pitchFamily="18" charset="0"/>
+              </a:rPr>
+              <a:t> </a:t>
+            </a:r>
+            <a:r>
+              <a:rPr lang="en-US" sz="2400" b="1" i="1" dirty="0" err="1" smtClean="0">
+                <a:latin typeface="Times New Roman" panose="02020603050405020304" pitchFamily="18" charset="0"/>
+                <a:cs typeface="Times New Roman" panose="02020603050405020304" pitchFamily="18" charset="0"/>
+              </a:rPr>
+              <a:t>bộ</a:t>
+            </a:r>
+            <a:r>
+              <a:rPr lang="en-US" sz="2400" b="1" i="1" dirty="0" smtClean="0">
+                <a:latin typeface="Times New Roman" panose="02020603050405020304" pitchFamily="18" charset="0"/>
+                <a:cs typeface="Times New Roman" panose="02020603050405020304" pitchFamily="18" charset="0"/>
+              </a:rPr>
+              <a:t>)</a:t>
+            </a:r>
+            <a:r>
               <a:rPr lang="vi-VN" sz="2400" dirty="0" smtClean="0">
                 <a:latin typeface="Times New Roman" panose="02020603050405020304" pitchFamily="18" charset="0"/>
                 <a:cs typeface="Times New Roman" panose="02020603050405020304" pitchFamily="18" charset="0"/>
               </a:rPr>
-              <a:t>Asynchronous</a:t>
+              <a:t>: </a:t>
             </a:r>
             <a:r>
               <a:rPr lang="vi-VN" sz="2400" dirty="0">
                 <a:latin typeface="Times New Roman" panose="02020603050405020304" pitchFamily="18" charset="0"/>
                 <a:cs typeface="Times New Roman" panose="02020603050405020304" pitchFamily="18" charset="0"/>
               </a:rPr>
-              <a:t>: JMS tự động chuyển message đến người nhận khi message </a:t>
+              <a:t>JMS tự động chuyển message đến người nhận khi message </a:t>
             </a:r>
             <a:r>
               <a:rPr lang="vi-VN" sz="2400" dirty="0" smtClean="0">
@@ -6629,6 +11097,139 @@
                 <a:cs typeface="Times New Roman" panose="02020603050405020304" pitchFamily="18" charset="0"/>
               </a:rPr>
               <a:t>đến</a:t>
+            </a:r>
+            <a:r>
+              <a:rPr lang="en-US" sz="2400" dirty="0" smtClean="0">
+                <a:latin typeface="Times New Roman" panose="02020603050405020304" pitchFamily="18" charset="0"/>
+                <a:cs typeface="Times New Roman" panose="02020603050405020304" pitchFamily="18" charset="0"/>
+              </a:rPr>
+              <a:t>. </a:t>
+            </a:r>
+            <a:r>
+              <a:rPr lang="en-US" sz="2400" dirty="0" err="1" smtClean="0">
+                <a:latin typeface="Times New Roman" panose="02020603050405020304" pitchFamily="18" charset="0"/>
+                <a:cs typeface="Times New Roman" panose="02020603050405020304" pitchFamily="18" charset="0"/>
+              </a:rPr>
+              <a:t>Một</a:t>
+            </a:r>
+            <a:r>
+              <a:rPr lang="en-US" sz="2400" dirty="0" smtClean="0">
+                <a:latin typeface="Times New Roman" panose="02020603050405020304" pitchFamily="18" charset="0"/>
+                <a:cs typeface="Times New Roman" panose="02020603050405020304" pitchFamily="18" charset="0"/>
+              </a:rPr>
+              <a:t> client </a:t>
+            </a:r>
+            <a:r>
+              <a:rPr lang="en-US" sz="2400" dirty="0" err="1" smtClean="0">
+                <a:latin typeface="Times New Roman" panose="02020603050405020304" pitchFamily="18" charset="0"/>
+                <a:cs typeface="Times New Roman" panose="02020603050405020304" pitchFamily="18" charset="0"/>
+              </a:rPr>
+              <a:t>không</a:t>
+            </a:r>
+            <a:r>
+              <a:rPr lang="en-US" sz="2400" dirty="0" smtClean="0">
+                <a:latin typeface="Times New Roman" panose="02020603050405020304" pitchFamily="18" charset="0"/>
+                <a:cs typeface="Times New Roman" panose="02020603050405020304" pitchFamily="18" charset="0"/>
+              </a:rPr>
+              <a:t> </a:t>
+            </a:r>
+            <a:r>
+              <a:rPr lang="en-US" sz="2400" dirty="0" err="1" smtClean="0">
+                <a:latin typeface="Times New Roman" panose="02020603050405020304" pitchFamily="18" charset="0"/>
+                <a:cs typeface="Times New Roman" panose="02020603050405020304" pitchFamily="18" charset="0"/>
+              </a:rPr>
+              <a:t>phải</a:t>
+            </a:r>
+            <a:r>
+              <a:rPr lang="en-US" sz="2400" dirty="0" smtClean="0">
+                <a:latin typeface="Times New Roman" panose="02020603050405020304" pitchFamily="18" charset="0"/>
+                <a:cs typeface="Times New Roman" panose="02020603050405020304" pitchFamily="18" charset="0"/>
+              </a:rPr>
+              <a:t> </a:t>
+            </a:r>
+            <a:r>
+              <a:rPr lang="en-US" sz="2400" dirty="0" err="1" smtClean="0">
+                <a:latin typeface="Times New Roman" panose="02020603050405020304" pitchFamily="18" charset="0"/>
+                <a:cs typeface="Times New Roman" panose="02020603050405020304" pitchFamily="18" charset="0"/>
+              </a:rPr>
+              <a:t>yêu</a:t>
+            </a:r>
+            <a:r>
+              <a:rPr lang="en-US" sz="2400" dirty="0" smtClean="0">
+                <a:latin typeface="Times New Roman" panose="02020603050405020304" pitchFamily="18" charset="0"/>
+                <a:cs typeface="Times New Roman" panose="02020603050405020304" pitchFamily="18" charset="0"/>
+              </a:rPr>
+              <a:t> </a:t>
+            </a:r>
+            <a:r>
+              <a:rPr lang="en-US" sz="2400" dirty="0" err="1" smtClean="0">
+                <a:latin typeface="Times New Roman" panose="02020603050405020304" pitchFamily="18" charset="0"/>
+                <a:cs typeface="Times New Roman" panose="02020603050405020304" pitchFamily="18" charset="0"/>
+              </a:rPr>
+              <a:t>cầu</a:t>
+            </a:r>
+            <a:r>
+              <a:rPr lang="en-US" sz="2400" dirty="0" smtClean="0">
+                <a:latin typeface="Times New Roman" panose="02020603050405020304" pitchFamily="18" charset="0"/>
+                <a:cs typeface="Times New Roman" panose="02020603050405020304" pitchFamily="18" charset="0"/>
+              </a:rPr>
+              <a:t> messages </a:t>
+            </a:r>
+            <a:r>
+              <a:rPr lang="en-US" sz="2400" dirty="0" err="1" smtClean="0">
+                <a:latin typeface="Times New Roman" panose="02020603050405020304" pitchFamily="18" charset="0"/>
+                <a:cs typeface="Times New Roman" panose="02020603050405020304" pitchFamily="18" charset="0"/>
+              </a:rPr>
+              <a:t>để</a:t>
+            </a:r>
+            <a:r>
+              <a:rPr lang="en-US" sz="2400" dirty="0" smtClean="0">
+                <a:latin typeface="Times New Roman" panose="02020603050405020304" pitchFamily="18" charset="0"/>
+                <a:cs typeface="Times New Roman" panose="02020603050405020304" pitchFamily="18" charset="0"/>
+              </a:rPr>
+              <a:t> </a:t>
+            </a:r>
+            <a:r>
+              <a:rPr lang="en-US" sz="2400" dirty="0" err="1" smtClean="0">
+                <a:latin typeface="Times New Roman" panose="02020603050405020304" pitchFamily="18" charset="0"/>
+                <a:cs typeface="Times New Roman" panose="02020603050405020304" pitchFamily="18" charset="0"/>
+              </a:rPr>
+              <a:t>nhận</a:t>
+            </a:r>
+            <a:r>
+              <a:rPr lang="en-US" sz="2400" dirty="0" smtClean="0">
+                <a:latin typeface="Times New Roman" panose="02020603050405020304" pitchFamily="18" charset="0"/>
+                <a:cs typeface="Times New Roman" panose="02020603050405020304" pitchFamily="18" charset="0"/>
+              </a:rPr>
+              <a:t> </a:t>
+            </a:r>
+            <a:r>
+              <a:rPr lang="en-US" sz="2400" dirty="0" err="1" smtClean="0">
+                <a:latin typeface="Times New Roman" panose="02020603050405020304" pitchFamily="18" charset="0"/>
+                <a:cs typeface="Times New Roman" panose="02020603050405020304" pitchFamily="18" charset="0"/>
+              </a:rPr>
+              <a:t>được</a:t>
+            </a:r>
+            <a:r>
+              <a:rPr lang="en-US" sz="2400" dirty="0" smtClean="0">
+                <a:latin typeface="Times New Roman" panose="02020603050405020304" pitchFamily="18" charset="0"/>
+                <a:cs typeface="Times New Roman" panose="02020603050405020304" pitchFamily="18" charset="0"/>
+              </a:rPr>
+              <a:t> </a:t>
+            </a:r>
+            <a:r>
+              <a:rPr lang="en-US" sz="2400" dirty="0" err="1" smtClean="0">
+                <a:latin typeface="Times New Roman" panose="02020603050405020304" pitchFamily="18" charset="0"/>
+                <a:cs typeface="Times New Roman" panose="02020603050405020304" pitchFamily="18" charset="0"/>
+              </a:rPr>
+              <a:t>chúng</a:t>
+            </a:r>
+            <a:r>
+              <a:rPr lang="en-US" sz="2400" dirty="0" smtClean="0">
+                <a:latin typeface="Times New Roman" panose="02020603050405020304" pitchFamily="18" charset="0"/>
+                <a:cs typeface="Times New Roman" panose="02020603050405020304" pitchFamily="18" charset="0"/>
+              </a:rPr>
+              <a:t>.</a:t>
             </a:r>
             <a:endParaRPr lang="en-US" sz="2400" dirty="0" smtClean="0">
               <a:latin typeface="Times New Roman" panose="02020603050405020304" pitchFamily="18" charset="0"/>
@@ -6647,18 +11248,60 @@
               <a:t>+ </a:t>
             </a:r>
             <a:r>
+              <a:rPr lang="vi-VN" sz="2400" b="1" i="1" dirty="0" smtClean="0">
+                <a:latin typeface="Times New Roman" panose="02020603050405020304" pitchFamily="18" charset="0"/>
+                <a:cs typeface="Times New Roman" panose="02020603050405020304" pitchFamily="18" charset="0"/>
+              </a:rPr>
+              <a:t>Reliable</a:t>
+            </a:r>
+            <a:r>
+              <a:rPr lang="en-US" sz="2400" b="1" i="1" dirty="0" smtClean="0">
+                <a:latin typeface="Times New Roman" panose="02020603050405020304" pitchFamily="18" charset="0"/>
+                <a:cs typeface="Times New Roman" panose="02020603050405020304" pitchFamily="18" charset="0"/>
+              </a:rPr>
+              <a:t> (</a:t>
+            </a:r>
+            <a:r>
+              <a:rPr lang="en-US" sz="2400" b="1" i="1" dirty="0" err="1" smtClean="0">
+                <a:latin typeface="Times New Roman" panose="02020603050405020304" pitchFamily="18" charset="0"/>
+                <a:cs typeface="Times New Roman" panose="02020603050405020304" pitchFamily="18" charset="0"/>
+              </a:rPr>
+              <a:t>đáng</a:t>
+            </a:r>
+            <a:r>
+              <a:rPr lang="en-US" sz="2400" b="1" i="1" dirty="0" smtClean="0">
+                <a:latin typeface="Times New Roman" panose="02020603050405020304" pitchFamily="18" charset="0"/>
+                <a:cs typeface="Times New Roman" panose="02020603050405020304" pitchFamily="18" charset="0"/>
+              </a:rPr>
+              <a:t> tin </a:t>
+            </a:r>
+            <a:r>
+              <a:rPr lang="en-US" sz="2400" b="1" i="1" dirty="0" err="1" smtClean="0">
+                <a:latin typeface="Times New Roman" panose="02020603050405020304" pitchFamily="18" charset="0"/>
+                <a:cs typeface="Times New Roman" panose="02020603050405020304" pitchFamily="18" charset="0"/>
+              </a:rPr>
+              <a:t>cậy</a:t>
+            </a:r>
+            <a:r>
+              <a:rPr lang="en-US" sz="2400" b="1" i="1" dirty="0" smtClean="0">
+                <a:latin typeface="Times New Roman" panose="02020603050405020304" pitchFamily="18" charset="0"/>
+                <a:cs typeface="Times New Roman" panose="02020603050405020304" pitchFamily="18" charset="0"/>
+              </a:rPr>
+              <a:t>)</a:t>
+            </a:r>
+            <a:r>
               <a:rPr lang="vi-VN" sz="2400" dirty="0" smtClean="0">
                 <a:latin typeface="Times New Roman" panose="02020603050405020304" pitchFamily="18" charset="0"/>
                 <a:cs typeface="Times New Roman" panose="02020603050405020304" pitchFamily="18" charset="0"/>
               </a:rPr>
-              <a:t>Reliable</a:t>
+              <a:t>: </a:t>
             </a:r>
             <a:r>
               <a:rPr lang="vi-VN" sz="2400" dirty="0">
                 <a:latin typeface="Times New Roman" panose="02020603050405020304" pitchFamily="18" charset="0"/>
                 <a:cs typeface="Times New Roman" panose="02020603050405020304" pitchFamily="18" charset="0"/>
               </a:rPr>
-              <a:t>: một message chỉ được chuyển đến đúng một người nhận mà không có cơ chế nhân bản, tránh trường hợp bị mất message hoặc trùng lặp.</a:t>
+              <a:t>một message chỉ được chuyển đến đúng một người nhận mà không có cơ chế nhân bản, tránh trường hợp bị mất message hoặc trùng lặp.</a:t>
             </a:r>
             <a:endParaRPr lang="en-US" sz="2400" dirty="0">
               <a:latin typeface="Times New Roman" panose="02020603050405020304" pitchFamily="18" charset="0"/>
@@ -6680,14 +11323,243 @@
   <p:timing>
     <p:tnLst>
       <p:par>
-        <p:cTn id="1" dur="indefinite" restart="never" nodeType="tmRoot"/>
+        <p:cTn id="1" dur="indefinite" restart="never" nodeType="tmRoot">
+          <p:childTnLst>
+            <p:seq concurrent="1" nextAc="seek">
+              <p:cTn id="2" dur="indefinite" nodeType="mainSeq">
+                <p:childTnLst>
+                  <p:par>
+                    <p:cTn id="3" fill="hold">
+                      <p:stCondLst>
+                        <p:cond delay="indefinite"/>
+                      </p:stCondLst>
+                      <p:childTnLst>
+                        <p:par>
+                          <p:cTn id="4" fill="hold">
+                            <p:stCondLst>
+                              <p:cond delay="0"/>
+                            </p:stCondLst>
+                            <p:childTnLst>
+                              <p:par>
+                                <p:cTn id="5" presetID="2" presetClass="entr" presetSubtype="4" fill="hold" nodeType="clickEffect">
+                                  <p:stCondLst>
+                                    <p:cond delay="0"/>
+                                  </p:stCondLst>
+                                  <p:childTnLst>
+                                    <p:set>
+                                      <p:cBhvr>
+                                        <p:cTn id="6" dur="1" fill="hold">
+                                          <p:stCondLst>
+                                            <p:cond delay="0"/>
+                                          </p:stCondLst>
+                                        </p:cTn>
+                                        <p:tgtEl>
+                                          <p:spTgt spid="3">
+                                            <p:txEl>
+                                              <p:pRg st="1" end="1"/>
+                                            </p:txEl>
+                                          </p:spTgt>
+                                        </p:tgtEl>
+                                        <p:attrNameLst>
+                                          <p:attrName>style.visibility</p:attrName>
+                                        </p:attrNameLst>
+                                      </p:cBhvr>
+                                      <p:to>
+                                        <p:strVal val="visible"/>
+                                      </p:to>
+                                    </p:set>
+                                    <p:anim calcmode="lin" valueType="num">
+                                      <p:cBhvr additive="base">
+                                        <p:cTn id="7" dur="500" fill="hold"/>
+                                        <p:tgtEl>
+                                          <p:spTgt spid="3">
+                                            <p:txEl>
+                                              <p:pRg st="1" end="1"/>
+                                            </p:txEl>
+                                          </p:spTgt>
+                                        </p:tgtEl>
+                                        <p:attrNameLst>
+                                          <p:attrName>ppt_x</p:attrName>
+                                        </p:attrNameLst>
+                                      </p:cBhvr>
+                                      <p:tavLst>
+                                        <p:tav tm="0">
+                                          <p:val>
+                                            <p:strVal val="#ppt_x"/>
+                                          </p:val>
+                                        </p:tav>
+                                        <p:tav tm="100000">
+                                          <p:val>
+                                            <p:strVal val="#ppt_x"/>
+                                          </p:val>
+                                        </p:tav>
+                                      </p:tavLst>
+                                    </p:anim>
+                                    <p:anim calcmode="lin" valueType="num">
+                                      <p:cBhvr additive="base">
+                                        <p:cTn id="8" dur="500" fill="hold"/>
+                                        <p:tgtEl>
+                                          <p:spTgt spid="3">
+                                            <p:txEl>
+                                              <p:pRg st="1" end="1"/>
+                                            </p:txEl>
+                                          </p:spTgt>
+                                        </p:tgtEl>
+                                        <p:attrNameLst>
+                                          <p:attrName>ppt_y</p:attrName>
+                                        </p:attrNameLst>
+                                      </p:cBhvr>
+                                      <p:tavLst>
+                                        <p:tav tm="0">
+                                          <p:val>
+                                            <p:strVal val="1+#ppt_h/2"/>
+                                          </p:val>
+                                        </p:tav>
+                                        <p:tav tm="100000">
+                                          <p:val>
+                                            <p:strVal val="#ppt_y"/>
+                                          </p:val>
+                                        </p:tav>
+                                      </p:tavLst>
+                                    </p:anim>
+                                  </p:childTnLst>
+                                </p:cTn>
+                              </p:par>
+                            </p:childTnLst>
+                          </p:cTn>
+                        </p:par>
+                      </p:childTnLst>
+                    </p:cTn>
+                  </p:par>
+                  <p:par>
+                    <p:cTn id="9" fill="hold">
+                      <p:stCondLst>
+                        <p:cond delay="indefinite"/>
+                      </p:stCondLst>
+                      <p:childTnLst>
+                        <p:par>
+                          <p:cTn id="10" fill="hold">
+                            <p:stCondLst>
+                              <p:cond delay="0"/>
+                            </p:stCondLst>
+                            <p:childTnLst>
+                              <p:par>
+                                <p:cTn id="11" presetID="2" presetClass="entr" presetSubtype="4" fill="hold" nodeType="clickEffect">
+                                  <p:stCondLst>
+                                    <p:cond delay="0"/>
+                                  </p:stCondLst>
+                                  <p:childTnLst>
+                                    <p:set>
+                                      <p:cBhvr>
+                                        <p:cTn id="12" dur="1" fill="hold">
+                                          <p:stCondLst>
+                                            <p:cond delay="0"/>
+                                          </p:stCondLst>
+                                        </p:cTn>
+                                        <p:tgtEl>
+                                          <p:spTgt spid="3">
+                                            <p:txEl>
+                                              <p:pRg st="2" end="2"/>
+                                            </p:txEl>
+                                          </p:spTgt>
+                                        </p:tgtEl>
+                                        <p:attrNameLst>
+                                          <p:attrName>style.visibility</p:attrName>
+                                        </p:attrNameLst>
+                                      </p:cBhvr>
+                                      <p:to>
+                                        <p:strVal val="visible"/>
+                                      </p:to>
+                                    </p:set>
+                                    <p:anim calcmode="lin" valueType="num">
+                                      <p:cBhvr additive="base">
+                                        <p:cTn id="13" dur="500" fill="hold"/>
+                                        <p:tgtEl>
+                                          <p:spTgt spid="3">
+                                            <p:txEl>
+                                              <p:pRg st="2" end="2"/>
+                                            </p:txEl>
+                                          </p:spTgt>
+                                        </p:tgtEl>
+                                        <p:attrNameLst>
+                                          <p:attrName>ppt_x</p:attrName>
+                                        </p:attrNameLst>
+                                      </p:cBhvr>
+                                      <p:tavLst>
+                                        <p:tav tm="0">
+                                          <p:val>
+                                            <p:strVal val="#ppt_x"/>
+                                          </p:val>
+                                        </p:tav>
+                                        <p:tav tm="100000">
+                                          <p:val>
+                                            <p:strVal val="#ppt_x"/>
+                                          </p:val>
+                                        </p:tav>
+                                      </p:tavLst>
+                                    </p:anim>
+                                    <p:anim calcmode="lin" valueType="num">
+                                      <p:cBhvr additive="base">
+                                        <p:cTn id="14" dur="500" fill="hold"/>
+                                        <p:tgtEl>
+                                          <p:spTgt spid="3">
+                                            <p:txEl>
+                                              <p:pRg st="2" end="2"/>
+                                            </p:txEl>
+                                          </p:spTgt>
+                                        </p:tgtEl>
+                                        <p:attrNameLst>
+                                          <p:attrName>ppt_y</p:attrName>
+                                        </p:attrNameLst>
+                                      </p:cBhvr>
+                                      <p:tavLst>
+                                        <p:tav tm="0">
+                                          <p:val>
+                                            <p:strVal val="1+#ppt_h/2"/>
+                                          </p:val>
+                                        </p:tav>
+                                        <p:tav tm="100000">
+                                          <p:val>
+                                            <p:strVal val="#ppt_y"/>
+                                          </p:val>
+                                        </p:tav>
+                                      </p:tavLst>
+                                    </p:anim>
+                                  </p:childTnLst>
+                                </p:cTn>
+                              </p:par>
+                            </p:childTnLst>
+                          </p:cTn>
+                        </p:par>
+                      </p:childTnLst>
+                    </p:cTn>
+                  </p:par>
+                </p:childTnLst>
+              </p:cTn>
+              <p:prevCondLst>
+                <p:cond evt="onPrev" delay="0">
+                  <p:tgtEl>
+                    <p:sldTgt/>
+                  </p:tgtEl>
+                </p:cond>
+              </p:prevCondLst>
+              <p:nextCondLst>
+                <p:cond evt="onNext" delay="0">
+                  <p:tgtEl>
+                    <p:sldTgt/>
+                  </p:tgtEl>
+                </p:cond>
+              </p:nextCondLst>
+            </p:seq>
+          </p:childTnLst>
+        </p:cTn>
       </p:par>
     </p:tnLst>
   </p:timing>
 </p:sld>
 </file>
 
-<file path=ppt/slides/slide5.xml><?xml version="1.0" encoding="utf-8"?>
+<file path=ppt/slides/slide6.xml><?xml version="1.0" encoding="utf-8"?>
 <p:sld xmlns:a="http://schemas.openxmlformats.org/drawingml/2006/main" xmlns:r="http://schemas.openxmlformats.org/officeDocument/2006/relationships" xmlns:p="http://schemas.openxmlformats.org/presentationml/2006/main">
   <p:cSld>
     <p:spTree>
@@ -6731,7 +11603,42 @@
                 <a:latin typeface="Times New Roman" panose="02020603050405020304" pitchFamily="18" charset="0"/>
                 <a:cs typeface="Times New Roman" panose="02020603050405020304" pitchFamily="18" charset="0"/>
               </a:rPr>
-              <a:t>II. Các khái niệm cơ bản về JMS API</a:t>
+              <a:t>II. Các khái niệm cơ </a:t>
+            </a:r>
+            <a:r>
+              <a:rPr lang="en-US" b="1" dirty="0" err="1" smtClean="0">
+                <a:latin typeface="Times New Roman" panose="02020603050405020304" pitchFamily="18" charset="0"/>
+                <a:cs typeface="Times New Roman" panose="02020603050405020304" pitchFamily="18" charset="0"/>
+              </a:rPr>
+              <a:t>bản</a:t>
+            </a:r>
+            <a:r>
+              <a:rPr lang="en-US" b="1" dirty="0" smtClean="0">
+                <a:latin typeface="Times New Roman" panose="02020603050405020304" pitchFamily="18" charset="0"/>
+                <a:cs typeface="Times New Roman" panose="02020603050405020304" pitchFamily="18" charset="0"/>
+              </a:rPr>
+              <a:t> </a:t>
+            </a:r>
+            <a:r>
+              <a:rPr lang="en-US" b="1" dirty="0" err="1" smtClean="0">
+                <a:latin typeface="Times New Roman" panose="02020603050405020304" pitchFamily="18" charset="0"/>
+                <a:cs typeface="Times New Roman" panose="02020603050405020304" pitchFamily="18" charset="0"/>
+              </a:rPr>
+              <a:t>trong</a:t>
+            </a:r>
+            <a:r>
+              <a:rPr lang="en-US" b="1" dirty="0" smtClean="0">
+                <a:latin typeface="Times New Roman" panose="02020603050405020304" pitchFamily="18" charset="0"/>
+                <a:cs typeface="Times New Roman" panose="02020603050405020304" pitchFamily="18" charset="0"/>
+              </a:rPr>
+              <a:t> </a:t>
+            </a:r>
+            <a:r>
+              <a:rPr lang="en-US" b="1" dirty="0" smtClean="0">
+                <a:latin typeface="Times New Roman" panose="02020603050405020304" pitchFamily="18" charset="0"/>
+                <a:cs typeface="Times New Roman" panose="02020603050405020304" pitchFamily="18" charset="0"/>
+              </a:rPr>
+              <a:t>JMS API</a:t>
             </a:r>
             <a:endParaRPr lang="en-US" b="1" dirty="0">
               <a:latin typeface="Times New Roman" panose="02020603050405020304" pitchFamily="18" charset="0"/>
@@ -6752,8 +11659,8 @@
         </p:nvSpPr>
         <p:spPr>
           <a:xfrm>
-            <a:off x="677334" y="1925458"/>
-            <a:ext cx="8596668" cy="4122645"/>
+            <a:off x="677334" y="1645920"/>
+            <a:ext cx="9495366" cy="4754880"/>
           </a:xfrm>
         </p:spPr>
         <p:txBody>
@@ -6773,8 +11680,30 @@
                 <a:latin typeface="Times New Roman" panose="02020603050405020304" pitchFamily="18" charset="0"/>
                 <a:cs typeface="Times New Roman" panose="02020603050405020304" pitchFamily="18" charset="0"/>
               </a:rPr>
-              <a:t>Kiến trúc của JMS API</a:t>
-            </a:r>
+              <a:t>Kiến trúc của JMS </a:t>
+            </a:r>
+            <a:r>
+              <a:rPr lang="en-US" sz="2800" b="1" dirty="0" smtClean="0">
+                <a:solidFill>
+                  <a:srgbClr val="92D050"/>
+                </a:solidFill>
+                <a:latin typeface="Times New Roman" panose="02020603050405020304" pitchFamily="18" charset="0"/>
+                <a:cs typeface="Times New Roman" panose="02020603050405020304" pitchFamily="18" charset="0"/>
+              </a:rPr>
+              <a:t>API</a:t>
+            </a:r>
+          </a:p>
+          <a:p>
+            <a:pPr marL="0" indent="0">
+              <a:buNone/>
+            </a:pPr>
+            <a:endParaRPr lang="en-US" sz="2800" b="1" dirty="0" smtClean="0">
+              <a:solidFill>
+                <a:srgbClr val="92D050"/>
+              </a:solidFill>
+              <a:latin typeface="Times New Roman" panose="02020603050405020304" pitchFamily="18" charset="0"/>
+              <a:cs typeface="Times New Roman" panose="02020603050405020304" pitchFamily="18" charset="0"/>
+            </a:endParaRPr>
           </a:p>
           <a:p>
             <a:pPr>
@@ -6782,11 +11711,88 @@
               <a:buChar char="-"/>
             </a:pPr>
             <a:r>
+              <a:rPr lang="en-US" sz="2800" dirty="0" err="1" smtClean="0">
+                <a:latin typeface="Times New Roman" panose="02020603050405020304" pitchFamily="18" charset="0"/>
+                <a:cs typeface="Times New Roman" panose="02020603050405020304" pitchFamily="18" charset="0"/>
+              </a:rPr>
+              <a:t>Kiến</a:t>
+            </a:r>
+            <a:r>
               <a:rPr lang="en-US" sz="2800" dirty="0" smtClean="0">
                 <a:latin typeface="Times New Roman" panose="02020603050405020304" pitchFamily="18" charset="0"/>
                 <a:cs typeface="Times New Roman" panose="02020603050405020304" pitchFamily="18" charset="0"/>
               </a:rPr>
-              <a:t>Một ứng dụng JMS được hợp thành bởi những yếu tố sau:</a:t>
+              <a:t> </a:t>
+            </a:r>
+            <a:r>
+              <a:rPr lang="en-US" sz="2800" dirty="0" err="1" smtClean="0">
+                <a:latin typeface="Times New Roman" panose="02020603050405020304" pitchFamily="18" charset="0"/>
+                <a:cs typeface="Times New Roman" panose="02020603050405020304" pitchFamily="18" charset="0"/>
+              </a:rPr>
+              <a:t>trúc</a:t>
+            </a:r>
+            <a:r>
+              <a:rPr lang="en-US" sz="2800" dirty="0" smtClean="0">
+                <a:latin typeface="Times New Roman" panose="02020603050405020304" pitchFamily="18" charset="0"/>
+                <a:cs typeface="Times New Roman" panose="02020603050405020304" pitchFamily="18" charset="0"/>
+              </a:rPr>
+              <a:t> JMS </a:t>
+            </a:r>
+            <a:r>
+              <a:rPr lang="en-US" sz="2800" dirty="0" err="1" smtClean="0">
+                <a:latin typeface="Times New Roman" panose="02020603050405020304" pitchFamily="18" charset="0"/>
+                <a:cs typeface="Times New Roman" panose="02020603050405020304" pitchFamily="18" charset="0"/>
+              </a:rPr>
+              <a:t>bao</a:t>
+            </a:r>
+            <a:r>
+              <a:rPr lang="en-US" sz="2800" dirty="0" smtClean="0">
+                <a:latin typeface="Times New Roman" panose="02020603050405020304" pitchFamily="18" charset="0"/>
+                <a:cs typeface="Times New Roman" panose="02020603050405020304" pitchFamily="18" charset="0"/>
+              </a:rPr>
+              <a:t> </a:t>
+            </a:r>
+            <a:r>
+              <a:rPr lang="en-US" sz="2800" dirty="0" err="1" smtClean="0">
+                <a:latin typeface="Times New Roman" panose="02020603050405020304" pitchFamily="18" charset="0"/>
+                <a:cs typeface="Times New Roman" panose="02020603050405020304" pitchFamily="18" charset="0"/>
+              </a:rPr>
+              <a:t>gồm</a:t>
+            </a:r>
+            <a:r>
+              <a:rPr lang="en-US" sz="2800" dirty="0" smtClean="0">
+                <a:latin typeface="Times New Roman" panose="02020603050405020304" pitchFamily="18" charset="0"/>
+                <a:cs typeface="Times New Roman" panose="02020603050405020304" pitchFamily="18" charset="0"/>
+              </a:rPr>
+              <a:t> 4 </a:t>
+            </a:r>
+            <a:r>
+              <a:rPr lang="en-US" sz="2800" dirty="0" err="1" smtClean="0">
+                <a:latin typeface="Times New Roman" panose="02020603050405020304" pitchFamily="18" charset="0"/>
+                <a:cs typeface="Times New Roman" panose="02020603050405020304" pitchFamily="18" charset="0"/>
+              </a:rPr>
+              <a:t>thành</a:t>
+            </a:r>
+            <a:r>
+              <a:rPr lang="en-US" sz="2800" dirty="0" smtClean="0">
+                <a:latin typeface="Times New Roman" panose="02020603050405020304" pitchFamily="18" charset="0"/>
+                <a:cs typeface="Times New Roman" panose="02020603050405020304" pitchFamily="18" charset="0"/>
+              </a:rPr>
+              <a:t> </a:t>
+            </a:r>
+            <a:r>
+              <a:rPr lang="en-US" sz="2800" dirty="0" err="1" smtClean="0">
+                <a:latin typeface="Times New Roman" panose="02020603050405020304" pitchFamily="18" charset="0"/>
+                <a:cs typeface="Times New Roman" panose="02020603050405020304" pitchFamily="18" charset="0"/>
+              </a:rPr>
+              <a:t>phần</a:t>
+            </a:r>
+            <a:r>
+              <a:rPr lang="en-US" sz="2800" dirty="0" smtClean="0">
+                <a:latin typeface="Times New Roman" panose="02020603050405020304" pitchFamily="18" charset="0"/>
+                <a:cs typeface="Times New Roman" panose="02020603050405020304" pitchFamily="18" charset="0"/>
+              </a:rPr>
+              <a:t>:</a:t>
             </a:r>
           </a:p>
           <a:p>
@@ -6798,20 +11804,446 @@
                 <a:latin typeface="Times New Roman" panose="02020603050405020304" pitchFamily="18" charset="0"/>
                 <a:cs typeface="Times New Roman" panose="02020603050405020304" pitchFamily="18" charset="0"/>
               </a:rPr>
-              <a:t>+ JMS Provider: là 1 hệ thống truyền tin thực thi JMS interfaces và cung cấp các tính năng quản trị và điều phối</a:t>
+              <a:t>+ </a:t>
+            </a:r>
+            <a:r>
+              <a:rPr lang="en-US" sz="2800" dirty="0" smtClean="0">
+                <a:latin typeface="Times New Roman" panose="02020603050405020304" pitchFamily="18" charset="0"/>
+                <a:cs typeface="Times New Roman" panose="02020603050405020304" pitchFamily="18" charset="0"/>
+              </a:rPr>
+              <a:t>JMS Provider: </a:t>
+            </a:r>
+            <a:r>
+              <a:rPr lang="en-US" sz="2800" dirty="0" err="1" smtClean="0">
+                <a:latin typeface="Times New Roman" panose="02020603050405020304" pitchFamily="18" charset="0"/>
+                <a:cs typeface="Times New Roman" panose="02020603050405020304" pitchFamily="18" charset="0"/>
+              </a:rPr>
+              <a:t>những</a:t>
+            </a:r>
+            <a:r>
+              <a:rPr lang="en-US" sz="2800" dirty="0" smtClean="0">
+                <a:latin typeface="Times New Roman" panose="02020603050405020304" pitchFamily="18" charset="0"/>
+                <a:cs typeface="Times New Roman" panose="02020603050405020304" pitchFamily="18" charset="0"/>
+              </a:rPr>
+              <a:t> </a:t>
+            </a:r>
+            <a:r>
+              <a:rPr lang="en-US" sz="2800" dirty="0" err="1" smtClean="0">
+                <a:latin typeface="Times New Roman" panose="02020603050405020304" pitchFamily="18" charset="0"/>
+                <a:cs typeface="Times New Roman" panose="02020603050405020304" pitchFamily="18" charset="0"/>
+              </a:rPr>
+              <a:t>người</a:t>
+            </a:r>
+            <a:r>
+              <a:rPr lang="en-US" sz="2800" dirty="0" smtClean="0">
+                <a:latin typeface="Times New Roman" panose="02020603050405020304" pitchFamily="18" charset="0"/>
+                <a:cs typeface="Times New Roman" panose="02020603050405020304" pitchFamily="18" charset="0"/>
+              </a:rPr>
+              <a:t> </a:t>
+            </a:r>
+            <a:r>
+              <a:rPr lang="en-US" sz="2800" dirty="0" err="1" smtClean="0">
+                <a:latin typeface="Times New Roman" panose="02020603050405020304" pitchFamily="18" charset="0"/>
+                <a:cs typeface="Times New Roman" panose="02020603050405020304" pitchFamily="18" charset="0"/>
+              </a:rPr>
+              <a:t>tạo</a:t>
+            </a:r>
+            <a:r>
+              <a:rPr lang="en-US" sz="2800" dirty="0" smtClean="0">
+                <a:latin typeface="Times New Roman" panose="02020603050405020304" pitchFamily="18" charset="0"/>
+                <a:cs typeface="Times New Roman" panose="02020603050405020304" pitchFamily="18" charset="0"/>
+              </a:rPr>
+              <a:t> </a:t>
+            </a:r>
+            <a:r>
+              <a:rPr lang="en-US" sz="2800" dirty="0" err="1" smtClean="0">
+                <a:latin typeface="Times New Roman" panose="02020603050405020304" pitchFamily="18" charset="0"/>
+                <a:cs typeface="Times New Roman" panose="02020603050405020304" pitchFamily="18" charset="0"/>
+              </a:rPr>
+              <a:t>ra</a:t>
+            </a:r>
+            <a:r>
+              <a:rPr lang="en-US" sz="2800" dirty="0" smtClean="0">
+                <a:latin typeface="Times New Roman" panose="02020603050405020304" pitchFamily="18" charset="0"/>
+                <a:cs typeface="Times New Roman" panose="02020603050405020304" pitchFamily="18" charset="0"/>
+              </a:rPr>
+              <a:t> </a:t>
+            </a:r>
+            <a:r>
+              <a:rPr lang="en-US" sz="2800" dirty="0" err="1" smtClean="0">
+                <a:latin typeface="Times New Roman" panose="02020603050405020304" pitchFamily="18" charset="0"/>
+                <a:cs typeface="Times New Roman" panose="02020603050405020304" pitchFamily="18" charset="0"/>
+              </a:rPr>
+              <a:t>hệ</a:t>
+            </a:r>
+            <a:r>
+              <a:rPr lang="en-US" sz="2800" dirty="0" smtClean="0">
+                <a:latin typeface="Times New Roman" panose="02020603050405020304" pitchFamily="18" charset="0"/>
+                <a:cs typeface="Times New Roman" panose="02020603050405020304" pitchFamily="18" charset="0"/>
+              </a:rPr>
+              <a:t> </a:t>
+            </a:r>
+            <a:r>
+              <a:rPr lang="en-US" sz="2800" dirty="0" err="1" smtClean="0">
+                <a:latin typeface="Times New Roman" panose="02020603050405020304" pitchFamily="18" charset="0"/>
+                <a:cs typeface="Times New Roman" panose="02020603050405020304" pitchFamily="18" charset="0"/>
+              </a:rPr>
+              <a:t>thống</a:t>
+            </a:r>
+            <a:r>
+              <a:rPr lang="en-US" sz="2800" dirty="0" smtClean="0">
+                <a:latin typeface="Times New Roman" panose="02020603050405020304" pitchFamily="18" charset="0"/>
+                <a:cs typeface="Times New Roman" panose="02020603050405020304" pitchFamily="18" charset="0"/>
+              </a:rPr>
+              <a:t> JMS </a:t>
+            </a:r>
+            <a:r>
+              <a:rPr lang="en-US" sz="2800" dirty="0" err="1" smtClean="0">
+                <a:latin typeface="Times New Roman" panose="02020603050405020304" pitchFamily="18" charset="0"/>
+                <a:cs typeface="Times New Roman" panose="02020603050405020304" pitchFamily="18" charset="0"/>
+              </a:rPr>
+              <a:t>để</a:t>
+            </a:r>
+            <a:r>
+              <a:rPr lang="en-US" sz="2800" dirty="0" smtClean="0">
+                <a:latin typeface="Times New Roman" panose="02020603050405020304" pitchFamily="18" charset="0"/>
+                <a:cs typeface="Times New Roman" panose="02020603050405020304" pitchFamily="18" charset="0"/>
+              </a:rPr>
+              <a:t> </a:t>
+            </a:r>
+            <a:r>
+              <a:rPr lang="en-US" sz="2800" dirty="0" err="1" smtClean="0">
+                <a:latin typeface="Times New Roman" panose="02020603050405020304" pitchFamily="18" charset="0"/>
+                <a:cs typeface="Times New Roman" panose="02020603050405020304" pitchFamily="18" charset="0"/>
+              </a:rPr>
+              <a:t>lưu</a:t>
+            </a:r>
+            <a:r>
+              <a:rPr lang="en-US" sz="2800" dirty="0" smtClean="0">
+                <a:latin typeface="Times New Roman" panose="02020603050405020304" pitchFamily="18" charset="0"/>
+                <a:cs typeface="Times New Roman" panose="02020603050405020304" pitchFamily="18" charset="0"/>
+              </a:rPr>
+              <a:t> </a:t>
+            </a:r>
+            <a:r>
+              <a:rPr lang="en-US" sz="2800" dirty="0" err="1" smtClean="0">
+                <a:latin typeface="Times New Roman" panose="02020603050405020304" pitchFamily="18" charset="0"/>
+                <a:cs typeface="Times New Roman" panose="02020603050405020304" pitchFamily="18" charset="0"/>
+              </a:rPr>
+              <a:t>trữ</a:t>
+            </a:r>
+            <a:r>
+              <a:rPr lang="en-US" sz="2800" dirty="0" smtClean="0">
+                <a:latin typeface="Times New Roman" panose="02020603050405020304" pitchFamily="18" charset="0"/>
+                <a:cs typeface="Times New Roman" panose="02020603050405020304" pitchFamily="18" charset="0"/>
+              </a:rPr>
+              <a:t> </a:t>
+            </a:r>
+            <a:r>
+              <a:rPr lang="en-US" sz="2800" dirty="0" err="1" smtClean="0">
+                <a:latin typeface="Times New Roman" panose="02020603050405020304" pitchFamily="18" charset="0"/>
+                <a:cs typeface="Times New Roman" panose="02020603050405020304" pitchFamily="18" charset="0"/>
+              </a:rPr>
+              <a:t>tương</a:t>
+            </a:r>
+            <a:r>
+              <a:rPr lang="en-US" sz="2800" dirty="0" smtClean="0">
+                <a:latin typeface="Times New Roman" panose="02020603050405020304" pitchFamily="18" charset="0"/>
+                <a:cs typeface="Times New Roman" panose="02020603050405020304" pitchFamily="18" charset="0"/>
+              </a:rPr>
+              <a:t> </a:t>
+            </a:r>
+            <a:r>
+              <a:rPr lang="en-US" sz="2800" dirty="0" err="1" smtClean="0">
+                <a:latin typeface="Times New Roman" panose="02020603050405020304" pitchFamily="18" charset="0"/>
+                <a:cs typeface="Times New Roman" panose="02020603050405020304" pitchFamily="18" charset="0"/>
+              </a:rPr>
+              <a:t>tự</a:t>
+            </a:r>
+            <a:r>
+              <a:rPr lang="en-US" sz="2800" dirty="0" smtClean="0">
+                <a:latin typeface="Times New Roman" panose="02020603050405020304" pitchFamily="18" charset="0"/>
+                <a:cs typeface="Times New Roman" panose="02020603050405020304" pitchFamily="18" charset="0"/>
+              </a:rPr>
+              <a:t> </a:t>
+            </a:r>
+            <a:r>
+              <a:rPr lang="en-US" sz="2800" dirty="0" err="1" smtClean="0">
+                <a:latin typeface="Times New Roman" panose="02020603050405020304" pitchFamily="18" charset="0"/>
+                <a:cs typeface="Times New Roman" panose="02020603050405020304" pitchFamily="18" charset="0"/>
+              </a:rPr>
+              <a:t>hệ</a:t>
+            </a:r>
+            <a:r>
+              <a:rPr lang="en-US" sz="2800" dirty="0" smtClean="0">
+                <a:latin typeface="Times New Roman" panose="02020603050405020304" pitchFamily="18" charset="0"/>
+                <a:cs typeface="Times New Roman" panose="02020603050405020304" pitchFamily="18" charset="0"/>
+              </a:rPr>
+              <a:t> </a:t>
+            </a:r>
+            <a:r>
+              <a:rPr lang="en-US" sz="2800" dirty="0" err="1" smtClean="0">
+                <a:latin typeface="Times New Roman" panose="02020603050405020304" pitchFamily="18" charset="0"/>
+                <a:cs typeface="Times New Roman" panose="02020603050405020304" pitchFamily="18" charset="0"/>
+              </a:rPr>
+              <a:t>thống</a:t>
+            </a:r>
+            <a:r>
+              <a:rPr lang="en-US" sz="2800" dirty="0" smtClean="0">
+                <a:latin typeface="Times New Roman" panose="02020603050405020304" pitchFamily="18" charset="0"/>
+                <a:cs typeface="Times New Roman" panose="02020603050405020304" pitchFamily="18" charset="0"/>
+              </a:rPr>
+              <a:t> </a:t>
+            </a:r>
+            <a:r>
+              <a:rPr lang="en-US" sz="2800" dirty="0" err="1" smtClean="0">
+                <a:latin typeface="Times New Roman" panose="02020603050405020304" pitchFamily="18" charset="0"/>
+                <a:cs typeface="Times New Roman" panose="02020603050405020304" pitchFamily="18" charset="0"/>
+              </a:rPr>
+              <a:t>quản</a:t>
+            </a:r>
+            <a:r>
+              <a:rPr lang="en-US" sz="2800" dirty="0" smtClean="0">
+                <a:latin typeface="Times New Roman" panose="02020603050405020304" pitchFamily="18" charset="0"/>
+                <a:cs typeface="Times New Roman" panose="02020603050405020304" pitchFamily="18" charset="0"/>
+              </a:rPr>
+              <a:t> </a:t>
+            </a:r>
+            <a:r>
+              <a:rPr lang="en-US" sz="2800" dirty="0" err="1" smtClean="0">
+                <a:latin typeface="Times New Roman" panose="02020603050405020304" pitchFamily="18" charset="0"/>
+                <a:cs typeface="Times New Roman" panose="02020603050405020304" pitchFamily="18" charset="0"/>
+              </a:rPr>
+              <a:t>lý</a:t>
+            </a:r>
+            <a:r>
+              <a:rPr lang="en-US" sz="2800" dirty="0" smtClean="0">
+                <a:latin typeface="Times New Roman" panose="02020603050405020304" pitchFamily="18" charset="0"/>
+                <a:cs typeface="Times New Roman" panose="02020603050405020304" pitchFamily="18" charset="0"/>
+              </a:rPr>
+              <a:t> CSDL </a:t>
+            </a:r>
+            <a:r>
+              <a:rPr lang="en-US" sz="2800" dirty="0" err="1" smtClean="0">
+                <a:latin typeface="Times New Roman" panose="02020603050405020304" pitchFamily="18" charset="0"/>
+                <a:cs typeface="Times New Roman" panose="02020603050405020304" pitchFamily="18" charset="0"/>
+              </a:rPr>
+              <a:t>như</a:t>
+            </a:r>
+            <a:r>
+              <a:rPr lang="en-US" sz="2800" dirty="0" smtClean="0">
+                <a:latin typeface="Times New Roman" panose="02020603050405020304" pitchFamily="18" charset="0"/>
+                <a:cs typeface="Times New Roman" panose="02020603050405020304" pitchFamily="18" charset="0"/>
+              </a:rPr>
+              <a:t> SQL Server, Oracle, …</a:t>
             </a:r>
           </a:p>
           <a:p>
             <a:pPr marL="0" indent="0">
               <a:buNone/>
             </a:pPr>
+            <a:endParaRPr lang="en-US" sz="2800" dirty="0" smtClean="0">
+              <a:latin typeface="Times New Roman" panose="02020603050405020304" pitchFamily="18" charset="0"/>
+              <a:cs typeface="Times New Roman" panose="02020603050405020304" pitchFamily="18" charset="0"/>
+            </a:endParaRPr>
+          </a:p>
+          <a:p>
+            <a:pPr marL="0" indent="0">
+              <a:buNone/>
+            </a:pPr>
             <a:r>
               <a:rPr lang="en-US" sz="2800" dirty="0" smtClean="0">
                 <a:latin typeface="Times New Roman" panose="02020603050405020304" pitchFamily="18" charset="0"/>
                 <a:cs typeface="Times New Roman" panose="02020603050405020304" pitchFamily="18" charset="0"/>
               </a:rPr>
-              <a:t>+ JMS Clients: là những chương trình hoặc thành phần (trong 1 ứng dụng) được viết bằng ngôn ngữ Java, có thể thao tác gửi hoặc nhận tin nhắn</a:t>
-            </a:r>
+              <a:t>+ JMS Clients: là những chương trình hoặc thành phần (trong 1 ứng dụng) </a:t>
+            </a:r>
+            <a:r>
+              <a:rPr lang="en-US" sz="2800" dirty="0" err="1" smtClean="0">
+                <a:latin typeface="Times New Roman" panose="02020603050405020304" pitchFamily="18" charset="0"/>
+                <a:cs typeface="Times New Roman" panose="02020603050405020304" pitchFamily="18" charset="0"/>
+              </a:rPr>
+              <a:t>được</a:t>
+            </a:r>
+            <a:r>
+              <a:rPr lang="en-US" sz="2800" dirty="0" smtClean="0">
+                <a:latin typeface="Times New Roman" panose="02020603050405020304" pitchFamily="18" charset="0"/>
+                <a:cs typeface="Times New Roman" panose="02020603050405020304" pitchFamily="18" charset="0"/>
+              </a:rPr>
+              <a:t> </a:t>
+            </a:r>
+            <a:r>
+              <a:rPr lang="en-US" sz="2800" dirty="0" err="1" smtClean="0">
+                <a:latin typeface="Times New Roman" panose="02020603050405020304" pitchFamily="18" charset="0"/>
+                <a:cs typeface="Times New Roman" panose="02020603050405020304" pitchFamily="18" charset="0"/>
+              </a:rPr>
+              <a:t>viết</a:t>
+            </a:r>
+            <a:r>
+              <a:rPr lang="en-US" sz="2800" dirty="0" smtClean="0">
+                <a:latin typeface="Times New Roman" panose="02020603050405020304" pitchFamily="18" charset="0"/>
+                <a:cs typeface="Times New Roman" panose="02020603050405020304" pitchFamily="18" charset="0"/>
+              </a:rPr>
+              <a:t> </a:t>
+            </a:r>
+            <a:r>
+              <a:rPr lang="en-US" sz="2800" dirty="0" err="1" smtClean="0">
+                <a:latin typeface="Times New Roman" panose="02020603050405020304" pitchFamily="18" charset="0"/>
+                <a:cs typeface="Times New Roman" panose="02020603050405020304" pitchFamily="18" charset="0"/>
+              </a:rPr>
+              <a:t>bằng</a:t>
+            </a:r>
+            <a:r>
+              <a:rPr lang="en-US" sz="2800" dirty="0" smtClean="0">
+                <a:latin typeface="Times New Roman" panose="02020603050405020304" pitchFamily="18" charset="0"/>
+                <a:cs typeface="Times New Roman" panose="02020603050405020304" pitchFamily="18" charset="0"/>
+              </a:rPr>
+              <a:t> </a:t>
+            </a:r>
+            <a:r>
+              <a:rPr lang="en-US" sz="2800" dirty="0" err="1" smtClean="0">
+                <a:latin typeface="Times New Roman" panose="02020603050405020304" pitchFamily="18" charset="0"/>
+                <a:cs typeface="Times New Roman" panose="02020603050405020304" pitchFamily="18" charset="0"/>
+              </a:rPr>
+              <a:t>ngôn</a:t>
+            </a:r>
+            <a:r>
+              <a:rPr lang="en-US" sz="2800" dirty="0" smtClean="0">
+                <a:latin typeface="Times New Roman" panose="02020603050405020304" pitchFamily="18" charset="0"/>
+                <a:cs typeface="Times New Roman" panose="02020603050405020304" pitchFamily="18" charset="0"/>
+              </a:rPr>
+              <a:t> </a:t>
+            </a:r>
+            <a:r>
+              <a:rPr lang="en-US" sz="2800" dirty="0" err="1" smtClean="0">
+                <a:latin typeface="Times New Roman" panose="02020603050405020304" pitchFamily="18" charset="0"/>
+                <a:cs typeface="Times New Roman" panose="02020603050405020304" pitchFamily="18" charset="0"/>
+              </a:rPr>
+              <a:t>ngữ</a:t>
+            </a:r>
+            <a:r>
+              <a:rPr lang="en-US" sz="2800" dirty="0" smtClean="0">
+                <a:latin typeface="Times New Roman" panose="02020603050405020304" pitchFamily="18" charset="0"/>
+                <a:cs typeface="Times New Roman" panose="02020603050405020304" pitchFamily="18" charset="0"/>
+              </a:rPr>
+              <a:t> Java </a:t>
+            </a:r>
+            <a:r>
+              <a:rPr lang="en-US" sz="2800" dirty="0" err="1" smtClean="0">
+                <a:latin typeface="Times New Roman" panose="02020603050405020304" pitchFamily="18" charset="0"/>
+                <a:cs typeface="Times New Roman" panose="02020603050405020304" pitchFamily="18" charset="0"/>
+              </a:rPr>
+              <a:t>sử</a:t>
+            </a:r>
+            <a:r>
+              <a:rPr lang="en-US" sz="2800" dirty="0" smtClean="0">
+                <a:latin typeface="Times New Roman" panose="02020603050405020304" pitchFamily="18" charset="0"/>
+                <a:cs typeface="Times New Roman" panose="02020603050405020304" pitchFamily="18" charset="0"/>
+              </a:rPr>
+              <a:t> </a:t>
+            </a:r>
+            <a:r>
+              <a:rPr lang="en-US" sz="2800" dirty="0" err="1" smtClean="0">
+                <a:latin typeface="Times New Roman" panose="02020603050405020304" pitchFamily="18" charset="0"/>
+                <a:cs typeface="Times New Roman" panose="02020603050405020304" pitchFamily="18" charset="0"/>
+              </a:rPr>
+              <a:t>dụng</a:t>
+            </a:r>
+            <a:r>
+              <a:rPr lang="en-US" sz="2800" dirty="0" smtClean="0">
+                <a:latin typeface="Times New Roman" panose="02020603050405020304" pitchFamily="18" charset="0"/>
+                <a:cs typeface="Times New Roman" panose="02020603050405020304" pitchFamily="18" charset="0"/>
+              </a:rPr>
+              <a:t> JMS API </a:t>
+            </a:r>
+            <a:r>
+              <a:rPr lang="en-US" sz="2800" dirty="0" err="1" smtClean="0">
+                <a:latin typeface="Times New Roman" panose="02020603050405020304" pitchFamily="18" charset="0"/>
+                <a:cs typeface="Times New Roman" panose="02020603050405020304" pitchFamily="18" charset="0"/>
+              </a:rPr>
+              <a:t>truy</a:t>
+            </a:r>
+            <a:r>
+              <a:rPr lang="en-US" sz="2800" dirty="0" smtClean="0">
+                <a:latin typeface="Times New Roman" panose="02020603050405020304" pitchFamily="18" charset="0"/>
+                <a:cs typeface="Times New Roman" panose="02020603050405020304" pitchFamily="18" charset="0"/>
+              </a:rPr>
+              <a:t> </a:t>
+            </a:r>
+            <a:r>
+              <a:rPr lang="en-US" sz="2800" dirty="0" err="1" smtClean="0">
+                <a:latin typeface="Times New Roman" panose="02020603050405020304" pitchFamily="18" charset="0"/>
+                <a:cs typeface="Times New Roman" panose="02020603050405020304" pitchFamily="18" charset="0"/>
+              </a:rPr>
+              <a:t>cập</a:t>
+            </a:r>
+            <a:r>
+              <a:rPr lang="en-US" sz="2800" dirty="0" smtClean="0">
+                <a:latin typeface="Times New Roman" panose="02020603050405020304" pitchFamily="18" charset="0"/>
+                <a:cs typeface="Times New Roman" panose="02020603050405020304" pitchFamily="18" charset="0"/>
+              </a:rPr>
+              <a:t> </a:t>
+            </a:r>
+            <a:r>
+              <a:rPr lang="en-US" sz="2800" dirty="0" err="1" smtClean="0">
+                <a:latin typeface="Times New Roman" panose="02020603050405020304" pitchFamily="18" charset="0"/>
+                <a:cs typeface="Times New Roman" panose="02020603050405020304" pitchFamily="18" charset="0"/>
+              </a:rPr>
+              <a:t>và</a:t>
+            </a:r>
+            <a:r>
+              <a:rPr lang="en-US" sz="2800" dirty="0" smtClean="0">
+                <a:latin typeface="Times New Roman" panose="02020603050405020304" pitchFamily="18" charset="0"/>
+                <a:cs typeface="Times New Roman" panose="02020603050405020304" pitchFamily="18" charset="0"/>
+              </a:rPr>
+              <a:t> </a:t>
+            </a:r>
+            <a:r>
+              <a:rPr lang="en-US" sz="2800" dirty="0" err="1" smtClean="0">
+                <a:latin typeface="Times New Roman" panose="02020603050405020304" pitchFamily="18" charset="0"/>
+                <a:cs typeface="Times New Roman" panose="02020603050405020304" pitchFamily="18" charset="0"/>
+              </a:rPr>
+              <a:t>thao</a:t>
+            </a:r>
+            <a:r>
+              <a:rPr lang="en-US" sz="2800" dirty="0" smtClean="0">
+                <a:latin typeface="Times New Roman" panose="02020603050405020304" pitchFamily="18" charset="0"/>
+                <a:cs typeface="Times New Roman" panose="02020603050405020304" pitchFamily="18" charset="0"/>
+              </a:rPr>
+              <a:t> </a:t>
+            </a:r>
+            <a:r>
+              <a:rPr lang="en-US" sz="2800" dirty="0" err="1" smtClean="0">
+                <a:latin typeface="Times New Roman" panose="02020603050405020304" pitchFamily="18" charset="0"/>
+                <a:cs typeface="Times New Roman" panose="02020603050405020304" pitchFamily="18" charset="0"/>
+              </a:rPr>
+              <a:t>tác</a:t>
+            </a:r>
+            <a:r>
+              <a:rPr lang="en-US" sz="2800" dirty="0" smtClean="0">
+                <a:latin typeface="Times New Roman" panose="02020603050405020304" pitchFamily="18" charset="0"/>
+                <a:cs typeface="Times New Roman" panose="02020603050405020304" pitchFamily="18" charset="0"/>
+              </a:rPr>
+              <a:t> </a:t>
+            </a:r>
+            <a:r>
+              <a:rPr lang="en-US" sz="2800" dirty="0" err="1" smtClean="0">
+                <a:latin typeface="Times New Roman" panose="02020603050405020304" pitchFamily="18" charset="0"/>
+                <a:cs typeface="Times New Roman" panose="02020603050405020304" pitchFamily="18" charset="0"/>
+              </a:rPr>
+              <a:t>trên</a:t>
+            </a:r>
+            <a:r>
+              <a:rPr lang="en-US" sz="2800" dirty="0" smtClean="0">
+                <a:latin typeface="Times New Roman" panose="02020603050405020304" pitchFamily="18" charset="0"/>
+                <a:cs typeface="Times New Roman" panose="02020603050405020304" pitchFamily="18" charset="0"/>
+              </a:rPr>
+              <a:t> JMS Provider.</a:t>
+            </a:r>
+            <a:endParaRPr lang="en-US" sz="2800" dirty="0" smtClean="0">
+              <a:latin typeface="Times New Roman" panose="02020603050405020304" pitchFamily="18" charset="0"/>
+              <a:cs typeface="Times New Roman" panose="02020603050405020304" pitchFamily="18" charset="0"/>
+            </a:endParaRPr>
           </a:p>
         </p:txBody>
       </p:sp>
@@ -6825,89 +12257,451 @@
   <p:clrMapOvr>
     <a:masterClrMapping/>
   </p:clrMapOvr>
-</p:sld>
-</file>
-
-<file path=ppt/slides/slide6.xml><?xml version="1.0" encoding="utf-8"?>
-<p:sld xmlns:a="http://schemas.openxmlformats.org/drawingml/2006/main" xmlns:r="http://schemas.openxmlformats.org/officeDocument/2006/relationships" xmlns:p="http://schemas.openxmlformats.org/presentationml/2006/main">
-  <p:cSld>
-    <p:spTree>
-      <p:nvGrpSpPr>
-        <p:cNvPr id="1" name=""/>
-        <p:cNvGrpSpPr/>
-        <p:nvPr/>
-      </p:nvGrpSpPr>
-      <p:grpSpPr>
-        <a:xfrm>
-          <a:off x="0" y="0"/>
-          <a:ext cx="0" cy="0"/>
-          <a:chOff x="0" y="0"/>
-          <a:chExt cx="0" cy="0"/>
-        </a:xfrm>
-      </p:grpSpPr>
-      <p:sp>
-        <p:nvSpPr>
-          <p:cNvPr id="3" name="Content Placeholder 2"/>
-          <p:cNvSpPr>
-            <a:spLocks noGrp="1"/>
-          </p:cNvSpPr>
-          <p:nvPr>
-            <p:ph idx="1"/>
-          </p:nvPr>
-        </p:nvSpPr>
-        <p:spPr>
-          <a:xfrm>
-            <a:off x="585895" y="1794829"/>
-            <a:ext cx="8819362" cy="3417251"/>
-          </a:xfrm>
-        </p:spPr>
-        <p:txBody>
-          <a:bodyPr>
-            <a:normAutofit/>
-          </a:bodyPr>
-          <a:lstStyle/>
-          <a:p>
-            <a:pPr>
-              <a:buFontTx/>
-              <a:buChar char="-"/>
-            </a:pPr>
-            <a:r>
-              <a:rPr lang="en-US" sz="2800" dirty="0" smtClean="0">
-                <a:latin typeface="Times New Roman" panose="02020603050405020304" pitchFamily="18" charset="0"/>
-                <a:cs typeface="Times New Roman" panose="02020603050405020304" pitchFamily="18" charset="0"/>
-              </a:rPr>
-              <a:t>Messages: là những đối tượng truyền tải thông tin giữa các JMS clients</a:t>
-            </a:r>
-          </a:p>
-          <a:p>
-            <a:pPr>
-              <a:buFontTx/>
-              <a:buChar char="-"/>
-            </a:pPr>
-            <a:r>
-              <a:rPr lang="en-US" sz="2800" dirty="0" smtClean="0">
-                <a:latin typeface="Times New Roman" panose="02020603050405020304" pitchFamily="18" charset="0"/>
-                <a:cs typeface="Times New Roman" panose="02020603050405020304" pitchFamily="18" charset="0"/>
-              </a:rPr>
-              <a:t>Administered objects: là các đối tượng được cấu hình sẵn và được tạo ra bởi người quản trị để đáp ứng nhu cầu sử dụng của JMS clients. </a:t>
-            </a:r>
-            <a:endParaRPr lang="en-US" sz="2800" dirty="0">
-              <a:latin typeface="Times New Roman" panose="02020603050405020304" pitchFamily="18" charset="0"/>
-              <a:cs typeface="Times New Roman" panose="02020603050405020304" pitchFamily="18" charset="0"/>
-            </a:endParaRPr>
-          </a:p>
-        </p:txBody>
-      </p:sp>
-    </p:spTree>
-    <p:extLst>
-      <p:ext uri="{BB962C8B-B14F-4D97-AF65-F5344CB8AC3E}">
-        <p14:creationId xmlns:p14="http://schemas.microsoft.com/office/powerpoint/2010/main" val="1232588852"/>
-      </p:ext>
-    </p:extLst>
-  </p:cSld>
-  <p:clrMapOvr>
-    <a:masterClrMapping/>
-  </p:clrMapOvr>
+  <p:timing>
+    <p:tnLst>
+      <p:par>
+        <p:cTn id="1" dur="indefinite" restart="never" nodeType="tmRoot">
+          <p:childTnLst>
+            <p:seq concurrent="1" nextAc="seek">
+              <p:cTn id="2" dur="indefinite" nodeType="mainSeq">
+                <p:childTnLst>
+                  <p:par>
+                    <p:cTn id="3" fill="hold">
+                      <p:stCondLst>
+                        <p:cond delay="indefinite"/>
+                      </p:stCondLst>
+                      <p:childTnLst>
+                        <p:par>
+                          <p:cTn id="4" fill="hold">
+                            <p:stCondLst>
+                              <p:cond delay="0"/>
+                            </p:stCondLst>
+                            <p:childTnLst>
+                              <p:par>
+                                <p:cTn id="5" presetID="2" presetClass="entr" presetSubtype="4" fill="hold" grpId="0" nodeType="clickEffect">
+                                  <p:stCondLst>
+                                    <p:cond delay="0"/>
+                                  </p:stCondLst>
+                                  <p:childTnLst>
+                                    <p:set>
+                                      <p:cBhvr>
+                                        <p:cTn id="6" dur="1" fill="hold">
+                                          <p:stCondLst>
+                                            <p:cond delay="0"/>
+                                          </p:stCondLst>
+                                        </p:cTn>
+                                        <p:tgtEl>
+                                          <p:spTgt spid="3">
+                                            <p:txEl>
+                                              <p:pRg st="0" end="0"/>
+                                            </p:txEl>
+                                          </p:spTgt>
+                                        </p:tgtEl>
+                                        <p:attrNameLst>
+                                          <p:attrName>style.visibility</p:attrName>
+                                        </p:attrNameLst>
+                                      </p:cBhvr>
+                                      <p:to>
+                                        <p:strVal val="visible"/>
+                                      </p:to>
+                                    </p:set>
+                                    <p:anim calcmode="lin" valueType="num">
+                                      <p:cBhvr additive="base">
+                                        <p:cTn id="7" dur="500" fill="hold"/>
+                                        <p:tgtEl>
+                                          <p:spTgt spid="3">
+                                            <p:txEl>
+                                              <p:pRg st="0" end="0"/>
+                                            </p:txEl>
+                                          </p:spTgt>
+                                        </p:tgtEl>
+                                        <p:attrNameLst>
+                                          <p:attrName>ppt_x</p:attrName>
+                                        </p:attrNameLst>
+                                      </p:cBhvr>
+                                      <p:tavLst>
+                                        <p:tav tm="0">
+                                          <p:val>
+                                            <p:strVal val="#ppt_x"/>
+                                          </p:val>
+                                        </p:tav>
+                                        <p:tav tm="100000">
+                                          <p:val>
+                                            <p:strVal val="#ppt_x"/>
+                                          </p:val>
+                                        </p:tav>
+                                      </p:tavLst>
+                                    </p:anim>
+                                    <p:anim calcmode="lin" valueType="num">
+                                      <p:cBhvr additive="base">
+                                        <p:cTn id="8" dur="500" fill="hold"/>
+                                        <p:tgtEl>
+                                          <p:spTgt spid="3">
+                                            <p:txEl>
+                                              <p:pRg st="0" end="0"/>
+                                            </p:txEl>
+                                          </p:spTgt>
+                                        </p:tgtEl>
+                                        <p:attrNameLst>
+                                          <p:attrName>ppt_y</p:attrName>
+                                        </p:attrNameLst>
+                                      </p:cBhvr>
+                                      <p:tavLst>
+                                        <p:tav tm="0">
+                                          <p:val>
+                                            <p:strVal val="1+#ppt_h/2"/>
+                                          </p:val>
+                                        </p:tav>
+                                        <p:tav tm="100000">
+                                          <p:val>
+                                            <p:strVal val="#ppt_y"/>
+                                          </p:val>
+                                        </p:tav>
+                                      </p:tavLst>
+                                    </p:anim>
+                                  </p:childTnLst>
+                                </p:cTn>
+                              </p:par>
+                            </p:childTnLst>
+                          </p:cTn>
+                        </p:par>
+                      </p:childTnLst>
+                    </p:cTn>
+                  </p:par>
+                  <p:par>
+                    <p:cTn id="9" fill="hold">
+                      <p:stCondLst>
+                        <p:cond delay="indefinite"/>
+                      </p:stCondLst>
+                      <p:childTnLst>
+                        <p:par>
+                          <p:cTn id="10" fill="hold">
+                            <p:stCondLst>
+                              <p:cond delay="0"/>
+                            </p:stCondLst>
+                            <p:childTnLst>
+                              <p:par>
+                                <p:cTn id="11" presetID="2" presetClass="entr" presetSubtype="4" fill="hold" grpId="0" nodeType="clickEffect">
+                                  <p:stCondLst>
+                                    <p:cond delay="0"/>
+                                  </p:stCondLst>
+                                  <p:childTnLst>
+                                    <p:set>
+                                      <p:cBhvr>
+                                        <p:cTn id="12" dur="1" fill="hold">
+                                          <p:stCondLst>
+                                            <p:cond delay="0"/>
+                                          </p:stCondLst>
+                                        </p:cTn>
+                                        <p:tgtEl>
+                                          <p:spTgt spid="3">
+                                            <p:txEl>
+                                              <p:pRg st="2" end="2"/>
+                                            </p:txEl>
+                                          </p:spTgt>
+                                        </p:tgtEl>
+                                        <p:attrNameLst>
+                                          <p:attrName>style.visibility</p:attrName>
+                                        </p:attrNameLst>
+                                      </p:cBhvr>
+                                      <p:to>
+                                        <p:strVal val="visible"/>
+                                      </p:to>
+                                    </p:set>
+                                    <p:anim calcmode="lin" valueType="num">
+                                      <p:cBhvr additive="base">
+                                        <p:cTn id="13" dur="500" fill="hold"/>
+                                        <p:tgtEl>
+                                          <p:spTgt spid="3">
+                                            <p:txEl>
+                                              <p:pRg st="2" end="2"/>
+                                            </p:txEl>
+                                          </p:spTgt>
+                                        </p:tgtEl>
+                                        <p:attrNameLst>
+                                          <p:attrName>ppt_x</p:attrName>
+                                        </p:attrNameLst>
+                                      </p:cBhvr>
+                                      <p:tavLst>
+                                        <p:tav tm="0">
+                                          <p:val>
+                                            <p:strVal val="#ppt_x"/>
+                                          </p:val>
+                                        </p:tav>
+                                        <p:tav tm="100000">
+                                          <p:val>
+                                            <p:strVal val="#ppt_x"/>
+                                          </p:val>
+                                        </p:tav>
+                                      </p:tavLst>
+                                    </p:anim>
+                                    <p:anim calcmode="lin" valueType="num">
+                                      <p:cBhvr additive="base">
+                                        <p:cTn id="14" dur="500" fill="hold"/>
+                                        <p:tgtEl>
+                                          <p:spTgt spid="3">
+                                            <p:txEl>
+                                              <p:pRg st="2" end="2"/>
+                                            </p:txEl>
+                                          </p:spTgt>
+                                        </p:tgtEl>
+                                        <p:attrNameLst>
+                                          <p:attrName>ppt_y</p:attrName>
+                                        </p:attrNameLst>
+                                      </p:cBhvr>
+                                      <p:tavLst>
+                                        <p:tav tm="0">
+                                          <p:val>
+                                            <p:strVal val="1+#ppt_h/2"/>
+                                          </p:val>
+                                        </p:tav>
+                                        <p:tav tm="100000">
+                                          <p:val>
+                                            <p:strVal val="#ppt_y"/>
+                                          </p:val>
+                                        </p:tav>
+                                      </p:tavLst>
+                                    </p:anim>
+                                  </p:childTnLst>
+                                </p:cTn>
+                              </p:par>
+                            </p:childTnLst>
+                          </p:cTn>
+                        </p:par>
+                      </p:childTnLst>
+                    </p:cTn>
+                  </p:par>
+                  <p:par>
+                    <p:cTn id="15" fill="hold">
+                      <p:stCondLst>
+                        <p:cond delay="indefinite"/>
+                      </p:stCondLst>
+                      <p:childTnLst>
+                        <p:par>
+                          <p:cTn id="16" fill="hold">
+                            <p:stCondLst>
+                              <p:cond delay="0"/>
+                            </p:stCondLst>
+                            <p:childTnLst>
+                              <p:par>
+                                <p:cTn id="17" presetID="2" presetClass="entr" presetSubtype="4" fill="hold" grpId="0" nodeType="clickEffect">
+                                  <p:stCondLst>
+                                    <p:cond delay="0"/>
+                                  </p:stCondLst>
+                                  <p:childTnLst>
+                                    <p:set>
+                                      <p:cBhvr>
+                                        <p:cTn id="18" dur="1" fill="hold">
+                                          <p:stCondLst>
+                                            <p:cond delay="0"/>
+                                          </p:stCondLst>
+                                        </p:cTn>
+                                        <p:tgtEl>
+                                          <p:spTgt spid="3">
+                                            <p:txEl>
+                                              <p:pRg st="3" end="3"/>
+                                            </p:txEl>
+                                          </p:spTgt>
+                                        </p:tgtEl>
+                                        <p:attrNameLst>
+                                          <p:attrName>style.visibility</p:attrName>
+                                        </p:attrNameLst>
+                                      </p:cBhvr>
+                                      <p:to>
+                                        <p:strVal val="visible"/>
+                                      </p:to>
+                                    </p:set>
+                                    <p:anim calcmode="lin" valueType="num">
+                                      <p:cBhvr additive="base">
+                                        <p:cTn id="19" dur="500" fill="hold"/>
+                                        <p:tgtEl>
+                                          <p:spTgt spid="3">
+                                            <p:txEl>
+                                              <p:pRg st="3" end="3"/>
+                                            </p:txEl>
+                                          </p:spTgt>
+                                        </p:tgtEl>
+                                        <p:attrNameLst>
+                                          <p:attrName>ppt_x</p:attrName>
+                                        </p:attrNameLst>
+                                      </p:cBhvr>
+                                      <p:tavLst>
+                                        <p:tav tm="0">
+                                          <p:val>
+                                            <p:strVal val="#ppt_x"/>
+                                          </p:val>
+                                        </p:tav>
+                                        <p:tav tm="100000">
+                                          <p:val>
+                                            <p:strVal val="#ppt_x"/>
+                                          </p:val>
+                                        </p:tav>
+                                      </p:tavLst>
+                                    </p:anim>
+                                    <p:anim calcmode="lin" valueType="num">
+                                      <p:cBhvr additive="base">
+                                        <p:cTn id="20" dur="500" fill="hold"/>
+                                        <p:tgtEl>
+                                          <p:spTgt spid="3">
+                                            <p:txEl>
+                                              <p:pRg st="3" end="3"/>
+                                            </p:txEl>
+                                          </p:spTgt>
+                                        </p:tgtEl>
+                                        <p:attrNameLst>
+                                          <p:attrName>ppt_y</p:attrName>
+                                        </p:attrNameLst>
+                                      </p:cBhvr>
+                                      <p:tavLst>
+                                        <p:tav tm="0">
+                                          <p:val>
+                                            <p:strVal val="1+#ppt_h/2"/>
+                                          </p:val>
+                                        </p:tav>
+                                        <p:tav tm="100000">
+                                          <p:val>
+                                            <p:strVal val="#ppt_y"/>
+                                          </p:val>
+                                        </p:tav>
+                                      </p:tavLst>
+                                    </p:anim>
+                                  </p:childTnLst>
+                                </p:cTn>
+                              </p:par>
+                            </p:childTnLst>
+                          </p:cTn>
+                        </p:par>
+                      </p:childTnLst>
+                    </p:cTn>
+                  </p:par>
+                  <p:par>
+                    <p:cTn id="21" fill="hold">
+                      <p:stCondLst>
+                        <p:cond delay="indefinite"/>
+                      </p:stCondLst>
+                      <p:childTnLst>
+                        <p:par>
+                          <p:cTn id="22" fill="hold">
+                            <p:stCondLst>
+                              <p:cond delay="0"/>
+                            </p:stCondLst>
+                            <p:childTnLst>
+                              <p:par>
+                                <p:cTn id="23" presetID="2" presetClass="entr" presetSubtype="4" fill="hold" grpId="0" nodeType="clickEffect">
+                                  <p:stCondLst>
+                                    <p:cond delay="0"/>
+                                  </p:stCondLst>
+                                  <p:childTnLst>
+                                    <p:set>
+                                      <p:cBhvr>
+                                        <p:cTn id="24" dur="1" fill="hold">
+                                          <p:stCondLst>
+                                            <p:cond delay="0"/>
+                                          </p:stCondLst>
+                                        </p:cTn>
+                                        <p:tgtEl>
+                                          <p:spTgt spid="3">
+                                            <p:txEl>
+                                              <p:pRg st="5" end="5"/>
+                                            </p:txEl>
+                                          </p:spTgt>
+                                        </p:tgtEl>
+                                        <p:attrNameLst>
+                                          <p:attrName>style.visibility</p:attrName>
+                                        </p:attrNameLst>
+                                      </p:cBhvr>
+                                      <p:to>
+                                        <p:strVal val="visible"/>
+                                      </p:to>
+                                    </p:set>
+                                    <p:anim calcmode="lin" valueType="num">
+                                      <p:cBhvr additive="base">
+                                        <p:cTn id="25" dur="500" fill="hold"/>
+                                        <p:tgtEl>
+                                          <p:spTgt spid="3">
+                                            <p:txEl>
+                                              <p:pRg st="5" end="5"/>
+                                            </p:txEl>
+                                          </p:spTgt>
+                                        </p:tgtEl>
+                                        <p:attrNameLst>
+                                          <p:attrName>ppt_x</p:attrName>
+                                        </p:attrNameLst>
+                                      </p:cBhvr>
+                                      <p:tavLst>
+                                        <p:tav tm="0">
+                                          <p:val>
+                                            <p:strVal val="#ppt_x"/>
+                                          </p:val>
+                                        </p:tav>
+                                        <p:tav tm="100000">
+                                          <p:val>
+                                            <p:strVal val="#ppt_x"/>
+                                          </p:val>
+                                        </p:tav>
+                                      </p:tavLst>
+                                    </p:anim>
+                                    <p:anim calcmode="lin" valueType="num">
+                                      <p:cBhvr additive="base">
+                                        <p:cTn id="26" dur="500" fill="hold"/>
+                                        <p:tgtEl>
+                                          <p:spTgt spid="3">
+                                            <p:txEl>
+                                              <p:pRg st="5" end="5"/>
+                                            </p:txEl>
+                                          </p:spTgt>
+                                        </p:tgtEl>
+                                        <p:attrNameLst>
+                                          <p:attrName>ppt_y</p:attrName>
+                                        </p:attrNameLst>
+                                      </p:cBhvr>
+                                      <p:tavLst>
+                                        <p:tav tm="0">
+                                          <p:val>
+                                            <p:strVal val="1+#ppt_h/2"/>
+                                          </p:val>
+                                        </p:tav>
+                                        <p:tav tm="100000">
+                                          <p:val>
+                                            <p:strVal val="#ppt_y"/>
+                                          </p:val>
+                                        </p:tav>
+                                      </p:tavLst>
+                                    </p:anim>
+                                  </p:childTnLst>
+                                </p:cTn>
+                              </p:par>
+                            </p:childTnLst>
+                          </p:cTn>
+                        </p:par>
+                      </p:childTnLst>
+                    </p:cTn>
+                  </p:par>
+                </p:childTnLst>
+              </p:cTn>
+              <p:prevCondLst>
+                <p:cond evt="onPrev" delay="0">
+                  <p:tgtEl>
+                    <p:sldTgt/>
+                  </p:tgtEl>
+                </p:cond>
+              </p:prevCondLst>
+              <p:nextCondLst>
+                <p:cond evt="onNext" delay="0">
+                  <p:tgtEl>
+                    <p:sldTgt/>
+                  </p:tgtEl>
+                </p:cond>
+              </p:nextCondLst>
+            </p:seq>
+          </p:childTnLst>
+        </p:cTn>
+      </p:par>
+    </p:tnLst>
+    <p:bldLst>
+      <p:bldP spid="3" grpId="0" build="p"/>
+    </p:bldLst>
+  </p:timing>
 </p:sld>
 </file>
 
@@ -6940,84 +12734,283 @@
         </p:nvSpPr>
         <p:spPr>
           <a:xfrm>
-            <a:off x="533642" y="370977"/>
-            <a:ext cx="8545043" cy="2032589"/>
+            <a:off x="274321" y="228601"/>
+            <a:ext cx="11652068" cy="1665514"/>
           </a:xfrm>
         </p:spPr>
         <p:txBody>
-          <a:bodyPr/>
+          <a:bodyPr>
+            <a:normAutofit fontScale="92500" lnSpcReduction="10000"/>
+          </a:bodyPr>
           <a:lstStyle/>
           <a:p>
             <a:pPr marL="0" indent="0">
               <a:buNone/>
             </a:pPr>
             <a:r>
-              <a:rPr lang="en-US" sz="2400" dirty="0">
-                <a:latin typeface="Times New Roman" panose="02020603050405020304" pitchFamily="18" charset="0"/>
-                <a:cs typeface="Times New Roman" panose="02020603050405020304" pitchFamily="18" charset="0"/>
-              </a:rPr>
-              <a:t>Administered objects gồm 2 loại:</a:t>
-            </a:r>
-          </a:p>
-          <a:p>
-            <a:pPr>
-              <a:buFont typeface="Wingdings" panose="05000000000000000000" pitchFamily="2" charset="2"/>
-              <a:buChar char="Ø"/>
-            </a:pPr>
-            <a:r>
-              <a:rPr lang="vi-VN" sz="2400" dirty="0">
-                <a:latin typeface="Times New Roman" panose="02020603050405020304" pitchFamily="18" charset="0"/>
-                <a:cs typeface="Times New Roman" panose="02020603050405020304" pitchFamily="18" charset="0"/>
-              </a:rPr>
-              <a:t>Connection Factory: là </a:t>
-            </a:r>
-            <a:r>
-              <a:rPr lang="en-US" sz="2400" dirty="0">
-                <a:latin typeface="Times New Roman" panose="02020603050405020304" pitchFamily="18" charset="0"/>
-                <a:cs typeface="Times New Roman" panose="02020603050405020304" pitchFamily="18" charset="0"/>
-              </a:rPr>
-              <a:t>đối tượng mà client sử dụng để tạo liên kết tới 1 provider</a:t>
-            </a:r>
-          </a:p>
-          <a:p>
-            <a:pPr>
-              <a:buFont typeface="Wingdings" panose="05000000000000000000" pitchFamily="2" charset="2"/>
-              <a:buChar char="Ø"/>
-            </a:pPr>
-            <a:r>
-              <a:rPr lang="fr-FR" sz="2400" dirty="0">
-                <a:latin typeface="Times New Roman" panose="02020603050405020304" pitchFamily="18" charset="0"/>
-                <a:cs typeface="Times New Roman" panose="02020603050405020304" pitchFamily="18" charset="0"/>
-              </a:rPr>
-              <a:t>Destination: là nơi lưu trữ các messages</a:t>
-            </a:r>
-            <a:endParaRPr lang="en-US" sz="2400" dirty="0">
+              <a:rPr lang="en-US" sz="2800" dirty="0" smtClean="0">
+                <a:latin typeface="Times New Roman" panose="02020603050405020304" pitchFamily="18" charset="0"/>
+                <a:cs typeface="Times New Roman" panose="02020603050405020304" pitchFamily="18" charset="0"/>
+              </a:rPr>
+              <a:t>- </a:t>
+            </a:r>
+            <a:r>
+              <a:rPr lang="en-US" sz="2800" dirty="0" smtClean="0">
+                <a:latin typeface="Times New Roman" panose="02020603050405020304" pitchFamily="18" charset="0"/>
+                <a:cs typeface="Times New Roman" panose="02020603050405020304" pitchFamily="18" charset="0"/>
+              </a:rPr>
+              <a:t>Messages</a:t>
+            </a:r>
+            <a:r>
+              <a:rPr lang="en-US" sz="2800" dirty="0" smtClean="0">
+                <a:latin typeface="Times New Roman" panose="02020603050405020304" pitchFamily="18" charset="0"/>
+                <a:cs typeface="Times New Roman" panose="02020603050405020304" pitchFamily="18" charset="0"/>
+              </a:rPr>
+              <a:t>: </a:t>
+            </a:r>
+            <a:r>
+              <a:rPr lang="en-US" sz="2800" dirty="0" err="1" smtClean="0">
+                <a:latin typeface="Times New Roman" panose="02020603050405020304" pitchFamily="18" charset="0"/>
+                <a:cs typeface="Times New Roman" panose="02020603050405020304" pitchFamily="18" charset="0"/>
+              </a:rPr>
+              <a:t>định</a:t>
+            </a:r>
+            <a:r>
+              <a:rPr lang="en-US" sz="2800" dirty="0" smtClean="0">
+                <a:latin typeface="Times New Roman" panose="02020603050405020304" pitchFamily="18" charset="0"/>
+                <a:cs typeface="Times New Roman" panose="02020603050405020304" pitchFamily="18" charset="0"/>
+              </a:rPr>
+              <a:t> </a:t>
+            </a:r>
+            <a:r>
+              <a:rPr lang="en-US" sz="2800" dirty="0" err="1" smtClean="0">
+                <a:latin typeface="Times New Roman" panose="02020603050405020304" pitchFamily="18" charset="0"/>
+                <a:cs typeface="Times New Roman" panose="02020603050405020304" pitchFamily="18" charset="0"/>
+              </a:rPr>
+              <a:t>dạng</a:t>
+            </a:r>
+            <a:r>
+              <a:rPr lang="en-US" sz="2800" dirty="0" smtClean="0">
+                <a:latin typeface="Times New Roman" panose="02020603050405020304" pitchFamily="18" charset="0"/>
+                <a:cs typeface="Times New Roman" panose="02020603050405020304" pitchFamily="18" charset="0"/>
+              </a:rPr>
+              <a:t> </a:t>
+            </a:r>
+            <a:r>
+              <a:rPr lang="en-US" sz="2800" dirty="0" err="1" smtClean="0">
+                <a:latin typeface="Times New Roman" panose="02020603050405020304" pitchFamily="18" charset="0"/>
+                <a:cs typeface="Times New Roman" panose="02020603050405020304" pitchFamily="18" charset="0"/>
+              </a:rPr>
+              <a:t>trung</a:t>
+            </a:r>
+            <a:r>
+              <a:rPr lang="en-US" sz="2800" dirty="0" smtClean="0">
+                <a:latin typeface="Times New Roman" panose="02020603050405020304" pitchFamily="18" charset="0"/>
+                <a:cs typeface="Times New Roman" panose="02020603050405020304" pitchFamily="18" charset="0"/>
+              </a:rPr>
+              <a:t> </a:t>
+            </a:r>
+            <a:r>
+              <a:rPr lang="en-US" sz="2800" dirty="0" err="1" smtClean="0">
+                <a:latin typeface="Times New Roman" panose="02020603050405020304" pitchFamily="18" charset="0"/>
+                <a:cs typeface="Times New Roman" panose="02020603050405020304" pitchFamily="18" charset="0"/>
+              </a:rPr>
+              <a:t>gian</a:t>
+            </a:r>
+            <a:r>
+              <a:rPr lang="en-US" sz="2800" dirty="0" smtClean="0">
+                <a:latin typeface="Times New Roman" panose="02020603050405020304" pitchFamily="18" charset="0"/>
+                <a:cs typeface="Times New Roman" panose="02020603050405020304" pitchFamily="18" charset="0"/>
+              </a:rPr>
+              <a:t> </a:t>
+            </a:r>
+            <a:r>
+              <a:rPr lang="en-US" sz="2800" dirty="0" err="1" smtClean="0">
+                <a:latin typeface="Times New Roman" panose="02020603050405020304" pitchFamily="18" charset="0"/>
+                <a:cs typeface="Times New Roman" panose="02020603050405020304" pitchFamily="18" charset="0"/>
+              </a:rPr>
+              <a:t>để</a:t>
+            </a:r>
+            <a:r>
+              <a:rPr lang="en-US" sz="2800" dirty="0" smtClean="0">
+                <a:latin typeface="Times New Roman" panose="02020603050405020304" pitchFamily="18" charset="0"/>
+                <a:cs typeface="Times New Roman" panose="02020603050405020304" pitchFamily="18" charset="0"/>
+              </a:rPr>
+              <a:t> </a:t>
+            </a:r>
+            <a:r>
+              <a:rPr lang="en-US" sz="2800" dirty="0" err="1" smtClean="0">
+                <a:latin typeface="Times New Roman" panose="02020603050405020304" pitchFamily="18" charset="0"/>
+                <a:cs typeface="Times New Roman" panose="02020603050405020304" pitchFamily="18" charset="0"/>
+              </a:rPr>
+              <a:t>giao</a:t>
+            </a:r>
+            <a:r>
+              <a:rPr lang="en-US" sz="2800" dirty="0" smtClean="0">
+                <a:latin typeface="Times New Roman" panose="02020603050405020304" pitchFamily="18" charset="0"/>
+                <a:cs typeface="Times New Roman" panose="02020603050405020304" pitchFamily="18" charset="0"/>
+              </a:rPr>
+              <a:t> </a:t>
+            </a:r>
+            <a:r>
+              <a:rPr lang="en-US" sz="2800" dirty="0" err="1" smtClean="0">
+                <a:latin typeface="Times New Roman" panose="02020603050405020304" pitchFamily="18" charset="0"/>
+                <a:cs typeface="Times New Roman" panose="02020603050405020304" pitchFamily="18" charset="0"/>
+              </a:rPr>
+              <a:t>tiếp</a:t>
+            </a:r>
+            <a:r>
+              <a:rPr lang="en-US" sz="2800" dirty="0" smtClean="0">
+                <a:latin typeface="Times New Roman" panose="02020603050405020304" pitchFamily="18" charset="0"/>
+                <a:cs typeface="Times New Roman" panose="02020603050405020304" pitchFamily="18" charset="0"/>
+              </a:rPr>
+              <a:t> </a:t>
+            </a:r>
+            <a:r>
+              <a:rPr lang="en-US" sz="2800" dirty="0" err="1" smtClean="0">
+                <a:latin typeface="Times New Roman" panose="02020603050405020304" pitchFamily="18" charset="0"/>
+                <a:cs typeface="Times New Roman" panose="02020603050405020304" pitchFamily="18" charset="0"/>
+              </a:rPr>
+              <a:t>giữa</a:t>
+            </a:r>
+            <a:r>
+              <a:rPr lang="en-US" sz="2800" dirty="0" smtClean="0">
+                <a:latin typeface="Times New Roman" panose="02020603050405020304" pitchFamily="18" charset="0"/>
+                <a:cs typeface="Times New Roman" panose="02020603050405020304" pitchFamily="18" charset="0"/>
+              </a:rPr>
+              <a:t> JMS Clients </a:t>
+            </a:r>
+            <a:r>
+              <a:rPr lang="en-US" sz="2800" dirty="0" err="1" smtClean="0">
+                <a:latin typeface="Times New Roman" panose="02020603050405020304" pitchFamily="18" charset="0"/>
+                <a:cs typeface="Times New Roman" panose="02020603050405020304" pitchFamily="18" charset="0"/>
+              </a:rPr>
+              <a:t>và</a:t>
+            </a:r>
+            <a:r>
+              <a:rPr lang="en-US" sz="2800" dirty="0" smtClean="0">
+                <a:latin typeface="Times New Roman" panose="02020603050405020304" pitchFamily="18" charset="0"/>
+                <a:cs typeface="Times New Roman" panose="02020603050405020304" pitchFamily="18" charset="0"/>
+              </a:rPr>
+              <a:t> Providers.</a:t>
+            </a:r>
+            <a:endParaRPr lang="en-US" sz="2800" dirty="0" smtClean="0">
               <a:latin typeface="Times New Roman" panose="02020603050405020304" pitchFamily="18" charset="0"/>
               <a:cs typeface="Times New Roman" panose="02020603050405020304" pitchFamily="18" charset="0"/>
             </a:endParaRPr>
           </a:p>
           <a:p>
-            <a:endParaRPr lang="en-US" dirty="0"/>
+            <a:pPr marL="0" indent="0">
+              <a:buNone/>
+            </a:pPr>
+            <a:r>
+              <a:rPr lang="en-US" sz="2800" dirty="0" smtClean="0">
+                <a:latin typeface="Times New Roman" panose="02020603050405020304" pitchFamily="18" charset="0"/>
+                <a:cs typeface="Times New Roman" panose="02020603050405020304" pitchFamily="18" charset="0"/>
+              </a:rPr>
+              <a:t>- </a:t>
+            </a:r>
+            <a:r>
+              <a:rPr lang="en-US" sz="2800" dirty="0" smtClean="0">
+                <a:latin typeface="Times New Roman" panose="02020603050405020304" pitchFamily="18" charset="0"/>
+                <a:cs typeface="Times New Roman" panose="02020603050405020304" pitchFamily="18" charset="0"/>
+              </a:rPr>
+              <a:t>Administered </a:t>
+            </a:r>
+            <a:r>
+              <a:rPr lang="en-US" sz="2800" dirty="0" smtClean="0">
+                <a:latin typeface="Times New Roman" panose="02020603050405020304" pitchFamily="18" charset="0"/>
+                <a:cs typeface="Times New Roman" panose="02020603050405020304" pitchFamily="18" charset="0"/>
+              </a:rPr>
+              <a:t>objects: là các đối tượng được cấu hình sẵn và được tạo ra bởi người quản trị để đáp ứng nhu cầu sử dụng của JMS </a:t>
+            </a:r>
+            <a:r>
+              <a:rPr lang="en-US" sz="2800" dirty="0" smtClean="0">
+                <a:latin typeface="Times New Roman" panose="02020603050405020304" pitchFamily="18" charset="0"/>
+                <a:cs typeface="Times New Roman" panose="02020603050405020304" pitchFamily="18" charset="0"/>
+              </a:rPr>
+              <a:t>clients</a:t>
+            </a:r>
+            <a:r>
+              <a:rPr lang="en-US" sz="2800" dirty="0" smtClean="0">
+                <a:latin typeface="Times New Roman" panose="02020603050405020304" pitchFamily="18" charset="0"/>
+                <a:cs typeface="Times New Roman" panose="02020603050405020304" pitchFamily="18" charset="0"/>
+              </a:rPr>
+              <a:t>, </a:t>
+            </a:r>
+            <a:r>
+              <a:rPr lang="en-US" sz="2800" dirty="0" err="1" smtClean="0">
+                <a:latin typeface="Times New Roman" panose="02020603050405020304" pitchFamily="18" charset="0"/>
+                <a:cs typeface="Times New Roman" panose="02020603050405020304" pitchFamily="18" charset="0"/>
+              </a:rPr>
+              <a:t>gồm</a:t>
+            </a:r>
+            <a:r>
+              <a:rPr lang="en-US" sz="2800" dirty="0" smtClean="0">
+                <a:latin typeface="Times New Roman" panose="02020603050405020304" pitchFamily="18" charset="0"/>
+                <a:cs typeface="Times New Roman" panose="02020603050405020304" pitchFamily="18" charset="0"/>
+              </a:rPr>
+              <a:t> 2 </a:t>
+            </a:r>
+            <a:r>
+              <a:rPr lang="en-US" sz="2800" dirty="0" err="1" smtClean="0">
+                <a:latin typeface="Times New Roman" panose="02020603050405020304" pitchFamily="18" charset="0"/>
+                <a:cs typeface="Times New Roman" panose="02020603050405020304" pitchFamily="18" charset="0"/>
+              </a:rPr>
+              <a:t>loại</a:t>
+            </a:r>
+            <a:r>
+              <a:rPr lang="en-US" sz="2800" dirty="0" smtClean="0">
+                <a:latin typeface="Times New Roman" panose="02020603050405020304" pitchFamily="18" charset="0"/>
+                <a:cs typeface="Times New Roman" panose="02020603050405020304" pitchFamily="18" charset="0"/>
+              </a:rPr>
+              <a:t> Connection Factory </a:t>
+            </a:r>
+            <a:r>
+              <a:rPr lang="en-US" sz="2800" dirty="0" err="1" smtClean="0">
+                <a:latin typeface="Times New Roman" panose="02020603050405020304" pitchFamily="18" charset="0"/>
+                <a:cs typeface="Times New Roman" panose="02020603050405020304" pitchFamily="18" charset="0"/>
+              </a:rPr>
+              <a:t>và</a:t>
+            </a:r>
+            <a:r>
+              <a:rPr lang="en-US" sz="2800" dirty="0" smtClean="0">
+                <a:latin typeface="Times New Roman" panose="02020603050405020304" pitchFamily="18" charset="0"/>
+                <a:cs typeface="Times New Roman" panose="02020603050405020304" pitchFamily="18" charset="0"/>
+              </a:rPr>
+              <a:t> Destination.</a:t>
+            </a:r>
+            <a:endParaRPr lang="en-US" sz="2800" dirty="0">
+              <a:latin typeface="Times New Roman" panose="02020603050405020304" pitchFamily="18" charset="0"/>
+              <a:cs typeface="Times New Roman" panose="02020603050405020304" pitchFamily="18" charset="0"/>
+            </a:endParaRPr>
           </a:p>
         </p:txBody>
       </p:sp>
       <p:pic>
         <p:nvPicPr>
-          <p:cNvPr id="5" name="Picture 4"/>
+          <p:cNvPr id="2" name="Picture 1"/>
           <p:cNvPicPr>
             <a:picLocks noChangeAspect="1"/>
           </p:cNvPicPr>
           <p:nvPr/>
         </p:nvPicPr>
-        <p:blipFill rotWithShape="1">
-          <a:blip r:embed="rId2"/>
-          <a:srcRect l="31761" t="27232" r="37517" b="35982"/>
-          <a:stretch/>
+        <p:blipFill>
+          <a:blip r:embed="rId2">
+            <a:extLst>
+              <a:ext uri="{28A0092B-C50C-407E-A947-70E740481C1C}">
+                <a14:useLocalDpi xmlns:a14="http://schemas.microsoft.com/office/drawing/2010/main" val="0"/>
+              </a:ext>
+            </a:extLst>
+          </a:blip>
+          <a:stretch>
+            <a:fillRect/>
+          </a:stretch>
         </p:blipFill>
         <p:spPr>
           <a:xfrm>
-            <a:off x="1847045" y="2403566"/>
-            <a:ext cx="5918236" cy="3984171"/>
+            <a:off x="274322" y="1894114"/>
+            <a:ext cx="11443062" cy="4963885"/>
           </a:xfrm>
           <a:prstGeom prst="rect">
             <a:avLst/>
@@ -7027,17 +13020,1278 @@
     </p:spTree>
     <p:extLst>
       <p:ext uri="{BB962C8B-B14F-4D97-AF65-F5344CB8AC3E}">
-        <p14:creationId xmlns:p14="http://schemas.microsoft.com/office/powerpoint/2010/main" val="2278125427"/>
+        <p14:creationId xmlns:p14="http://schemas.microsoft.com/office/powerpoint/2010/main" val="1232588852"/>
       </p:ext>
     </p:extLst>
   </p:cSld>
   <p:clrMapOvr>
     <a:masterClrMapping/>
   </p:clrMapOvr>
+  <p:timing>
+    <p:tnLst>
+      <p:par>
+        <p:cTn id="1" dur="indefinite" restart="never" nodeType="tmRoot">
+          <p:childTnLst>
+            <p:seq concurrent="1" nextAc="seek">
+              <p:cTn id="2" dur="indefinite" nodeType="mainSeq">
+                <p:childTnLst>
+                  <p:par>
+                    <p:cTn id="3" fill="hold">
+                      <p:stCondLst>
+                        <p:cond delay="indefinite"/>
+                      </p:stCondLst>
+                      <p:childTnLst>
+                        <p:par>
+                          <p:cTn id="4" fill="hold">
+                            <p:stCondLst>
+                              <p:cond delay="0"/>
+                            </p:stCondLst>
+                            <p:childTnLst>
+                              <p:par>
+                                <p:cTn id="5" presetID="2" presetClass="entr" presetSubtype="4" fill="hold" nodeType="clickEffect">
+                                  <p:stCondLst>
+                                    <p:cond delay="0"/>
+                                  </p:stCondLst>
+                                  <p:childTnLst>
+                                    <p:set>
+                                      <p:cBhvr>
+                                        <p:cTn id="6" dur="1" fill="hold">
+                                          <p:stCondLst>
+                                            <p:cond delay="0"/>
+                                          </p:stCondLst>
+                                        </p:cTn>
+                                        <p:tgtEl>
+                                          <p:spTgt spid="3">
+                                            <p:txEl>
+                                              <p:pRg st="0" end="0"/>
+                                            </p:txEl>
+                                          </p:spTgt>
+                                        </p:tgtEl>
+                                        <p:attrNameLst>
+                                          <p:attrName>style.visibility</p:attrName>
+                                        </p:attrNameLst>
+                                      </p:cBhvr>
+                                      <p:to>
+                                        <p:strVal val="visible"/>
+                                      </p:to>
+                                    </p:set>
+                                    <p:anim calcmode="lin" valueType="num">
+                                      <p:cBhvr additive="base">
+                                        <p:cTn id="7" dur="500" fill="hold"/>
+                                        <p:tgtEl>
+                                          <p:spTgt spid="3">
+                                            <p:txEl>
+                                              <p:pRg st="0" end="0"/>
+                                            </p:txEl>
+                                          </p:spTgt>
+                                        </p:tgtEl>
+                                        <p:attrNameLst>
+                                          <p:attrName>ppt_x</p:attrName>
+                                        </p:attrNameLst>
+                                      </p:cBhvr>
+                                      <p:tavLst>
+                                        <p:tav tm="0">
+                                          <p:val>
+                                            <p:strVal val="#ppt_x"/>
+                                          </p:val>
+                                        </p:tav>
+                                        <p:tav tm="100000">
+                                          <p:val>
+                                            <p:strVal val="#ppt_x"/>
+                                          </p:val>
+                                        </p:tav>
+                                      </p:tavLst>
+                                    </p:anim>
+                                    <p:anim calcmode="lin" valueType="num">
+                                      <p:cBhvr additive="base">
+                                        <p:cTn id="8" dur="500" fill="hold"/>
+                                        <p:tgtEl>
+                                          <p:spTgt spid="3">
+                                            <p:txEl>
+                                              <p:pRg st="0" end="0"/>
+                                            </p:txEl>
+                                          </p:spTgt>
+                                        </p:tgtEl>
+                                        <p:attrNameLst>
+                                          <p:attrName>ppt_y</p:attrName>
+                                        </p:attrNameLst>
+                                      </p:cBhvr>
+                                      <p:tavLst>
+                                        <p:tav tm="0">
+                                          <p:val>
+                                            <p:strVal val="1+#ppt_h/2"/>
+                                          </p:val>
+                                        </p:tav>
+                                        <p:tav tm="100000">
+                                          <p:val>
+                                            <p:strVal val="#ppt_y"/>
+                                          </p:val>
+                                        </p:tav>
+                                      </p:tavLst>
+                                    </p:anim>
+                                  </p:childTnLst>
+                                </p:cTn>
+                              </p:par>
+                            </p:childTnLst>
+                          </p:cTn>
+                        </p:par>
+                      </p:childTnLst>
+                    </p:cTn>
+                  </p:par>
+                  <p:par>
+                    <p:cTn id="9" fill="hold">
+                      <p:stCondLst>
+                        <p:cond delay="indefinite"/>
+                      </p:stCondLst>
+                      <p:childTnLst>
+                        <p:par>
+                          <p:cTn id="10" fill="hold">
+                            <p:stCondLst>
+                              <p:cond delay="0"/>
+                            </p:stCondLst>
+                            <p:childTnLst>
+                              <p:par>
+                                <p:cTn id="11" presetID="2" presetClass="entr" presetSubtype="4" fill="hold" nodeType="clickEffect">
+                                  <p:stCondLst>
+                                    <p:cond delay="0"/>
+                                  </p:stCondLst>
+                                  <p:childTnLst>
+                                    <p:set>
+                                      <p:cBhvr>
+                                        <p:cTn id="12" dur="1" fill="hold">
+                                          <p:stCondLst>
+                                            <p:cond delay="0"/>
+                                          </p:stCondLst>
+                                        </p:cTn>
+                                        <p:tgtEl>
+                                          <p:spTgt spid="3">
+                                            <p:txEl>
+                                              <p:pRg st="1" end="1"/>
+                                            </p:txEl>
+                                          </p:spTgt>
+                                        </p:tgtEl>
+                                        <p:attrNameLst>
+                                          <p:attrName>style.visibility</p:attrName>
+                                        </p:attrNameLst>
+                                      </p:cBhvr>
+                                      <p:to>
+                                        <p:strVal val="visible"/>
+                                      </p:to>
+                                    </p:set>
+                                    <p:anim calcmode="lin" valueType="num">
+                                      <p:cBhvr additive="base">
+                                        <p:cTn id="13" dur="500" fill="hold"/>
+                                        <p:tgtEl>
+                                          <p:spTgt spid="3">
+                                            <p:txEl>
+                                              <p:pRg st="1" end="1"/>
+                                            </p:txEl>
+                                          </p:spTgt>
+                                        </p:tgtEl>
+                                        <p:attrNameLst>
+                                          <p:attrName>ppt_x</p:attrName>
+                                        </p:attrNameLst>
+                                      </p:cBhvr>
+                                      <p:tavLst>
+                                        <p:tav tm="0">
+                                          <p:val>
+                                            <p:strVal val="#ppt_x"/>
+                                          </p:val>
+                                        </p:tav>
+                                        <p:tav tm="100000">
+                                          <p:val>
+                                            <p:strVal val="#ppt_x"/>
+                                          </p:val>
+                                        </p:tav>
+                                      </p:tavLst>
+                                    </p:anim>
+                                    <p:anim calcmode="lin" valueType="num">
+                                      <p:cBhvr additive="base">
+                                        <p:cTn id="14" dur="500" fill="hold"/>
+                                        <p:tgtEl>
+                                          <p:spTgt spid="3">
+                                            <p:txEl>
+                                              <p:pRg st="1" end="1"/>
+                                            </p:txEl>
+                                          </p:spTgt>
+                                        </p:tgtEl>
+                                        <p:attrNameLst>
+                                          <p:attrName>ppt_y</p:attrName>
+                                        </p:attrNameLst>
+                                      </p:cBhvr>
+                                      <p:tavLst>
+                                        <p:tav tm="0">
+                                          <p:val>
+                                            <p:strVal val="1+#ppt_h/2"/>
+                                          </p:val>
+                                        </p:tav>
+                                        <p:tav tm="100000">
+                                          <p:val>
+                                            <p:strVal val="#ppt_y"/>
+                                          </p:val>
+                                        </p:tav>
+                                      </p:tavLst>
+                                    </p:anim>
+                                  </p:childTnLst>
+                                </p:cTn>
+                              </p:par>
+                            </p:childTnLst>
+                          </p:cTn>
+                        </p:par>
+                      </p:childTnLst>
+                    </p:cTn>
+                  </p:par>
+                  <p:par>
+                    <p:cTn id="15" fill="hold">
+                      <p:stCondLst>
+                        <p:cond delay="indefinite"/>
+                      </p:stCondLst>
+                      <p:childTnLst>
+                        <p:par>
+                          <p:cTn id="16" fill="hold">
+                            <p:stCondLst>
+                              <p:cond delay="0"/>
+                            </p:stCondLst>
+                            <p:childTnLst>
+                              <p:par>
+                                <p:cTn id="17" presetID="2" presetClass="entr" presetSubtype="4" fill="hold" nodeType="clickEffect">
+                                  <p:stCondLst>
+                                    <p:cond delay="0"/>
+                                  </p:stCondLst>
+                                  <p:childTnLst>
+                                    <p:set>
+                                      <p:cBhvr>
+                                        <p:cTn id="18" dur="1" fill="hold">
+                                          <p:stCondLst>
+                                            <p:cond delay="0"/>
+                                          </p:stCondLst>
+                                        </p:cTn>
+                                        <p:tgtEl>
+                                          <p:spTgt spid="2"/>
+                                        </p:tgtEl>
+                                        <p:attrNameLst>
+                                          <p:attrName>style.visibility</p:attrName>
+                                        </p:attrNameLst>
+                                      </p:cBhvr>
+                                      <p:to>
+                                        <p:strVal val="visible"/>
+                                      </p:to>
+                                    </p:set>
+                                    <p:anim calcmode="lin" valueType="num">
+                                      <p:cBhvr additive="base">
+                                        <p:cTn id="19" dur="500" fill="hold"/>
+                                        <p:tgtEl>
+                                          <p:spTgt spid="2"/>
+                                        </p:tgtEl>
+                                        <p:attrNameLst>
+                                          <p:attrName>ppt_x</p:attrName>
+                                        </p:attrNameLst>
+                                      </p:cBhvr>
+                                      <p:tavLst>
+                                        <p:tav tm="0">
+                                          <p:val>
+                                            <p:strVal val="#ppt_x"/>
+                                          </p:val>
+                                        </p:tav>
+                                        <p:tav tm="100000">
+                                          <p:val>
+                                            <p:strVal val="#ppt_x"/>
+                                          </p:val>
+                                        </p:tav>
+                                      </p:tavLst>
+                                    </p:anim>
+                                    <p:anim calcmode="lin" valueType="num">
+                                      <p:cBhvr additive="base">
+                                        <p:cTn id="20" dur="500" fill="hold"/>
+                                        <p:tgtEl>
+                                          <p:spTgt spid="2"/>
+                                        </p:tgtEl>
+                                        <p:attrNameLst>
+                                          <p:attrName>ppt_y</p:attrName>
+                                        </p:attrNameLst>
+                                      </p:cBhvr>
+                                      <p:tavLst>
+                                        <p:tav tm="0">
+                                          <p:val>
+                                            <p:strVal val="1+#ppt_h/2"/>
+                                          </p:val>
+                                        </p:tav>
+                                        <p:tav tm="100000">
+                                          <p:val>
+                                            <p:strVal val="#ppt_y"/>
+                                          </p:val>
+                                        </p:tav>
+                                      </p:tavLst>
+                                    </p:anim>
+                                  </p:childTnLst>
+                                </p:cTn>
+                              </p:par>
+                            </p:childTnLst>
+                          </p:cTn>
+                        </p:par>
+                      </p:childTnLst>
+                    </p:cTn>
+                  </p:par>
+                </p:childTnLst>
+              </p:cTn>
+              <p:prevCondLst>
+                <p:cond evt="onPrev" delay="0">
+                  <p:tgtEl>
+                    <p:sldTgt/>
+                  </p:tgtEl>
+                </p:cond>
+              </p:prevCondLst>
+              <p:nextCondLst>
+                <p:cond evt="onNext" delay="0">
+                  <p:tgtEl>
+                    <p:sldTgt/>
+                  </p:tgtEl>
+                </p:cond>
+              </p:nextCondLst>
+            </p:seq>
+          </p:childTnLst>
+        </p:cTn>
+      </p:par>
+    </p:tnLst>
+  </p:timing>
 </p:sld>
 </file>
 
 <file path=ppt/slides/slide8.xml><?xml version="1.0" encoding="utf-8"?>
+<p:sld xmlns:a="http://schemas.openxmlformats.org/drawingml/2006/main" xmlns:r="http://schemas.openxmlformats.org/officeDocument/2006/relationships" xmlns:p="http://schemas.openxmlformats.org/presentationml/2006/main">
+  <p:cSld>
+    <p:spTree>
+      <p:nvGrpSpPr>
+        <p:cNvPr id="1" name=""/>
+        <p:cNvGrpSpPr/>
+        <p:nvPr/>
+      </p:nvGrpSpPr>
+      <p:grpSpPr>
+        <a:xfrm>
+          <a:off x="0" y="0"/>
+          <a:ext cx="0" cy="0"/>
+          <a:chOff x="0" y="0"/>
+          <a:chExt cx="0" cy="0"/>
+        </a:xfrm>
+      </p:grpSpPr>
+      <p:pic>
+        <p:nvPicPr>
+          <p:cNvPr id="4" name="Content Placeholder 3"/>
+          <p:cNvPicPr>
+            <a:picLocks noGrp="1" noChangeAspect="1"/>
+          </p:cNvPicPr>
+          <p:nvPr>
+            <p:ph idx="1"/>
+          </p:nvPr>
+        </p:nvPicPr>
+        <p:blipFill>
+          <a:blip r:embed="rId2">
+            <a:extLst>
+              <a:ext uri="{28A0092B-C50C-407E-A947-70E740481C1C}">
+                <a14:useLocalDpi xmlns:a14="http://schemas.microsoft.com/office/drawing/2010/main" val="0"/>
+              </a:ext>
+            </a:extLst>
+          </a:blip>
+          <a:stretch>
+            <a:fillRect/>
+          </a:stretch>
+        </p:blipFill>
+        <p:spPr>
+          <a:xfrm>
+            <a:off x="5692140" y="182880"/>
+            <a:ext cx="6499860" cy="6377940"/>
+          </a:xfrm>
+        </p:spPr>
+      </p:pic>
+      <p:sp>
+        <p:nvSpPr>
+          <p:cNvPr id="5" name="TextBox 4"/>
+          <p:cNvSpPr txBox="1"/>
+          <p:nvPr/>
+        </p:nvSpPr>
+        <p:spPr>
+          <a:xfrm>
+            <a:off x="274320" y="182880"/>
+            <a:ext cx="6217920" cy="6494085"/>
+          </a:xfrm>
+          <a:prstGeom prst="rect">
+            <a:avLst/>
+          </a:prstGeom>
+          <a:noFill/>
+        </p:spPr>
+        <p:txBody>
+          <a:bodyPr wrap="square" rtlCol="0">
+            <a:spAutoFit/>
+          </a:bodyPr>
+          <a:lstStyle/>
+          <a:p>
+            <a:r>
+              <a:rPr lang="en-US" sz="2600" b="1" dirty="0" err="1" smtClean="0">
+                <a:latin typeface="Times New Roman" panose="02020603050405020304" pitchFamily="18" charset="0"/>
+                <a:cs typeface="Times New Roman" panose="02020603050405020304" pitchFamily="18" charset="0"/>
+              </a:rPr>
+              <a:t>Mô</a:t>
+            </a:r>
+            <a:r>
+              <a:rPr lang="en-US" sz="2600" b="1" dirty="0" smtClean="0">
+                <a:latin typeface="Times New Roman" panose="02020603050405020304" pitchFamily="18" charset="0"/>
+                <a:cs typeface="Times New Roman" panose="02020603050405020304" pitchFamily="18" charset="0"/>
+              </a:rPr>
+              <a:t> </a:t>
+            </a:r>
+            <a:r>
+              <a:rPr lang="en-US" sz="2600" b="1" dirty="0" err="1" smtClean="0">
+                <a:latin typeface="Times New Roman" panose="02020603050405020304" pitchFamily="18" charset="0"/>
+                <a:cs typeface="Times New Roman" panose="02020603050405020304" pitchFamily="18" charset="0"/>
+              </a:rPr>
+              <a:t>hình</a:t>
+            </a:r>
+            <a:r>
+              <a:rPr lang="en-US" sz="2600" b="1" dirty="0" smtClean="0">
+                <a:latin typeface="Times New Roman" panose="02020603050405020304" pitchFamily="18" charset="0"/>
+                <a:cs typeface="Times New Roman" panose="02020603050405020304" pitchFamily="18" charset="0"/>
+              </a:rPr>
+              <a:t> JMS:</a:t>
+            </a:r>
+          </a:p>
+          <a:p>
+            <a:pPr marL="285750" indent="-285750">
+              <a:buFont typeface="Wingdings" panose="05000000000000000000" pitchFamily="2" charset="2"/>
+              <a:buChar char="Ø"/>
+            </a:pPr>
+            <a:r>
+              <a:rPr lang="vi-VN" sz="2600" dirty="0" smtClean="0">
+                <a:latin typeface="Times New Roman" panose="02020603050405020304" pitchFamily="18" charset="0"/>
+                <a:cs typeface="Times New Roman" panose="02020603050405020304" pitchFamily="18" charset="0"/>
+              </a:rPr>
+              <a:t>Connection </a:t>
+            </a:r>
+            <a:r>
+              <a:rPr lang="vi-VN" sz="2600" dirty="0">
+                <a:latin typeface="Times New Roman" panose="02020603050405020304" pitchFamily="18" charset="0"/>
+                <a:cs typeface="Times New Roman" panose="02020603050405020304" pitchFamily="18" charset="0"/>
+              </a:rPr>
+              <a:t>factory: nơi đưa ra kết nối trên server đến chỗ lưu trữ message để từ đó có thể gửi và nhận </a:t>
+            </a:r>
+            <a:r>
+              <a:rPr lang="vi-VN" sz="2600" dirty="0" smtClean="0">
+                <a:latin typeface="Times New Roman" panose="02020603050405020304" pitchFamily="18" charset="0"/>
+                <a:cs typeface="Times New Roman" panose="02020603050405020304" pitchFamily="18" charset="0"/>
+              </a:rPr>
+              <a:t>message</a:t>
+            </a:r>
+            <a:r>
+              <a:rPr lang="en-US" sz="2600" dirty="0" smtClean="0">
+                <a:latin typeface="Times New Roman" panose="02020603050405020304" pitchFamily="18" charset="0"/>
+                <a:cs typeface="Times New Roman" panose="02020603050405020304" pitchFamily="18" charset="0"/>
+              </a:rPr>
+              <a:t>.</a:t>
+            </a:r>
+          </a:p>
+          <a:p>
+            <a:pPr marL="285750" indent="-285750">
+              <a:buFont typeface="Wingdings" panose="05000000000000000000" pitchFamily="2" charset="2"/>
+              <a:buChar char="Ø"/>
+            </a:pPr>
+            <a:r>
+              <a:rPr lang="vi-VN" sz="2600" dirty="0">
+                <a:latin typeface="Times New Roman" panose="02020603050405020304" pitchFamily="18" charset="0"/>
+                <a:cs typeface="Times New Roman" panose="02020603050405020304" pitchFamily="18" charset="0"/>
+              </a:rPr>
+              <a:t>Connection: thể hiện một kết nối TCP/IP để thực hiện kết nối giữa client và người tạo ra lưu trữ message đó là </a:t>
+            </a:r>
+            <a:r>
+              <a:rPr lang="vi-VN" sz="2600" dirty="0" smtClean="0">
+                <a:latin typeface="Times New Roman" panose="02020603050405020304" pitchFamily="18" charset="0"/>
+                <a:cs typeface="Times New Roman" panose="02020603050405020304" pitchFamily="18" charset="0"/>
+              </a:rPr>
+              <a:t>provider</a:t>
+            </a:r>
+            <a:r>
+              <a:rPr lang="en-US" sz="2600" dirty="0" smtClean="0">
+                <a:latin typeface="Times New Roman" panose="02020603050405020304" pitchFamily="18" charset="0"/>
+                <a:cs typeface="Times New Roman" panose="02020603050405020304" pitchFamily="18" charset="0"/>
+              </a:rPr>
+              <a:t>.</a:t>
+            </a:r>
+          </a:p>
+          <a:p>
+            <a:pPr marL="285750" indent="-285750">
+              <a:buFont typeface="Wingdings" panose="05000000000000000000" pitchFamily="2" charset="2"/>
+              <a:buChar char="Ø"/>
+            </a:pPr>
+            <a:r>
+              <a:rPr lang="vi-VN" sz="2600" dirty="0">
+                <a:latin typeface="Times New Roman" panose="02020603050405020304" pitchFamily="18" charset="0"/>
+                <a:cs typeface="Times New Roman" panose="02020603050405020304" pitchFamily="18" charset="0"/>
+              </a:rPr>
+              <a:t>Session: một thread hỗ trợ tương tác cho việc gửi nhận </a:t>
+            </a:r>
+            <a:r>
+              <a:rPr lang="vi-VN" sz="2600" dirty="0" smtClean="0">
+                <a:latin typeface="Times New Roman" panose="02020603050405020304" pitchFamily="18" charset="0"/>
+                <a:cs typeface="Times New Roman" panose="02020603050405020304" pitchFamily="18" charset="0"/>
+              </a:rPr>
+              <a:t>message</a:t>
+            </a:r>
+            <a:r>
+              <a:rPr lang="en-US" sz="2600" dirty="0" smtClean="0">
+                <a:latin typeface="Times New Roman" panose="02020603050405020304" pitchFamily="18" charset="0"/>
+                <a:cs typeface="Times New Roman" panose="02020603050405020304" pitchFamily="18" charset="0"/>
+              </a:rPr>
+              <a:t>.</a:t>
+            </a:r>
+          </a:p>
+          <a:p>
+            <a:pPr marL="285750" indent="-285750">
+              <a:buFont typeface="Wingdings" panose="05000000000000000000" pitchFamily="2" charset="2"/>
+              <a:buChar char="Ø"/>
+            </a:pPr>
+            <a:r>
+              <a:rPr lang="vi-VN" sz="2600" dirty="0">
+                <a:latin typeface="Times New Roman" panose="02020603050405020304" pitchFamily="18" charset="0"/>
+                <a:cs typeface="Times New Roman" panose="02020603050405020304" pitchFamily="18" charset="0"/>
+              </a:rPr>
+              <a:t>Message Producer: được tạo từ session được dùng để gửi message lên </a:t>
+            </a:r>
+            <a:r>
+              <a:rPr lang="vi-VN" sz="2600" dirty="0" smtClean="0">
+                <a:latin typeface="Times New Roman" panose="02020603050405020304" pitchFamily="18" charset="0"/>
+                <a:cs typeface="Times New Roman" panose="02020603050405020304" pitchFamily="18" charset="0"/>
+              </a:rPr>
+              <a:t>destination</a:t>
+            </a:r>
+            <a:r>
+              <a:rPr lang="en-US" sz="2600" dirty="0" smtClean="0">
+                <a:latin typeface="Times New Roman" panose="02020603050405020304" pitchFamily="18" charset="0"/>
+                <a:cs typeface="Times New Roman" panose="02020603050405020304" pitchFamily="18" charset="0"/>
+              </a:rPr>
+              <a:t>.</a:t>
+            </a:r>
+          </a:p>
+          <a:p>
+            <a:pPr marL="285750" indent="-285750">
+              <a:buFont typeface="Wingdings" panose="05000000000000000000" pitchFamily="2" charset="2"/>
+              <a:buChar char="Ø"/>
+            </a:pPr>
+            <a:r>
+              <a:rPr lang="vi-VN" sz="2600" dirty="0">
+                <a:latin typeface="Times New Roman" panose="02020603050405020304" pitchFamily="18" charset="0"/>
+                <a:cs typeface="Times New Roman" panose="02020603050405020304" pitchFamily="18" charset="0"/>
+              </a:rPr>
+              <a:t>Message Consumer: được tạo từ session được dùng để nhận message từ </a:t>
+            </a:r>
+            <a:r>
+              <a:rPr lang="vi-VN" sz="2600" dirty="0" smtClean="0">
+                <a:latin typeface="Times New Roman" panose="02020603050405020304" pitchFamily="18" charset="0"/>
+                <a:cs typeface="Times New Roman" panose="02020603050405020304" pitchFamily="18" charset="0"/>
+              </a:rPr>
+              <a:t>destination</a:t>
+            </a:r>
+            <a:r>
+              <a:rPr lang="en-US" sz="2600" dirty="0" smtClean="0">
+                <a:latin typeface="Times New Roman" panose="02020603050405020304" pitchFamily="18" charset="0"/>
+                <a:cs typeface="Times New Roman" panose="02020603050405020304" pitchFamily="18" charset="0"/>
+              </a:rPr>
+              <a:t>.</a:t>
+            </a:r>
+          </a:p>
+          <a:p>
+            <a:pPr marL="285750" indent="-285750">
+              <a:buFont typeface="Wingdings" panose="05000000000000000000" pitchFamily="2" charset="2"/>
+              <a:buChar char="Ø"/>
+            </a:pPr>
+            <a:r>
+              <a:rPr lang="vi-VN" sz="2600" dirty="0">
+                <a:latin typeface="Times New Roman" panose="02020603050405020304" pitchFamily="18" charset="0"/>
+                <a:cs typeface="Times New Roman" panose="02020603050405020304" pitchFamily="18" charset="0"/>
+              </a:rPr>
+              <a:t>Destination: nơi tiếp nhận, lưu trữ message và là nơi để các chương trình ứng dụng truy cập </a:t>
+            </a:r>
+            <a:r>
+              <a:rPr lang="vi-VN" sz="2600" dirty="0" smtClean="0">
+                <a:latin typeface="Times New Roman" panose="02020603050405020304" pitchFamily="18" charset="0"/>
+                <a:cs typeface="Times New Roman" panose="02020603050405020304" pitchFamily="18" charset="0"/>
+              </a:rPr>
+              <a:t>tới</a:t>
+            </a:r>
+            <a:r>
+              <a:rPr lang="en-US" sz="2600" dirty="0" smtClean="0">
+                <a:latin typeface="Times New Roman" panose="02020603050405020304" pitchFamily="18" charset="0"/>
+                <a:cs typeface="Times New Roman" panose="02020603050405020304" pitchFamily="18" charset="0"/>
+              </a:rPr>
+              <a:t>.</a:t>
+            </a:r>
+            <a:endParaRPr lang="en-US" sz="2600" dirty="0">
+              <a:latin typeface="Times New Roman" panose="02020603050405020304" pitchFamily="18" charset="0"/>
+              <a:cs typeface="Times New Roman" panose="02020603050405020304" pitchFamily="18" charset="0"/>
+            </a:endParaRPr>
+          </a:p>
+        </p:txBody>
+      </p:sp>
+    </p:spTree>
+    <p:extLst>
+      <p:ext uri="{BB962C8B-B14F-4D97-AF65-F5344CB8AC3E}">
+        <p14:creationId xmlns:p14="http://schemas.microsoft.com/office/powerpoint/2010/main" val="2241910348"/>
+      </p:ext>
+    </p:extLst>
+  </p:cSld>
+  <p:clrMapOvr>
+    <a:masterClrMapping/>
+  </p:clrMapOvr>
+  <p:timing>
+    <p:tnLst>
+      <p:par>
+        <p:cTn id="1" dur="indefinite" restart="never" nodeType="tmRoot">
+          <p:childTnLst>
+            <p:seq concurrent="1" nextAc="seek">
+              <p:cTn id="2" dur="indefinite" nodeType="mainSeq">
+                <p:childTnLst>
+                  <p:par>
+                    <p:cTn id="3" fill="hold">
+                      <p:stCondLst>
+                        <p:cond delay="indefinite"/>
+                      </p:stCondLst>
+                      <p:childTnLst>
+                        <p:par>
+                          <p:cTn id="4" fill="hold">
+                            <p:stCondLst>
+                              <p:cond delay="0"/>
+                            </p:stCondLst>
+                            <p:childTnLst>
+                              <p:par>
+                                <p:cTn id="5" presetID="2" presetClass="entr" presetSubtype="4" fill="hold" nodeType="clickEffect">
+                                  <p:stCondLst>
+                                    <p:cond delay="0"/>
+                                  </p:stCondLst>
+                                  <p:childTnLst>
+                                    <p:set>
+                                      <p:cBhvr>
+                                        <p:cTn id="6" dur="1" fill="hold">
+                                          <p:stCondLst>
+                                            <p:cond delay="0"/>
+                                          </p:stCondLst>
+                                        </p:cTn>
+                                        <p:tgtEl>
+                                          <p:spTgt spid="4"/>
+                                        </p:tgtEl>
+                                        <p:attrNameLst>
+                                          <p:attrName>style.visibility</p:attrName>
+                                        </p:attrNameLst>
+                                      </p:cBhvr>
+                                      <p:to>
+                                        <p:strVal val="visible"/>
+                                      </p:to>
+                                    </p:set>
+                                    <p:anim calcmode="lin" valueType="num">
+                                      <p:cBhvr additive="base">
+                                        <p:cTn id="7" dur="500" fill="hold"/>
+                                        <p:tgtEl>
+                                          <p:spTgt spid="4"/>
+                                        </p:tgtEl>
+                                        <p:attrNameLst>
+                                          <p:attrName>ppt_x</p:attrName>
+                                        </p:attrNameLst>
+                                      </p:cBhvr>
+                                      <p:tavLst>
+                                        <p:tav tm="0">
+                                          <p:val>
+                                            <p:strVal val="#ppt_x"/>
+                                          </p:val>
+                                        </p:tav>
+                                        <p:tav tm="100000">
+                                          <p:val>
+                                            <p:strVal val="#ppt_x"/>
+                                          </p:val>
+                                        </p:tav>
+                                      </p:tavLst>
+                                    </p:anim>
+                                    <p:anim calcmode="lin" valueType="num">
+                                      <p:cBhvr additive="base">
+                                        <p:cTn id="8" dur="500" fill="hold"/>
+                                        <p:tgtEl>
+                                          <p:spTgt spid="4"/>
+                                        </p:tgtEl>
+                                        <p:attrNameLst>
+                                          <p:attrName>ppt_y</p:attrName>
+                                        </p:attrNameLst>
+                                      </p:cBhvr>
+                                      <p:tavLst>
+                                        <p:tav tm="0">
+                                          <p:val>
+                                            <p:strVal val="1+#ppt_h/2"/>
+                                          </p:val>
+                                        </p:tav>
+                                        <p:tav tm="100000">
+                                          <p:val>
+                                            <p:strVal val="#ppt_y"/>
+                                          </p:val>
+                                        </p:tav>
+                                      </p:tavLst>
+                                    </p:anim>
+                                  </p:childTnLst>
+                                </p:cTn>
+                              </p:par>
+                            </p:childTnLst>
+                          </p:cTn>
+                        </p:par>
+                      </p:childTnLst>
+                    </p:cTn>
+                  </p:par>
+                  <p:par>
+                    <p:cTn id="9" fill="hold">
+                      <p:stCondLst>
+                        <p:cond delay="indefinite"/>
+                      </p:stCondLst>
+                      <p:childTnLst>
+                        <p:par>
+                          <p:cTn id="10" fill="hold">
+                            <p:stCondLst>
+                              <p:cond delay="0"/>
+                            </p:stCondLst>
+                            <p:childTnLst>
+                              <p:par>
+                                <p:cTn id="11" presetID="2" presetClass="entr" presetSubtype="4" fill="hold" nodeType="clickEffect">
+                                  <p:stCondLst>
+                                    <p:cond delay="0"/>
+                                  </p:stCondLst>
+                                  <p:childTnLst>
+                                    <p:set>
+                                      <p:cBhvr>
+                                        <p:cTn id="12" dur="1" fill="hold">
+                                          <p:stCondLst>
+                                            <p:cond delay="0"/>
+                                          </p:stCondLst>
+                                        </p:cTn>
+                                        <p:tgtEl>
+                                          <p:spTgt spid="5">
+                                            <p:txEl>
+                                              <p:pRg st="1" end="1"/>
+                                            </p:txEl>
+                                          </p:spTgt>
+                                        </p:tgtEl>
+                                        <p:attrNameLst>
+                                          <p:attrName>style.visibility</p:attrName>
+                                        </p:attrNameLst>
+                                      </p:cBhvr>
+                                      <p:to>
+                                        <p:strVal val="visible"/>
+                                      </p:to>
+                                    </p:set>
+                                    <p:anim calcmode="lin" valueType="num">
+                                      <p:cBhvr additive="base">
+                                        <p:cTn id="13" dur="500" fill="hold"/>
+                                        <p:tgtEl>
+                                          <p:spTgt spid="5">
+                                            <p:txEl>
+                                              <p:pRg st="1" end="1"/>
+                                            </p:txEl>
+                                          </p:spTgt>
+                                        </p:tgtEl>
+                                        <p:attrNameLst>
+                                          <p:attrName>ppt_x</p:attrName>
+                                        </p:attrNameLst>
+                                      </p:cBhvr>
+                                      <p:tavLst>
+                                        <p:tav tm="0">
+                                          <p:val>
+                                            <p:strVal val="#ppt_x"/>
+                                          </p:val>
+                                        </p:tav>
+                                        <p:tav tm="100000">
+                                          <p:val>
+                                            <p:strVal val="#ppt_x"/>
+                                          </p:val>
+                                        </p:tav>
+                                      </p:tavLst>
+                                    </p:anim>
+                                    <p:anim calcmode="lin" valueType="num">
+                                      <p:cBhvr additive="base">
+                                        <p:cTn id="14" dur="500" fill="hold"/>
+                                        <p:tgtEl>
+                                          <p:spTgt spid="5">
+                                            <p:txEl>
+                                              <p:pRg st="1" end="1"/>
+                                            </p:txEl>
+                                          </p:spTgt>
+                                        </p:tgtEl>
+                                        <p:attrNameLst>
+                                          <p:attrName>ppt_y</p:attrName>
+                                        </p:attrNameLst>
+                                      </p:cBhvr>
+                                      <p:tavLst>
+                                        <p:tav tm="0">
+                                          <p:val>
+                                            <p:strVal val="1+#ppt_h/2"/>
+                                          </p:val>
+                                        </p:tav>
+                                        <p:tav tm="100000">
+                                          <p:val>
+                                            <p:strVal val="#ppt_y"/>
+                                          </p:val>
+                                        </p:tav>
+                                      </p:tavLst>
+                                    </p:anim>
+                                  </p:childTnLst>
+                                </p:cTn>
+                              </p:par>
+                              <p:par>
+                                <p:cTn id="15" presetID="2" presetClass="entr" presetSubtype="4" fill="hold" nodeType="withEffect">
+                                  <p:stCondLst>
+                                    <p:cond delay="0"/>
+                                  </p:stCondLst>
+                                  <p:childTnLst>
+                                    <p:set>
+                                      <p:cBhvr>
+                                        <p:cTn id="16" dur="1" fill="hold">
+                                          <p:stCondLst>
+                                            <p:cond delay="0"/>
+                                          </p:stCondLst>
+                                        </p:cTn>
+                                        <p:tgtEl>
+                                          <p:spTgt spid="5">
+                                            <p:txEl>
+                                              <p:pRg st="2" end="2"/>
+                                            </p:txEl>
+                                          </p:spTgt>
+                                        </p:tgtEl>
+                                        <p:attrNameLst>
+                                          <p:attrName>style.visibility</p:attrName>
+                                        </p:attrNameLst>
+                                      </p:cBhvr>
+                                      <p:to>
+                                        <p:strVal val="visible"/>
+                                      </p:to>
+                                    </p:set>
+                                    <p:anim calcmode="lin" valueType="num">
+                                      <p:cBhvr additive="base">
+                                        <p:cTn id="17" dur="500" fill="hold"/>
+                                        <p:tgtEl>
+                                          <p:spTgt spid="5">
+                                            <p:txEl>
+                                              <p:pRg st="2" end="2"/>
+                                            </p:txEl>
+                                          </p:spTgt>
+                                        </p:tgtEl>
+                                        <p:attrNameLst>
+                                          <p:attrName>ppt_x</p:attrName>
+                                        </p:attrNameLst>
+                                      </p:cBhvr>
+                                      <p:tavLst>
+                                        <p:tav tm="0">
+                                          <p:val>
+                                            <p:strVal val="#ppt_x"/>
+                                          </p:val>
+                                        </p:tav>
+                                        <p:tav tm="100000">
+                                          <p:val>
+                                            <p:strVal val="#ppt_x"/>
+                                          </p:val>
+                                        </p:tav>
+                                      </p:tavLst>
+                                    </p:anim>
+                                    <p:anim calcmode="lin" valueType="num">
+                                      <p:cBhvr additive="base">
+                                        <p:cTn id="18" dur="500" fill="hold"/>
+                                        <p:tgtEl>
+                                          <p:spTgt spid="5">
+                                            <p:txEl>
+                                              <p:pRg st="2" end="2"/>
+                                            </p:txEl>
+                                          </p:spTgt>
+                                        </p:tgtEl>
+                                        <p:attrNameLst>
+                                          <p:attrName>ppt_y</p:attrName>
+                                        </p:attrNameLst>
+                                      </p:cBhvr>
+                                      <p:tavLst>
+                                        <p:tav tm="0">
+                                          <p:val>
+                                            <p:strVal val="1+#ppt_h/2"/>
+                                          </p:val>
+                                        </p:tav>
+                                        <p:tav tm="100000">
+                                          <p:val>
+                                            <p:strVal val="#ppt_y"/>
+                                          </p:val>
+                                        </p:tav>
+                                      </p:tavLst>
+                                    </p:anim>
+                                  </p:childTnLst>
+                                </p:cTn>
+                              </p:par>
+                              <p:par>
+                                <p:cTn id="19" presetID="2" presetClass="entr" presetSubtype="4" fill="hold" nodeType="withEffect">
+                                  <p:stCondLst>
+                                    <p:cond delay="0"/>
+                                  </p:stCondLst>
+                                  <p:childTnLst>
+                                    <p:set>
+                                      <p:cBhvr>
+                                        <p:cTn id="20" dur="1" fill="hold">
+                                          <p:stCondLst>
+                                            <p:cond delay="0"/>
+                                          </p:stCondLst>
+                                        </p:cTn>
+                                        <p:tgtEl>
+                                          <p:spTgt spid="5">
+                                            <p:txEl>
+                                              <p:pRg st="3" end="3"/>
+                                            </p:txEl>
+                                          </p:spTgt>
+                                        </p:tgtEl>
+                                        <p:attrNameLst>
+                                          <p:attrName>style.visibility</p:attrName>
+                                        </p:attrNameLst>
+                                      </p:cBhvr>
+                                      <p:to>
+                                        <p:strVal val="visible"/>
+                                      </p:to>
+                                    </p:set>
+                                    <p:anim calcmode="lin" valueType="num">
+                                      <p:cBhvr additive="base">
+                                        <p:cTn id="21" dur="500" fill="hold"/>
+                                        <p:tgtEl>
+                                          <p:spTgt spid="5">
+                                            <p:txEl>
+                                              <p:pRg st="3" end="3"/>
+                                            </p:txEl>
+                                          </p:spTgt>
+                                        </p:tgtEl>
+                                        <p:attrNameLst>
+                                          <p:attrName>ppt_x</p:attrName>
+                                        </p:attrNameLst>
+                                      </p:cBhvr>
+                                      <p:tavLst>
+                                        <p:tav tm="0">
+                                          <p:val>
+                                            <p:strVal val="#ppt_x"/>
+                                          </p:val>
+                                        </p:tav>
+                                        <p:tav tm="100000">
+                                          <p:val>
+                                            <p:strVal val="#ppt_x"/>
+                                          </p:val>
+                                        </p:tav>
+                                      </p:tavLst>
+                                    </p:anim>
+                                    <p:anim calcmode="lin" valueType="num">
+                                      <p:cBhvr additive="base">
+                                        <p:cTn id="22" dur="500" fill="hold"/>
+                                        <p:tgtEl>
+                                          <p:spTgt spid="5">
+                                            <p:txEl>
+                                              <p:pRg st="3" end="3"/>
+                                            </p:txEl>
+                                          </p:spTgt>
+                                        </p:tgtEl>
+                                        <p:attrNameLst>
+                                          <p:attrName>ppt_y</p:attrName>
+                                        </p:attrNameLst>
+                                      </p:cBhvr>
+                                      <p:tavLst>
+                                        <p:tav tm="0">
+                                          <p:val>
+                                            <p:strVal val="1+#ppt_h/2"/>
+                                          </p:val>
+                                        </p:tav>
+                                        <p:tav tm="100000">
+                                          <p:val>
+                                            <p:strVal val="#ppt_y"/>
+                                          </p:val>
+                                        </p:tav>
+                                      </p:tavLst>
+                                    </p:anim>
+                                  </p:childTnLst>
+                                </p:cTn>
+                              </p:par>
+                              <p:par>
+                                <p:cTn id="23" presetID="2" presetClass="entr" presetSubtype="4" fill="hold" nodeType="withEffect">
+                                  <p:stCondLst>
+                                    <p:cond delay="0"/>
+                                  </p:stCondLst>
+                                  <p:childTnLst>
+                                    <p:set>
+                                      <p:cBhvr>
+                                        <p:cTn id="24" dur="1" fill="hold">
+                                          <p:stCondLst>
+                                            <p:cond delay="0"/>
+                                          </p:stCondLst>
+                                        </p:cTn>
+                                        <p:tgtEl>
+                                          <p:spTgt spid="5">
+                                            <p:txEl>
+                                              <p:pRg st="4" end="4"/>
+                                            </p:txEl>
+                                          </p:spTgt>
+                                        </p:tgtEl>
+                                        <p:attrNameLst>
+                                          <p:attrName>style.visibility</p:attrName>
+                                        </p:attrNameLst>
+                                      </p:cBhvr>
+                                      <p:to>
+                                        <p:strVal val="visible"/>
+                                      </p:to>
+                                    </p:set>
+                                    <p:anim calcmode="lin" valueType="num">
+                                      <p:cBhvr additive="base">
+                                        <p:cTn id="25" dur="500" fill="hold"/>
+                                        <p:tgtEl>
+                                          <p:spTgt spid="5">
+                                            <p:txEl>
+                                              <p:pRg st="4" end="4"/>
+                                            </p:txEl>
+                                          </p:spTgt>
+                                        </p:tgtEl>
+                                        <p:attrNameLst>
+                                          <p:attrName>ppt_x</p:attrName>
+                                        </p:attrNameLst>
+                                      </p:cBhvr>
+                                      <p:tavLst>
+                                        <p:tav tm="0">
+                                          <p:val>
+                                            <p:strVal val="#ppt_x"/>
+                                          </p:val>
+                                        </p:tav>
+                                        <p:tav tm="100000">
+                                          <p:val>
+                                            <p:strVal val="#ppt_x"/>
+                                          </p:val>
+                                        </p:tav>
+                                      </p:tavLst>
+                                    </p:anim>
+                                    <p:anim calcmode="lin" valueType="num">
+                                      <p:cBhvr additive="base">
+                                        <p:cTn id="26" dur="500" fill="hold"/>
+                                        <p:tgtEl>
+                                          <p:spTgt spid="5">
+                                            <p:txEl>
+                                              <p:pRg st="4" end="4"/>
+                                            </p:txEl>
+                                          </p:spTgt>
+                                        </p:tgtEl>
+                                        <p:attrNameLst>
+                                          <p:attrName>ppt_y</p:attrName>
+                                        </p:attrNameLst>
+                                      </p:cBhvr>
+                                      <p:tavLst>
+                                        <p:tav tm="0">
+                                          <p:val>
+                                            <p:strVal val="1+#ppt_h/2"/>
+                                          </p:val>
+                                        </p:tav>
+                                        <p:tav tm="100000">
+                                          <p:val>
+                                            <p:strVal val="#ppt_y"/>
+                                          </p:val>
+                                        </p:tav>
+                                      </p:tavLst>
+                                    </p:anim>
+                                  </p:childTnLst>
+                                </p:cTn>
+                              </p:par>
+                              <p:par>
+                                <p:cTn id="27" presetID="2" presetClass="entr" presetSubtype="4" fill="hold" nodeType="withEffect">
+                                  <p:stCondLst>
+                                    <p:cond delay="0"/>
+                                  </p:stCondLst>
+                                  <p:childTnLst>
+                                    <p:set>
+                                      <p:cBhvr>
+                                        <p:cTn id="28" dur="1" fill="hold">
+                                          <p:stCondLst>
+                                            <p:cond delay="0"/>
+                                          </p:stCondLst>
+                                        </p:cTn>
+                                        <p:tgtEl>
+                                          <p:spTgt spid="5">
+                                            <p:txEl>
+                                              <p:pRg st="5" end="5"/>
+                                            </p:txEl>
+                                          </p:spTgt>
+                                        </p:tgtEl>
+                                        <p:attrNameLst>
+                                          <p:attrName>style.visibility</p:attrName>
+                                        </p:attrNameLst>
+                                      </p:cBhvr>
+                                      <p:to>
+                                        <p:strVal val="visible"/>
+                                      </p:to>
+                                    </p:set>
+                                    <p:anim calcmode="lin" valueType="num">
+                                      <p:cBhvr additive="base">
+                                        <p:cTn id="29" dur="500" fill="hold"/>
+                                        <p:tgtEl>
+                                          <p:spTgt spid="5">
+                                            <p:txEl>
+                                              <p:pRg st="5" end="5"/>
+                                            </p:txEl>
+                                          </p:spTgt>
+                                        </p:tgtEl>
+                                        <p:attrNameLst>
+                                          <p:attrName>ppt_x</p:attrName>
+                                        </p:attrNameLst>
+                                      </p:cBhvr>
+                                      <p:tavLst>
+                                        <p:tav tm="0">
+                                          <p:val>
+                                            <p:strVal val="#ppt_x"/>
+                                          </p:val>
+                                        </p:tav>
+                                        <p:tav tm="100000">
+                                          <p:val>
+                                            <p:strVal val="#ppt_x"/>
+                                          </p:val>
+                                        </p:tav>
+                                      </p:tavLst>
+                                    </p:anim>
+                                    <p:anim calcmode="lin" valueType="num">
+                                      <p:cBhvr additive="base">
+                                        <p:cTn id="30" dur="500" fill="hold"/>
+                                        <p:tgtEl>
+                                          <p:spTgt spid="5">
+                                            <p:txEl>
+                                              <p:pRg st="5" end="5"/>
+                                            </p:txEl>
+                                          </p:spTgt>
+                                        </p:tgtEl>
+                                        <p:attrNameLst>
+                                          <p:attrName>ppt_y</p:attrName>
+                                        </p:attrNameLst>
+                                      </p:cBhvr>
+                                      <p:tavLst>
+                                        <p:tav tm="0">
+                                          <p:val>
+                                            <p:strVal val="1+#ppt_h/2"/>
+                                          </p:val>
+                                        </p:tav>
+                                        <p:tav tm="100000">
+                                          <p:val>
+                                            <p:strVal val="#ppt_y"/>
+                                          </p:val>
+                                        </p:tav>
+                                      </p:tavLst>
+                                    </p:anim>
+                                  </p:childTnLst>
+                                </p:cTn>
+                              </p:par>
+                              <p:par>
+                                <p:cTn id="31" presetID="2" presetClass="entr" presetSubtype="4" fill="hold" nodeType="withEffect">
+                                  <p:stCondLst>
+                                    <p:cond delay="0"/>
+                                  </p:stCondLst>
+                                  <p:childTnLst>
+                                    <p:set>
+                                      <p:cBhvr>
+                                        <p:cTn id="32" dur="1" fill="hold">
+                                          <p:stCondLst>
+                                            <p:cond delay="0"/>
+                                          </p:stCondLst>
+                                        </p:cTn>
+                                        <p:tgtEl>
+                                          <p:spTgt spid="5">
+                                            <p:txEl>
+                                              <p:pRg st="6" end="6"/>
+                                            </p:txEl>
+                                          </p:spTgt>
+                                        </p:tgtEl>
+                                        <p:attrNameLst>
+                                          <p:attrName>style.visibility</p:attrName>
+                                        </p:attrNameLst>
+                                      </p:cBhvr>
+                                      <p:to>
+                                        <p:strVal val="visible"/>
+                                      </p:to>
+                                    </p:set>
+                                    <p:anim calcmode="lin" valueType="num">
+                                      <p:cBhvr additive="base">
+                                        <p:cTn id="33" dur="500" fill="hold"/>
+                                        <p:tgtEl>
+                                          <p:spTgt spid="5">
+                                            <p:txEl>
+                                              <p:pRg st="6" end="6"/>
+                                            </p:txEl>
+                                          </p:spTgt>
+                                        </p:tgtEl>
+                                        <p:attrNameLst>
+                                          <p:attrName>ppt_x</p:attrName>
+                                        </p:attrNameLst>
+                                      </p:cBhvr>
+                                      <p:tavLst>
+                                        <p:tav tm="0">
+                                          <p:val>
+                                            <p:strVal val="#ppt_x"/>
+                                          </p:val>
+                                        </p:tav>
+                                        <p:tav tm="100000">
+                                          <p:val>
+                                            <p:strVal val="#ppt_x"/>
+                                          </p:val>
+                                        </p:tav>
+                                      </p:tavLst>
+                                    </p:anim>
+                                    <p:anim calcmode="lin" valueType="num">
+                                      <p:cBhvr additive="base">
+                                        <p:cTn id="34" dur="500" fill="hold"/>
+                                        <p:tgtEl>
+                                          <p:spTgt spid="5">
+                                            <p:txEl>
+                                              <p:pRg st="6" end="6"/>
+                                            </p:txEl>
+                                          </p:spTgt>
+                                        </p:tgtEl>
+                                        <p:attrNameLst>
+                                          <p:attrName>ppt_y</p:attrName>
+                                        </p:attrNameLst>
+                                      </p:cBhvr>
+                                      <p:tavLst>
+                                        <p:tav tm="0">
+                                          <p:val>
+                                            <p:strVal val="1+#ppt_h/2"/>
+                                          </p:val>
+                                        </p:tav>
+                                        <p:tav tm="100000">
+                                          <p:val>
+                                            <p:strVal val="#ppt_y"/>
+                                          </p:val>
+                                        </p:tav>
+                                      </p:tavLst>
+                                    </p:anim>
+                                  </p:childTnLst>
+                                </p:cTn>
+                              </p:par>
+                            </p:childTnLst>
+                          </p:cTn>
+                        </p:par>
+                      </p:childTnLst>
+                    </p:cTn>
+                  </p:par>
+                </p:childTnLst>
+              </p:cTn>
+              <p:prevCondLst>
+                <p:cond evt="onPrev" delay="0">
+                  <p:tgtEl>
+                    <p:sldTgt/>
+                  </p:tgtEl>
+                </p:cond>
+              </p:prevCondLst>
+              <p:nextCondLst>
+                <p:cond evt="onNext" delay="0">
+                  <p:tgtEl>
+                    <p:sldTgt/>
+                  </p:tgtEl>
+                </p:cond>
+              </p:nextCondLst>
+            </p:seq>
+          </p:childTnLst>
+        </p:cTn>
+      </p:par>
+    </p:tnLst>
+  </p:timing>
+</p:sld>
+</file>
+
+<file path=ppt/slides/slide9.xml><?xml version="1.0" encoding="utf-8"?>
 <p:sld xmlns:a="http://schemas.openxmlformats.org/drawingml/2006/main" xmlns:r="http://schemas.openxmlformats.org/officeDocument/2006/relationships" xmlns:p="http://schemas.openxmlformats.org/presentationml/2006/main">
   <p:cSld>
     <p:spTree>
@@ -7142,8 +14396,45 @@
                 <a:latin typeface="Times New Roman" panose="02020603050405020304" pitchFamily="18" charset="0"/>
                 <a:cs typeface="Times New Roman" panose="02020603050405020304" pitchFamily="18" charset="0"/>
               </a:rPr>
-              <a:t>Cơ chế Point-to-Point</a:t>
-            </a:r>
+              <a:t>Cơ </a:t>
+            </a:r>
+            <a:r>
+              <a:rPr lang="en-US" sz="2400" b="1" dirty="0" err="1" smtClean="0">
+                <a:solidFill>
+                  <a:srgbClr val="92D050"/>
+                </a:solidFill>
+                <a:latin typeface="Times New Roman" panose="02020603050405020304" pitchFamily="18" charset="0"/>
+                <a:cs typeface="Times New Roman" panose="02020603050405020304" pitchFamily="18" charset="0"/>
+              </a:rPr>
+              <a:t>chế</a:t>
+            </a:r>
+            <a:r>
+              <a:rPr lang="en-US" sz="2400" b="1" dirty="0" smtClean="0">
+                <a:solidFill>
+                  <a:srgbClr val="92D050"/>
+                </a:solidFill>
+                <a:latin typeface="Times New Roman" panose="02020603050405020304" pitchFamily="18" charset="0"/>
+                <a:cs typeface="Times New Roman" panose="02020603050405020304" pitchFamily="18" charset="0"/>
+              </a:rPr>
+              <a:t> </a:t>
+            </a:r>
+            <a:r>
+              <a:rPr lang="en-US" sz="2400" b="1" dirty="0" smtClean="0">
+                <a:solidFill>
+                  <a:srgbClr val="92D050"/>
+                </a:solidFill>
+                <a:latin typeface="Times New Roman" panose="02020603050405020304" pitchFamily="18" charset="0"/>
+                <a:cs typeface="Times New Roman" panose="02020603050405020304" pitchFamily="18" charset="0"/>
+              </a:rPr>
+              <a:t>Point-to-Point (P2P).</a:t>
+            </a:r>
+            <a:endParaRPr lang="en-US" sz="2400" b="1" dirty="0" smtClean="0">
+              <a:solidFill>
+                <a:srgbClr val="92D050"/>
+              </a:solidFill>
+              <a:latin typeface="Times New Roman" panose="02020603050405020304" pitchFamily="18" charset="0"/>
+              <a:cs typeface="Times New Roman" panose="02020603050405020304" pitchFamily="18" charset="0"/>
+            </a:endParaRPr>
           </a:p>
           <a:p>
             <a:pPr>
@@ -7234,105 +14525,582 @@
   <p:clrMapOvr>
     <a:masterClrMapping/>
   </p:clrMapOvr>
-</p:sld>
-</file>
-
-<file path=ppt/slides/slide9.xml><?xml version="1.0" encoding="utf-8"?>
-<p:sld xmlns:a="http://schemas.openxmlformats.org/drawingml/2006/main" xmlns:r="http://schemas.openxmlformats.org/officeDocument/2006/relationships" xmlns:p="http://schemas.openxmlformats.org/presentationml/2006/main">
-  <p:cSld>
-    <p:spTree>
-      <p:nvGrpSpPr>
-        <p:cNvPr id="1" name=""/>
-        <p:cNvGrpSpPr/>
-        <p:nvPr/>
-      </p:nvGrpSpPr>
-      <p:grpSpPr>
-        <a:xfrm>
-          <a:off x="0" y="0"/>
-          <a:ext cx="0" cy="0"/>
-          <a:chOff x="0" y="0"/>
-          <a:chExt cx="0" cy="0"/>
-        </a:xfrm>
-      </p:grpSpPr>
-      <p:sp>
-        <p:nvSpPr>
-          <p:cNvPr id="3" name="Content Placeholder 2"/>
-          <p:cNvSpPr>
-            <a:spLocks noGrp="1"/>
-          </p:cNvSpPr>
-          <p:nvPr>
-            <p:ph idx="1"/>
-          </p:nvPr>
-        </p:nvSpPr>
-        <p:spPr>
-          <a:xfrm>
-            <a:off x="4282680" y="4733973"/>
-            <a:ext cx="2405503" cy="517296"/>
-          </a:xfrm>
-        </p:spPr>
-        <p:txBody>
-          <a:bodyPr>
-            <a:noAutofit/>
-          </a:bodyPr>
-          <a:lstStyle/>
-          <a:p>
-            <a:pPr marL="0" indent="0">
-              <a:buNone/>
-            </a:pPr>
-            <a:r>
-              <a:rPr lang="en-US" sz="2800" b="1" dirty="0" smtClean="0">
-                <a:latin typeface="Times New Roman" panose="02020603050405020304" pitchFamily="18" charset="0"/>
-                <a:cs typeface="Times New Roman" panose="02020603050405020304" pitchFamily="18" charset="0"/>
-              </a:rPr>
-              <a:t>Point-to-Point</a:t>
-            </a:r>
-            <a:endParaRPr lang="en-US" sz="2800" b="1" dirty="0">
-              <a:latin typeface="Times New Roman" panose="02020603050405020304" pitchFamily="18" charset="0"/>
-              <a:cs typeface="Times New Roman" panose="02020603050405020304" pitchFamily="18" charset="0"/>
-            </a:endParaRPr>
-          </a:p>
-        </p:txBody>
-      </p:sp>
-      <p:pic>
-        <p:nvPicPr>
-          <p:cNvPr id="4" name="Picture 3"/>
-          <p:cNvPicPr>
-            <a:picLocks noChangeAspect="1"/>
-          </p:cNvPicPr>
-          <p:nvPr/>
-        </p:nvPicPr>
-        <p:blipFill>
-          <a:blip r:embed="rId2">
-            <a:extLst>
-              <a:ext uri="{28A0092B-C50C-407E-A947-70E740481C1C}">
-                <a14:useLocalDpi xmlns:a14="http://schemas.microsoft.com/office/drawing/2010/main" val="0"/>
-              </a:ext>
-            </a:extLst>
-          </a:blip>
-          <a:stretch>
-            <a:fillRect/>
-          </a:stretch>
-        </p:blipFill>
-        <p:spPr>
-          <a:xfrm>
-            <a:off x="1667970" y="1597698"/>
-            <a:ext cx="7478169" cy="2695951"/>
-          </a:xfrm>
-          <a:prstGeom prst="rect">
-            <a:avLst/>
-          </a:prstGeom>
-        </p:spPr>
-      </p:pic>
-    </p:spTree>
-    <p:extLst>
-      <p:ext uri="{BB962C8B-B14F-4D97-AF65-F5344CB8AC3E}">
-        <p14:creationId xmlns:p14="http://schemas.microsoft.com/office/powerpoint/2010/main" val="4265531700"/>
-      </p:ext>
-    </p:extLst>
-  </p:cSld>
-  <p:clrMapOvr>
-    <a:masterClrMapping/>
-  </p:clrMapOvr>
+  <p:timing>
+    <p:tnLst>
+      <p:par>
+        <p:cTn id="1" dur="indefinite" restart="never" nodeType="tmRoot">
+          <p:childTnLst>
+            <p:seq concurrent="1" nextAc="seek">
+              <p:cTn id="2" dur="indefinite" nodeType="mainSeq">
+                <p:childTnLst>
+                  <p:par>
+                    <p:cTn id="3" fill="hold">
+                      <p:stCondLst>
+                        <p:cond delay="indefinite"/>
+                      </p:stCondLst>
+                      <p:childTnLst>
+                        <p:par>
+                          <p:cTn id="4" fill="hold">
+                            <p:stCondLst>
+                              <p:cond delay="0"/>
+                            </p:stCondLst>
+                            <p:childTnLst>
+                              <p:par>
+                                <p:cTn id="5" presetID="2" presetClass="entr" presetSubtype="4" fill="hold" nodeType="clickEffect">
+                                  <p:stCondLst>
+                                    <p:cond delay="0"/>
+                                  </p:stCondLst>
+                                  <p:childTnLst>
+                                    <p:set>
+                                      <p:cBhvr>
+                                        <p:cTn id="6" dur="1" fill="hold">
+                                          <p:stCondLst>
+                                            <p:cond delay="0"/>
+                                          </p:stCondLst>
+                                        </p:cTn>
+                                        <p:tgtEl>
+                                          <p:spTgt spid="3">
+                                            <p:txEl>
+                                              <p:pRg st="0" end="0"/>
+                                            </p:txEl>
+                                          </p:spTgt>
+                                        </p:tgtEl>
+                                        <p:attrNameLst>
+                                          <p:attrName>style.visibility</p:attrName>
+                                        </p:attrNameLst>
+                                      </p:cBhvr>
+                                      <p:to>
+                                        <p:strVal val="visible"/>
+                                      </p:to>
+                                    </p:set>
+                                    <p:anim calcmode="lin" valueType="num">
+                                      <p:cBhvr additive="base">
+                                        <p:cTn id="7" dur="500" fill="hold"/>
+                                        <p:tgtEl>
+                                          <p:spTgt spid="3">
+                                            <p:txEl>
+                                              <p:pRg st="0" end="0"/>
+                                            </p:txEl>
+                                          </p:spTgt>
+                                        </p:tgtEl>
+                                        <p:attrNameLst>
+                                          <p:attrName>ppt_x</p:attrName>
+                                        </p:attrNameLst>
+                                      </p:cBhvr>
+                                      <p:tavLst>
+                                        <p:tav tm="0">
+                                          <p:val>
+                                            <p:strVal val="#ppt_x"/>
+                                          </p:val>
+                                        </p:tav>
+                                        <p:tav tm="100000">
+                                          <p:val>
+                                            <p:strVal val="#ppt_x"/>
+                                          </p:val>
+                                        </p:tav>
+                                      </p:tavLst>
+                                    </p:anim>
+                                    <p:anim calcmode="lin" valueType="num">
+                                      <p:cBhvr additive="base">
+                                        <p:cTn id="8" dur="500" fill="hold"/>
+                                        <p:tgtEl>
+                                          <p:spTgt spid="3">
+                                            <p:txEl>
+                                              <p:pRg st="0" end="0"/>
+                                            </p:txEl>
+                                          </p:spTgt>
+                                        </p:tgtEl>
+                                        <p:attrNameLst>
+                                          <p:attrName>ppt_y</p:attrName>
+                                        </p:attrNameLst>
+                                      </p:cBhvr>
+                                      <p:tavLst>
+                                        <p:tav tm="0">
+                                          <p:val>
+                                            <p:strVal val="1+#ppt_h/2"/>
+                                          </p:val>
+                                        </p:tav>
+                                        <p:tav tm="100000">
+                                          <p:val>
+                                            <p:strVal val="#ppt_y"/>
+                                          </p:val>
+                                        </p:tav>
+                                      </p:tavLst>
+                                    </p:anim>
+                                  </p:childTnLst>
+                                </p:cTn>
+                              </p:par>
+                            </p:childTnLst>
+                          </p:cTn>
+                        </p:par>
+                      </p:childTnLst>
+                    </p:cTn>
+                  </p:par>
+                  <p:par>
+                    <p:cTn id="9" fill="hold">
+                      <p:stCondLst>
+                        <p:cond delay="indefinite"/>
+                      </p:stCondLst>
+                      <p:childTnLst>
+                        <p:par>
+                          <p:cTn id="10" fill="hold">
+                            <p:stCondLst>
+                              <p:cond delay="0"/>
+                            </p:stCondLst>
+                            <p:childTnLst>
+                              <p:par>
+                                <p:cTn id="11" presetID="2" presetClass="entr" presetSubtype="4" fill="hold" nodeType="clickEffect">
+                                  <p:stCondLst>
+                                    <p:cond delay="0"/>
+                                  </p:stCondLst>
+                                  <p:childTnLst>
+                                    <p:set>
+                                      <p:cBhvr>
+                                        <p:cTn id="12" dur="1" fill="hold">
+                                          <p:stCondLst>
+                                            <p:cond delay="0"/>
+                                          </p:stCondLst>
+                                        </p:cTn>
+                                        <p:tgtEl>
+                                          <p:spTgt spid="3">
+                                            <p:txEl>
+                                              <p:pRg st="1" end="1"/>
+                                            </p:txEl>
+                                          </p:spTgt>
+                                        </p:tgtEl>
+                                        <p:attrNameLst>
+                                          <p:attrName>style.visibility</p:attrName>
+                                        </p:attrNameLst>
+                                      </p:cBhvr>
+                                      <p:to>
+                                        <p:strVal val="visible"/>
+                                      </p:to>
+                                    </p:set>
+                                    <p:anim calcmode="lin" valueType="num">
+                                      <p:cBhvr additive="base">
+                                        <p:cTn id="13" dur="500" fill="hold"/>
+                                        <p:tgtEl>
+                                          <p:spTgt spid="3">
+                                            <p:txEl>
+                                              <p:pRg st="1" end="1"/>
+                                            </p:txEl>
+                                          </p:spTgt>
+                                        </p:tgtEl>
+                                        <p:attrNameLst>
+                                          <p:attrName>ppt_x</p:attrName>
+                                        </p:attrNameLst>
+                                      </p:cBhvr>
+                                      <p:tavLst>
+                                        <p:tav tm="0">
+                                          <p:val>
+                                            <p:strVal val="#ppt_x"/>
+                                          </p:val>
+                                        </p:tav>
+                                        <p:tav tm="100000">
+                                          <p:val>
+                                            <p:strVal val="#ppt_x"/>
+                                          </p:val>
+                                        </p:tav>
+                                      </p:tavLst>
+                                    </p:anim>
+                                    <p:anim calcmode="lin" valueType="num">
+                                      <p:cBhvr additive="base">
+                                        <p:cTn id="14" dur="500" fill="hold"/>
+                                        <p:tgtEl>
+                                          <p:spTgt spid="3">
+                                            <p:txEl>
+                                              <p:pRg st="1" end="1"/>
+                                            </p:txEl>
+                                          </p:spTgt>
+                                        </p:tgtEl>
+                                        <p:attrNameLst>
+                                          <p:attrName>ppt_y</p:attrName>
+                                        </p:attrNameLst>
+                                      </p:cBhvr>
+                                      <p:tavLst>
+                                        <p:tav tm="0">
+                                          <p:val>
+                                            <p:strVal val="1+#ppt_h/2"/>
+                                          </p:val>
+                                        </p:tav>
+                                        <p:tav tm="100000">
+                                          <p:val>
+                                            <p:strVal val="#ppt_y"/>
+                                          </p:val>
+                                        </p:tav>
+                                      </p:tavLst>
+                                    </p:anim>
+                                  </p:childTnLst>
+                                </p:cTn>
+                              </p:par>
+                              <p:par>
+                                <p:cTn id="15" presetID="2" presetClass="entr" presetSubtype="4" fill="hold" nodeType="withEffect">
+                                  <p:stCondLst>
+                                    <p:cond delay="0"/>
+                                  </p:stCondLst>
+                                  <p:childTnLst>
+                                    <p:set>
+                                      <p:cBhvr>
+                                        <p:cTn id="16" dur="1" fill="hold">
+                                          <p:stCondLst>
+                                            <p:cond delay="0"/>
+                                          </p:stCondLst>
+                                        </p:cTn>
+                                        <p:tgtEl>
+                                          <p:spTgt spid="3">
+                                            <p:txEl>
+                                              <p:pRg st="2" end="2"/>
+                                            </p:txEl>
+                                          </p:spTgt>
+                                        </p:tgtEl>
+                                        <p:attrNameLst>
+                                          <p:attrName>style.visibility</p:attrName>
+                                        </p:attrNameLst>
+                                      </p:cBhvr>
+                                      <p:to>
+                                        <p:strVal val="visible"/>
+                                      </p:to>
+                                    </p:set>
+                                    <p:anim calcmode="lin" valueType="num">
+                                      <p:cBhvr additive="base">
+                                        <p:cTn id="17" dur="500" fill="hold"/>
+                                        <p:tgtEl>
+                                          <p:spTgt spid="3">
+                                            <p:txEl>
+                                              <p:pRg st="2" end="2"/>
+                                            </p:txEl>
+                                          </p:spTgt>
+                                        </p:tgtEl>
+                                        <p:attrNameLst>
+                                          <p:attrName>ppt_x</p:attrName>
+                                        </p:attrNameLst>
+                                      </p:cBhvr>
+                                      <p:tavLst>
+                                        <p:tav tm="0">
+                                          <p:val>
+                                            <p:strVal val="#ppt_x"/>
+                                          </p:val>
+                                        </p:tav>
+                                        <p:tav tm="100000">
+                                          <p:val>
+                                            <p:strVal val="#ppt_x"/>
+                                          </p:val>
+                                        </p:tav>
+                                      </p:tavLst>
+                                    </p:anim>
+                                    <p:anim calcmode="lin" valueType="num">
+                                      <p:cBhvr additive="base">
+                                        <p:cTn id="18" dur="500" fill="hold"/>
+                                        <p:tgtEl>
+                                          <p:spTgt spid="3">
+                                            <p:txEl>
+                                              <p:pRg st="2" end="2"/>
+                                            </p:txEl>
+                                          </p:spTgt>
+                                        </p:tgtEl>
+                                        <p:attrNameLst>
+                                          <p:attrName>ppt_y</p:attrName>
+                                        </p:attrNameLst>
+                                      </p:cBhvr>
+                                      <p:tavLst>
+                                        <p:tav tm="0">
+                                          <p:val>
+                                            <p:strVal val="1+#ppt_h/2"/>
+                                          </p:val>
+                                        </p:tav>
+                                        <p:tav tm="100000">
+                                          <p:val>
+                                            <p:strVal val="#ppt_y"/>
+                                          </p:val>
+                                        </p:tav>
+                                      </p:tavLst>
+                                    </p:anim>
+                                  </p:childTnLst>
+                                </p:cTn>
+                              </p:par>
+                              <p:par>
+                                <p:cTn id="19" presetID="2" presetClass="entr" presetSubtype="4" fill="hold" nodeType="withEffect">
+                                  <p:stCondLst>
+                                    <p:cond delay="0"/>
+                                  </p:stCondLst>
+                                  <p:childTnLst>
+                                    <p:set>
+                                      <p:cBhvr>
+                                        <p:cTn id="20" dur="1" fill="hold">
+                                          <p:stCondLst>
+                                            <p:cond delay="0"/>
+                                          </p:stCondLst>
+                                        </p:cTn>
+                                        <p:tgtEl>
+                                          <p:spTgt spid="3">
+                                            <p:txEl>
+                                              <p:pRg st="3" end="3"/>
+                                            </p:txEl>
+                                          </p:spTgt>
+                                        </p:tgtEl>
+                                        <p:attrNameLst>
+                                          <p:attrName>style.visibility</p:attrName>
+                                        </p:attrNameLst>
+                                      </p:cBhvr>
+                                      <p:to>
+                                        <p:strVal val="visible"/>
+                                      </p:to>
+                                    </p:set>
+                                    <p:anim calcmode="lin" valueType="num">
+                                      <p:cBhvr additive="base">
+                                        <p:cTn id="21" dur="500" fill="hold"/>
+                                        <p:tgtEl>
+                                          <p:spTgt spid="3">
+                                            <p:txEl>
+                                              <p:pRg st="3" end="3"/>
+                                            </p:txEl>
+                                          </p:spTgt>
+                                        </p:tgtEl>
+                                        <p:attrNameLst>
+                                          <p:attrName>ppt_x</p:attrName>
+                                        </p:attrNameLst>
+                                      </p:cBhvr>
+                                      <p:tavLst>
+                                        <p:tav tm="0">
+                                          <p:val>
+                                            <p:strVal val="#ppt_x"/>
+                                          </p:val>
+                                        </p:tav>
+                                        <p:tav tm="100000">
+                                          <p:val>
+                                            <p:strVal val="#ppt_x"/>
+                                          </p:val>
+                                        </p:tav>
+                                      </p:tavLst>
+                                    </p:anim>
+                                    <p:anim calcmode="lin" valueType="num">
+                                      <p:cBhvr additive="base">
+                                        <p:cTn id="22" dur="500" fill="hold"/>
+                                        <p:tgtEl>
+                                          <p:spTgt spid="3">
+                                            <p:txEl>
+                                              <p:pRg st="3" end="3"/>
+                                            </p:txEl>
+                                          </p:spTgt>
+                                        </p:tgtEl>
+                                        <p:attrNameLst>
+                                          <p:attrName>ppt_y</p:attrName>
+                                        </p:attrNameLst>
+                                      </p:cBhvr>
+                                      <p:tavLst>
+                                        <p:tav tm="0">
+                                          <p:val>
+                                            <p:strVal val="1+#ppt_h/2"/>
+                                          </p:val>
+                                        </p:tav>
+                                        <p:tav tm="100000">
+                                          <p:val>
+                                            <p:strVal val="#ppt_y"/>
+                                          </p:val>
+                                        </p:tav>
+                                      </p:tavLst>
+                                    </p:anim>
+                                  </p:childTnLst>
+                                </p:cTn>
+                              </p:par>
+                              <p:par>
+                                <p:cTn id="23" presetID="2" presetClass="entr" presetSubtype="4" fill="hold" nodeType="withEffect">
+                                  <p:stCondLst>
+                                    <p:cond delay="0"/>
+                                  </p:stCondLst>
+                                  <p:childTnLst>
+                                    <p:set>
+                                      <p:cBhvr>
+                                        <p:cTn id="24" dur="1" fill="hold">
+                                          <p:stCondLst>
+                                            <p:cond delay="0"/>
+                                          </p:stCondLst>
+                                        </p:cTn>
+                                        <p:tgtEl>
+                                          <p:spTgt spid="3">
+                                            <p:txEl>
+                                              <p:pRg st="4" end="4"/>
+                                            </p:txEl>
+                                          </p:spTgt>
+                                        </p:tgtEl>
+                                        <p:attrNameLst>
+                                          <p:attrName>style.visibility</p:attrName>
+                                        </p:attrNameLst>
+                                      </p:cBhvr>
+                                      <p:to>
+                                        <p:strVal val="visible"/>
+                                      </p:to>
+                                    </p:set>
+                                    <p:anim calcmode="lin" valueType="num">
+                                      <p:cBhvr additive="base">
+                                        <p:cTn id="25" dur="500" fill="hold"/>
+                                        <p:tgtEl>
+                                          <p:spTgt spid="3">
+                                            <p:txEl>
+                                              <p:pRg st="4" end="4"/>
+                                            </p:txEl>
+                                          </p:spTgt>
+                                        </p:tgtEl>
+                                        <p:attrNameLst>
+                                          <p:attrName>ppt_x</p:attrName>
+                                        </p:attrNameLst>
+                                      </p:cBhvr>
+                                      <p:tavLst>
+                                        <p:tav tm="0">
+                                          <p:val>
+                                            <p:strVal val="#ppt_x"/>
+                                          </p:val>
+                                        </p:tav>
+                                        <p:tav tm="100000">
+                                          <p:val>
+                                            <p:strVal val="#ppt_x"/>
+                                          </p:val>
+                                        </p:tav>
+                                      </p:tavLst>
+                                    </p:anim>
+                                    <p:anim calcmode="lin" valueType="num">
+                                      <p:cBhvr additive="base">
+                                        <p:cTn id="26" dur="500" fill="hold"/>
+                                        <p:tgtEl>
+                                          <p:spTgt spid="3">
+                                            <p:txEl>
+                                              <p:pRg st="4" end="4"/>
+                                            </p:txEl>
+                                          </p:spTgt>
+                                        </p:tgtEl>
+                                        <p:attrNameLst>
+                                          <p:attrName>ppt_y</p:attrName>
+                                        </p:attrNameLst>
+                                      </p:cBhvr>
+                                      <p:tavLst>
+                                        <p:tav tm="0">
+                                          <p:val>
+                                            <p:strVal val="1+#ppt_h/2"/>
+                                          </p:val>
+                                        </p:tav>
+                                        <p:tav tm="100000">
+                                          <p:val>
+                                            <p:strVal val="#ppt_y"/>
+                                          </p:val>
+                                        </p:tav>
+                                      </p:tavLst>
+                                    </p:anim>
+                                  </p:childTnLst>
+                                </p:cTn>
+                              </p:par>
+                              <p:par>
+                                <p:cTn id="27" presetID="2" presetClass="entr" presetSubtype="4" fill="hold" nodeType="withEffect">
+                                  <p:stCondLst>
+                                    <p:cond delay="0"/>
+                                  </p:stCondLst>
+                                  <p:childTnLst>
+                                    <p:set>
+                                      <p:cBhvr>
+                                        <p:cTn id="28" dur="1" fill="hold">
+                                          <p:stCondLst>
+                                            <p:cond delay="0"/>
+                                          </p:stCondLst>
+                                        </p:cTn>
+                                        <p:tgtEl>
+                                          <p:spTgt spid="3">
+                                            <p:txEl>
+                                              <p:pRg st="5" end="5"/>
+                                            </p:txEl>
+                                          </p:spTgt>
+                                        </p:tgtEl>
+                                        <p:attrNameLst>
+                                          <p:attrName>style.visibility</p:attrName>
+                                        </p:attrNameLst>
+                                      </p:cBhvr>
+                                      <p:to>
+                                        <p:strVal val="visible"/>
+                                      </p:to>
+                                    </p:set>
+                                    <p:anim calcmode="lin" valueType="num">
+                                      <p:cBhvr additive="base">
+                                        <p:cTn id="29" dur="500" fill="hold"/>
+                                        <p:tgtEl>
+                                          <p:spTgt spid="3">
+                                            <p:txEl>
+                                              <p:pRg st="5" end="5"/>
+                                            </p:txEl>
+                                          </p:spTgt>
+                                        </p:tgtEl>
+                                        <p:attrNameLst>
+                                          <p:attrName>ppt_x</p:attrName>
+                                        </p:attrNameLst>
+                                      </p:cBhvr>
+                                      <p:tavLst>
+                                        <p:tav tm="0">
+                                          <p:val>
+                                            <p:strVal val="#ppt_x"/>
+                                          </p:val>
+                                        </p:tav>
+                                        <p:tav tm="100000">
+                                          <p:val>
+                                            <p:strVal val="#ppt_x"/>
+                                          </p:val>
+                                        </p:tav>
+                                      </p:tavLst>
+                                    </p:anim>
+                                    <p:anim calcmode="lin" valueType="num">
+                                      <p:cBhvr additive="base">
+                                        <p:cTn id="30" dur="500" fill="hold"/>
+                                        <p:tgtEl>
+                                          <p:spTgt spid="3">
+                                            <p:txEl>
+                                              <p:pRg st="5" end="5"/>
+                                            </p:txEl>
+                                          </p:spTgt>
+                                        </p:tgtEl>
+                                        <p:attrNameLst>
+                                          <p:attrName>ppt_y</p:attrName>
+                                        </p:attrNameLst>
+                                      </p:cBhvr>
+                                      <p:tavLst>
+                                        <p:tav tm="0">
+                                          <p:val>
+                                            <p:strVal val="1+#ppt_h/2"/>
+                                          </p:val>
+                                        </p:tav>
+                                        <p:tav tm="100000">
+                                          <p:val>
+                                            <p:strVal val="#ppt_y"/>
+                                          </p:val>
+                                        </p:tav>
+                                      </p:tavLst>
+                                    </p:anim>
+                                  </p:childTnLst>
+                                </p:cTn>
+                              </p:par>
+                            </p:childTnLst>
+                          </p:cTn>
+                        </p:par>
+                      </p:childTnLst>
+                    </p:cTn>
+                  </p:par>
+                </p:childTnLst>
+              </p:cTn>
+              <p:prevCondLst>
+                <p:cond evt="onPrev" delay="0">
+                  <p:tgtEl>
+                    <p:sldTgt/>
+                  </p:tgtEl>
+                </p:cond>
+              </p:prevCondLst>
+              <p:nextCondLst>
+                <p:cond evt="onNext" delay="0">
+                  <p:tgtEl>
+                    <p:sldTgt/>
+                  </p:tgtEl>
+                </p:cond>
+              </p:nextCondLst>
+            </p:seq>
+          </p:childTnLst>
+        </p:cTn>
+      </p:par>
+    </p:tnLst>
+  </p:timing>
 </p:sld>
 </file>
 

--- a/PTPMDV/SlideJMS.pptx
+++ b/PTPMDV/SlideJMS.pptx
@@ -8,11 +8,11 @@
     <p:sldId id="256" r:id="rId2"/>
     <p:sldId id="257" r:id="rId3"/>
     <p:sldId id="267" r:id="rId4"/>
-    <p:sldId id="258" r:id="rId5"/>
-    <p:sldId id="259" r:id="rId6"/>
-    <p:sldId id="260" r:id="rId7"/>
-    <p:sldId id="261" r:id="rId8"/>
-    <p:sldId id="268" r:id="rId9"/>
+    <p:sldId id="270" r:id="rId5"/>
+    <p:sldId id="271" r:id="rId6"/>
+    <p:sldId id="272" r:id="rId7"/>
+    <p:sldId id="273" r:id="rId8"/>
+    <p:sldId id="274" r:id="rId9"/>
     <p:sldId id="263" r:id="rId10"/>
     <p:sldId id="264" r:id="rId11"/>
     <p:sldId id="265" r:id="rId12"/>
@@ -8372,1592 +8372,43 @@
         </p:spPr>
         <p:txBody>
           <a:bodyPr>
-            <a:normAutofit fontScale="92500"/>
+            <a:normAutofit/>
           </a:bodyPr>
           <a:lstStyle/>
           <a:p>
-            <a:pPr marL="0" indent="0">
-              <a:buNone/>
+            <a:pPr marL="514350" indent="-514350">
+              <a:buAutoNum type="arabicPeriod"/>
             </a:pPr>
             <a:r>
-              <a:rPr lang="en-US" sz="2800" b="1" dirty="0" smtClean="0">
+              <a:rPr lang="en-US" sz="2800" b="1" smtClean="0">
                 <a:solidFill>
                   <a:srgbClr val="92D050"/>
                 </a:solidFill>
                 <a:latin typeface="Times New Roman" panose="02020603050405020304" pitchFamily="18" charset="0"/>
                 <a:cs typeface="Times New Roman" panose="02020603050405020304" pitchFamily="18" charset="0"/>
               </a:rPr>
-              <a:t>1. Khái niệm Messaging (gửi thông điệp)</a:t>
-            </a:r>
-          </a:p>
-          <a:p>
-            <a:pPr>
-              <a:buFontTx/>
-              <a:buChar char="-"/>
-            </a:pPr>
-            <a:r>
-              <a:rPr lang="en-US" sz="2400" dirty="0" smtClean="0">
-                <a:latin typeface="Times New Roman" panose="02020603050405020304" pitchFamily="18" charset="0"/>
-                <a:cs typeface="Times New Roman" panose="02020603050405020304" pitchFamily="18" charset="0"/>
-              </a:rPr>
-              <a:t>Messaging là 1 phương thức giao tiếp giữa các components (thành phần) trong 1 chương trình hoặc 1 ứng dụng để có thể hoạt động một cách đồng nhất</a:t>
-            </a:r>
-          </a:p>
-          <a:p>
-            <a:pPr>
-              <a:buFontTx/>
-              <a:buChar char="-"/>
-            </a:pPr>
-            <a:r>
-              <a:rPr lang="en-US" sz="2400" dirty="0" smtClean="0">
-                <a:latin typeface="Times New Roman" panose="02020603050405020304" pitchFamily="18" charset="0"/>
-                <a:cs typeface="Times New Roman" panose="02020603050405020304" pitchFamily="18" charset="0"/>
-              </a:rPr>
-              <a:t>Một component có thể gửi (nhận) thông điệp từ 1 component khác</a:t>
-            </a:r>
-          </a:p>
-          <a:p>
-            <a:pPr>
-              <a:buFontTx/>
-              <a:buChar char="-"/>
-            </a:pPr>
-            <a:r>
-              <a:rPr lang="en-US" sz="2400" dirty="0" smtClean="0">
-                <a:latin typeface="Times New Roman" panose="02020603050405020304" pitchFamily="18" charset="0"/>
-                <a:cs typeface="Times New Roman" panose="02020603050405020304" pitchFamily="18" charset="0"/>
-              </a:rPr>
-              <a:t>Messaging cho phép hình thức giao tiếp phân tán, tức là đối tượng gửi hoặc nhận không nhất thiết phải trong trạng thái luôn sẵn sàng để có thể giao tiếp (loosely coupled</a:t>
-            </a:r>
-            <a:r>
-              <a:rPr lang="en-US" sz="2400" dirty="0" smtClean="0">
-                <a:latin typeface="Times New Roman" panose="02020603050405020304" pitchFamily="18" charset="0"/>
-                <a:cs typeface="Times New Roman" panose="02020603050405020304" pitchFamily="18" charset="0"/>
-              </a:rPr>
-              <a:t>).</a:t>
-            </a:r>
-            <a:endParaRPr lang="en-US" sz="2400" dirty="0">
-              <a:latin typeface="Times New Roman" panose="02020603050405020304" pitchFamily="18" charset="0"/>
-              <a:cs typeface="Times New Roman" panose="02020603050405020304" pitchFamily="18" charset="0"/>
-            </a:endParaRPr>
-          </a:p>
-          <a:p>
-            <a:pPr>
-              <a:buFontTx/>
-              <a:buChar char="-"/>
-            </a:pPr>
-            <a:r>
-              <a:rPr lang="en-US" sz="2400" dirty="0" err="1" smtClean="0">
-                <a:latin typeface="Times New Roman" panose="02020603050405020304" pitchFamily="18" charset="0"/>
-                <a:cs typeface="Times New Roman" panose="02020603050405020304" pitchFamily="18" charset="0"/>
-              </a:rPr>
-              <a:t>Đối</a:t>
-            </a:r>
-            <a:r>
-              <a:rPr lang="en-US" sz="2400" dirty="0" smtClean="0">
-                <a:latin typeface="Times New Roman" panose="02020603050405020304" pitchFamily="18" charset="0"/>
-                <a:cs typeface="Times New Roman" panose="02020603050405020304" pitchFamily="18" charset="0"/>
-              </a:rPr>
-              <a:t> </a:t>
-            </a:r>
-            <a:r>
-              <a:rPr lang="en-US" sz="2400" dirty="0" err="1" smtClean="0">
-                <a:latin typeface="Times New Roman" panose="02020603050405020304" pitchFamily="18" charset="0"/>
-                <a:cs typeface="Times New Roman" panose="02020603050405020304" pitchFamily="18" charset="0"/>
-              </a:rPr>
-              <a:t>tượng</a:t>
-            </a:r>
-            <a:r>
-              <a:rPr lang="en-US" sz="2400" dirty="0" smtClean="0">
-                <a:latin typeface="Times New Roman" panose="02020603050405020304" pitchFamily="18" charset="0"/>
-                <a:cs typeface="Times New Roman" panose="02020603050405020304" pitchFamily="18" charset="0"/>
-              </a:rPr>
-              <a:t> </a:t>
-            </a:r>
-            <a:r>
-              <a:rPr lang="en-US" sz="2400" dirty="0" err="1" smtClean="0">
-                <a:latin typeface="Times New Roman" panose="02020603050405020304" pitchFamily="18" charset="0"/>
-                <a:cs typeface="Times New Roman" panose="02020603050405020304" pitchFamily="18" charset="0"/>
-              </a:rPr>
-              <a:t>trun</a:t>
-            </a:r>
-            <a:r>
-              <a:rPr lang="en-US" sz="2400" dirty="0" err="1" smtClean="0">
-                <a:latin typeface="Times New Roman" panose="02020603050405020304" pitchFamily="18" charset="0"/>
-                <a:cs typeface="Times New Roman" panose="02020603050405020304" pitchFamily="18" charset="0"/>
-              </a:rPr>
-              <a:t>g</a:t>
-            </a:r>
-            <a:r>
-              <a:rPr lang="en-US" sz="2400" dirty="0" smtClean="0">
-                <a:latin typeface="Times New Roman" panose="02020603050405020304" pitchFamily="18" charset="0"/>
-                <a:cs typeface="Times New Roman" panose="02020603050405020304" pitchFamily="18" charset="0"/>
-              </a:rPr>
-              <a:t> </a:t>
-            </a:r>
-            <a:r>
-              <a:rPr lang="en-US" sz="2400" dirty="0" err="1" smtClean="0">
-                <a:latin typeface="Times New Roman" panose="02020603050405020304" pitchFamily="18" charset="0"/>
-                <a:cs typeface="Times New Roman" panose="02020603050405020304" pitchFamily="18" charset="0"/>
-              </a:rPr>
-              <a:t>gian</a:t>
-            </a:r>
-            <a:r>
-              <a:rPr lang="en-US" sz="2400" dirty="0" smtClean="0">
-                <a:latin typeface="Times New Roman" panose="02020603050405020304" pitchFamily="18" charset="0"/>
-                <a:cs typeface="Times New Roman" panose="02020603050405020304" pitchFamily="18" charset="0"/>
-              </a:rPr>
-              <a:t> </a:t>
-            </a:r>
-            <a:r>
-              <a:rPr lang="en-US" sz="2400" b="1" dirty="0" smtClean="0">
-                <a:latin typeface="Times New Roman" panose="02020603050405020304" pitchFamily="18" charset="0"/>
-                <a:cs typeface="Times New Roman" panose="02020603050405020304" pitchFamily="18" charset="0"/>
-              </a:rPr>
-              <a:t>MOM </a:t>
-            </a:r>
-            <a:r>
-              <a:rPr lang="en-US" sz="2400" b="1" i="1" dirty="0" smtClean="0">
-                <a:latin typeface="Times New Roman" panose="02020603050405020304" pitchFamily="18" charset="0"/>
-                <a:cs typeface="Times New Roman" panose="02020603050405020304" pitchFamily="18" charset="0"/>
-              </a:rPr>
-              <a:t>(Message Oriented Middleware) </a:t>
-            </a:r>
-            <a:r>
-              <a:rPr lang="en-US" sz="2400" dirty="0" smtClean="0">
-                <a:latin typeface="Times New Roman" panose="02020603050405020304" pitchFamily="18" charset="0"/>
-                <a:cs typeface="Times New Roman" panose="02020603050405020304" pitchFamily="18" charset="0"/>
-              </a:rPr>
-              <a:t>hay </a:t>
-            </a:r>
-            <a:r>
-              <a:rPr lang="en-US" sz="2400" b="1" dirty="0" smtClean="0">
-                <a:latin typeface="Times New Roman" panose="02020603050405020304" pitchFamily="18" charset="0"/>
-                <a:cs typeface="Times New Roman" panose="02020603050405020304" pitchFamily="18" charset="0"/>
-              </a:rPr>
-              <a:t>MQ </a:t>
-            </a:r>
-            <a:r>
-              <a:rPr lang="en-US" sz="2400" b="1" i="1" dirty="0" smtClean="0">
-                <a:latin typeface="Times New Roman" panose="02020603050405020304" pitchFamily="18" charset="0"/>
-                <a:cs typeface="Times New Roman" panose="02020603050405020304" pitchFamily="18" charset="0"/>
-              </a:rPr>
-              <a:t>(Message Queue)</a:t>
-            </a:r>
-            <a:r>
-              <a:rPr lang="en-US" sz="2400" dirty="0" smtClean="0">
-                <a:latin typeface="Times New Roman" panose="02020603050405020304" pitchFamily="18" charset="0"/>
-                <a:cs typeface="Times New Roman" panose="02020603050405020304" pitchFamily="18" charset="0"/>
-              </a:rPr>
-              <a:t>: </a:t>
-            </a:r>
-            <a:r>
-              <a:rPr lang="en-US" sz="2400" dirty="0" err="1" smtClean="0">
-                <a:latin typeface="Times New Roman" panose="02020603050405020304" pitchFamily="18" charset="0"/>
-                <a:cs typeface="Times New Roman" panose="02020603050405020304" pitchFamily="18" charset="0"/>
-              </a:rPr>
-              <a:t>hỗ</a:t>
-            </a:r>
-            <a:r>
-              <a:rPr lang="en-US" sz="2400" dirty="0" smtClean="0">
-                <a:latin typeface="Times New Roman" panose="02020603050405020304" pitchFamily="18" charset="0"/>
-                <a:cs typeface="Times New Roman" panose="02020603050405020304" pitchFamily="18" charset="0"/>
-              </a:rPr>
-              <a:t> </a:t>
-            </a:r>
-            <a:r>
-              <a:rPr lang="en-US" sz="2400" dirty="0" err="1" smtClean="0">
-                <a:latin typeface="Times New Roman" panose="02020603050405020304" pitchFamily="18" charset="0"/>
-                <a:cs typeface="Times New Roman" panose="02020603050405020304" pitchFamily="18" charset="0"/>
-              </a:rPr>
-              <a:t>trợ</a:t>
-            </a:r>
-            <a:r>
-              <a:rPr lang="en-US" sz="2400" dirty="0" smtClean="0">
-                <a:latin typeface="Times New Roman" panose="02020603050405020304" pitchFamily="18" charset="0"/>
-                <a:cs typeface="Times New Roman" panose="02020603050405020304" pitchFamily="18" charset="0"/>
-              </a:rPr>
-              <a:t> </a:t>
-            </a:r>
-            <a:r>
-              <a:rPr lang="en-US" sz="2400" dirty="0" err="1" smtClean="0">
-                <a:latin typeface="Times New Roman" panose="02020603050405020304" pitchFamily="18" charset="0"/>
-                <a:cs typeface="Times New Roman" panose="02020603050405020304" pitchFamily="18" charset="0"/>
-              </a:rPr>
-              <a:t>cơ</a:t>
-            </a:r>
-            <a:r>
-              <a:rPr lang="en-US" sz="2400" dirty="0" smtClean="0">
-                <a:latin typeface="Times New Roman" panose="02020603050405020304" pitchFamily="18" charset="0"/>
-                <a:cs typeface="Times New Roman" panose="02020603050405020304" pitchFamily="18" charset="0"/>
-              </a:rPr>
-              <a:t> </a:t>
-            </a:r>
-            <a:r>
-              <a:rPr lang="en-US" sz="2400" dirty="0" err="1" smtClean="0">
-                <a:latin typeface="Times New Roman" panose="02020603050405020304" pitchFamily="18" charset="0"/>
-                <a:cs typeface="Times New Roman" panose="02020603050405020304" pitchFamily="18" charset="0"/>
-              </a:rPr>
-              <a:t>chế</a:t>
-            </a:r>
-            <a:r>
-              <a:rPr lang="en-US" sz="2400" dirty="0" smtClean="0">
-                <a:latin typeface="Times New Roman" panose="02020603050405020304" pitchFamily="18" charset="0"/>
-                <a:cs typeface="Times New Roman" panose="02020603050405020304" pitchFamily="18" charset="0"/>
-              </a:rPr>
-              <a:t> </a:t>
-            </a:r>
-            <a:r>
-              <a:rPr lang="en-US" sz="2400" dirty="0" err="1" smtClean="0">
-                <a:latin typeface="Times New Roman" panose="02020603050405020304" pitchFamily="18" charset="0"/>
-                <a:cs typeface="Times New Roman" panose="02020603050405020304" pitchFamily="18" charset="0"/>
-              </a:rPr>
-              <a:t>tương</a:t>
-            </a:r>
-            <a:r>
-              <a:rPr lang="en-US" sz="2400" dirty="0" smtClean="0">
-                <a:latin typeface="Times New Roman" panose="02020603050405020304" pitchFamily="18" charset="0"/>
-                <a:cs typeface="Times New Roman" panose="02020603050405020304" pitchFamily="18" charset="0"/>
-              </a:rPr>
-              <a:t> </a:t>
-            </a:r>
-            <a:r>
-              <a:rPr lang="en-US" sz="2400" dirty="0" err="1" smtClean="0">
-                <a:latin typeface="Times New Roman" panose="02020603050405020304" pitchFamily="18" charset="0"/>
-                <a:cs typeface="Times New Roman" panose="02020603050405020304" pitchFamily="18" charset="0"/>
-              </a:rPr>
-              <a:t>tự</a:t>
-            </a:r>
-            <a:r>
-              <a:rPr lang="en-US" sz="2400" dirty="0" smtClean="0">
-                <a:latin typeface="Times New Roman" panose="02020603050405020304" pitchFamily="18" charset="0"/>
-                <a:cs typeface="Times New Roman" panose="02020603050405020304" pitchFamily="18" charset="0"/>
-              </a:rPr>
-              <a:t> </a:t>
-            </a:r>
-            <a:r>
-              <a:rPr lang="en-US" sz="2400" dirty="0" err="1" smtClean="0">
-                <a:latin typeface="Times New Roman" panose="02020603050405020304" pitchFamily="18" charset="0"/>
-                <a:cs typeface="Times New Roman" panose="02020603050405020304" pitchFamily="18" charset="0"/>
-              </a:rPr>
-              <a:t>như</a:t>
-            </a:r>
-            <a:r>
-              <a:rPr lang="en-US" sz="2400" dirty="0" smtClean="0">
-                <a:latin typeface="Times New Roman" panose="02020603050405020304" pitchFamily="18" charset="0"/>
-                <a:cs typeface="Times New Roman" panose="02020603050405020304" pitchFamily="18" charset="0"/>
-              </a:rPr>
-              <a:t> DB </a:t>
-            </a:r>
-            <a:r>
-              <a:rPr lang="en-US" sz="2400" dirty="0" err="1" smtClean="0">
-                <a:latin typeface="Times New Roman" panose="02020603050405020304" pitchFamily="18" charset="0"/>
-                <a:cs typeface="Times New Roman" panose="02020603050405020304" pitchFamily="18" charset="0"/>
-              </a:rPr>
-              <a:t>với</a:t>
-            </a:r>
-            <a:r>
-              <a:rPr lang="en-US" sz="2400" dirty="0" smtClean="0">
-                <a:latin typeface="Times New Roman" panose="02020603050405020304" pitchFamily="18" charset="0"/>
-                <a:cs typeface="Times New Roman" panose="02020603050405020304" pitchFamily="18" charset="0"/>
-              </a:rPr>
-              <a:t> </a:t>
-            </a:r>
-            <a:r>
-              <a:rPr lang="en-US" sz="2400" dirty="0" err="1" smtClean="0">
-                <a:latin typeface="Times New Roman" panose="02020603050405020304" pitchFamily="18" charset="0"/>
-                <a:cs typeface="Times New Roman" panose="02020603050405020304" pitchFamily="18" charset="0"/>
-              </a:rPr>
-              <a:t>việc</a:t>
-            </a:r>
-            <a:r>
-              <a:rPr lang="en-US" sz="2400" dirty="0" smtClean="0">
-                <a:latin typeface="Times New Roman" panose="02020603050405020304" pitchFamily="18" charset="0"/>
-                <a:cs typeface="Times New Roman" panose="02020603050405020304" pitchFamily="18" charset="0"/>
-              </a:rPr>
-              <a:t> </a:t>
-            </a:r>
-            <a:r>
-              <a:rPr lang="en-US" sz="2400" dirty="0" err="1" smtClean="0">
-                <a:latin typeface="Times New Roman" panose="02020603050405020304" pitchFamily="18" charset="0"/>
-                <a:cs typeface="Times New Roman" panose="02020603050405020304" pitchFamily="18" charset="0"/>
-              </a:rPr>
-              <a:t>nhận</a:t>
-            </a:r>
-            <a:r>
-              <a:rPr lang="en-US" sz="2400" dirty="0" smtClean="0">
-                <a:latin typeface="Times New Roman" panose="02020603050405020304" pitchFamily="18" charset="0"/>
-                <a:cs typeface="Times New Roman" panose="02020603050405020304" pitchFamily="18" charset="0"/>
-              </a:rPr>
-              <a:t> </a:t>
-            </a:r>
-            <a:r>
-              <a:rPr lang="en-US" sz="2400" dirty="0" err="1" smtClean="0">
-                <a:latin typeface="Times New Roman" panose="02020603050405020304" pitchFamily="18" charset="0"/>
-                <a:cs typeface="Times New Roman" panose="02020603050405020304" pitchFamily="18" charset="0"/>
-              </a:rPr>
-              <a:t>và</a:t>
-            </a:r>
-            <a:r>
-              <a:rPr lang="en-US" sz="2400" dirty="0" smtClean="0">
-                <a:latin typeface="Times New Roman" panose="02020603050405020304" pitchFamily="18" charset="0"/>
-                <a:cs typeface="Times New Roman" panose="02020603050405020304" pitchFamily="18" charset="0"/>
-              </a:rPr>
-              <a:t> </a:t>
-            </a:r>
-            <a:r>
-              <a:rPr lang="en-US" sz="2400" dirty="0" err="1" smtClean="0">
-                <a:latin typeface="Times New Roman" panose="02020603050405020304" pitchFamily="18" charset="0"/>
-                <a:cs typeface="Times New Roman" panose="02020603050405020304" pitchFamily="18" charset="0"/>
-              </a:rPr>
-              <a:t>gửi</a:t>
-            </a:r>
-            <a:r>
-              <a:rPr lang="en-US" sz="2400" dirty="0" smtClean="0">
-                <a:latin typeface="Times New Roman" panose="02020603050405020304" pitchFamily="18" charset="0"/>
-                <a:cs typeface="Times New Roman" panose="02020603050405020304" pitchFamily="18" charset="0"/>
-              </a:rPr>
-              <a:t> message, </a:t>
-            </a:r>
-            <a:r>
-              <a:rPr lang="en-US" sz="2400" dirty="0" err="1" smtClean="0">
-                <a:latin typeface="Times New Roman" panose="02020603050405020304" pitchFamily="18" charset="0"/>
-                <a:cs typeface="Times New Roman" panose="02020603050405020304" pitchFamily="18" charset="0"/>
-              </a:rPr>
-              <a:t>đảm</a:t>
-            </a:r>
-            <a:r>
-              <a:rPr lang="en-US" sz="2400" dirty="0" smtClean="0">
-                <a:latin typeface="Times New Roman" panose="02020603050405020304" pitchFamily="18" charset="0"/>
-                <a:cs typeface="Times New Roman" panose="02020603050405020304" pitchFamily="18" charset="0"/>
-              </a:rPr>
-              <a:t> </a:t>
-            </a:r>
-            <a:r>
-              <a:rPr lang="en-US" sz="2400" dirty="0" err="1" smtClean="0">
-                <a:latin typeface="Times New Roman" panose="02020603050405020304" pitchFamily="18" charset="0"/>
-                <a:cs typeface="Times New Roman" panose="02020603050405020304" pitchFamily="18" charset="0"/>
-              </a:rPr>
-              <a:t>bảo</a:t>
-            </a:r>
-            <a:r>
-              <a:rPr lang="en-US" sz="2400" dirty="0" smtClean="0">
-                <a:latin typeface="Times New Roman" panose="02020603050405020304" pitchFamily="18" charset="0"/>
-                <a:cs typeface="Times New Roman" panose="02020603050405020304" pitchFamily="18" charset="0"/>
-              </a:rPr>
-              <a:t> </a:t>
-            </a:r>
-            <a:r>
-              <a:rPr lang="en-US" sz="2400" dirty="0" err="1" smtClean="0">
-                <a:latin typeface="Times New Roman" panose="02020603050405020304" pitchFamily="18" charset="0"/>
-                <a:cs typeface="Times New Roman" panose="02020603050405020304" pitchFamily="18" charset="0"/>
-              </a:rPr>
-              <a:t>toàn</a:t>
-            </a:r>
-            <a:r>
-              <a:rPr lang="en-US" sz="2400" dirty="0" smtClean="0">
-                <a:latin typeface="Times New Roman" panose="02020603050405020304" pitchFamily="18" charset="0"/>
-                <a:cs typeface="Times New Roman" panose="02020603050405020304" pitchFamily="18" charset="0"/>
-              </a:rPr>
-              <a:t> </a:t>
-            </a:r>
-            <a:r>
-              <a:rPr lang="en-US" sz="2400" dirty="0" err="1" smtClean="0">
-                <a:latin typeface="Times New Roman" panose="02020603050405020304" pitchFamily="18" charset="0"/>
-                <a:cs typeface="Times New Roman" panose="02020603050405020304" pitchFamily="18" charset="0"/>
-              </a:rPr>
-              <a:t>vẹn</a:t>
-            </a:r>
-            <a:r>
-              <a:rPr lang="en-US" sz="2400" dirty="0" smtClean="0">
-                <a:latin typeface="Times New Roman" panose="02020603050405020304" pitchFamily="18" charset="0"/>
-                <a:cs typeface="Times New Roman" panose="02020603050405020304" pitchFamily="18" charset="0"/>
-              </a:rPr>
-              <a:t> </a:t>
-            </a:r>
-            <a:r>
-              <a:rPr lang="en-US" sz="2400" dirty="0" err="1" smtClean="0">
-                <a:latin typeface="Times New Roman" panose="02020603050405020304" pitchFamily="18" charset="0"/>
-                <a:cs typeface="Times New Roman" panose="02020603050405020304" pitchFamily="18" charset="0"/>
-              </a:rPr>
-              <a:t>dữ</a:t>
-            </a:r>
-            <a:r>
-              <a:rPr lang="en-US" sz="2400" dirty="0" smtClean="0">
-                <a:latin typeface="Times New Roman" panose="02020603050405020304" pitchFamily="18" charset="0"/>
-                <a:cs typeface="Times New Roman" panose="02020603050405020304" pitchFamily="18" charset="0"/>
-              </a:rPr>
-              <a:t> </a:t>
-            </a:r>
-            <a:r>
-              <a:rPr lang="en-US" sz="2400" dirty="0" err="1" smtClean="0">
-                <a:latin typeface="Times New Roman" panose="02020603050405020304" pitchFamily="18" charset="0"/>
-                <a:cs typeface="Times New Roman" panose="02020603050405020304" pitchFamily="18" charset="0"/>
-              </a:rPr>
-              <a:t>liệu</a:t>
-            </a:r>
-            <a:r>
-              <a:rPr lang="en-US" sz="2400" dirty="0" smtClean="0">
-                <a:latin typeface="Times New Roman" panose="02020603050405020304" pitchFamily="18" charset="0"/>
-                <a:cs typeface="Times New Roman" panose="02020603050405020304" pitchFamily="18" charset="0"/>
-              </a:rPr>
-              <a:t>, transaction </a:t>
-            </a:r>
-            <a:r>
-              <a:rPr lang="en-US" sz="2400" dirty="0" err="1" smtClean="0">
-                <a:latin typeface="Times New Roman" panose="02020603050405020304" pitchFamily="18" charset="0"/>
-                <a:cs typeface="Times New Roman" panose="02020603050405020304" pitchFamily="18" charset="0"/>
-              </a:rPr>
-              <a:t>và</a:t>
-            </a:r>
-            <a:r>
-              <a:rPr lang="en-US" sz="2400" dirty="0" smtClean="0">
-                <a:latin typeface="Times New Roman" panose="02020603050405020304" pitchFamily="18" charset="0"/>
-                <a:cs typeface="Times New Roman" panose="02020603050405020304" pitchFamily="18" charset="0"/>
-              </a:rPr>
-              <a:t> </a:t>
-            </a:r>
-            <a:r>
-              <a:rPr lang="en-US" sz="2400" dirty="0" err="1" smtClean="0">
-                <a:latin typeface="Times New Roman" panose="02020603050405020304" pitchFamily="18" charset="0"/>
-                <a:cs typeface="Times New Roman" panose="02020603050405020304" pitchFamily="18" charset="0"/>
-              </a:rPr>
-              <a:t>cân</a:t>
-            </a:r>
-            <a:r>
-              <a:rPr lang="en-US" sz="2400" dirty="0" smtClean="0">
-                <a:latin typeface="Times New Roman" panose="02020603050405020304" pitchFamily="18" charset="0"/>
-                <a:cs typeface="Times New Roman" panose="02020603050405020304" pitchFamily="18" charset="0"/>
-              </a:rPr>
-              <a:t> </a:t>
-            </a:r>
-            <a:r>
-              <a:rPr lang="en-US" sz="2400" dirty="0" err="1" smtClean="0">
-                <a:latin typeface="Times New Roman" panose="02020603050405020304" pitchFamily="18" charset="0"/>
-                <a:cs typeface="Times New Roman" panose="02020603050405020304" pitchFamily="18" charset="0"/>
-              </a:rPr>
-              <a:t>bằng</a:t>
-            </a:r>
-            <a:r>
-              <a:rPr lang="en-US" sz="2400" dirty="0" smtClean="0">
-                <a:latin typeface="Times New Roman" panose="02020603050405020304" pitchFamily="18" charset="0"/>
-                <a:cs typeface="Times New Roman" panose="02020603050405020304" pitchFamily="18" charset="0"/>
-              </a:rPr>
-              <a:t> </a:t>
-            </a:r>
-            <a:r>
-              <a:rPr lang="en-US" sz="2400" dirty="0" err="1" smtClean="0">
-                <a:latin typeface="Times New Roman" panose="02020603050405020304" pitchFamily="18" charset="0"/>
-                <a:cs typeface="Times New Roman" panose="02020603050405020304" pitchFamily="18" charset="0"/>
-              </a:rPr>
-              <a:t>cho</a:t>
-            </a:r>
-            <a:r>
-              <a:rPr lang="en-US" sz="2400" dirty="0" smtClean="0">
-                <a:latin typeface="Times New Roman" panose="02020603050405020304" pitchFamily="18" charset="0"/>
-                <a:cs typeface="Times New Roman" panose="02020603050405020304" pitchFamily="18" charset="0"/>
-              </a:rPr>
-              <a:t> </a:t>
-            </a:r>
-            <a:r>
-              <a:rPr lang="en-US" sz="2400" dirty="0" err="1" smtClean="0">
-                <a:latin typeface="Times New Roman" panose="02020603050405020304" pitchFamily="18" charset="0"/>
-                <a:cs typeface="Times New Roman" panose="02020603050405020304" pitchFamily="18" charset="0"/>
-              </a:rPr>
-              <a:t>việc</a:t>
-            </a:r>
-            <a:r>
-              <a:rPr lang="en-US" sz="2400" dirty="0" smtClean="0">
-                <a:latin typeface="Times New Roman" panose="02020603050405020304" pitchFamily="18" charset="0"/>
-                <a:cs typeface="Times New Roman" panose="02020603050405020304" pitchFamily="18" charset="0"/>
-              </a:rPr>
-              <a:t> </a:t>
-            </a:r>
-            <a:r>
-              <a:rPr lang="en-US" sz="2400" dirty="0" err="1" smtClean="0">
-                <a:latin typeface="Times New Roman" panose="02020603050405020304" pitchFamily="18" charset="0"/>
-                <a:cs typeface="Times New Roman" panose="02020603050405020304" pitchFamily="18" charset="0"/>
-              </a:rPr>
-              <a:t>gửi</a:t>
-            </a:r>
-            <a:r>
-              <a:rPr lang="en-US" sz="2400" dirty="0" smtClean="0">
-                <a:latin typeface="Times New Roman" panose="02020603050405020304" pitchFamily="18" charset="0"/>
-                <a:cs typeface="Times New Roman" panose="02020603050405020304" pitchFamily="18" charset="0"/>
-              </a:rPr>
-              <a:t> </a:t>
-            </a:r>
-            <a:r>
-              <a:rPr lang="en-US" sz="2400" dirty="0" err="1" smtClean="0">
-                <a:latin typeface="Times New Roman" panose="02020603050405020304" pitchFamily="18" charset="0"/>
-                <a:cs typeface="Times New Roman" panose="02020603050405020304" pitchFamily="18" charset="0"/>
-              </a:rPr>
-              <a:t>nhận</a:t>
-            </a:r>
-            <a:r>
-              <a:rPr lang="en-US" sz="2400" dirty="0" smtClean="0">
-                <a:latin typeface="Times New Roman" panose="02020603050405020304" pitchFamily="18" charset="0"/>
-                <a:cs typeface="Times New Roman" panose="02020603050405020304" pitchFamily="18" charset="0"/>
-              </a:rPr>
-              <a:t> </a:t>
-            </a:r>
-            <a:r>
-              <a:rPr lang="en-US" sz="2400" dirty="0" err="1" smtClean="0">
-                <a:latin typeface="Times New Roman" panose="02020603050405020304" pitchFamily="18" charset="0"/>
-                <a:cs typeface="Times New Roman" panose="02020603050405020304" pitchFamily="18" charset="0"/>
-              </a:rPr>
-              <a:t>dữ</a:t>
-            </a:r>
-            <a:r>
-              <a:rPr lang="en-US" sz="2400" dirty="0" smtClean="0">
-                <a:latin typeface="Times New Roman" panose="02020603050405020304" pitchFamily="18" charset="0"/>
-                <a:cs typeface="Times New Roman" panose="02020603050405020304" pitchFamily="18" charset="0"/>
-              </a:rPr>
-              <a:t> </a:t>
-            </a:r>
-            <a:r>
-              <a:rPr lang="en-US" sz="2400" dirty="0" err="1" smtClean="0">
-                <a:latin typeface="Times New Roman" panose="02020603050405020304" pitchFamily="18" charset="0"/>
-                <a:cs typeface="Times New Roman" panose="02020603050405020304" pitchFamily="18" charset="0"/>
-              </a:rPr>
-              <a:t>liệu</a:t>
-            </a:r>
-            <a:r>
-              <a:rPr lang="en-US" sz="2400" dirty="0" smtClean="0">
-                <a:latin typeface="Times New Roman" panose="02020603050405020304" pitchFamily="18" charset="0"/>
-                <a:cs typeface="Times New Roman" panose="02020603050405020304" pitchFamily="18" charset="0"/>
-              </a:rPr>
-              <a:t>.</a:t>
-            </a:r>
-          </a:p>
-          <a:p>
-            <a:pPr>
-              <a:buFontTx/>
-              <a:buChar char="-"/>
-            </a:pPr>
-            <a:r>
-              <a:rPr lang="en-US" sz="2400" dirty="0" err="1" smtClean="0">
-                <a:latin typeface="Times New Roman" panose="02020603050405020304" pitchFamily="18" charset="0"/>
-                <a:cs typeface="Times New Roman" panose="02020603050405020304" pitchFamily="18" charset="0"/>
-              </a:rPr>
-              <a:t>Nơi</a:t>
-            </a:r>
-            <a:r>
-              <a:rPr lang="en-US" sz="2400" dirty="0" smtClean="0">
-                <a:latin typeface="Times New Roman" panose="02020603050405020304" pitchFamily="18" charset="0"/>
-                <a:cs typeface="Times New Roman" panose="02020603050405020304" pitchFamily="18" charset="0"/>
-              </a:rPr>
-              <a:t> </a:t>
-            </a:r>
-            <a:r>
-              <a:rPr lang="en-US" sz="2400" dirty="0" err="1" smtClean="0">
-                <a:latin typeface="Times New Roman" panose="02020603050405020304" pitchFamily="18" charset="0"/>
-                <a:cs typeface="Times New Roman" panose="02020603050405020304" pitchFamily="18" charset="0"/>
-              </a:rPr>
-              <a:t>lưu</a:t>
-            </a:r>
-            <a:r>
-              <a:rPr lang="en-US" sz="2400" dirty="0" smtClean="0">
-                <a:latin typeface="Times New Roman" panose="02020603050405020304" pitchFamily="18" charset="0"/>
-                <a:cs typeface="Times New Roman" panose="02020603050405020304" pitchFamily="18" charset="0"/>
-              </a:rPr>
-              <a:t> </a:t>
-            </a:r>
-            <a:r>
-              <a:rPr lang="en-US" sz="2400" dirty="0" err="1" smtClean="0">
-                <a:latin typeface="Times New Roman" panose="02020603050405020304" pitchFamily="18" charset="0"/>
-                <a:cs typeface="Times New Roman" panose="02020603050405020304" pitchFamily="18" charset="0"/>
-              </a:rPr>
-              <a:t>trữ</a:t>
-            </a:r>
-            <a:r>
-              <a:rPr lang="en-US" sz="2400" dirty="0" smtClean="0">
-                <a:latin typeface="Times New Roman" panose="02020603050405020304" pitchFamily="18" charset="0"/>
-                <a:cs typeface="Times New Roman" panose="02020603050405020304" pitchFamily="18" charset="0"/>
-              </a:rPr>
-              <a:t> </a:t>
-            </a:r>
-            <a:r>
-              <a:rPr lang="en-US" sz="2400" dirty="0" err="1" smtClean="0">
-                <a:latin typeface="Times New Roman" panose="02020603050405020304" pitchFamily="18" charset="0"/>
-                <a:cs typeface="Times New Roman" panose="02020603050405020304" pitchFamily="18" charset="0"/>
-              </a:rPr>
-              <a:t>dữ</a:t>
-            </a:r>
-            <a:r>
-              <a:rPr lang="en-US" sz="2400" dirty="0" smtClean="0">
-                <a:latin typeface="Times New Roman" panose="02020603050405020304" pitchFamily="18" charset="0"/>
-                <a:cs typeface="Times New Roman" panose="02020603050405020304" pitchFamily="18" charset="0"/>
-              </a:rPr>
-              <a:t> </a:t>
-            </a:r>
-            <a:r>
-              <a:rPr lang="en-US" sz="2400" dirty="0" err="1" smtClean="0">
-                <a:latin typeface="Times New Roman" panose="02020603050405020304" pitchFamily="18" charset="0"/>
-                <a:cs typeface="Times New Roman" panose="02020603050405020304" pitchFamily="18" charset="0"/>
-              </a:rPr>
-              <a:t>liệu</a:t>
-            </a:r>
-            <a:r>
-              <a:rPr lang="en-US" sz="2400" dirty="0" smtClean="0">
-                <a:latin typeface="Times New Roman" panose="02020603050405020304" pitchFamily="18" charset="0"/>
-                <a:cs typeface="Times New Roman" panose="02020603050405020304" pitchFamily="18" charset="0"/>
-              </a:rPr>
-              <a:t> </a:t>
-            </a:r>
-            <a:r>
-              <a:rPr lang="en-US" sz="2400" dirty="0" err="1" smtClean="0">
-                <a:latin typeface="Times New Roman" panose="02020603050405020304" pitchFamily="18" charset="0"/>
-                <a:cs typeface="Times New Roman" panose="02020603050405020304" pitchFamily="18" charset="0"/>
-              </a:rPr>
-              <a:t>và</a:t>
-            </a:r>
-            <a:r>
-              <a:rPr lang="en-US" sz="2400" dirty="0" smtClean="0">
-                <a:latin typeface="Times New Roman" panose="02020603050405020304" pitchFamily="18" charset="0"/>
-                <a:cs typeface="Times New Roman" panose="02020603050405020304" pitchFamily="18" charset="0"/>
-              </a:rPr>
-              <a:t> </a:t>
-            </a:r>
-            <a:r>
-              <a:rPr lang="en-US" sz="2400" dirty="0" err="1" smtClean="0">
-                <a:latin typeface="Times New Roman" panose="02020603050405020304" pitchFamily="18" charset="0"/>
-                <a:cs typeface="Times New Roman" panose="02020603050405020304" pitchFamily="18" charset="0"/>
-              </a:rPr>
-              <a:t>tương</a:t>
-            </a:r>
-            <a:r>
-              <a:rPr lang="en-US" sz="2400" dirty="0" smtClean="0">
-                <a:latin typeface="Times New Roman" panose="02020603050405020304" pitchFamily="18" charset="0"/>
-                <a:cs typeface="Times New Roman" panose="02020603050405020304" pitchFamily="18" charset="0"/>
-              </a:rPr>
-              <a:t> </a:t>
-            </a:r>
-            <a:r>
-              <a:rPr lang="en-US" sz="2400" dirty="0" err="1" smtClean="0">
-                <a:latin typeface="Times New Roman" panose="02020603050405020304" pitchFamily="18" charset="0"/>
-                <a:cs typeface="Times New Roman" panose="02020603050405020304" pitchFamily="18" charset="0"/>
-              </a:rPr>
-              <a:t>tác</a:t>
-            </a:r>
-            <a:r>
-              <a:rPr lang="en-US" sz="2400" dirty="0" smtClean="0">
-                <a:latin typeface="Times New Roman" panose="02020603050405020304" pitchFamily="18" charset="0"/>
-                <a:cs typeface="Times New Roman" panose="02020603050405020304" pitchFamily="18" charset="0"/>
-              </a:rPr>
-              <a:t> </a:t>
-            </a:r>
-            <a:r>
-              <a:rPr lang="en-US" sz="2400" dirty="0" err="1" smtClean="0">
-                <a:latin typeface="Times New Roman" panose="02020603050405020304" pitchFamily="18" charset="0"/>
-                <a:cs typeface="Times New Roman" panose="02020603050405020304" pitchFamily="18" charset="0"/>
-              </a:rPr>
-              <a:t>với</a:t>
-            </a:r>
-            <a:r>
-              <a:rPr lang="en-US" sz="2400" dirty="0" smtClean="0">
-                <a:latin typeface="Times New Roman" panose="02020603050405020304" pitchFamily="18" charset="0"/>
-                <a:cs typeface="Times New Roman" panose="02020603050405020304" pitchFamily="18" charset="0"/>
-              </a:rPr>
-              <a:t> MOM </a:t>
-            </a:r>
-            <a:r>
-              <a:rPr lang="en-US" sz="2400" dirty="0" err="1" smtClean="0">
-                <a:latin typeface="Times New Roman" panose="02020603050405020304" pitchFamily="18" charset="0"/>
-                <a:cs typeface="Times New Roman" panose="02020603050405020304" pitchFamily="18" charset="0"/>
-              </a:rPr>
-              <a:t>được</a:t>
-            </a:r>
-            <a:r>
-              <a:rPr lang="en-US" sz="2400" dirty="0" smtClean="0">
-                <a:latin typeface="Times New Roman" panose="02020603050405020304" pitchFamily="18" charset="0"/>
-                <a:cs typeface="Times New Roman" panose="02020603050405020304" pitchFamily="18" charset="0"/>
-              </a:rPr>
-              <a:t> </a:t>
-            </a:r>
-            <a:r>
-              <a:rPr lang="en-US" sz="2400" dirty="0" err="1" smtClean="0">
-                <a:latin typeface="Times New Roman" panose="02020603050405020304" pitchFamily="18" charset="0"/>
-                <a:cs typeface="Times New Roman" panose="02020603050405020304" pitchFamily="18" charset="0"/>
-              </a:rPr>
-              <a:t>gọi</a:t>
-            </a:r>
-            <a:r>
-              <a:rPr lang="en-US" sz="2400" dirty="0" smtClean="0">
-                <a:latin typeface="Times New Roman" panose="02020603050405020304" pitchFamily="18" charset="0"/>
-                <a:cs typeface="Times New Roman" panose="02020603050405020304" pitchFamily="18" charset="0"/>
-              </a:rPr>
-              <a:t> </a:t>
-            </a:r>
-            <a:r>
-              <a:rPr lang="en-US" sz="2400" dirty="0" err="1" smtClean="0">
-                <a:latin typeface="Times New Roman" panose="02020603050405020304" pitchFamily="18" charset="0"/>
-                <a:cs typeface="Times New Roman" panose="02020603050405020304" pitchFamily="18" charset="0"/>
-              </a:rPr>
-              <a:t>là</a:t>
-            </a:r>
-            <a:r>
-              <a:rPr lang="en-US" sz="2400" dirty="0" smtClean="0">
-                <a:latin typeface="Times New Roman" panose="02020603050405020304" pitchFamily="18" charset="0"/>
-                <a:cs typeface="Times New Roman" panose="02020603050405020304" pitchFamily="18" charset="0"/>
-              </a:rPr>
-              <a:t> </a:t>
-            </a:r>
-            <a:r>
-              <a:rPr lang="en-US" sz="2400" b="1" i="1" dirty="0" smtClean="0">
-                <a:latin typeface="Times New Roman" panose="02020603050405020304" pitchFamily="18" charset="0"/>
-                <a:cs typeface="Times New Roman" panose="02020603050405020304" pitchFamily="18" charset="0"/>
-              </a:rPr>
-              <a:t>Destination.</a:t>
-            </a:r>
-            <a:endParaRPr lang="en-US" sz="2400" dirty="0" smtClean="0">
-              <a:latin typeface="Times New Roman" panose="02020603050405020304" pitchFamily="18" charset="0"/>
-              <a:cs typeface="Times New Roman" panose="02020603050405020304" pitchFamily="18" charset="0"/>
-            </a:endParaRPr>
-          </a:p>
-        </p:txBody>
-      </p:sp>
-    </p:spTree>
-    <p:extLst>
-      <p:ext uri="{BB962C8B-B14F-4D97-AF65-F5344CB8AC3E}">
-        <p14:creationId xmlns:p14="http://schemas.microsoft.com/office/powerpoint/2010/main" val="3161320849"/>
-      </p:ext>
-    </p:extLst>
-  </p:cSld>
-  <p:clrMapOvr>
-    <a:masterClrMapping/>
-  </p:clrMapOvr>
-  <p:timing>
-    <p:tnLst>
-      <p:par>
-        <p:cTn id="1" dur="indefinite" restart="never" nodeType="tmRoot">
-          <p:childTnLst>
-            <p:seq concurrent="1" nextAc="seek">
-              <p:cTn id="2" dur="indefinite" nodeType="mainSeq">
-                <p:childTnLst>
-                  <p:par>
-                    <p:cTn id="3" fill="hold">
-                      <p:stCondLst>
-                        <p:cond delay="indefinite"/>
-                      </p:stCondLst>
-                      <p:childTnLst>
-                        <p:par>
-                          <p:cTn id="4" fill="hold">
-                            <p:stCondLst>
-                              <p:cond delay="0"/>
-                            </p:stCondLst>
-                            <p:childTnLst>
-                              <p:par>
-                                <p:cTn id="5" presetID="2" presetClass="entr" presetSubtype="4" fill="hold" nodeType="clickEffect">
-                                  <p:stCondLst>
-                                    <p:cond delay="0"/>
-                                  </p:stCondLst>
-                                  <p:childTnLst>
-                                    <p:set>
-                                      <p:cBhvr>
-                                        <p:cTn id="6" dur="1" fill="hold">
-                                          <p:stCondLst>
-                                            <p:cond delay="0"/>
-                                          </p:stCondLst>
-                                        </p:cTn>
-                                        <p:tgtEl>
-                                          <p:spTgt spid="3">
-                                            <p:txEl>
-                                              <p:pRg st="0" end="0"/>
-                                            </p:txEl>
-                                          </p:spTgt>
-                                        </p:tgtEl>
-                                        <p:attrNameLst>
-                                          <p:attrName>style.visibility</p:attrName>
-                                        </p:attrNameLst>
-                                      </p:cBhvr>
-                                      <p:to>
-                                        <p:strVal val="visible"/>
-                                      </p:to>
-                                    </p:set>
-                                    <p:anim calcmode="lin" valueType="num">
-                                      <p:cBhvr additive="base">
-                                        <p:cTn id="7" dur="500" fill="hold"/>
-                                        <p:tgtEl>
-                                          <p:spTgt spid="3">
-                                            <p:txEl>
-                                              <p:pRg st="0" end="0"/>
-                                            </p:txEl>
-                                          </p:spTgt>
-                                        </p:tgtEl>
-                                        <p:attrNameLst>
-                                          <p:attrName>ppt_x</p:attrName>
-                                        </p:attrNameLst>
-                                      </p:cBhvr>
-                                      <p:tavLst>
-                                        <p:tav tm="0">
-                                          <p:val>
-                                            <p:strVal val="#ppt_x"/>
-                                          </p:val>
-                                        </p:tav>
-                                        <p:tav tm="100000">
-                                          <p:val>
-                                            <p:strVal val="#ppt_x"/>
-                                          </p:val>
-                                        </p:tav>
-                                      </p:tavLst>
-                                    </p:anim>
-                                    <p:anim calcmode="lin" valueType="num">
-                                      <p:cBhvr additive="base">
-                                        <p:cTn id="8" dur="500" fill="hold"/>
-                                        <p:tgtEl>
-                                          <p:spTgt spid="3">
-                                            <p:txEl>
-                                              <p:pRg st="0" end="0"/>
-                                            </p:txEl>
-                                          </p:spTgt>
-                                        </p:tgtEl>
-                                        <p:attrNameLst>
-                                          <p:attrName>ppt_y</p:attrName>
-                                        </p:attrNameLst>
-                                      </p:cBhvr>
-                                      <p:tavLst>
-                                        <p:tav tm="0">
-                                          <p:val>
-                                            <p:strVal val="1+#ppt_h/2"/>
-                                          </p:val>
-                                        </p:tav>
-                                        <p:tav tm="100000">
-                                          <p:val>
-                                            <p:strVal val="#ppt_y"/>
-                                          </p:val>
-                                        </p:tav>
-                                      </p:tavLst>
-                                    </p:anim>
-                                  </p:childTnLst>
-                                </p:cTn>
-                              </p:par>
-                            </p:childTnLst>
-                          </p:cTn>
-                        </p:par>
-                      </p:childTnLst>
-                    </p:cTn>
-                  </p:par>
-                  <p:par>
-                    <p:cTn id="9" fill="hold">
-                      <p:stCondLst>
-                        <p:cond delay="indefinite"/>
-                      </p:stCondLst>
-                      <p:childTnLst>
-                        <p:par>
-                          <p:cTn id="10" fill="hold">
-                            <p:stCondLst>
-                              <p:cond delay="0"/>
-                            </p:stCondLst>
-                            <p:childTnLst>
-                              <p:par>
-                                <p:cTn id="11" presetID="2" presetClass="entr" presetSubtype="4" fill="hold" nodeType="clickEffect">
-                                  <p:stCondLst>
-                                    <p:cond delay="0"/>
-                                  </p:stCondLst>
-                                  <p:childTnLst>
-                                    <p:set>
-                                      <p:cBhvr>
-                                        <p:cTn id="12" dur="1" fill="hold">
-                                          <p:stCondLst>
-                                            <p:cond delay="0"/>
-                                          </p:stCondLst>
-                                        </p:cTn>
-                                        <p:tgtEl>
-                                          <p:spTgt spid="3">
-                                            <p:txEl>
-                                              <p:pRg st="1" end="1"/>
-                                            </p:txEl>
-                                          </p:spTgt>
-                                        </p:tgtEl>
-                                        <p:attrNameLst>
-                                          <p:attrName>style.visibility</p:attrName>
-                                        </p:attrNameLst>
-                                      </p:cBhvr>
-                                      <p:to>
-                                        <p:strVal val="visible"/>
-                                      </p:to>
-                                    </p:set>
-                                    <p:anim calcmode="lin" valueType="num">
-                                      <p:cBhvr additive="base">
-                                        <p:cTn id="13" dur="500" fill="hold"/>
-                                        <p:tgtEl>
-                                          <p:spTgt spid="3">
-                                            <p:txEl>
-                                              <p:pRg st="1" end="1"/>
-                                            </p:txEl>
-                                          </p:spTgt>
-                                        </p:tgtEl>
-                                        <p:attrNameLst>
-                                          <p:attrName>ppt_x</p:attrName>
-                                        </p:attrNameLst>
-                                      </p:cBhvr>
-                                      <p:tavLst>
-                                        <p:tav tm="0">
-                                          <p:val>
-                                            <p:strVal val="#ppt_x"/>
-                                          </p:val>
-                                        </p:tav>
-                                        <p:tav tm="100000">
-                                          <p:val>
-                                            <p:strVal val="#ppt_x"/>
-                                          </p:val>
-                                        </p:tav>
-                                      </p:tavLst>
-                                    </p:anim>
-                                    <p:anim calcmode="lin" valueType="num">
-                                      <p:cBhvr additive="base">
-                                        <p:cTn id="14" dur="500" fill="hold"/>
-                                        <p:tgtEl>
-                                          <p:spTgt spid="3">
-                                            <p:txEl>
-                                              <p:pRg st="1" end="1"/>
-                                            </p:txEl>
-                                          </p:spTgt>
-                                        </p:tgtEl>
-                                        <p:attrNameLst>
-                                          <p:attrName>ppt_y</p:attrName>
-                                        </p:attrNameLst>
-                                      </p:cBhvr>
-                                      <p:tavLst>
-                                        <p:tav tm="0">
-                                          <p:val>
-                                            <p:strVal val="1+#ppt_h/2"/>
-                                          </p:val>
-                                        </p:tav>
-                                        <p:tav tm="100000">
-                                          <p:val>
-                                            <p:strVal val="#ppt_y"/>
-                                          </p:val>
-                                        </p:tav>
-                                      </p:tavLst>
-                                    </p:anim>
-                                  </p:childTnLst>
-                                </p:cTn>
-                              </p:par>
-                              <p:par>
-                                <p:cTn id="15" presetID="2" presetClass="entr" presetSubtype="4" fill="hold" nodeType="withEffect">
-                                  <p:stCondLst>
-                                    <p:cond delay="0"/>
-                                  </p:stCondLst>
-                                  <p:childTnLst>
-                                    <p:set>
-                                      <p:cBhvr>
-                                        <p:cTn id="16" dur="1" fill="hold">
-                                          <p:stCondLst>
-                                            <p:cond delay="0"/>
-                                          </p:stCondLst>
-                                        </p:cTn>
-                                        <p:tgtEl>
-                                          <p:spTgt spid="3">
-                                            <p:txEl>
-                                              <p:pRg st="2" end="2"/>
-                                            </p:txEl>
-                                          </p:spTgt>
-                                        </p:tgtEl>
-                                        <p:attrNameLst>
-                                          <p:attrName>style.visibility</p:attrName>
-                                        </p:attrNameLst>
-                                      </p:cBhvr>
-                                      <p:to>
-                                        <p:strVal val="visible"/>
-                                      </p:to>
-                                    </p:set>
-                                    <p:anim calcmode="lin" valueType="num">
-                                      <p:cBhvr additive="base">
-                                        <p:cTn id="17" dur="500" fill="hold"/>
-                                        <p:tgtEl>
-                                          <p:spTgt spid="3">
-                                            <p:txEl>
-                                              <p:pRg st="2" end="2"/>
-                                            </p:txEl>
-                                          </p:spTgt>
-                                        </p:tgtEl>
-                                        <p:attrNameLst>
-                                          <p:attrName>ppt_x</p:attrName>
-                                        </p:attrNameLst>
-                                      </p:cBhvr>
-                                      <p:tavLst>
-                                        <p:tav tm="0">
-                                          <p:val>
-                                            <p:strVal val="#ppt_x"/>
-                                          </p:val>
-                                        </p:tav>
-                                        <p:tav tm="100000">
-                                          <p:val>
-                                            <p:strVal val="#ppt_x"/>
-                                          </p:val>
-                                        </p:tav>
-                                      </p:tavLst>
-                                    </p:anim>
-                                    <p:anim calcmode="lin" valueType="num">
-                                      <p:cBhvr additive="base">
-                                        <p:cTn id="18" dur="500" fill="hold"/>
-                                        <p:tgtEl>
-                                          <p:spTgt spid="3">
-                                            <p:txEl>
-                                              <p:pRg st="2" end="2"/>
-                                            </p:txEl>
-                                          </p:spTgt>
-                                        </p:tgtEl>
-                                        <p:attrNameLst>
-                                          <p:attrName>ppt_y</p:attrName>
-                                        </p:attrNameLst>
-                                      </p:cBhvr>
-                                      <p:tavLst>
-                                        <p:tav tm="0">
-                                          <p:val>
-                                            <p:strVal val="1+#ppt_h/2"/>
-                                          </p:val>
-                                        </p:tav>
-                                        <p:tav tm="100000">
-                                          <p:val>
-                                            <p:strVal val="#ppt_y"/>
-                                          </p:val>
-                                        </p:tav>
-                                      </p:tavLst>
-                                    </p:anim>
-                                  </p:childTnLst>
-                                </p:cTn>
-                              </p:par>
-                              <p:par>
-                                <p:cTn id="19" presetID="2" presetClass="entr" presetSubtype="4" fill="hold" nodeType="withEffect">
-                                  <p:stCondLst>
-                                    <p:cond delay="0"/>
-                                  </p:stCondLst>
-                                  <p:childTnLst>
-                                    <p:set>
-                                      <p:cBhvr>
-                                        <p:cTn id="20" dur="1" fill="hold">
-                                          <p:stCondLst>
-                                            <p:cond delay="0"/>
-                                          </p:stCondLst>
-                                        </p:cTn>
-                                        <p:tgtEl>
-                                          <p:spTgt spid="3">
-                                            <p:txEl>
-                                              <p:pRg st="3" end="3"/>
-                                            </p:txEl>
-                                          </p:spTgt>
-                                        </p:tgtEl>
-                                        <p:attrNameLst>
-                                          <p:attrName>style.visibility</p:attrName>
-                                        </p:attrNameLst>
-                                      </p:cBhvr>
-                                      <p:to>
-                                        <p:strVal val="visible"/>
-                                      </p:to>
-                                    </p:set>
-                                    <p:anim calcmode="lin" valueType="num">
-                                      <p:cBhvr additive="base">
-                                        <p:cTn id="21" dur="500" fill="hold"/>
-                                        <p:tgtEl>
-                                          <p:spTgt spid="3">
-                                            <p:txEl>
-                                              <p:pRg st="3" end="3"/>
-                                            </p:txEl>
-                                          </p:spTgt>
-                                        </p:tgtEl>
-                                        <p:attrNameLst>
-                                          <p:attrName>ppt_x</p:attrName>
-                                        </p:attrNameLst>
-                                      </p:cBhvr>
-                                      <p:tavLst>
-                                        <p:tav tm="0">
-                                          <p:val>
-                                            <p:strVal val="#ppt_x"/>
-                                          </p:val>
-                                        </p:tav>
-                                        <p:tav tm="100000">
-                                          <p:val>
-                                            <p:strVal val="#ppt_x"/>
-                                          </p:val>
-                                        </p:tav>
-                                      </p:tavLst>
-                                    </p:anim>
-                                    <p:anim calcmode="lin" valueType="num">
-                                      <p:cBhvr additive="base">
-                                        <p:cTn id="22" dur="500" fill="hold"/>
-                                        <p:tgtEl>
-                                          <p:spTgt spid="3">
-                                            <p:txEl>
-                                              <p:pRg st="3" end="3"/>
-                                            </p:txEl>
-                                          </p:spTgt>
-                                        </p:tgtEl>
-                                        <p:attrNameLst>
-                                          <p:attrName>ppt_y</p:attrName>
-                                        </p:attrNameLst>
-                                      </p:cBhvr>
-                                      <p:tavLst>
-                                        <p:tav tm="0">
-                                          <p:val>
-                                            <p:strVal val="1+#ppt_h/2"/>
-                                          </p:val>
-                                        </p:tav>
-                                        <p:tav tm="100000">
-                                          <p:val>
-                                            <p:strVal val="#ppt_y"/>
-                                          </p:val>
-                                        </p:tav>
-                                      </p:tavLst>
-                                    </p:anim>
-                                  </p:childTnLst>
-                                </p:cTn>
-                              </p:par>
-                            </p:childTnLst>
-                          </p:cTn>
-                        </p:par>
-                      </p:childTnLst>
-                    </p:cTn>
-                  </p:par>
-                  <p:par>
-                    <p:cTn id="23" fill="hold">
-                      <p:stCondLst>
-                        <p:cond delay="indefinite"/>
-                      </p:stCondLst>
-                      <p:childTnLst>
-                        <p:par>
-                          <p:cTn id="24" fill="hold">
-                            <p:stCondLst>
-                              <p:cond delay="0"/>
-                            </p:stCondLst>
-                            <p:childTnLst>
-                              <p:par>
-                                <p:cTn id="25" presetID="2" presetClass="entr" presetSubtype="4" fill="hold" nodeType="clickEffect">
-                                  <p:stCondLst>
-                                    <p:cond delay="0"/>
-                                  </p:stCondLst>
-                                  <p:childTnLst>
-                                    <p:set>
-                                      <p:cBhvr>
-                                        <p:cTn id="26" dur="1" fill="hold">
-                                          <p:stCondLst>
-                                            <p:cond delay="0"/>
-                                          </p:stCondLst>
-                                        </p:cTn>
-                                        <p:tgtEl>
-                                          <p:spTgt spid="3">
-                                            <p:txEl>
-                                              <p:pRg st="4" end="4"/>
-                                            </p:txEl>
-                                          </p:spTgt>
-                                        </p:tgtEl>
-                                        <p:attrNameLst>
-                                          <p:attrName>style.visibility</p:attrName>
-                                        </p:attrNameLst>
-                                      </p:cBhvr>
-                                      <p:to>
-                                        <p:strVal val="visible"/>
-                                      </p:to>
-                                    </p:set>
-                                    <p:anim calcmode="lin" valueType="num">
-                                      <p:cBhvr additive="base">
-                                        <p:cTn id="27" dur="500" fill="hold"/>
-                                        <p:tgtEl>
-                                          <p:spTgt spid="3">
-                                            <p:txEl>
-                                              <p:pRg st="4" end="4"/>
-                                            </p:txEl>
-                                          </p:spTgt>
-                                        </p:tgtEl>
-                                        <p:attrNameLst>
-                                          <p:attrName>ppt_x</p:attrName>
-                                        </p:attrNameLst>
-                                      </p:cBhvr>
-                                      <p:tavLst>
-                                        <p:tav tm="0">
-                                          <p:val>
-                                            <p:strVal val="#ppt_x"/>
-                                          </p:val>
-                                        </p:tav>
-                                        <p:tav tm="100000">
-                                          <p:val>
-                                            <p:strVal val="#ppt_x"/>
-                                          </p:val>
-                                        </p:tav>
-                                      </p:tavLst>
-                                    </p:anim>
-                                    <p:anim calcmode="lin" valueType="num">
-                                      <p:cBhvr additive="base">
-                                        <p:cTn id="28" dur="500" fill="hold"/>
-                                        <p:tgtEl>
-                                          <p:spTgt spid="3">
-                                            <p:txEl>
-                                              <p:pRg st="4" end="4"/>
-                                            </p:txEl>
-                                          </p:spTgt>
-                                        </p:tgtEl>
-                                        <p:attrNameLst>
-                                          <p:attrName>ppt_y</p:attrName>
-                                        </p:attrNameLst>
-                                      </p:cBhvr>
-                                      <p:tavLst>
-                                        <p:tav tm="0">
-                                          <p:val>
-                                            <p:strVal val="1+#ppt_h/2"/>
-                                          </p:val>
-                                        </p:tav>
-                                        <p:tav tm="100000">
-                                          <p:val>
-                                            <p:strVal val="#ppt_y"/>
-                                          </p:val>
-                                        </p:tav>
-                                      </p:tavLst>
-                                    </p:anim>
-                                  </p:childTnLst>
-                                </p:cTn>
-                              </p:par>
-                            </p:childTnLst>
-                          </p:cTn>
-                        </p:par>
-                      </p:childTnLst>
-                    </p:cTn>
-                  </p:par>
-                  <p:par>
-                    <p:cTn id="29" fill="hold">
-                      <p:stCondLst>
-                        <p:cond delay="indefinite"/>
-                      </p:stCondLst>
-                      <p:childTnLst>
-                        <p:par>
-                          <p:cTn id="30" fill="hold">
-                            <p:stCondLst>
-                              <p:cond delay="0"/>
-                            </p:stCondLst>
-                            <p:childTnLst>
-                              <p:par>
-                                <p:cTn id="31" presetID="2" presetClass="entr" presetSubtype="4" fill="hold" nodeType="clickEffect">
-                                  <p:stCondLst>
-                                    <p:cond delay="0"/>
-                                  </p:stCondLst>
-                                  <p:childTnLst>
-                                    <p:set>
-                                      <p:cBhvr>
-                                        <p:cTn id="32" dur="1" fill="hold">
-                                          <p:stCondLst>
-                                            <p:cond delay="0"/>
-                                          </p:stCondLst>
-                                        </p:cTn>
-                                        <p:tgtEl>
-                                          <p:spTgt spid="3">
-                                            <p:txEl>
-                                              <p:pRg st="5" end="5"/>
-                                            </p:txEl>
-                                          </p:spTgt>
-                                        </p:tgtEl>
-                                        <p:attrNameLst>
-                                          <p:attrName>style.visibility</p:attrName>
-                                        </p:attrNameLst>
-                                      </p:cBhvr>
-                                      <p:to>
-                                        <p:strVal val="visible"/>
-                                      </p:to>
-                                    </p:set>
-                                    <p:anim calcmode="lin" valueType="num">
-                                      <p:cBhvr additive="base">
-                                        <p:cTn id="33" dur="500" fill="hold"/>
-                                        <p:tgtEl>
-                                          <p:spTgt spid="3">
-                                            <p:txEl>
-                                              <p:pRg st="5" end="5"/>
-                                            </p:txEl>
-                                          </p:spTgt>
-                                        </p:tgtEl>
-                                        <p:attrNameLst>
-                                          <p:attrName>ppt_x</p:attrName>
-                                        </p:attrNameLst>
-                                      </p:cBhvr>
-                                      <p:tavLst>
-                                        <p:tav tm="0">
-                                          <p:val>
-                                            <p:strVal val="#ppt_x"/>
-                                          </p:val>
-                                        </p:tav>
-                                        <p:tav tm="100000">
-                                          <p:val>
-                                            <p:strVal val="#ppt_x"/>
-                                          </p:val>
-                                        </p:tav>
-                                      </p:tavLst>
-                                    </p:anim>
-                                    <p:anim calcmode="lin" valueType="num">
-                                      <p:cBhvr additive="base">
-                                        <p:cTn id="34" dur="500" fill="hold"/>
-                                        <p:tgtEl>
-                                          <p:spTgt spid="3">
-                                            <p:txEl>
-                                              <p:pRg st="5" end="5"/>
-                                            </p:txEl>
-                                          </p:spTgt>
-                                        </p:tgtEl>
-                                        <p:attrNameLst>
-                                          <p:attrName>ppt_y</p:attrName>
-                                        </p:attrNameLst>
-                                      </p:cBhvr>
-                                      <p:tavLst>
-                                        <p:tav tm="0">
-                                          <p:val>
-                                            <p:strVal val="1+#ppt_h/2"/>
-                                          </p:val>
-                                        </p:tav>
-                                        <p:tav tm="100000">
-                                          <p:val>
-                                            <p:strVal val="#ppt_y"/>
-                                          </p:val>
-                                        </p:tav>
-                                      </p:tavLst>
-                                    </p:anim>
-                                  </p:childTnLst>
-                                </p:cTn>
-                              </p:par>
-                            </p:childTnLst>
-                          </p:cTn>
-                        </p:par>
-                      </p:childTnLst>
-                    </p:cTn>
-                  </p:par>
-                </p:childTnLst>
-              </p:cTn>
-              <p:prevCondLst>
-                <p:cond evt="onPrev" delay="0">
-                  <p:tgtEl>
-                    <p:sldTgt/>
-                  </p:tgtEl>
-                </p:cond>
-              </p:prevCondLst>
-              <p:nextCondLst>
-                <p:cond evt="onNext" delay="0">
-                  <p:tgtEl>
-                    <p:sldTgt/>
-                  </p:tgtEl>
-                </p:cond>
-              </p:nextCondLst>
-            </p:seq>
-          </p:childTnLst>
-        </p:cTn>
-      </p:par>
-    </p:tnLst>
-  </p:timing>
-</p:sld>
-</file>
-
-<file path=ppt/slides/slide3.xml><?xml version="1.0" encoding="utf-8"?>
-<p:sld xmlns:a="http://schemas.openxmlformats.org/drawingml/2006/main" xmlns:r="http://schemas.openxmlformats.org/officeDocument/2006/relationships" xmlns:p="http://schemas.openxmlformats.org/presentationml/2006/main">
-  <p:cSld>
-    <p:spTree>
-      <p:nvGrpSpPr>
-        <p:cNvPr id="1" name=""/>
-        <p:cNvGrpSpPr/>
-        <p:nvPr/>
-      </p:nvGrpSpPr>
-      <p:grpSpPr>
-        <a:xfrm>
-          <a:off x="0" y="0"/>
-          <a:ext cx="0" cy="0"/>
-          <a:chOff x="0" y="0"/>
-          <a:chExt cx="0" cy="0"/>
-        </a:xfrm>
-      </p:grpSpPr>
-      <p:pic>
-        <p:nvPicPr>
-          <p:cNvPr id="6" name="Content Placeholder 5"/>
-          <p:cNvPicPr>
-            <a:picLocks noGrp="1" noChangeAspect="1"/>
-          </p:cNvPicPr>
-          <p:nvPr>
-            <p:ph idx="1"/>
-          </p:nvPr>
-        </p:nvPicPr>
-        <p:blipFill>
-          <a:blip r:embed="rId2">
-            <a:extLst>
-              <a:ext uri="{28A0092B-C50C-407E-A947-70E740481C1C}">
-                <a14:useLocalDpi xmlns:a14="http://schemas.microsoft.com/office/drawing/2010/main" val="0"/>
-              </a:ext>
-            </a:extLst>
-          </a:blip>
-          <a:stretch>
-            <a:fillRect/>
-          </a:stretch>
-        </p:blipFill>
-        <p:spPr>
-          <a:xfrm>
-            <a:off x="677335" y="1397726"/>
-            <a:ext cx="8806300" cy="4924697"/>
-          </a:xfrm>
-        </p:spPr>
-      </p:pic>
-      <p:sp>
-        <p:nvSpPr>
-          <p:cNvPr id="5" name="Title 4"/>
-          <p:cNvSpPr>
-            <a:spLocks noGrp="1"/>
-          </p:cNvSpPr>
-          <p:nvPr>
-            <p:ph type="title"/>
-          </p:nvPr>
-        </p:nvSpPr>
-        <p:spPr>
-          <a:xfrm>
-            <a:off x="677334" y="609600"/>
-            <a:ext cx="8596668" cy="435429"/>
-          </a:xfrm>
-        </p:spPr>
-        <p:txBody>
-          <a:bodyPr>
-            <a:normAutofit fontScale="90000"/>
-          </a:bodyPr>
-          <a:lstStyle/>
-          <a:p>
-            <a:r>
-              <a:rPr lang="en-US" sz="3000" dirty="0" smtClean="0">
-                <a:latin typeface="Times New Roman" panose="02020603050405020304" pitchFamily="18" charset="0"/>
-                <a:cs typeface="Times New Roman" panose="02020603050405020304" pitchFamily="18" charset="0"/>
-              </a:rPr>
-              <a:t>* </a:t>
-            </a:r>
-            <a:r>
-              <a:rPr lang="en-US" sz="3000" dirty="0" err="1" smtClean="0">
-                <a:latin typeface="Times New Roman" panose="02020603050405020304" pitchFamily="18" charset="0"/>
-                <a:cs typeface="Times New Roman" panose="02020603050405020304" pitchFamily="18" charset="0"/>
-              </a:rPr>
-              <a:t>Mô</a:t>
-            </a:r>
-            <a:r>
-              <a:rPr lang="en-US" sz="3000" dirty="0" smtClean="0">
-                <a:latin typeface="Times New Roman" panose="02020603050405020304" pitchFamily="18" charset="0"/>
-                <a:cs typeface="Times New Roman" panose="02020603050405020304" pitchFamily="18" charset="0"/>
-              </a:rPr>
-              <a:t> </a:t>
-            </a:r>
-            <a:r>
-              <a:rPr lang="en-US" sz="3000" dirty="0" err="1" smtClean="0">
-                <a:latin typeface="Times New Roman" panose="02020603050405020304" pitchFamily="18" charset="0"/>
-                <a:cs typeface="Times New Roman" panose="02020603050405020304" pitchFamily="18" charset="0"/>
-              </a:rPr>
-              <a:t>hình</a:t>
-            </a:r>
-            <a:r>
-              <a:rPr lang="en-US" sz="3000" dirty="0" smtClean="0">
-                <a:latin typeface="Times New Roman" panose="02020603050405020304" pitchFamily="18" charset="0"/>
-                <a:cs typeface="Times New Roman" panose="02020603050405020304" pitchFamily="18" charset="0"/>
-              </a:rPr>
-              <a:t> Messaging:</a:t>
-            </a:r>
-            <a:endParaRPr lang="en-US" sz="3000" dirty="0">
-              <a:latin typeface="Times New Roman" panose="02020603050405020304" pitchFamily="18" charset="0"/>
-              <a:cs typeface="Times New Roman" panose="02020603050405020304" pitchFamily="18" charset="0"/>
-            </a:endParaRPr>
-          </a:p>
-        </p:txBody>
-      </p:sp>
-    </p:spTree>
-    <p:extLst>
-      <p:ext uri="{BB962C8B-B14F-4D97-AF65-F5344CB8AC3E}">
-        <p14:creationId xmlns:p14="http://schemas.microsoft.com/office/powerpoint/2010/main" val="4146443841"/>
-      </p:ext>
-    </p:extLst>
-  </p:cSld>
-  <p:clrMapOvr>
-    <a:masterClrMapping/>
-  </p:clrMapOvr>
-  <p:timing>
-    <p:tnLst>
-      <p:par>
-        <p:cTn id="1" dur="indefinite" restart="never" nodeType="tmRoot"/>
-      </p:par>
-    </p:tnLst>
-  </p:timing>
-</p:sld>
-</file>
-
-<file path=ppt/slides/slide4.xml><?xml version="1.0" encoding="utf-8"?>
-<p:sld xmlns:a="http://schemas.openxmlformats.org/drawingml/2006/main" xmlns:r="http://schemas.openxmlformats.org/officeDocument/2006/relationships" xmlns:p="http://schemas.openxmlformats.org/presentationml/2006/main">
-  <p:cSld>
-    <p:spTree>
-      <p:nvGrpSpPr>
-        <p:cNvPr id="1" name=""/>
-        <p:cNvGrpSpPr/>
-        <p:nvPr/>
-      </p:nvGrpSpPr>
-      <p:grpSpPr>
-        <a:xfrm>
-          <a:off x="0" y="0"/>
-          <a:ext cx="0" cy="0"/>
-          <a:chOff x="0" y="0"/>
-          <a:chExt cx="0" cy="0"/>
-        </a:xfrm>
-      </p:grpSpPr>
-      <p:sp>
-        <p:nvSpPr>
-          <p:cNvPr id="3" name="Content Placeholder 2"/>
-          <p:cNvSpPr>
-            <a:spLocks noGrp="1"/>
-          </p:cNvSpPr>
-          <p:nvPr>
-            <p:ph idx="1"/>
-          </p:nvPr>
-        </p:nvSpPr>
-        <p:spPr>
-          <a:xfrm>
-            <a:off x="625080" y="253412"/>
-            <a:ext cx="5331583" cy="6447834"/>
-          </a:xfrm>
-        </p:spPr>
-        <p:txBody>
-          <a:bodyPr>
-            <a:normAutofit/>
-          </a:bodyPr>
-          <a:lstStyle/>
-          <a:p>
-            <a:pPr marL="0" indent="0">
-              <a:buNone/>
-            </a:pPr>
-            <a:r>
-              <a:rPr lang="en-US" sz="2800" b="1" dirty="0" smtClean="0">
+              <a:t>Khái </a:t>
+            </a:r>
+            <a:r>
+              <a:rPr lang="en-US" sz="2800" b="1" smtClean="0">
                 <a:solidFill>
                   <a:srgbClr val="92D050"/>
                 </a:solidFill>
                 <a:latin typeface="Times New Roman" panose="02020603050405020304" pitchFamily="18" charset="0"/>
                 <a:cs typeface="Times New Roman" panose="02020603050405020304" pitchFamily="18" charset="0"/>
               </a:rPr>
-              <a:t>2. Khái </a:t>
-            </a:r>
-            <a:r>
-              <a:rPr lang="en-US" sz="2800" b="1" dirty="0" err="1" smtClean="0">
+              <a:t>niệm </a:t>
+            </a:r>
+            <a:r>
+              <a:rPr lang="en-US" sz="2800" b="1" smtClean="0">
                 <a:solidFill>
                   <a:srgbClr val="92D050"/>
                 </a:solidFill>
                 <a:latin typeface="Times New Roman" panose="02020603050405020304" pitchFamily="18" charset="0"/>
                 <a:cs typeface="Times New Roman" panose="02020603050405020304" pitchFamily="18" charset="0"/>
               </a:rPr>
-              <a:t>niệm</a:t>
-            </a:r>
-            <a:r>
-              <a:rPr lang="en-US" sz="2800" b="1" dirty="0" smtClean="0">
-                <a:solidFill>
-                  <a:srgbClr val="92D050"/>
-                </a:solidFill>
-                <a:latin typeface="Times New Roman" panose="02020603050405020304" pitchFamily="18" charset="0"/>
-                <a:cs typeface="Times New Roman" panose="02020603050405020304" pitchFamily="18" charset="0"/>
-              </a:rPr>
-              <a:t> </a:t>
-            </a:r>
-            <a:r>
-              <a:rPr lang="en-US" sz="2800" b="1" dirty="0" smtClean="0">
-                <a:solidFill>
-                  <a:srgbClr val="92D050"/>
-                </a:solidFill>
-                <a:latin typeface="Times New Roman" panose="02020603050405020304" pitchFamily="18" charset="0"/>
-                <a:cs typeface="Times New Roman" panose="02020603050405020304" pitchFamily="18" charset="0"/>
-              </a:rPr>
-              <a:t>JMS API.</a:t>
-            </a:r>
-          </a:p>
-          <a:p>
-            <a:pPr marL="0" indent="0">
-              <a:buNone/>
-            </a:pPr>
+              <a:t>Message</a:t>
+            </a:r>
             <a:endParaRPr lang="en-US" sz="2800" b="1" dirty="0" smtClean="0">
               <a:solidFill>
                 <a:srgbClr val="92D050"/>
@@ -9972,445 +8423,79 @@
               <a:buChar char="-"/>
             </a:pPr>
             <a:r>
-              <a:rPr lang="en-US" sz="2400" dirty="0" smtClean="0">
-                <a:solidFill>
-                  <a:schemeClr val="tx1"/>
-                </a:solidFill>
-                <a:latin typeface="Times New Roman" panose="02020603050405020304" pitchFamily="18" charset="0"/>
-                <a:cs typeface="Times New Roman" panose="02020603050405020304" pitchFamily="18" charset="0"/>
-              </a:rPr>
-              <a:t>Java </a:t>
-            </a:r>
-            <a:r>
-              <a:rPr lang="en-US" sz="2400" dirty="0" smtClean="0">
-                <a:solidFill>
-                  <a:schemeClr val="tx1"/>
-                </a:solidFill>
-                <a:latin typeface="Times New Roman" panose="02020603050405020304" pitchFamily="18" charset="0"/>
-                <a:cs typeface="Times New Roman" panose="02020603050405020304" pitchFamily="18" charset="0"/>
-              </a:rPr>
-              <a:t>Message </a:t>
-            </a:r>
-            <a:r>
-              <a:rPr lang="en-US" sz="2400" dirty="0" smtClean="0">
-                <a:solidFill>
-                  <a:schemeClr val="tx1"/>
-                </a:solidFill>
-                <a:latin typeface="Times New Roman" panose="02020603050405020304" pitchFamily="18" charset="0"/>
-                <a:cs typeface="Times New Roman" panose="02020603050405020304" pitchFamily="18" charset="0"/>
-              </a:rPr>
-              <a:t>Service (JMS) API </a:t>
-            </a:r>
-            <a:r>
-              <a:rPr lang="en-US" sz="2400" dirty="0" err="1" smtClean="0">
-                <a:solidFill>
-                  <a:schemeClr val="tx1"/>
-                </a:solidFill>
-                <a:latin typeface="Times New Roman" panose="02020603050405020304" pitchFamily="18" charset="0"/>
-                <a:cs typeface="Times New Roman" panose="02020603050405020304" pitchFamily="18" charset="0"/>
-              </a:rPr>
-              <a:t>là</a:t>
-            </a:r>
-            <a:r>
-              <a:rPr lang="en-US" sz="2400" dirty="0" smtClean="0">
-                <a:solidFill>
-                  <a:schemeClr val="tx1"/>
-                </a:solidFill>
-                <a:latin typeface="Times New Roman" panose="02020603050405020304" pitchFamily="18" charset="0"/>
-                <a:cs typeface="Times New Roman" panose="02020603050405020304" pitchFamily="18" charset="0"/>
-              </a:rPr>
-              <a:t> </a:t>
-            </a:r>
-            <a:r>
-              <a:rPr lang="en-US" sz="2400" dirty="0" err="1" smtClean="0">
-                <a:solidFill>
-                  <a:schemeClr val="tx1"/>
-                </a:solidFill>
-                <a:latin typeface="Times New Roman" panose="02020603050405020304" pitchFamily="18" charset="0"/>
-                <a:cs typeface="Times New Roman" panose="02020603050405020304" pitchFamily="18" charset="0"/>
-              </a:rPr>
-              <a:t>một</a:t>
-            </a:r>
-            <a:r>
-              <a:rPr lang="en-US" sz="2400" dirty="0" smtClean="0">
-                <a:solidFill>
-                  <a:schemeClr val="tx1"/>
-                </a:solidFill>
-                <a:latin typeface="Times New Roman" panose="02020603050405020304" pitchFamily="18" charset="0"/>
-                <a:cs typeface="Times New Roman" panose="02020603050405020304" pitchFamily="18" charset="0"/>
-              </a:rPr>
-              <a:t> </a:t>
-            </a:r>
-            <a:r>
-              <a:rPr lang="en-US" sz="2400" dirty="0" err="1" smtClean="0">
-                <a:solidFill>
-                  <a:schemeClr val="tx1"/>
-                </a:solidFill>
-                <a:latin typeface="Times New Roman" panose="02020603050405020304" pitchFamily="18" charset="0"/>
-                <a:cs typeface="Times New Roman" panose="02020603050405020304" pitchFamily="18" charset="0"/>
-              </a:rPr>
-              <a:t>phần</a:t>
-            </a:r>
-            <a:r>
-              <a:rPr lang="en-US" sz="2400" dirty="0" smtClean="0">
-                <a:solidFill>
-                  <a:schemeClr val="tx1"/>
-                </a:solidFill>
-                <a:latin typeface="Times New Roman" panose="02020603050405020304" pitchFamily="18" charset="0"/>
-                <a:cs typeface="Times New Roman" panose="02020603050405020304" pitchFamily="18" charset="0"/>
-              </a:rPr>
-              <a:t> </a:t>
-            </a:r>
-            <a:r>
-              <a:rPr lang="en-US" sz="2400" dirty="0" err="1" smtClean="0">
-                <a:solidFill>
-                  <a:schemeClr val="tx1"/>
-                </a:solidFill>
-                <a:latin typeface="Times New Roman" panose="02020603050405020304" pitchFamily="18" charset="0"/>
-                <a:cs typeface="Times New Roman" panose="02020603050405020304" pitchFamily="18" charset="0"/>
-              </a:rPr>
-              <a:t>của</a:t>
-            </a:r>
-            <a:r>
-              <a:rPr lang="en-US" sz="2400" dirty="0" smtClean="0">
-                <a:solidFill>
-                  <a:schemeClr val="tx1"/>
-                </a:solidFill>
-                <a:latin typeface="Times New Roman" panose="02020603050405020304" pitchFamily="18" charset="0"/>
-                <a:cs typeface="Times New Roman" panose="02020603050405020304" pitchFamily="18" charset="0"/>
-              </a:rPr>
-              <a:t> </a:t>
-            </a:r>
-            <a:r>
-              <a:rPr lang="en-US" sz="2400" dirty="0" err="1" smtClean="0">
-                <a:solidFill>
-                  <a:schemeClr val="tx1"/>
-                </a:solidFill>
-                <a:latin typeface="Times New Roman" panose="02020603050405020304" pitchFamily="18" charset="0"/>
-                <a:cs typeface="Times New Roman" panose="02020603050405020304" pitchFamily="18" charset="0"/>
-              </a:rPr>
-              <a:t>kỹ</a:t>
-            </a:r>
-            <a:r>
-              <a:rPr lang="en-US" sz="2400" dirty="0" smtClean="0">
-                <a:solidFill>
-                  <a:schemeClr val="tx1"/>
-                </a:solidFill>
-                <a:latin typeface="Times New Roman" panose="02020603050405020304" pitchFamily="18" charset="0"/>
-                <a:cs typeface="Times New Roman" panose="02020603050405020304" pitchFamily="18" charset="0"/>
-              </a:rPr>
-              <a:t> </a:t>
-            </a:r>
-            <a:r>
-              <a:rPr lang="en-US" sz="2400" dirty="0" err="1" smtClean="0">
-                <a:solidFill>
-                  <a:schemeClr val="tx1"/>
-                </a:solidFill>
-                <a:latin typeface="Times New Roman" panose="02020603050405020304" pitchFamily="18" charset="0"/>
-                <a:cs typeface="Times New Roman" panose="02020603050405020304" pitchFamily="18" charset="0"/>
-              </a:rPr>
-              <a:t>thuật</a:t>
-            </a:r>
-            <a:r>
-              <a:rPr lang="en-US" sz="2400" dirty="0" smtClean="0">
-                <a:solidFill>
-                  <a:schemeClr val="tx1"/>
-                </a:solidFill>
-                <a:latin typeface="Times New Roman" panose="02020603050405020304" pitchFamily="18" charset="0"/>
-                <a:cs typeface="Times New Roman" panose="02020603050405020304" pitchFamily="18" charset="0"/>
-              </a:rPr>
-              <a:t> Java </a:t>
-            </a:r>
-            <a:r>
-              <a:rPr lang="en-US" sz="2400" dirty="0" err="1" smtClean="0">
-                <a:solidFill>
-                  <a:schemeClr val="tx1"/>
-                </a:solidFill>
-                <a:latin typeface="Times New Roman" panose="02020603050405020304" pitchFamily="18" charset="0"/>
-                <a:cs typeface="Times New Roman" panose="02020603050405020304" pitchFamily="18" charset="0"/>
-              </a:rPr>
-              <a:t>Enterprice</a:t>
-            </a:r>
-            <a:r>
-              <a:rPr lang="en-US" sz="2400" dirty="0" smtClean="0">
-                <a:solidFill>
-                  <a:schemeClr val="tx1"/>
-                </a:solidFill>
-                <a:latin typeface="Times New Roman" panose="02020603050405020304" pitchFamily="18" charset="0"/>
-                <a:cs typeface="Times New Roman" panose="02020603050405020304" pitchFamily="18" charset="0"/>
-              </a:rPr>
-              <a:t> Edition (JEE), </a:t>
-            </a:r>
-            <a:r>
-              <a:rPr lang="en-US" sz="2400" dirty="0" err="1" smtClean="0">
-                <a:solidFill>
-                  <a:schemeClr val="tx1"/>
-                </a:solidFill>
-                <a:latin typeface="Times New Roman" panose="02020603050405020304" pitchFamily="18" charset="0"/>
-                <a:cs typeface="Times New Roman" panose="02020603050405020304" pitchFamily="18" charset="0"/>
-              </a:rPr>
-              <a:t>bao</a:t>
-            </a:r>
-            <a:r>
-              <a:rPr lang="en-US" sz="2400" dirty="0" smtClean="0">
-                <a:solidFill>
-                  <a:schemeClr val="tx1"/>
-                </a:solidFill>
-                <a:latin typeface="Times New Roman" panose="02020603050405020304" pitchFamily="18" charset="0"/>
-                <a:cs typeface="Times New Roman" panose="02020603050405020304" pitchFamily="18" charset="0"/>
-              </a:rPr>
-              <a:t> </a:t>
-            </a:r>
-            <a:r>
-              <a:rPr lang="en-US" sz="2400" dirty="0" err="1" smtClean="0">
-                <a:solidFill>
-                  <a:schemeClr val="tx1"/>
-                </a:solidFill>
-                <a:latin typeface="Times New Roman" panose="02020603050405020304" pitchFamily="18" charset="0"/>
-                <a:cs typeface="Times New Roman" panose="02020603050405020304" pitchFamily="18" charset="0"/>
-              </a:rPr>
-              <a:t>gồm</a:t>
-            </a:r>
-            <a:r>
-              <a:rPr lang="en-US" sz="2400" dirty="0" smtClean="0">
-                <a:solidFill>
-                  <a:schemeClr val="tx1"/>
-                </a:solidFill>
-                <a:latin typeface="Times New Roman" panose="02020603050405020304" pitchFamily="18" charset="0"/>
-                <a:cs typeface="Times New Roman" panose="02020603050405020304" pitchFamily="18" charset="0"/>
-              </a:rPr>
-              <a:t> </a:t>
-            </a:r>
-            <a:r>
-              <a:rPr lang="en-US" sz="2400" dirty="0" err="1" smtClean="0">
-                <a:solidFill>
-                  <a:schemeClr val="tx1"/>
-                </a:solidFill>
-                <a:latin typeface="Times New Roman" panose="02020603050405020304" pitchFamily="18" charset="0"/>
-                <a:cs typeface="Times New Roman" panose="02020603050405020304" pitchFamily="18" charset="0"/>
-              </a:rPr>
-              <a:t>những</a:t>
-            </a:r>
-            <a:r>
-              <a:rPr lang="en-US" sz="2400" dirty="0" smtClean="0">
-                <a:solidFill>
-                  <a:schemeClr val="tx1"/>
-                </a:solidFill>
-                <a:latin typeface="Times New Roman" panose="02020603050405020304" pitchFamily="18" charset="0"/>
-                <a:cs typeface="Times New Roman" panose="02020603050405020304" pitchFamily="18" charset="0"/>
-              </a:rPr>
-              <a:t> </a:t>
-            </a:r>
-            <a:r>
-              <a:rPr lang="en-US" sz="2400" dirty="0" err="1" smtClean="0">
-                <a:solidFill>
-                  <a:schemeClr val="tx1"/>
-                </a:solidFill>
-                <a:latin typeface="Times New Roman" panose="02020603050405020304" pitchFamily="18" charset="0"/>
-                <a:cs typeface="Times New Roman" panose="02020603050405020304" pitchFamily="18" charset="0"/>
-              </a:rPr>
-              <a:t>gì</a:t>
-            </a:r>
-            <a:r>
-              <a:rPr lang="en-US" sz="2400" dirty="0" smtClean="0">
-                <a:solidFill>
-                  <a:schemeClr val="tx1"/>
-                </a:solidFill>
-                <a:latin typeface="Times New Roman" panose="02020603050405020304" pitchFamily="18" charset="0"/>
-                <a:cs typeface="Times New Roman" panose="02020603050405020304" pitchFamily="18" charset="0"/>
-              </a:rPr>
-              <a:t> </a:t>
-            </a:r>
-            <a:r>
-              <a:rPr lang="en-US" sz="2400" dirty="0" err="1" smtClean="0">
-                <a:solidFill>
-                  <a:schemeClr val="tx1"/>
-                </a:solidFill>
-                <a:latin typeface="Times New Roman" panose="02020603050405020304" pitchFamily="18" charset="0"/>
-                <a:cs typeface="Times New Roman" panose="02020603050405020304" pitchFamily="18" charset="0"/>
-              </a:rPr>
-              <a:t>thuộc</a:t>
-            </a:r>
-            <a:r>
-              <a:rPr lang="en-US" sz="2400" dirty="0" smtClean="0">
-                <a:solidFill>
-                  <a:schemeClr val="tx1"/>
-                </a:solidFill>
-                <a:latin typeface="Times New Roman" panose="02020603050405020304" pitchFamily="18" charset="0"/>
-                <a:cs typeface="Times New Roman" panose="02020603050405020304" pitchFamily="18" charset="0"/>
-              </a:rPr>
-              <a:t> </a:t>
-            </a:r>
-            <a:r>
-              <a:rPr lang="en-US" sz="2400" dirty="0" err="1" smtClean="0">
-                <a:solidFill>
-                  <a:schemeClr val="tx1"/>
-                </a:solidFill>
-                <a:latin typeface="Times New Roman" panose="02020603050405020304" pitchFamily="18" charset="0"/>
-                <a:cs typeface="Times New Roman" panose="02020603050405020304" pitchFamily="18" charset="0"/>
-              </a:rPr>
-              <a:t>về</a:t>
-            </a:r>
-            <a:r>
-              <a:rPr lang="en-US" sz="2400" dirty="0" smtClean="0">
-                <a:solidFill>
-                  <a:schemeClr val="tx1"/>
-                </a:solidFill>
-                <a:latin typeface="Times New Roman" panose="02020603050405020304" pitchFamily="18" charset="0"/>
-                <a:cs typeface="Times New Roman" panose="02020603050405020304" pitchFamily="18" charset="0"/>
-              </a:rPr>
-              <a:t> </a:t>
-            </a:r>
-            <a:r>
-              <a:rPr lang="en-US" sz="2400" dirty="0" err="1" smtClean="0">
-                <a:solidFill>
-                  <a:schemeClr val="tx1"/>
-                </a:solidFill>
-                <a:latin typeface="Times New Roman" panose="02020603050405020304" pitchFamily="18" charset="0"/>
-                <a:cs typeface="Times New Roman" panose="02020603050405020304" pitchFamily="18" charset="0"/>
-              </a:rPr>
-              <a:t>việc</a:t>
-            </a:r>
-            <a:r>
-              <a:rPr lang="en-US" sz="2400" dirty="0" smtClean="0">
-                <a:solidFill>
-                  <a:schemeClr val="tx1"/>
-                </a:solidFill>
-                <a:latin typeface="Times New Roman" panose="02020603050405020304" pitchFamily="18" charset="0"/>
-                <a:cs typeface="Times New Roman" panose="02020603050405020304" pitchFamily="18" charset="0"/>
-              </a:rPr>
-              <a:t> </a:t>
-            </a:r>
-            <a:r>
-              <a:rPr lang="en-US" sz="2400" dirty="0" err="1" smtClean="0">
-                <a:solidFill>
-                  <a:schemeClr val="tx1"/>
-                </a:solidFill>
-                <a:latin typeface="Times New Roman" panose="02020603050405020304" pitchFamily="18" charset="0"/>
-                <a:cs typeface="Times New Roman" panose="02020603050405020304" pitchFamily="18" charset="0"/>
-              </a:rPr>
-              <a:t>gửi</a:t>
-            </a:r>
-            <a:r>
-              <a:rPr lang="en-US" sz="2400" dirty="0" smtClean="0">
-                <a:solidFill>
-                  <a:schemeClr val="tx1"/>
-                </a:solidFill>
-                <a:latin typeface="Times New Roman" panose="02020603050405020304" pitchFamily="18" charset="0"/>
-                <a:cs typeface="Times New Roman" panose="02020603050405020304" pitchFamily="18" charset="0"/>
-              </a:rPr>
-              <a:t> </a:t>
-            </a:r>
-            <a:r>
-              <a:rPr lang="en-US" sz="2400" dirty="0" err="1" smtClean="0">
-                <a:solidFill>
-                  <a:schemeClr val="tx1"/>
-                </a:solidFill>
-                <a:latin typeface="Times New Roman" panose="02020603050405020304" pitchFamily="18" charset="0"/>
-                <a:cs typeface="Times New Roman" panose="02020603050405020304" pitchFamily="18" charset="0"/>
-              </a:rPr>
-              <a:t>và</a:t>
-            </a:r>
-            <a:r>
-              <a:rPr lang="en-US" sz="2400" dirty="0" smtClean="0">
-                <a:solidFill>
-                  <a:schemeClr val="tx1"/>
-                </a:solidFill>
-                <a:latin typeface="Times New Roman" panose="02020603050405020304" pitchFamily="18" charset="0"/>
-                <a:cs typeface="Times New Roman" panose="02020603050405020304" pitchFamily="18" charset="0"/>
-              </a:rPr>
-              <a:t> </a:t>
-            </a:r>
-            <a:r>
-              <a:rPr lang="en-US" sz="2400" dirty="0" err="1" smtClean="0">
-                <a:solidFill>
-                  <a:schemeClr val="tx1"/>
-                </a:solidFill>
-                <a:latin typeface="Times New Roman" panose="02020603050405020304" pitchFamily="18" charset="0"/>
-                <a:cs typeface="Times New Roman" panose="02020603050405020304" pitchFamily="18" charset="0"/>
-              </a:rPr>
-              <a:t>nhận</a:t>
-            </a:r>
-            <a:r>
-              <a:rPr lang="en-US" sz="2400" dirty="0" smtClean="0">
-                <a:solidFill>
-                  <a:schemeClr val="tx1"/>
-                </a:solidFill>
-                <a:latin typeface="Times New Roman" panose="02020603050405020304" pitchFamily="18" charset="0"/>
-                <a:cs typeface="Times New Roman" panose="02020603050405020304" pitchFamily="18" charset="0"/>
-              </a:rPr>
-              <a:t> message </a:t>
-            </a:r>
-            <a:r>
-              <a:rPr lang="en-US" sz="2400" dirty="0" err="1" smtClean="0">
-                <a:solidFill>
-                  <a:schemeClr val="tx1"/>
-                </a:solidFill>
-                <a:latin typeface="Times New Roman" panose="02020603050405020304" pitchFamily="18" charset="0"/>
-                <a:cs typeface="Times New Roman" panose="02020603050405020304" pitchFamily="18" charset="0"/>
-              </a:rPr>
-              <a:t>giữa</a:t>
-            </a:r>
-            <a:r>
-              <a:rPr lang="en-US" sz="2400" dirty="0" smtClean="0">
-                <a:solidFill>
-                  <a:schemeClr val="tx1"/>
-                </a:solidFill>
-                <a:latin typeface="Times New Roman" panose="02020603050405020304" pitchFamily="18" charset="0"/>
-                <a:cs typeface="Times New Roman" panose="02020603050405020304" pitchFamily="18" charset="0"/>
-              </a:rPr>
-              <a:t> </a:t>
-            </a:r>
-            <a:r>
-              <a:rPr lang="en-US" sz="2400" dirty="0" err="1" smtClean="0">
-                <a:solidFill>
-                  <a:schemeClr val="tx1"/>
-                </a:solidFill>
-                <a:latin typeface="Times New Roman" panose="02020603050405020304" pitchFamily="18" charset="0"/>
-                <a:cs typeface="Times New Roman" panose="02020603050405020304" pitchFamily="18" charset="0"/>
-              </a:rPr>
-              <a:t>hai</a:t>
-            </a:r>
-            <a:r>
-              <a:rPr lang="en-US" sz="2400" dirty="0" smtClean="0">
-                <a:solidFill>
-                  <a:schemeClr val="tx1"/>
-                </a:solidFill>
-                <a:latin typeface="Times New Roman" panose="02020603050405020304" pitchFamily="18" charset="0"/>
-                <a:cs typeface="Times New Roman" panose="02020603050405020304" pitchFamily="18" charset="0"/>
-              </a:rPr>
-              <a:t> hay </a:t>
-            </a:r>
-            <a:r>
-              <a:rPr lang="en-US" sz="2400" dirty="0" err="1" smtClean="0">
-                <a:solidFill>
-                  <a:schemeClr val="tx1"/>
-                </a:solidFill>
-                <a:latin typeface="Times New Roman" panose="02020603050405020304" pitchFamily="18" charset="0"/>
-                <a:cs typeface="Times New Roman" panose="02020603050405020304" pitchFamily="18" charset="0"/>
-              </a:rPr>
-              <a:t>nhiều</a:t>
-            </a:r>
-            <a:r>
-              <a:rPr lang="en-US" sz="2400" dirty="0" smtClean="0">
-                <a:solidFill>
-                  <a:schemeClr val="tx1"/>
-                </a:solidFill>
-                <a:latin typeface="Times New Roman" panose="02020603050405020304" pitchFamily="18" charset="0"/>
-                <a:cs typeface="Times New Roman" panose="02020603050405020304" pitchFamily="18" charset="0"/>
-              </a:rPr>
-              <a:t> client.</a:t>
-            </a:r>
+              <a:rPr lang="vi-VN" sz="2200">
+                <a:latin typeface="Times New Roman" panose="02020603050405020304" pitchFamily="18" charset="0"/>
+                <a:cs typeface="Times New Roman" panose="02020603050405020304" pitchFamily="18" charset="0"/>
+              </a:rPr>
+              <a:t>Là việc thông tin giữa các thành phần hệ thống hay các ứng dụng khác nhau (trong môi trường phân tán) không được liên kết chặt chẽ như giao thức TCP</a:t>
+            </a:r>
+            <a:r>
+              <a:rPr lang="vi-VN" sz="2200">
+                <a:latin typeface="Times New Roman" panose="02020603050405020304" pitchFamily="18" charset="0"/>
+                <a:cs typeface="Times New Roman" panose="02020603050405020304" pitchFamily="18" charset="0"/>
+              </a:rPr>
+              <a:t>, </a:t>
+            </a:r>
+            <a:r>
+              <a:rPr lang="en-US" sz="2200" smtClean="0">
+                <a:latin typeface="Times New Roman" panose="02020603050405020304" pitchFamily="18" charset="0"/>
+                <a:cs typeface="Times New Roman" panose="02020603050405020304" pitchFamily="18" charset="0"/>
+              </a:rPr>
+              <a:t>UDP</a:t>
+            </a:r>
+            <a:r>
+              <a:rPr lang="vi-VN" sz="2200" smtClean="0">
+                <a:latin typeface="Times New Roman" panose="02020603050405020304" pitchFamily="18" charset="0"/>
+                <a:cs typeface="Times New Roman" panose="02020603050405020304" pitchFamily="18" charset="0"/>
+              </a:rPr>
+              <a:t>, </a:t>
+            </a:r>
+            <a:r>
+              <a:rPr lang="vi-VN" sz="2200">
+                <a:latin typeface="Times New Roman" panose="02020603050405020304" pitchFamily="18" charset="0"/>
+                <a:cs typeface="Times New Roman" panose="02020603050405020304" pitchFamily="18" charset="0"/>
+              </a:rPr>
+              <a:t>hay </a:t>
+            </a:r>
+            <a:r>
+              <a:rPr lang="vi-VN" sz="2200" smtClean="0">
+                <a:latin typeface="Times New Roman" panose="02020603050405020304" pitchFamily="18" charset="0"/>
+                <a:cs typeface="Times New Roman" panose="02020603050405020304" pitchFamily="18" charset="0"/>
+              </a:rPr>
+              <a:t>RMI</a:t>
+            </a:r>
+            <a:endParaRPr lang="en-US" sz="2200">
+              <a:latin typeface="Times New Roman" panose="02020603050405020304" pitchFamily="18" charset="0"/>
+              <a:cs typeface="Times New Roman" panose="02020603050405020304" pitchFamily="18" charset="0"/>
+            </a:endParaRPr>
           </a:p>
           <a:p>
             <a:pPr>
               <a:buFontTx/>
               <a:buChar char="-"/>
             </a:pPr>
-            <a:endParaRPr lang="en-US" sz="2400" dirty="0" smtClean="0">
-              <a:solidFill>
-                <a:schemeClr val="tx1"/>
-              </a:solidFill>
+            <a:r>
+              <a:rPr lang="en-US" sz="2200" smtClean="0">
+                <a:latin typeface="Times New Roman" panose="02020603050405020304" pitchFamily="18" charset="0"/>
+                <a:cs typeface="Times New Roman" panose="02020603050405020304" pitchFamily="18" charset="0"/>
+              </a:rPr>
+              <a:t>N</a:t>
+            </a:r>
+            <a:r>
+              <a:rPr lang="vi-VN" sz="2200" smtClean="0">
+                <a:latin typeface="Times New Roman" panose="02020603050405020304" pitchFamily="18" charset="0"/>
+                <a:cs typeface="Times New Roman" panose="02020603050405020304" pitchFamily="18" charset="0"/>
+              </a:rPr>
+              <a:t>gười </a:t>
+            </a:r>
+            <a:r>
+              <a:rPr lang="vi-VN" sz="2200">
+                <a:latin typeface="Times New Roman" panose="02020603050405020304" pitchFamily="18" charset="0"/>
+                <a:cs typeface="Times New Roman" panose="02020603050405020304" pitchFamily="18" charset="0"/>
+              </a:rPr>
+              <a:t>ta đưa ra cơ chế giao tiếp bằng cách chuyển thông tin qua định dạng dùng chung qua đối tượng trung gian và không cần mong kết quả trả về. Cơ chế này đòi hỏi phải có đối tượng trung gian để nhận và chuyển message độc lập với việc xử lý</a:t>
+            </a:r>
+            <a:endParaRPr lang="en-US" sz="2200" smtClean="0">
               <a:latin typeface="Times New Roman" panose="02020603050405020304" pitchFamily="18" charset="0"/>
               <a:cs typeface="Times New Roman" panose="02020603050405020304" pitchFamily="18" charset="0"/>
             </a:endParaRPr>
@@ -10421,2606 +8506,30 @@
               <a:buChar char="-"/>
             </a:pPr>
             <a:r>
-              <a:rPr lang="en-US" sz="2400" dirty="0" smtClean="0">
-                <a:solidFill>
-                  <a:schemeClr val="tx1"/>
-                </a:solidFill>
-                <a:latin typeface="Times New Roman" panose="02020603050405020304" pitchFamily="18" charset="0"/>
-                <a:cs typeface="Times New Roman" panose="02020603050405020304" pitchFamily="18" charset="0"/>
-              </a:rPr>
-              <a:t>JMS</a:t>
-            </a:r>
-            <a:r>
-              <a:rPr lang="en-US" sz="2400" dirty="0" smtClean="0">
-                <a:solidFill>
-                  <a:schemeClr val="tx1"/>
-                </a:solidFill>
-                <a:latin typeface="Times New Roman" panose="02020603050405020304" pitchFamily="18" charset="0"/>
-                <a:cs typeface="Times New Roman" panose="02020603050405020304" pitchFamily="18" charset="0"/>
-              </a:rPr>
-              <a:t> </a:t>
-            </a:r>
-            <a:r>
-              <a:rPr lang="en-US" sz="2400" dirty="0" smtClean="0">
-                <a:solidFill>
-                  <a:schemeClr val="tx1"/>
-                </a:solidFill>
-                <a:latin typeface="Times New Roman" panose="02020603050405020304" pitchFamily="18" charset="0"/>
-                <a:cs typeface="Times New Roman" panose="02020603050405020304" pitchFamily="18" charset="0"/>
-              </a:rPr>
-              <a:t>cho phép các ứng dụng có </a:t>
-            </a:r>
-            <a:r>
-              <a:rPr lang="en-US" sz="2400" dirty="0" err="1" smtClean="0">
-                <a:solidFill>
-                  <a:schemeClr val="tx1"/>
-                </a:solidFill>
-                <a:latin typeface="Times New Roman" panose="02020603050405020304" pitchFamily="18" charset="0"/>
-                <a:cs typeface="Times New Roman" panose="02020603050405020304" pitchFamily="18" charset="0"/>
-              </a:rPr>
-              <a:t>thể</a:t>
-            </a:r>
-            <a:r>
-              <a:rPr lang="en-US" sz="2400" dirty="0" smtClean="0">
-                <a:solidFill>
-                  <a:schemeClr val="tx1"/>
-                </a:solidFill>
-                <a:latin typeface="Times New Roman" panose="02020603050405020304" pitchFamily="18" charset="0"/>
-                <a:cs typeface="Times New Roman" panose="02020603050405020304" pitchFamily="18" charset="0"/>
-              </a:rPr>
-              <a:t> </a:t>
-            </a:r>
-            <a:r>
-              <a:rPr lang="en-US" sz="2400" dirty="0" err="1" smtClean="0">
-                <a:solidFill>
-                  <a:schemeClr val="tx1"/>
-                </a:solidFill>
-                <a:latin typeface="Times New Roman" panose="02020603050405020304" pitchFamily="18" charset="0"/>
-                <a:cs typeface="Times New Roman" panose="02020603050405020304" pitchFamily="18" charset="0"/>
-              </a:rPr>
-              <a:t>tạo</a:t>
-            </a:r>
-            <a:r>
-              <a:rPr lang="en-US" sz="2400" dirty="0" smtClean="0">
-                <a:solidFill>
-                  <a:schemeClr val="tx1"/>
-                </a:solidFill>
-                <a:latin typeface="Times New Roman" panose="02020603050405020304" pitchFamily="18" charset="0"/>
-                <a:cs typeface="Times New Roman" panose="02020603050405020304" pitchFamily="18" charset="0"/>
-              </a:rPr>
-              <a:t>, </a:t>
-            </a:r>
-            <a:r>
-              <a:rPr lang="en-US" sz="2400" dirty="0" err="1" smtClean="0">
-                <a:solidFill>
-                  <a:schemeClr val="tx1"/>
-                </a:solidFill>
-                <a:latin typeface="Times New Roman" panose="02020603050405020304" pitchFamily="18" charset="0"/>
-                <a:cs typeface="Times New Roman" panose="02020603050405020304" pitchFamily="18" charset="0"/>
-              </a:rPr>
-              <a:t>gửi</a:t>
-            </a:r>
-            <a:r>
-              <a:rPr lang="en-US" sz="2400" dirty="0" smtClean="0">
-                <a:solidFill>
-                  <a:schemeClr val="tx1"/>
-                </a:solidFill>
-                <a:latin typeface="Times New Roman" panose="02020603050405020304" pitchFamily="18" charset="0"/>
-                <a:cs typeface="Times New Roman" panose="02020603050405020304" pitchFamily="18" charset="0"/>
-              </a:rPr>
-              <a:t>, </a:t>
-            </a:r>
-            <a:r>
-              <a:rPr lang="en-US" sz="2400" dirty="0" err="1" smtClean="0">
-                <a:solidFill>
-                  <a:schemeClr val="tx1"/>
-                </a:solidFill>
-                <a:latin typeface="Times New Roman" panose="02020603050405020304" pitchFamily="18" charset="0"/>
-                <a:cs typeface="Times New Roman" panose="02020603050405020304" pitchFamily="18" charset="0"/>
-              </a:rPr>
-              <a:t>nhận</a:t>
-            </a:r>
-            <a:r>
-              <a:rPr lang="en-US" sz="2400" dirty="0" smtClean="0">
-                <a:solidFill>
-                  <a:schemeClr val="tx1"/>
-                </a:solidFill>
-                <a:latin typeface="Times New Roman" panose="02020603050405020304" pitchFamily="18" charset="0"/>
-                <a:cs typeface="Times New Roman" panose="02020603050405020304" pitchFamily="18" charset="0"/>
-              </a:rPr>
-              <a:t> </a:t>
-            </a:r>
-            <a:r>
-              <a:rPr lang="en-US" sz="2400" dirty="0" err="1" smtClean="0">
-                <a:solidFill>
-                  <a:schemeClr val="tx1"/>
-                </a:solidFill>
-                <a:latin typeface="Times New Roman" panose="02020603050405020304" pitchFamily="18" charset="0"/>
-                <a:cs typeface="Times New Roman" panose="02020603050405020304" pitchFamily="18" charset="0"/>
-              </a:rPr>
-              <a:t>và</a:t>
-            </a:r>
-            <a:r>
-              <a:rPr lang="en-US" sz="2400" dirty="0" smtClean="0">
-                <a:solidFill>
-                  <a:schemeClr val="tx1"/>
-                </a:solidFill>
-                <a:latin typeface="Times New Roman" panose="02020603050405020304" pitchFamily="18" charset="0"/>
-                <a:cs typeface="Times New Roman" panose="02020603050405020304" pitchFamily="18" charset="0"/>
-              </a:rPr>
-              <a:t> </a:t>
-            </a:r>
-            <a:r>
-              <a:rPr lang="en-US" sz="2400" dirty="0" err="1" smtClean="0">
-                <a:solidFill>
-                  <a:schemeClr val="tx1"/>
-                </a:solidFill>
-                <a:latin typeface="Times New Roman" panose="02020603050405020304" pitchFamily="18" charset="0"/>
-                <a:cs typeface="Times New Roman" panose="02020603050405020304" pitchFamily="18" charset="0"/>
-              </a:rPr>
-              <a:t>đọc</a:t>
-            </a:r>
-            <a:r>
-              <a:rPr lang="en-US" sz="2400" dirty="0" smtClean="0">
-                <a:solidFill>
-                  <a:schemeClr val="tx1"/>
-                </a:solidFill>
-                <a:latin typeface="Times New Roman" panose="02020603050405020304" pitchFamily="18" charset="0"/>
-                <a:cs typeface="Times New Roman" panose="02020603050405020304" pitchFamily="18" charset="0"/>
-              </a:rPr>
-              <a:t> </a:t>
-            </a:r>
-            <a:r>
-              <a:rPr lang="en-US" sz="2400" dirty="0">
-                <a:solidFill>
-                  <a:schemeClr val="tx1"/>
-                </a:solidFill>
-                <a:latin typeface="Times New Roman" panose="02020603050405020304" pitchFamily="18" charset="0"/>
-                <a:cs typeface="Times New Roman" panose="02020603050405020304" pitchFamily="18" charset="0"/>
-              </a:rPr>
-              <a:t>thông điệp (messages</a:t>
-            </a:r>
-            <a:r>
-              <a:rPr lang="en-US" sz="2400" dirty="0" smtClean="0">
-                <a:solidFill>
-                  <a:schemeClr val="tx1"/>
-                </a:solidFill>
-                <a:latin typeface="Times New Roman" panose="02020603050405020304" pitchFamily="18" charset="0"/>
-                <a:cs typeface="Times New Roman" panose="02020603050405020304" pitchFamily="18" charset="0"/>
-              </a:rPr>
-              <a:t>) để giao tiếp với nhau thông qua </a:t>
-            </a:r>
-            <a:r>
-              <a:rPr lang="en-US" sz="2400" dirty="0" err="1" smtClean="0">
-                <a:solidFill>
-                  <a:schemeClr val="tx1"/>
-                </a:solidFill>
-                <a:latin typeface="Times New Roman" panose="02020603050405020304" pitchFamily="18" charset="0"/>
-                <a:cs typeface="Times New Roman" panose="02020603050405020304" pitchFamily="18" charset="0"/>
-              </a:rPr>
-              <a:t>đối</a:t>
-            </a:r>
-            <a:r>
-              <a:rPr lang="en-US" sz="2400" dirty="0" smtClean="0">
-                <a:solidFill>
-                  <a:schemeClr val="tx1"/>
-                </a:solidFill>
-                <a:latin typeface="Times New Roman" panose="02020603050405020304" pitchFamily="18" charset="0"/>
-                <a:cs typeface="Times New Roman" panose="02020603050405020304" pitchFamily="18" charset="0"/>
-              </a:rPr>
-              <a:t> </a:t>
-            </a:r>
-            <a:r>
-              <a:rPr lang="en-US" sz="2400" dirty="0" smtClean="0">
-                <a:solidFill>
-                  <a:schemeClr val="tx1"/>
-                </a:solidFill>
-                <a:latin typeface="Times New Roman" panose="02020603050405020304" pitchFamily="18" charset="0"/>
-                <a:cs typeface="Times New Roman" panose="02020603050405020304" pitchFamily="18" charset="0"/>
-              </a:rPr>
-              <a:t>tượng </a:t>
-            </a:r>
-            <a:r>
-              <a:rPr lang="en-US" sz="2400" dirty="0" err="1" smtClean="0">
-                <a:solidFill>
-                  <a:schemeClr val="tx1"/>
-                </a:solidFill>
-                <a:latin typeface="Times New Roman" panose="02020603050405020304" pitchFamily="18" charset="0"/>
-                <a:cs typeface="Times New Roman" panose="02020603050405020304" pitchFamily="18" charset="0"/>
-              </a:rPr>
-              <a:t>trung</a:t>
-            </a:r>
-            <a:r>
-              <a:rPr lang="en-US" sz="2400" dirty="0" smtClean="0">
-                <a:solidFill>
-                  <a:schemeClr val="tx1"/>
-                </a:solidFill>
-                <a:latin typeface="Times New Roman" panose="02020603050405020304" pitchFamily="18" charset="0"/>
-                <a:cs typeface="Times New Roman" panose="02020603050405020304" pitchFamily="18" charset="0"/>
-              </a:rPr>
-              <a:t> </a:t>
-            </a:r>
-            <a:r>
-              <a:rPr lang="en-US" sz="2400" dirty="0" err="1" smtClean="0">
-                <a:solidFill>
-                  <a:schemeClr val="tx1"/>
-                </a:solidFill>
-                <a:latin typeface="Times New Roman" panose="02020603050405020304" pitchFamily="18" charset="0"/>
-                <a:cs typeface="Times New Roman" panose="02020603050405020304" pitchFamily="18" charset="0"/>
-              </a:rPr>
-              <a:t>gian</a:t>
-            </a:r>
-            <a:r>
-              <a:rPr lang="en-US" sz="2400" dirty="0" smtClean="0">
-                <a:solidFill>
-                  <a:schemeClr val="tx1"/>
-                </a:solidFill>
-                <a:latin typeface="Times New Roman" panose="02020603050405020304" pitchFamily="18" charset="0"/>
-                <a:cs typeface="Times New Roman" panose="02020603050405020304" pitchFamily="18" charset="0"/>
-              </a:rPr>
-              <a:t> MOM.</a:t>
-            </a:r>
-            <a:endParaRPr lang="en-US" sz="2400" dirty="0">
-              <a:solidFill>
-                <a:schemeClr val="tx1"/>
-              </a:solidFill>
+              <a:rPr lang="en-US" sz="2200" smtClean="0">
+                <a:latin typeface="Times New Roman" panose="02020603050405020304" pitchFamily="18" charset="0"/>
+                <a:cs typeface="Times New Roman" panose="02020603050405020304" pitchFamily="18" charset="0"/>
+              </a:rPr>
+              <a:t>Đối tượng trung gian là MOM – Message Oriented Middleware: hỗ trợ cơ chế tương tự DB; nơi lưu trữ dữ liệu và tương tác với MOM là Destination</a:t>
+            </a:r>
+            <a:r>
+              <a:rPr lang="vi-VN" sz="2200" smtClean="0">
+                <a:latin typeface="Times New Roman" panose="02020603050405020304" pitchFamily="18" charset="0"/>
+                <a:cs typeface="Times New Roman" panose="02020603050405020304" pitchFamily="18" charset="0"/>
+              </a:rPr>
+              <a:t>.</a:t>
+            </a:r>
+            <a:endParaRPr lang="en-US" sz="2200" dirty="0" smtClean="0">
               <a:latin typeface="Times New Roman" panose="02020603050405020304" pitchFamily="18" charset="0"/>
               <a:cs typeface="Times New Roman" panose="02020603050405020304" pitchFamily="18" charset="0"/>
             </a:endParaRPr>
           </a:p>
         </p:txBody>
       </p:sp>
-      <p:pic>
-        <p:nvPicPr>
-          <p:cNvPr id="2" name="Picture 1"/>
-          <p:cNvPicPr>
-            <a:picLocks noChangeAspect="1"/>
-          </p:cNvPicPr>
-          <p:nvPr/>
-        </p:nvPicPr>
-        <p:blipFill>
-          <a:blip r:embed="rId2">
-            <a:extLst>
-              <a:ext uri="{28A0092B-C50C-407E-A947-70E740481C1C}">
-                <a14:useLocalDpi xmlns:a14="http://schemas.microsoft.com/office/drawing/2010/main" val="0"/>
-              </a:ext>
-            </a:extLst>
-          </a:blip>
-          <a:stretch>
-            <a:fillRect/>
-          </a:stretch>
-        </p:blipFill>
-        <p:spPr>
-          <a:xfrm>
-            <a:off x="6204857" y="365760"/>
-            <a:ext cx="5852160" cy="6335486"/>
-          </a:xfrm>
-          <a:prstGeom prst="rect">
-            <a:avLst/>
-          </a:prstGeom>
-        </p:spPr>
-      </p:pic>
     </p:spTree>
     <p:extLst>
       <p:ext uri="{BB962C8B-B14F-4D97-AF65-F5344CB8AC3E}">
-        <p14:creationId xmlns:p14="http://schemas.microsoft.com/office/powerpoint/2010/main" val="1154209484"/>
-      </p:ext>
-    </p:extLst>
-  </p:cSld>
-  <p:clrMapOvr>
-    <a:masterClrMapping/>
-  </p:clrMapOvr>
-  <p:timing>
-    <p:tnLst>
-      <p:par>
-        <p:cTn id="1" dur="indefinite" restart="never" nodeType="tmRoot">
-          <p:childTnLst>
-            <p:seq concurrent="1" nextAc="seek">
-              <p:cTn id="2" dur="indefinite" nodeType="mainSeq">
-                <p:childTnLst>
-                  <p:par>
-                    <p:cTn id="3" fill="hold">
-                      <p:stCondLst>
-                        <p:cond delay="indefinite"/>
-                      </p:stCondLst>
-                      <p:childTnLst>
-                        <p:par>
-                          <p:cTn id="4" fill="hold">
-                            <p:stCondLst>
-                              <p:cond delay="0"/>
-                            </p:stCondLst>
-                            <p:childTnLst>
-                              <p:par>
-                                <p:cTn id="5" presetID="2" presetClass="entr" presetSubtype="4" fill="hold" nodeType="clickEffect">
-                                  <p:stCondLst>
-                                    <p:cond delay="0"/>
-                                  </p:stCondLst>
-                                  <p:childTnLst>
-                                    <p:set>
-                                      <p:cBhvr>
-                                        <p:cTn id="6" dur="1" fill="hold">
-                                          <p:stCondLst>
-                                            <p:cond delay="0"/>
-                                          </p:stCondLst>
-                                        </p:cTn>
-                                        <p:tgtEl>
-                                          <p:spTgt spid="3">
-                                            <p:txEl>
-                                              <p:pRg st="2" end="2"/>
-                                            </p:txEl>
-                                          </p:spTgt>
-                                        </p:tgtEl>
-                                        <p:attrNameLst>
-                                          <p:attrName>style.visibility</p:attrName>
-                                        </p:attrNameLst>
-                                      </p:cBhvr>
-                                      <p:to>
-                                        <p:strVal val="visible"/>
-                                      </p:to>
-                                    </p:set>
-                                    <p:anim calcmode="lin" valueType="num">
-                                      <p:cBhvr additive="base">
-                                        <p:cTn id="7" dur="500" fill="hold"/>
-                                        <p:tgtEl>
-                                          <p:spTgt spid="3">
-                                            <p:txEl>
-                                              <p:pRg st="2" end="2"/>
-                                            </p:txEl>
-                                          </p:spTgt>
-                                        </p:tgtEl>
-                                        <p:attrNameLst>
-                                          <p:attrName>ppt_x</p:attrName>
-                                        </p:attrNameLst>
-                                      </p:cBhvr>
-                                      <p:tavLst>
-                                        <p:tav tm="0">
-                                          <p:val>
-                                            <p:strVal val="#ppt_x"/>
-                                          </p:val>
-                                        </p:tav>
-                                        <p:tav tm="100000">
-                                          <p:val>
-                                            <p:strVal val="#ppt_x"/>
-                                          </p:val>
-                                        </p:tav>
-                                      </p:tavLst>
-                                    </p:anim>
-                                    <p:anim calcmode="lin" valueType="num">
-                                      <p:cBhvr additive="base">
-                                        <p:cTn id="8" dur="500" fill="hold"/>
-                                        <p:tgtEl>
-                                          <p:spTgt spid="3">
-                                            <p:txEl>
-                                              <p:pRg st="2" end="2"/>
-                                            </p:txEl>
-                                          </p:spTgt>
-                                        </p:tgtEl>
-                                        <p:attrNameLst>
-                                          <p:attrName>ppt_y</p:attrName>
-                                        </p:attrNameLst>
-                                      </p:cBhvr>
-                                      <p:tavLst>
-                                        <p:tav tm="0">
-                                          <p:val>
-                                            <p:strVal val="1+#ppt_h/2"/>
-                                          </p:val>
-                                        </p:tav>
-                                        <p:tav tm="100000">
-                                          <p:val>
-                                            <p:strVal val="#ppt_y"/>
-                                          </p:val>
-                                        </p:tav>
-                                      </p:tavLst>
-                                    </p:anim>
-                                  </p:childTnLst>
-                                </p:cTn>
-                              </p:par>
-                              <p:par>
-                                <p:cTn id="9" presetID="2" presetClass="entr" presetSubtype="4" fill="hold" nodeType="withEffect">
-                                  <p:stCondLst>
-                                    <p:cond delay="0"/>
-                                  </p:stCondLst>
-                                  <p:childTnLst>
-                                    <p:set>
-                                      <p:cBhvr>
-                                        <p:cTn id="10" dur="1" fill="hold">
-                                          <p:stCondLst>
-                                            <p:cond delay="0"/>
-                                          </p:stCondLst>
-                                        </p:cTn>
-                                        <p:tgtEl>
-                                          <p:spTgt spid="3">
-                                            <p:txEl>
-                                              <p:pRg st="4" end="4"/>
-                                            </p:txEl>
-                                          </p:spTgt>
-                                        </p:tgtEl>
-                                        <p:attrNameLst>
-                                          <p:attrName>style.visibility</p:attrName>
-                                        </p:attrNameLst>
-                                      </p:cBhvr>
-                                      <p:to>
-                                        <p:strVal val="visible"/>
-                                      </p:to>
-                                    </p:set>
-                                    <p:anim calcmode="lin" valueType="num">
-                                      <p:cBhvr additive="base">
-                                        <p:cTn id="11" dur="500" fill="hold"/>
-                                        <p:tgtEl>
-                                          <p:spTgt spid="3">
-                                            <p:txEl>
-                                              <p:pRg st="4" end="4"/>
-                                            </p:txEl>
-                                          </p:spTgt>
-                                        </p:tgtEl>
-                                        <p:attrNameLst>
-                                          <p:attrName>ppt_x</p:attrName>
-                                        </p:attrNameLst>
-                                      </p:cBhvr>
-                                      <p:tavLst>
-                                        <p:tav tm="0">
-                                          <p:val>
-                                            <p:strVal val="#ppt_x"/>
-                                          </p:val>
-                                        </p:tav>
-                                        <p:tav tm="100000">
-                                          <p:val>
-                                            <p:strVal val="#ppt_x"/>
-                                          </p:val>
-                                        </p:tav>
-                                      </p:tavLst>
-                                    </p:anim>
-                                    <p:anim calcmode="lin" valueType="num">
-                                      <p:cBhvr additive="base">
-                                        <p:cTn id="12" dur="500" fill="hold"/>
-                                        <p:tgtEl>
-                                          <p:spTgt spid="3">
-                                            <p:txEl>
-                                              <p:pRg st="4" end="4"/>
-                                            </p:txEl>
-                                          </p:spTgt>
-                                        </p:tgtEl>
-                                        <p:attrNameLst>
-                                          <p:attrName>ppt_y</p:attrName>
-                                        </p:attrNameLst>
-                                      </p:cBhvr>
-                                      <p:tavLst>
-                                        <p:tav tm="0">
-                                          <p:val>
-                                            <p:strVal val="1+#ppt_h/2"/>
-                                          </p:val>
-                                        </p:tav>
-                                        <p:tav tm="100000">
-                                          <p:val>
-                                            <p:strVal val="#ppt_y"/>
-                                          </p:val>
-                                        </p:tav>
-                                      </p:tavLst>
-                                    </p:anim>
-                                  </p:childTnLst>
-                                </p:cTn>
-                              </p:par>
-                            </p:childTnLst>
-                          </p:cTn>
-                        </p:par>
-                      </p:childTnLst>
-                    </p:cTn>
-                  </p:par>
-                </p:childTnLst>
-              </p:cTn>
-              <p:prevCondLst>
-                <p:cond evt="onPrev" delay="0">
-                  <p:tgtEl>
-                    <p:sldTgt/>
-                  </p:tgtEl>
-                </p:cond>
-              </p:prevCondLst>
-              <p:nextCondLst>
-                <p:cond evt="onNext" delay="0">
-                  <p:tgtEl>
-                    <p:sldTgt/>
-                  </p:tgtEl>
-                </p:cond>
-              </p:nextCondLst>
-            </p:seq>
-          </p:childTnLst>
-        </p:cTn>
-      </p:par>
-    </p:tnLst>
-  </p:timing>
-</p:sld>
-</file>
-
-<file path=ppt/slides/slide5.xml><?xml version="1.0" encoding="utf-8"?>
-<p:sld xmlns:a="http://schemas.openxmlformats.org/drawingml/2006/main" xmlns:r="http://schemas.openxmlformats.org/officeDocument/2006/relationships" xmlns:p="http://schemas.openxmlformats.org/presentationml/2006/main">
-  <p:cSld>
-    <p:spTree>
-      <p:nvGrpSpPr>
-        <p:cNvPr id="1" name=""/>
-        <p:cNvGrpSpPr/>
-        <p:nvPr/>
-      </p:nvGrpSpPr>
-      <p:grpSpPr>
-        <a:xfrm>
-          <a:off x="0" y="0"/>
-          <a:ext cx="0" cy="0"/>
-          <a:chOff x="0" y="0"/>
-          <a:chExt cx="0" cy="0"/>
-        </a:xfrm>
-      </p:grpSpPr>
-      <p:sp>
-        <p:nvSpPr>
-          <p:cNvPr id="3" name="Content Placeholder 2"/>
-          <p:cNvSpPr>
-            <a:spLocks noGrp="1"/>
-          </p:cNvSpPr>
-          <p:nvPr>
-            <p:ph idx="1"/>
-          </p:nvPr>
-        </p:nvSpPr>
-        <p:spPr>
-          <a:xfrm>
-            <a:off x="703459" y="1507446"/>
-            <a:ext cx="8596668" cy="3077617"/>
-          </a:xfrm>
-        </p:spPr>
-        <p:txBody>
-          <a:bodyPr>
-            <a:normAutofit/>
-          </a:bodyPr>
-          <a:lstStyle/>
-          <a:p>
-            <a:pPr>
-              <a:buFontTx/>
-              <a:buChar char="-"/>
-            </a:pPr>
-            <a:r>
-              <a:rPr lang="vi-VN" sz="2400" dirty="0" smtClean="0">
-                <a:latin typeface="Times New Roman" panose="02020603050405020304" pitchFamily="18" charset="0"/>
-                <a:cs typeface="Times New Roman" panose="02020603050405020304" pitchFamily="18" charset="0"/>
-              </a:rPr>
-              <a:t>JMS </a:t>
-            </a:r>
-            <a:r>
-              <a:rPr lang="vi-VN" sz="2400" dirty="0">
-                <a:latin typeface="Times New Roman" panose="02020603050405020304" pitchFamily="18" charset="0"/>
-                <a:cs typeface="Times New Roman" panose="02020603050405020304" pitchFamily="18" charset="0"/>
-              </a:rPr>
-              <a:t>cung cấp cơ chế giao tiếp bao </a:t>
-            </a:r>
-            <a:r>
-              <a:rPr lang="vi-VN" sz="2400" dirty="0" smtClean="0">
-                <a:latin typeface="Times New Roman" panose="02020603050405020304" pitchFamily="18" charset="0"/>
-                <a:cs typeface="Times New Roman" panose="02020603050405020304" pitchFamily="18" charset="0"/>
-              </a:rPr>
-              <a:t>gồm</a:t>
-            </a:r>
-            <a:r>
-              <a:rPr lang="en-US" sz="2400" dirty="0" smtClean="0">
-                <a:latin typeface="Times New Roman" panose="02020603050405020304" pitchFamily="18" charset="0"/>
-                <a:cs typeface="Times New Roman" panose="02020603050405020304" pitchFamily="18" charset="0"/>
-              </a:rPr>
-              <a:t>:</a:t>
-            </a:r>
-          </a:p>
-          <a:p>
-            <a:pPr marL="0" indent="0">
-              <a:buNone/>
-            </a:pPr>
-            <a:r>
-              <a:rPr lang="en-US" sz="2400" dirty="0" smtClean="0">
-                <a:latin typeface="Times New Roman" panose="02020603050405020304" pitchFamily="18" charset="0"/>
-                <a:cs typeface="Times New Roman" panose="02020603050405020304" pitchFamily="18" charset="0"/>
-              </a:rPr>
-              <a:t>+ </a:t>
-            </a:r>
-            <a:r>
-              <a:rPr lang="vi-VN" sz="2400" b="1" i="1" dirty="0" smtClean="0">
-                <a:latin typeface="Times New Roman" panose="02020603050405020304" pitchFamily="18" charset="0"/>
-                <a:cs typeface="Times New Roman" panose="02020603050405020304" pitchFamily="18" charset="0"/>
-              </a:rPr>
-              <a:t>Asynchronous</a:t>
-            </a:r>
-            <a:r>
-              <a:rPr lang="en-US" sz="2400" b="1" i="1" dirty="0" smtClean="0">
-                <a:latin typeface="Times New Roman" panose="02020603050405020304" pitchFamily="18" charset="0"/>
-                <a:cs typeface="Times New Roman" panose="02020603050405020304" pitchFamily="18" charset="0"/>
-              </a:rPr>
-              <a:t> </a:t>
-            </a:r>
-            <a:r>
-              <a:rPr lang="en-US" sz="2400" b="1" i="1" dirty="0" smtClean="0">
-                <a:latin typeface="Times New Roman" panose="02020603050405020304" pitchFamily="18" charset="0"/>
-                <a:cs typeface="Times New Roman" panose="02020603050405020304" pitchFamily="18" charset="0"/>
-              </a:rPr>
-              <a:t>(</a:t>
-            </a:r>
-            <a:r>
-              <a:rPr lang="en-US" sz="2400" b="1" i="1" dirty="0" err="1" smtClean="0">
-                <a:latin typeface="Times New Roman" panose="02020603050405020304" pitchFamily="18" charset="0"/>
-                <a:cs typeface="Times New Roman" panose="02020603050405020304" pitchFamily="18" charset="0"/>
-              </a:rPr>
-              <a:t>không</a:t>
-            </a:r>
-            <a:r>
-              <a:rPr lang="en-US" sz="2400" b="1" i="1" dirty="0" smtClean="0">
-                <a:latin typeface="Times New Roman" panose="02020603050405020304" pitchFamily="18" charset="0"/>
-                <a:cs typeface="Times New Roman" panose="02020603050405020304" pitchFamily="18" charset="0"/>
-              </a:rPr>
-              <a:t> </a:t>
-            </a:r>
-            <a:r>
-              <a:rPr lang="en-US" sz="2400" b="1" i="1" dirty="0" err="1" smtClean="0">
-                <a:latin typeface="Times New Roman" panose="02020603050405020304" pitchFamily="18" charset="0"/>
-                <a:cs typeface="Times New Roman" panose="02020603050405020304" pitchFamily="18" charset="0"/>
-              </a:rPr>
-              <a:t>đồng</a:t>
-            </a:r>
-            <a:r>
-              <a:rPr lang="en-US" sz="2400" b="1" i="1" dirty="0" smtClean="0">
-                <a:latin typeface="Times New Roman" panose="02020603050405020304" pitchFamily="18" charset="0"/>
-                <a:cs typeface="Times New Roman" panose="02020603050405020304" pitchFamily="18" charset="0"/>
-              </a:rPr>
-              <a:t> </a:t>
-            </a:r>
-            <a:r>
-              <a:rPr lang="en-US" sz="2400" b="1" i="1" dirty="0" err="1" smtClean="0">
-                <a:latin typeface="Times New Roman" panose="02020603050405020304" pitchFamily="18" charset="0"/>
-                <a:cs typeface="Times New Roman" panose="02020603050405020304" pitchFamily="18" charset="0"/>
-              </a:rPr>
-              <a:t>bộ</a:t>
-            </a:r>
-            <a:r>
-              <a:rPr lang="en-US" sz="2400" b="1" i="1" dirty="0" smtClean="0">
-                <a:latin typeface="Times New Roman" panose="02020603050405020304" pitchFamily="18" charset="0"/>
-                <a:cs typeface="Times New Roman" panose="02020603050405020304" pitchFamily="18" charset="0"/>
-              </a:rPr>
-              <a:t>)</a:t>
-            </a:r>
-            <a:r>
-              <a:rPr lang="vi-VN" sz="2400" dirty="0" smtClean="0">
-                <a:latin typeface="Times New Roman" panose="02020603050405020304" pitchFamily="18" charset="0"/>
-                <a:cs typeface="Times New Roman" panose="02020603050405020304" pitchFamily="18" charset="0"/>
-              </a:rPr>
-              <a:t>: </a:t>
-            </a:r>
-            <a:r>
-              <a:rPr lang="vi-VN" sz="2400" dirty="0">
-                <a:latin typeface="Times New Roman" panose="02020603050405020304" pitchFamily="18" charset="0"/>
-                <a:cs typeface="Times New Roman" panose="02020603050405020304" pitchFamily="18" charset="0"/>
-              </a:rPr>
-              <a:t>JMS tự động chuyển message đến người nhận khi message </a:t>
-            </a:r>
-            <a:r>
-              <a:rPr lang="vi-VN" sz="2400" dirty="0" smtClean="0">
-                <a:latin typeface="Times New Roman" panose="02020603050405020304" pitchFamily="18" charset="0"/>
-                <a:cs typeface="Times New Roman" panose="02020603050405020304" pitchFamily="18" charset="0"/>
-              </a:rPr>
-              <a:t>đến</a:t>
-            </a:r>
-            <a:r>
-              <a:rPr lang="en-US" sz="2400" dirty="0" smtClean="0">
-                <a:latin typeface="Times New Roman" panose="02020603050405020304" pitchFamily="18" charset="0"/>
-                <a:cs typeface="Times New Roman" panose="02020603050405020304" pitchFamily="18" charset="0"/>
-              </a:rPr>
-              <a:t>. </a:t>
-            </a:r>
-            <a:r>
-              <a:rPr lang="en-US" sz="2400" dirty="0" err="1" smtClean="0">
-                <a:latin typeface="Times New Roman" panose="02020603050405020304" pitchFamily="18" charset="0"/>
-                <a:cs typeface="Times New Roman" panose="02020603050405020304" pitchFamily="18" charset="0"/>
-              </a:rPr>
-              <a:t>Một</a:t>
-            </a:r>
-            <a:r>
-              <a:rPr lang="en-US" sz="2400" dirty="0" smtClean="0">
-                <a:latin typeface="Times New Roman" panose="02020603050405020304" pitchFamily="18" charset="0"/>
-                <a:cs typeface="Times New Roman" panose="02020603050405020304" pitchFamily="18" charset="0"/>
-              </a:rPr>
-              <a:t> client </a:t>
-            </a:r>
-            <a:r>
-              <a:rPr lang="en-US" sz="2400" dirty="0" err="1" smtClean="0">
-                <a:latin typeface="Times New Roman" panose="02020603050405020304" pitchFamily="18" charset="0"/>
-                <a:cs typeface="Times New Roman" panose="02020603050405020304" pitchFamily="18" charset="0"/>
-              </a:rPr>
-              <a:t>không</a:t>
-            </a:r>
-            <a:r>
-              <a:rPr lang="en-US" sz="2400" dirty="0" smtClean="0">
-                <a:latin typeface="Times New Roman" panose="02020603050405020304" pitchFamily="18" charset="0"/>
-                <a:cs typeface="Times New Roman" panose="02020603050405020304" pitchFamily="18" charset="0"/>
-              </a:rPr>
-              <a:t> </a:t>
-            </a:r>
-            <a:r>
-              <a:rPr lang="en-US" sz="2400" dirty="0" err="1" smtClean="0">
-                <a:latin typeface="Times New Roman" panose="02020603050405020304" pitchFamily="18" charset="0"/>
-                <a:cs typeface="Times New Roman" panose="02020603050405020304" pitchFamily="18" charset="0"/>
-              </a:rPr>
-              <a:t>phải</a:t>
-            </a:r>
-            <a:r>
-              <a:rPr lang="en-US" sz="2400" dirty="0" smtClean="0">
-                <a:latin typeface="Times New Roman" panose="02020603050405020304" pitchFamily="18" charset="0"/>
-                <a:cs typeface="Times New Roman" panose="02020603050405020304" pitchFamily="18" charset="0"/>
-              </a:rPr>
-              <a:t> </a:t>
-            </a:r>
-            <a:r>
-              <a:rPr lang="en-US" sz="2400" dirty="0" err="1" smtClean="0">
-                <a:latin typeface="Times New Roman" panose="02020603050405020304" pitchFamily="18" charset="0"/>
-                <a:cs typeface="Times New Roman" panose="02020603050405020304" pitchFamily="18" charset="0"/>
-              </a:rPr>
-              <a:t>yêu</a:t>
-            </a:r>
-            <a:r>
-              <a:rPr lang="en-US" sz="2400" dirty="0" smtClean="0">
-                <a:latin typeface="Times New Roman" panose="02020603050405020304" pitchFamily="18" charset="0"/>
-                <a:cs typeface="Times New Roman" panose="02020603050405020304" pitchFamily="18" charset="0"/>
-              </a:rPr>
-              <a:t> </a:t>
-            </a:r>
-            <a:r>
-              <a:rPr lang="en-US" sz="2400" dirty="0" err="1" smtClean="0">
-                <a:latin typeface="Times New Roman" panose="02020603050405020304" pitchFamily="18" charset="0"/>
-                <a:cs typeface="Times New Roman" panose="02020603050405020304" pitchFamily="18" charset="0"/>
-              </a:rPr>
-              <a:t>cầu</a:t>
-            </a:r>
-            <a:r>
-              <a:rPr lang="en-US" sz="2400" dirty="0" smtClean="0">
-                <a:latin typeface="Times New Roman" panose="02020603050405020304" pitchFamily="18" charset="0"/>
-                <a:cs typeface="Times New Roman" panose="02020603050405020304" pitchFamily="18" charset="0"/>
-              </a:rPr>
-              <a:t> messages </a:t>
-            </a:r>
-            <a:r>
-              <a:rPr lang="en-US" sz="2400" dirty="0" err="1" smtClean="0">
-                <a:latin typeface="Times New Roman" panose="02020603050405020304" pitchFamily="18" charset="0"/>
-                <a:cs typeface="Times New Roman" panose="02020603050405020304" pitchFamily="18" charset="0"/>
-              </a:rPr>
-              <a:t>để</a:t>
-            </a:r>
-            <a:r>
-              <a:rPr lang="en-US" sz="2400" dirty="0" smtClean="0">
-                <a:latin typeface="Times New Roman" panose="02020603050405020304" pitchFamily="18" charset="0"/>
-                <a:cs typeface="Times New Roman" panose="02020603050405020304" pitchFamily="18" charset="0"/>
-              </a:rPr>
-              <a:t> </a:t>
-            </a:r>
-            <a:r>
-              <a:rPr lang="en-US" sz="2400" dirty="0" err="1" smtClean="0">
-                <a:latin typeface="Times New Roman" panose="02020603050405020304" pitchFamily="18" charset="0"/>
-                <a:cs typeface="Times New Roman" panose="02020603050405020304" pitchFamily="18" charset="0"/>
-              </a:rPr>
-              <a:t>nhận</a:t>
-            </a:r>
-            <a:r>
-              <a:rPr lang="en-US" sz="2400" dirty="0" smtClean="0">
-                <a:latin typeface="Times New Roman" panose="02020603050405020304" pitchFamily="18" charset="0"/>
-                <a:cs typeface="Times New Roman" panose="02020603050405020304" pitchFamily="18" charset="0"/>
-              </a:rPr>
-              <a:t> </a:t>
-            </a:r>
-            <a:r>
-              <a:rPr lang="en-US" sz="2400" dirty="0" err="1" smtClean="0">
-                <a:latin typeface="Times New Roman" panose="02020603050405020304" pitchFamily="18" charset="0"/>
-                <a:cs typeface="Times New Roman" panose="02020603050405020304" pitchFamily="18" charset="0"/>
-              </a:rPr>
-              <a:t>được</a:t>
-            </a:r>
-            <a:r>
-              <a:rPr lang="en-US" sz="2400" dirty="0" smtClean="0">
-                <a:latin typeface="Times New Roman" panose="02020603050405020304" pitchFamily="18" charset="0"/>
-                <a:cs typeface="Times New Roman" panose="02020603050405020304" pitchFamily="18" charset="0"/>
-              </a:rPr>
-              <a:t> </a:t>
-            </a:r>
-            <a:r>
-              <a:rPr lang="en-US" sz="2400" dirty="0" err="1" smtClean="0">
-                <a:latin typeface="Times New Roman" panose="02020603050405020304" pitchFamily="18" charset="0"/>
-                <a:cs typeface="Times New Roman" panose="02020603050405020304" pitchFamily="18" charset="0"/>
-              </a:rPr>
-              <a:t>chúng</a:t>
-            </a:r>
-            <a:r>
-              <a:rPr lang="en-US" sz="2400" dirty="0" smtClean="0">
-                <a:latin typeface="Times New Roman" panose="02020603050405020304" pitchFamily="18" charset="0"/>
-                <a:cs typeface="Times New Roman" panose="02020603050405020304" pitchFamily="18" charset="0"/>
-              </a:rPr>
-              <a:t>.</a:t>
-            </a:r>
-            <a:endParaRPr lang="en-US" sz="2400" dirty="0" smtClean="0">
-              <a:latin typeface="Times New Roman" panose="02020603050405020304" pitchFamily="18" charset="0"/>
-              <a:cs typeface="Times New Roman" panose="02020603050405020304" pitchFamily="18" charset="0"/>
-            </a:endParaRPr>
-          </a:p>
-          <a:p>
-            <a:pPr marL="0" indent="0">
-              <a:buNone/>
-            </a:pPr>
-            <a:r>
-              <a:rPr lang="en-US" sz="2400" dirty="0" smtClean="0">
-                <a:latin typeface="Times New Roman" panose="02020603050405020304" pitchFamily="18" charset="0"/>
-                <a:cs typeface="Times New Roman" panose="02020603050405020304" pitchFamily="18" charset="0"/>
-              </a:rPr>
-              <a:t>+ </a:t>
-            </a:r>
-            <a:r>
-              <a:rPr lang="vi-VN" sz="2400" b="1" i="1" dirty="0" smtClean="0">
-                <a:latin typeface="Times New Roman" panose="02020603050405020304" pitchFamily="18" charset="0"/>
-                <a:cs typeface="Times New Roman" panose="02020603050405020304" pitchFamily="18" charset="0"/>
-              </a:rPr>
-              <a:t>Reliable</a:t>
-            </a:r>
-            <a:r>
-              <a:rPr lang="en-US" sz="2400" b="1" i="1" dirty="0" smtClean="0">
-                <a:latin typeface="Times New Roman" panose="02020603050405020304" pitchFamily="18" charset="0"/>
-                <a:cs typeface="Times New Roman" panose="02020603050405020304" pitchFamily="18" charset="0"/>
-              </a:rPr>
-              <a:t> (</a:t>
-            </a:r>
-            <a:r>
-              <a:rPr lang="en-US" sz="2400" b="1" i="1" dirty="0" err="1" smtClean="0">
-                <a:latin typeface="Times New Roman" panose="02020603050405020304" pitchFamily="18" charset="0"/>
-                <a:cs typeface="Times New Roman" panose="02020603050405020304" pitchFamily="18" charset="0"/>
-              </a:rPr>
-              <a:t>đáng</a:t>
-            </a:r>
-            <a:r>
-              <a:rPr lang="en-US" sz="2400" b="1" i="1" dirty="0" smtClean="0">
-                <a:latin typeface="Times New Roman" panose="02020603050405020304" pitchFamily="18" charset="0"/>
-                <a:cs typeface="Times New Roman" panose="02020603050405020304" pitchFamily="18" charset="0"/>
-              </a:rPr>
-              <a:t> tin </a:t>
-            </a:r>
-            <a:r>
-              <a:rPr lang="en-US" sz="2400" b="1" i="1" dirty="0" err="1" smtClean="0">
-                <a:latin typeface="Times New Roman" panose="02020603050405020304" pitchFamily="18" charset="0"/>
-                <a:cs typeface="Times New Roman" panose="02020603050405020304" pitchFamily="18" charset="0"/>
-              </a:rPr>
-              <a:t>cậy</a:t>
-            </a:r>
-            <a:r>
-              <a:rPr lang="en-US" sz="2400" b="1" i="1" dirty="0" smtClean="0">
-                <a:latin typeface="Times New Roman" panose="02020603050405020304" pitchFamily="18" charset="0"/>
-                <a:cs typeface="Times New Roman" panose="02020603050405020304" pitchFamily="18" charset="0"/>
-              </a:rPr>
-              <a:t>)</a:t>
-            </a:r>
-            <a:r>
-              <a:rPr lang="vi-VN" sz="2400" dirty="0" smtClean="0">
-                <a:latin typeface="Times New Roman" panose="02020603050405020304" pitchFamily="18" charset="0"/>
-                <a:cs typeface="Times New Roman" panose="02020603050405020304" pitchFamily="18" charset="0"/>
-              </a:rPr>
-              <a:t>: </a:t>
-            </a:r>
-            <a:r>
-              <a:rPr lang="vi-VN" sz="2400" dirty="0">
-                <a:latin typeface="Times New Roman" panose="02020603050405020304" pitchFamily="18" charset="0"/>
-                <a:cs typeface="Times New Roman" panose="02020603050405020304" pitchFamily="18" charset="0"/>
-              </a:rPr>
-              <a:t>một message chỉ được chuyển đến đúng một người nhận mà không có cơ chế nhân bản, tránh trường hợp bị mất message hoặc trùng lặp.</a:t>
-            </a:r>
-            <a:endParaRPr lang="en-US" sz="2400" dirty="0">
-              <a:latin typeface="Times New Roman" panose="02020603050405020304" pitchFamily="18" charset="0"/>
-              <a:cs typeface="Times New Roman" panose="02020603050405020304" pitchFamily="18" charset="0"/>
-            </a:endParaRPr>
-          </a:p>
-        </p:txBody>
-      </p:sp>
-    </p:spTree>
-    <p:extLst>
-      <p:ext uri="{BB962C8B-B14F-4D97-AF65-F5344CB8AC3E}">
-        <p14:creationId xmlns:p14="http://schemas.microsoft.com/office/powerpoint/2010/main" val="2576271052"/>
-      </p:ext>
-    </p:extLst>
-  </p:cSld>
-  <p:clrMapOvr>
-    <a:masterClrMapping/>
-  </p:clrMapOvr>
-  <p:timing>
-    <p:tnLst>
-      <p:par>
-        <p:cTn id="1" dur="indefinite" restart="never" nodeType="tmRoot">
-          <p:childTnLst>
-            <p:seq concurrent="1" nextAc="seek">
-              <p:cTn id="2" dur="indefinite" nodeType="mainSeq">
-                <p:childTnLst>
-                  <p:par>
-                    <p:cTn id="3" fill="hold">
-                      <p:stCondLst>
-                        <p:cond delay="indefinite"/>
-                      </p:stCondLst>
-                      <p:childTnLst>
-                        <p:par>
-                          <p:cTn id="4" fill="hold">
-                            <p:stCondLst>
-                              <p:cond delay="0"/>
-                            </p:stCondLst>
-                            <p:childTnLst>
-                              <p:par>
-                                <p:cTn id="5" presetID="2" presetClass="entr" presetSubtype="4" fill="hold" nodeType="clickEffect">
-                                  <p:stCondLst>
-                                    <p:cond delay="0"/>
-                                  </p:stCondLst>
-                                  <p:childTnLst>
-                                    <p:set>
-                                      <p:cBhvr>
-                                        <p:cTn id="6" dur="1" fill="hold">
-                                          <p:stCondLst>
-                                            <p:cond delay="0"/>
-                                          </p:stCondLst>
-                                        </p:cTn>
-                                        <p:tgtEl>
-                                          <p:spTgt spid="3">
-                                            <p:txEl>
-                                              <p:pRg st="1" end="1"/>
-                                            </p:txEl>
-                                          </p:spTgt>
-                                        </p:tgtEl>
-                                        <p:attrNameLst>
-                                          <p:attrName>style.visibility</p:attrName>
-                                        </p:attrNameLst>
-                                      </p:cBhvr>
-                                      <p:to>
-                                        <p:strVal val="visible"/>
-                                      </p:to>
-                                    </p:set>
-                                    <p:anim calcmode="lin" valueType="num">
-                                      <p:cBhvr additive="base">
-                                        <p:cTn id="7" dur="500" fill="hold"/>
-                                        <p:tgtEl>
-                                          <p:spTgt spid="3">
-                                            <p:txEl>
-                                              <p:pRg st="1" end="1"/>
-                                            </p:txEl>
-                                          </p:spTgt>
-                                        </p:tgtEl>
-                                        <p:attrNameLst>
-                                          <p:attrName>ppt_x</p:attrName>
-                                        </p:attrNameLst>
-                                      </p:cBhvr>
-                                      <p:tavLst>
-                                        <p:tav tm="0">
-                                          <p:val>
-                                            <p:strVal val="#ppt_x"/>
-                                          </p:val>
-                                        </p:tav>
-                                        <p:tav tm="100000">
-                                          <p:val>
-                                            <p:strVal val="#ppt_x"/>
-                                          </p:val>
-                                        </p:tav>
-                                      </p:tavLst>
-                                    </p:anim>
-                                    <p:anim calcmode="lin" valueType="num">
-                                      <p:cBhvr additive="base">
-                                        <p:cTn id="8" dur="500" fill="hold"/>
-                                        <p:tgtEl>
-                                          <p:spTgt spid="3">
-                                            <p:txEl>
-                                              <p:pRg st="1" end="1"/>
-                                            </p:txEl>
-                                          </p:spTgt>
-                                        </p:tgtEl>
-                                        <p:attrNameLst>
-                                          <p:attrName>ppt_y</p:attrName>
-                                        </p:attrNameLst>
-                                      </p:cBhvr>
-                                      <p:tavLst>
-                                        <p:tav tm="0">
-                                          <p:val>
-                                            <p:strVal val="1+#ppt_h/2"/>
-                                          </p:val>
-                                        </p:tav>
-                                        <p:tav tm="100000">
-                                          <p:val>
-                                            <p:strVal val="#ppt_y"/>
-                                          </p:val>
-                                        </p:tav>
-                                      </p:tavLst>
-                                    </p:anim>
-                                  </p:childTnLst>
-                                </p:cTn>
-                              </p:par>
-                            </p:childTnLst>
-                          </p:cTn>
-                        </p:par>
-                      </p:childTnLst>
-                    </p:cTn>
-                  </p:par>
-                  <p:par>
-                    <p:cTn id="9" fill="hold">
-                      <p:stCondLst>
-                        <p:cond delay="indefinite"/>
-                      </p:stCondLst>
-                      <p:childTnLst>
-                        <p:par>
-                          <p:cTn id="10" fill="hold">
-                            <p:stCondLst>
-                              <p:cond delay="0"/>
-                            </p:stCondLst>
-                            <p:childTnLst>
-                              <p:par>
-                                <p:cTn id="11" presetID="2" presetClass="entr" presetSubtype="4" fill="hold" nodeType="clickEffect">
-                                  <p:stCondLst>
-                                    <p:cond delay="0"/>
-                                  </p:stCondLst>
-                                  <p:childTnLst>
-                                    <p:set>
-                                      <p:cBhvr>
-                                        <p:cTn id="12" dur="1" fill="hold">
-                                          <p:stCondLst>
-                                            <p:cond delay="0"/>
-                                          </p:stCondLst>
-                                        </p:cTn>
-                                        <p:tgtEl>
-                                          <p:spTgt spid="3">
-                                            <p:txEl>
-                                              <p:pRg st="2" end="2"/>
-                                            </p:txEl>
-                                          </p:spTgt>
-                                        </p:tgtEl>
-                                        <p:attrNameLst>
-                                          <p:attrName>style.visibility</p:attrName>
-                                        </p:attrNameLst>
-                                      </p:cBhvr>
-                                      <p:to>
-                                        <p:strVal val="visible"/>
-                                      </p:to>
-                                    </p:set>
-                                    <p:anim calcmode="lin" valueType="num">
-                                      <p:cBhvr additive="base">
-                                        <p:cTn id="13" dur="500" fill="hold"/>
-                                        <p:tgtEl>
-                                          <p:spTgt spid="3">
-                                            <p:txEl>
-                                              <p:pRg st="2" end="2"/>
-                                            </p:txEl>
-                                          </p:spTgt>
-                                        </p:tgtEl>
-                                        <p:attrNameLst>
-                                          <p:attrName>ppt_x</p:attrName>
-                                        </p:attrNameLst>
-                                      </p:cBhvr>
-                                      <p:tavLst>
-                                        <p:tav tm="0">
-                                          <p:val>
-                                            <p:strVal val="#ppt_x"/>
-                                          </p:val>
-                                        </p:tav>
-                                        <p:tav tm="100000">
-                                          <p:val>
-                                            <p:strVal val="#ppt_x"/>
-                                          </p:val>
-                                        </p:tav>
-                                      </p:tavLst>
-                                    </p:anim>
-                                    <p:anim calcmode="lin" valueType="num">
-                                      <p:cBhvr additive="base">
-                                        <p:cTn id="14" dur="500" fill="hold"/>
-                                        <p:tgtEl>
-                                          <p:spTgt spid="3">
-                                            <p:txEl>
-                                              <p:pRg st="2" end="2"/>
-                                            </p:txEl>
-                                          </p:spTgt>
-                                        </p:tgtEl>
-                                        <p:attrNameLst>
-                                          <p:attrName>ppt_y</p:attrName>
-                                        </p:attrNameLst>
-                                      </p:cBhvr>
-                                      <p:tavLst>
-                                        <p:tav tm="0">
-                                          <p:val>
-                                            <p:strVal val="1+#ppt_h/2"/>
-                                          </p:val>
-                                        </p:tav>
-                                        <p:tav tm="100000">
-                                          <p:val>
-                                            <p:strVal val="#ppt_y"/>
-                                          </p:val>
-                                        </p:tav>
-                                      </p:tavLst>
-                                    </p:anim>
-                                  </p:childTnLst>
-                                </p:cTn>
-                              </p:par>
-                            </p:childTnLst>
-                          </p:cTn>
-                        </p:par>
-                      </p:childTnLst>
-                    </p:cTn>
-                  </p:par>
-                </p:childTnLst>
-              </p:cTn>
-              <p:prevCondLst>
-                <p:cond evt="onPrev" delay="0">
-                  <p:tgtEl>
-                    <p:sldTgt/>
-                  </p:tgtEl>
-                </p:cond>
-              </p:prevCondLst>
-              <p:nextCondLst>
-                <p:cond evt="onNext" delay="0">
-                  <p:tgtEl>
-                    <p:sldTgt/>
-                  </p:tgtEl>
-                </p:cond>
-              </p:nextCondLst>
-            </p:seq>
-          </p:childTnLst>
-        </p:cTn>
-      </p:par>
-    </p:tnLst>
-  </p:timing>
-</p:sld>
-</file>
-
-<file path=ppt/slides/slide6.xml><?xml version="1.0" encoding="utf-8"?>
-<p:sld xmlns:a="http://schemas.openxmlformats.org/drawingml/2006/main" xmlns:r="http://schemas.openxmlformats.org/officeDocument/2006/relationships" xmlns:p="http://schemas.openxmlformats.org/presentationml/2006/main">
-  <p:cSld>
-    <p:spTree>
-      <p:nvGrpSpPr>
-        <p:cNvPr id="1" name=""/>
-        <p:cNvGrpSpPr/>
-        <p:nvPr/>
-      </p:nvGrpSpPr>
-      <p:grpSpPr>
-        <a:xfrm>
-          <a:off x="0" y="0"/>
-          <a:ext cx="0" cy="0"/>
-          <a:chOff x="0" y="0"/>
-          <a:chExt cx="0" cy="0"/>
-        </a:xfrm>
-      </p:grpSpPr>
-      <p:sp>
-        <p:nvSpPr>
-          <p:cNvPr id="2" name="Title 1"/>
-          <p:cNvSpPr>
-            <a:spLocks noGrp="1"/>
-          </p:cNvSpPr>
-          <p:nvPr>
-            <p:ph type="title"/>
-          </p:nvPr>
-        </p:nvSpPr>
-        <p:spPr>
-          <a:xfrm>
-            <a:off x="677334" y="609600"/>
-            <a:ext cx="8596668" cy="827314"/>
-          </a:xfrm>
-        </p:spPr>
-        <p:txBody>
-          <a:bodyPr>
-            <a:normAutofit/>
-          </a:bodyPr>
-          <a:lstStyle/>
-          <a:p>
-            <a:r>
-              <a:rPr lang="en-US" b="1" dirty="0" smtClean="0">
-                <a:latin typeface="Times New Roman" panose="02020603050405020304" pitchFamily="18" charset="0"/>
-                <a:cs typeface="Times New Roman" panose="02020603050405020304" pitchFamily="18" charset="0"/>
-              </a:rPr>
-              <a:t>II. Các khái niệm cơ </a:t>
-            </a:r>
-            <a:r>
-              <a:rPr lang="en-US" b="1" dirty="0" err="1" smtClean="0">
-                <a:latin typeface="Times New Roman" panose="02020603050405020304" pitchFamily="18" charset="0"/>
-                <a:cs typeface="Times New Roman" panose="02020603050405020304" pitchFamily="18" charset="0"/>
-              </a:rPr>
-              <a:t>bản</a:t>
-            </a:r>
-            <a:r>
-              <a:rPr lang="en-US" b="1" dirty="0" smtClean="0">
-                <a:latin typeface="Times New Roman" panose="02020603050405020304" pitchFamily="18" charset="0"/>
-                <a:cs typeface="Times New Roman" panose="02020603050405020304" pitchFamily="18" charset="0"/>
-              </a:rPr>
-              <a:t> </a:t>
-            </a:r>
-            <a:r>
-              <a:rPr lang="en-US" b="1" dirty="0" err="1" smtClean="0">
-                <a:latin typeface="Times New Roman" panose="02020603050405020304" pitchFamily="18" charset="0"/>
-                <a:cs typeface="Times New Roman" panose="02020603050405020304" pitchFamily="18" charset="0"/>
-              </a:rPr>
-              <a:t>trong</a:t>
-            </a:r>
-            <a:r>
-              <a:rPr lang="en-US" b="1" dirty="0" smtClean="0">
-                <a:latin typeface="Times New Roman" panose="02020603050405020304" pitchFamily="18" charset="0"/>
-                <a:cs typeface="Times New Roman" panose="02020603050405020304" pitchFamily="18" charset="0"/>
-              </a:rPr>
-              <a:t> </a:t>
-            </a:r>
-            <a:r>
-              <a:rPr lang="en-US" b="1" dirty="0" smtClean="0">
-                <a:latin typeface="Times New Roman" panose="02020603050405020304" pitchFamily="18" charset="0"/>
-                <a:cs typeface="Times New Roman" panose="02020603050405020304" pitchFamily="18" charset="0"/>
-              </a:rPr>
-              <a:t>JMS API</a:t>
-            </a:r>
-            <a:endParaRPr lang="en-US" b="1" dirty="0">
-              <a:latin typeface="Times New Roman" panose="02020603050405020304" pitchFamily="18" charset="0"/>
-              <a:cs typeface="Times New Roman" panose="02020603050405020304" pitchFamily="18" charset="0"/>
-            </a:endParaRPr>
-          </a:p>
-        </p:txBody>
-      </p:sp>
-      <p:sp>
-        <p:nvSpPr>
-          <p:cNvPr id="3" name="Content Placeholder 2"/>
-          <p:cNvSpPr>
-            <a:spLocks noGrp="1"/>
-          </p:cNvSpPr>
-          <p:nvPr>
-            <p:ph idx="1"/>
-          </p:nvPr>
-        </p:nvSpPr>
-        <p:spPr>
-          <a:xfrm>
-            <a:off x="677334" y="1645920"/>
-            <a:ext cx="9495366" cy="4754880"/>
-          </a:xfrm>
-        </p:spPr>
-        <p:txBody>
-          <a:bodyPr>
-            <a:normAutofit/>
-          </a:bodyPr>
-          <a:lstStyle/>
-          <a:p>
-            <a:pPr marL="514350" indent="-514350">
-              <a:buAutoNum type="arabicPeriod"/>
-            </a:pPr>
-            <a:r>
-              <a:rPr lang="en-US" sz="2800" b="1" dirty="0" smtClean="0">
-                <a:solidFill>
-                  <a:srgbClr val="92D050"/>
-                </a:solidFill>
-                <a:latin typeface="Times New Roman" panose="02020603050405020304" pitchFamily="18" charset="0"/>
-                <a:cs typeface="Times New Roman" panose="02020603050405020304" pitchFamily="18" charset="0"/>
-              </a:rPr>
-              <a:t>Kiến trúc của JMS </a:t>
-            </a:r>
-            <a:r>
-              <a:rPr lang="en-US" sz="2800" b="1" dirty="0" smtClean="0">
-                <a:solidFill>
-                  <a:srgbClr val="92D050"/>
-                </a:solidFill>
-                <a:latin typeface="Times New Roman" panose="02020603050405020304" pitchFamily="18" charset="0"/>
-                <a:cs typeface="Times New Roman" panose="02020603050405020304" pitchFamily="18" charset="0"/>
-              </a:rPr>
-              <a:t>API</a:t>
-            </a:r>
-          </a:p>
-          <a:p>
-            <a:pPr marL="0" indent="0">
-              <a:buNone/>
-            </a:pPr>
-            <a:endParaRPr lang="en-US" sz="2800" b="1" dirty="0" smtClean="0">
-              <a:solidFill>
-                <a:srgbClr val="92D050"/>
-              </a:solidFill>
-              <a:latin typeface="Times New Roman" panose="02020603050405020304" pitchFamily="18" charset="0"/>
-              <a:cs typeface="Times New Roman" panose="02020603050405020304" pitchFamily="18" charset="0"/>
-            </a:endParaRPr>
-          </a:p>
-          <a:p>
-            <a:pPr>
-              <a:buFontTx/>
-              <a:buChar char="-"/>
-            </a:pPr>
-            <a:r>
-              <a:rPr lang="en-US" sz="2800" dirty="0" err="1" smtClean="0">
-                <a:latin typeface="Times New Roman" panose="02020603050405020304" pitchFamily="18" charset="0"/>
-                <a:cs typeface="Times New Roman" panose="02020603050405020304" pitchFamily="18" charset="0"/>
-              </a:rPr>
-              <a:t>Kiến</a:t>
-            </a:r>
-            <a:r>
-              <a:rPr lang="en-US" sz="2800" dirty="0" smtClean="0">
-                <a:latin typeface="Times New Roman" panose="02020603050405020304" pitchFamily="18" charset="0"/>
-                <a:cs typeface="Times New Roman" panose="02020603050405020304" pitchFamily="18" charset="0"/>
-              </a:rPr>
-              <a:t> </a:t>
-            </a:r>
-            <a:r>
-              <a:rPr lang="en-US" sz="2800" dirty="0" err="1" smtClean="0">
-                <a:latin typeface="Times New Roman" panose="02020603050405020304" pitchFamily="18" charset="0"/>
-                <a:cs typeface="Times New Roman" panose="02020603050405020304" pitchFamily="18" charset="0"/>
-              </a:rPr>
-              <a:t>trúc</a:t>
-            </a:r>
-            <a:r>
-              <a:rPr lang="en-US" sz="2800" dirty="0" smtClean="0">
-                <a:latin typeface="Times New Roman" panose="02020603050405020304" pitchFamily="18" charset="0"/>
-                <a:cs typeface="Times New Roman" panose="02020603050405020304" pitchFamily="18" charset="0"/>
-              </a:rPr>
-              <a:t> JMS </a:t>
-            </a:r>
-            <a:r>
-              <a:rPr lang="en-US" sz="2800" dirty="0" err="1" smtClean="0">
-                <a:latin typeface="Times New Roman" panose="02020603050405020304" pitchFamily="18" charset="0"/>
-                <a:cs typeface="Times New Roman" panose="02020603050405020304" pitchFamily="18" charset="0"/>
-              </a:rPr>
-              <a:t>bao</a:t>
-            </a:r>
-            <a:r>
-              <a:rPr lang="en-US" sz="2800" dirty="0" smtClean="0">
-                <a:latin typeface="Times New Roman" panose="02020603050405020304" pitchFamily="18" charset="0"/>
-                <a:cs typeface="Times New Roman" panose="02020603050405020304" pitchFamily="18" charset="0"/>
-              </a:rPr>
-              <a:t> </a:t>
-            </a:r>
-            <a:r>
-              <a:rPr lang="en-US" sz="2800" dirty="0" err="1" smtClean="0">
-                <a:latin typeface="Times New Roman" panose="02020603050405020304" pitchFamily="18" charset="0"/>
-                <a:cs typeface="Times New Roman" panose="02020603050405020304" pitchFamily="18" charset="0"/>
-              </a:rPr>
-              <a:t>gồm</a:t>
-            </a:r>
-            <a:r>
-              <a:rPr lang="en-US" sz="2800" dirty="0" smtClean="0">
-                <a:latin typeface="Times New Roman" panose="02020603050405020304" pitchFamily="18" charset="0"/>
-                <a:cs typeface="Times New Roman" panose="02020603050405020304" pitchFamily="18" charset="0"/>
-              </a:rPr>
-              <a:t> 4 </a:t>
-            </a:r>
-            <a:r>
-              <a:rPr lang="en-US" sz="2800" dirty="0" err="1" smtClean="0">
-                <a:latin typeface="Times New Roman" panose="02020603050405020304" pitchFamily="18" charset="0"/>
-                <a:cs typeface="Times New Roman" panose="02020603050405020304" pitchFamily="18" charset="0"/>
-              </a:rPr>
-              <a:t>thành</a:t>
-            </a:r>
-            <a:r>
-              <a:rPr lang="en-US" sz="2800" dirty="0" smtClean="0">
-                <a:latin typeface="Times New Roman" panose="02020603050405020304" pitchFamily="18" charset="0"/>
-                <a:cs typeface="Times New Roman" panose="02020603050405020304" pitchFamily="18" charset="0"/>
-              </a:rPr>
-              <a:t> </a:t>
-            </a:r>
-            <a:r>
-              <a:rPr lang="en-US" sz="2800" dirty="0" err="1" smtClean="0">
-                <a:latin typeface="Times New Roman" panose="02020603050405020304" pitchFamily="18" charset="0"/>
-                <a:cs typeface="Times New Roman" panose="02020603050405020304" pitchFamily="18" charset="0"/>
-              </a:rPr>
-              <a:t>phần</a:t>
-            </a:r>
-            <a:r>
-              <a:rPr lang="en-US" sz="2800" dirty="0" smtClean="0">
-                <a:latin typeface="Times New Roman" panose="02020603050405020304" pitchFamily="18" charset="0"/>
-                <a:cs typeface="Times New Roman" panose="02020603050405020304" pitchFamily="18" charset="0"/>
-              </a:rPr>
-              <a:t>:</a:t>
-            </a:r>
-          </a:p>
-          <a:p>
-            <a:pPr marL="0" indent="0">
-              <a:buNone/>
-            </a:pPr>
-            <a:r>
-              <a:rPr lang="en-US" sz="2800" dirty="0" smtClean="0">
-                <a:latin typeface="Times New Roman" panose="02020603050405020304" pitchFamily="18" charset="0"/>
-                <a:cs typeface="Times New Roman" panose="02020603050405020304" pitchFamily="18" charset="0"/>
-              </a:rPr>
-              <a:t>+ </a:t>
-            </a:r>
-            <a:r>
-              <a:rPr lang="en-US" sz="2800" dirty="0" smtClean="0">
-                <a:latin typeface="Times New Roman" panose="02020603050405020304" pitchFamily="18" charset="0"/>
-                <a:cs typeface="Times New Roman" panose="02020603050405020304" pitchFamily="18" charset="0"/>
-              </a:rPr>
-              <a:t>JMS Provider: </a:t>
-            </a:r>
-            <a:r>
-              <a:rPr lang="en-US" sz="2800" dirty="0" err="1" smtClean="0">
-                <a:latin typeface="Times New Roman" panose="02020603050405020304" pitchFamily="18" charset="0"/>
-                <a:cs typeface="Times New Roman" panose="02020603050405020304" pitchFamily="18" charset="0"/>
-              </a:rPr>
-              <a:t>những</a:t>
-            </a:r>
-            <a:r>
-              <a:rPr lang="en-US" sz="2800" dirty="0" smtClean="0">
-                <a:latin typeface="Times New Roman" panose="02020603050405020304" pitchFamily="18" charset="0"/>
-                <a:cs typeface="Times New Roman" panose="02020603050405020304" pitchFamily="18" charset="0"/>
-              </a:rPr>
-              <a:t> </a:t>
-            </a:r>
-            <a:r>
-              <a:rPr lang="en-US" sz="2800" dirty="0" err="1" smtClean="0">
-                <a:latin typeface="Times New Roman" panose="02020603050405020304" pitchFamily="18" charset="0"/>
-                <a:cs typeface="Times New Roman" panose="02020603050405020304" pitchFamily="18" charset="0"/>
-              </a:rPr>
-              <a:t>người</a:t>
-            </a:r>
-            <a:r>
-              <a:rPr lang="en-US" sz="2800" dirty="0" smtClean="0">
-                <a:latin typeface="Times New Roman" panose="02020603050405020304" pitchFamily="18" charset="0"/>
-                <a:cs typeface="Times New Roman" panose="02020603050405020304" pitchFamily="18" charset="0"/>
-              </a:rPr>
-              <a:t> </a:t>
-            </a:r>
-            <a:r>
-              <a:rPr lang="en-US" sz="2800" dirty="0" err="1" smtClean="0">
-                <a:latin typeface="Times New Roman" panose="02020603050405020304" pitchFamily="18" charset="0"/>
-                <a:cs typeface="Times New Roman" panose="02020603050405020304" pitchFamily="18" charset="0"/>
-              </a:rPr>
-              <a:t>tạo</a:t>
-            </a:r>
-            <a:r>
-              <a:rPr lang="en-US" sz="2800" dirty="0" smtClean="0">
-                <a:latin typeface="Times New Roman" panose="02020603050405020304" pitchFamily="18" charset="0"/>
-                <a:cs typeface="Times New Roman" panose="02020603050405020304" pitchFamily="18" charset="0"/>
-              </a:rPr>
-              <a:t> </a:t>
-            </a:r>
-            <a:r>
-              <a:rPr lang="en-US" sz="2800" dirty="0" err="1" smtClean="0">
-                <a:latin typeface="Times New Roman" panose="02020603050405020304" pitchFamily="18" charset="0"/>
-                <a:cs typeface="Times New Roman" panose="02020603050405020304" pitchFamily="18" charset="0"/>
-              </a:rPr>
-              <a:t>ra</a:t>
-            </a:r>
-            <a:r>
-              <a:rPr lang="en-US" sz="2800" dirty="0" smtClean="0">
-                <a:latin typeface="Times New Roman" panose="02020603050405020304" pitchFamily="18" charset="0"/>
-                <a:cs typeface="Times New Roman" panose="02020603050405020304" pitchFamily="18" charset="0"/>
-              </a:rPr>
-              <a:t> </a:t>
-            </a:r>
-            <a:r>
-              <a:rPr lang="en-US" sz="2800" dirty="0" err="1" smtClean="0">
-                <a:latin typeface="Times New Roman" panose="02020603050405020304" pitchFamily="18" charset="0"/>
-                <a:cs typeface="Times New Roman" panose="02020603050405020304" pitchFamily="18" charset="0"/>
-              </a:rPr>
-              <a:t>hệ</a:t>
-            </a:r>
-            <a:r>
-              <a:rPr lang="en-US" sz="2800" dirty="0" smtClean="0">
-                <a:latin typeface="Times New Roman" panose="02020603050405020304" pitchFamily="18" charset="0"/>
-                <a:cs typeface="Times New Roman" panose="02020603050405020304" pitchFamily="18" charset="0"/>
-              </a:rPr>
-              <a:t> </a:t>
-            </a:r>
-            <a:r>
-              <a:rPr lang="en-US" sz="2800" dirty="0" err="1" smtClean="0">
-                <a:latin typeface="Times New Roman" panose="02020603050405020304" pitchFamily="18" charset="0"/>
-                <a:cs typeface="Times New Roman" panose="02020603050405020304" pitchFamily="18" charset="0"/>
-              </a:rPr>
-              <a:t>thống</a:t>
-            </a:r>
-            <a:r>
-              <a:rPr lang="en-US" sz="2800" dirty="0" smtClean="0">
-                <a:latin typeface="Times New Roman" panose="02020603050405020304" pitchFamily="18" charset="0"/>
-                <a:cs typeface="Times New Roman" panose="02020603050405020304" pitchFamily="18" charset="0"/>
-              </a:rPr>
-              <a:t> JMS </a:t>
-            </a:r>
-            <a:r>
-              <a:rPr lang="en-US" sz="2800" dirty="0" err="1" smtClean="0">
-                <a:latin typeface="Times New Roman" panose="02020603050405020304" pitchFamily="18" charset="0"/>
-                <a:cs typeface="Times New Roman" panose="02020603050405020304" pitchFamily="18" charset="0"/>
-              </a:rPr>
-              <a:t>để</a:t>
-            </a:r>
-            <a:r>
-              <a:rPr lang="en-US" sz="2800" dirty="0" smtClean="0">
-                <a:latin typeface="Times New Roman" panose="02020603050405020304" pitchFamily="18" charset="0"/>
-                <a:cs typeface="Times New Roman" panose="02020603050405020304" pitchFamily="18" charset="0"/>
-              </a:rPr>
-              <a:t> </a:t>
-            </a:r>
-            <a:r>
-              <a:rPr lang="en-US" sz="2800" dirty="0" err="1" smtClean="0">
-                <a:latin typeface="Times New Roman" panose="02020603050405020304" pitchFamily="18" charset="0"/>
-                <a:cs typeface="Times New Roman" panose="02020603050405020304" pitchFamily="18" charset="0"/>
-              </a:rPr>
-              <a:t>lưu</a:t>
-            </a:r>
-            <a:r>
-              <a:rPr lang="en-US" sz="2800" dirty="0" smtClean="0">
-                <a:latin typeface="Times New Roman" panose="02020603050405020304" pitchFamily="18" charset="0"/>
-                <a:cs typeface="Times New Roman" panose="02020603050405020304" pitchFamily="18" charset="0"/>
-              </a:rPr>
-              <a:t> </a:t>
-            </a:r>
-            <a:r>
-              <a:rPr lang="en-US" sz="2800" dirty="0" err="1" smtClean="0">
-                <a:latin typeface="Times New Roman" panose="02020603050405020304" pitchFamily="18" charset="0"/>
-                <a:cs typeface="Times New Roman" panose="02020603050405020304" pitchFamily="18" charset="0"/>
-              </a:rPr>
-              <a:t>trữ</a:t>
-            </a:r>
-            <a:r>
-              <a:rPr lang="en-US" sz="2800" dirty="0" smtClean="0">
-                <a:latin typeface="Times New Roman" panose="02020603050405020304" pitchFamily="18" charset="0"/>
-                <a:cs typeface="Times New Roman" panose="02020603050405020304" pitchFamily="18" charset="0"/>
-              </a:rPr>
-              <a:t> </a:t>
-            </a:r>
-            <a:r>
-              <a:rPr lang="en-US" sz="2800" dirty="0" err="1" smtClean="0">
-                <a:latin typeface="Times New Roman" panose="02020603050405020304" pitchFamily="18" charset="0"/>
-                <a:cs typeface="Times New Roman" panose="02020603050405020304" pitchFamily="18" charset="0"/>
-              </a:rPr>
-              <a:t>tương</a:t>
-            </a:r>
-            <a:r>
-              <a:rPr lang="en-US" sz="2800" dirty="0" smtClean="0">
-                <a:latin typeface="Times New Roman" panose="02020603050405020304" pitchFamily="18" charset="0"/>
-                <a:cs typeface="Times New Roman" panose="02020603050405020304" pitchFamily="18" charset="0"/>
-              </a:rPr>
-              <a:t> </a:t>
-            </a:r>
-            <a:r>
-              <a:rPr lang="en-US" sz="2800" dirty="0" err="1" smtClean="0">
-                <a:latin typeface="Times New Roman" panose="02020603050405020304" pitchFamily="18" charset="0"/>
-                <a:cs typeface="Times New Roman" panose="02020603050405020304" pitchFamily="18" charset="0"/>
-              </a:rPr>
-              <a:t>tự</a:t>
-            </a:r>
-            <a:r>
-              <a:rPr lang="en-US" sz="2800" dirty="0" smtClean="0">
-                <a:latin typeface="Times New Roman" panose="02020603050405020304" pitchFamily="18" charset="0"/>
-                <a:cs typeface="Times New Roman" panose="02020603050405020304" pitchFamily="18" charset="0"/>
-              </a:rPr>
-              <a:t> </a:t>
-            </a:r>
-            <a:r>
-              <a:rPr lang="en-US" sz="2800" dirty="0" err="1" smtClean="0">
-                <a:latin typeface="Times New Roman" panose="02020603050405020304" pitchFamily="18" charset="0"/>
-                <a:cs typeface="Times New Roman" panose="02020603050405020304" pitchFamily="18" charset="0"/>
-              </a:rPr>
-              <a:t>hệ</a:t>
-            </a:r>
-            <a:r>
-              <a:rPr lang="en-US" sz="2800" dirty="0" smtClean="0">
-                <a:latin typeface="Times New Roman" panose="02020603050405020304" pitchFamily="18" charset="0"/>
-                <a:cs typeface="Times New Roman" panose="02020603050405020304" pitchFamily="18" charset="0"/>
-              </a:rPr>
-              <a:t> </a:t>
-            </a:r>
-            <a:r>
-              <a:rPr lang="en-US" sz="2800" dirty="0" err="1" smtClean="0">
-                <a:latin typeface="Times New Roman" panose="02020603050405020304" pitchFamily="18" charset="0"/>
-                <a:cs typeface="Times New Roman" panose="02020603050405020304" pitchFamily="18" charset="0"/>
-              </a:rPr>
-              <a:t>thống</a:t>
-            </a:r>
-            <a:r>
-              <a:rPr lang="en-US" sz="2800" dirty="0" smtClean="0">
-                <a:latin typeface="Times New Roman" panose="02020603050405020304" pitchFamily="18" charset="0"/>
-                <a:cs typeface="Times New Roman" panose="02020603050405020304" pitchFamily="18" charset="0"/>
-              </a:rPr>
-              <a:t> </a:t>
-            </a:r>
-            <a:r>
-              <a:rPr lang="en-US" sz="2800" dirty="0" err="1" smtClean="0">
-                <a:latin typeface="Times New Roman" panose="02020603050405020304" pitchFamily="18" charset="0"/>
-                <a:cs typeface="Times New Roman" panose="02020603050405020304" pitchFamily="18" charset="0"/>
-              </a:rPr>
-              <a:t>quản</a:t>
-            </a:r>
-            <a:r>
-              <a:rPr lang="en-US" sz="2800" dirty="0" smtClean="0">
-                <a:latin typeface="Times New Roman" panose="02020603050405020304" pitchFamily="18" charset="0"/>
-                <a:cs typeface="Times New Roman" panose="02020603050405020304" pitchFamily="18" charset="0"/>
-              </a:rPr>
-              <a:t> </a:t>
-            </a:r>
-            <a:r>
-              <a:rPr lang="en-US" sz="2800" dirty="0" err="1" smtClean="0">
-                <a:latin typeface="Times New Roman" panose="02020603050405020304" pitchFamily="18" charset="0"/>
-                <a:cs typeface="Times New Roman" panose="02020603050405020304" pitchFamily="18" charset="0"/>
-              </a:rPr>
-              <a:t>lý</a:t>
-            </a:r>
-            <a:r>
-              <a:rPr lang="en-US" sz="2800" dirty="0" smtClean="0">
-                <a:latin typeface="Times New Roman" panose="02020603050405020304" pitchFamily="18" charset="0"/>
-                <a:cs typeface="Times New Roman" panose="02020603050405020304" pitchFamily="18" charset="0"/>
-              </a:rPr>
-              <a:t> CSDL </a:t>
-            </a:r>
-            <a:r>
-              <a:rPr lang="en-US" sz="2800" dirty="0" err="1" smtClean="0">
-                <a:latin typeface="Times New Roman" panose="02020603050405020304" pitchFamily="18" charset="0"/>
-                <a:cs typeface="Times New Roman" panose="02020603050405020304" pitchFamily="18" charset="0"/>
-              </a:rPr>
-              <a:t>như</a:t>
-            </a:r>
-            <a:r>
-              <a:rPr lang="en-US" sz="2800" dirty="0" smtClean="0">
-                <a:latin typeface="Times New Roman" panose="02020603050405020304" pitchFamily="18" charset="0"/>
-                <a:cs typeface="Times New Roman" panose="02020603050405020304" pitchFamily="18" charset="0"/>
-              </a:rPr>
-              <a:t> SQL Server, Oracle, …</a:t>
-            </a:r>
-          </a:p>
-          <a:p>
-            <a:pPr marL="0" indent="0">
-              <a:buNone/>
-            </a:pPr>
-            <a:endParaRPr lang="en-US" sz="2800" dirty="0" smtClean="0">
-              <a:latin typeface="Times New Roman" panose="02020603050405020304" pitchFamily="18" charset="0"/>
-              <a:cs typeface="Times New Roman" panose="02020603050405020304" pitchFamily="18" charset="0"/>
-            </a:endParaRPr>
-          </a:p>
-          <a:p>
-            <a:pPr marL="0" indent="0">
-              <a:buNone/>
-            </a:pPr>
-            <a:r>
-              <a:rPr lang="en-US" sz="2800" dirty="0" smtClean="0">
-                <a:latin typeface="Times New Roman" panose="02020603050405020304" pitchFamily="18" charset="0"/>
-                <a:cs typeface="Times New Roman" panose="02020603050405020304" pitchFamily="18" charset="0"/>
-              </a:rPr>
-              <a:t>+ JMS Clients: là những chương trình hoặc thành phần (trong 1 ứng dụng) </a:t>
-            </a:r>
-            <a:r>
-              <a:rPr lang="en-US" sz="2800" dirty="0" err="1" smtClean="0">
-                <a:latin typeface="Times New Roman" panose="02020603050405020304" pitchFamily="18" charset="0"/>
-                <a:cs typeface="Times New Roman" panose="02020603050405020304" pitchFamily="18" charset="0"/>
-              </a:rPr>
-              <a:t>được</a:t>
-            </a:r>
-            <a:r>
-              <a:rPr lang="en-US" sz="2800" dirty="0" smtClean="0">
-                <a:latin typeface="Times New Roman" panose="02020603050405020304" pitchFamily="18" charset="0"/>
-                <a:cs typeface="Times New Roman" panose="02020603050405020304" pitchFamily="18" charset="0"/>
-              </a:rPr>
-              <a:t> </a:t>
-            </a:r>
-            <a:r>
-              <a:rPr lang="en-US" sz="2800" dirty="0" err="1" smtClean="0">
-                <a:latin typeface="Times New Roman" panose="02020603050405020304" pitchFamily="18" charset="0"/>
-                <a:cs typeface="Times New Roman" panose="02020603050405020304" pitchFamily="18" charset="0"/>
-              </a:rPr>
-              <a:t>viết</a:t>
-            </a:r>
-            <a:r>
-              <a:rPr lang="en-US" sz="2800" dirty="0" smtClean="0">
-                <a:latin typeface="Times New Roman" panose="02020603050405020304" pitchFamily="18" charset="0"/>
-                <a:cs typeface="Times New Roman" panose="02020603050405020304" pitchFamily="18" charset="0"/>
-              </a:rPr>
-              <a:t> </a:t>
-            </a:r>
-            <a:r>
-              <a:rPr lang="en-US" sz="2800" dirty="0" err="1" smtClean="0">
-                <a:latin typeface="Times New Roman" panose="02020603050405020304" pitchFamily="18" charset="0"/>
-                <a:cs typeface="Times New Roman" panose="02020603050405020304" pitchFamily="18" charset="0"/>
-              </a:rPr>
-              <a:t>bằng</a:t>
-            </a:r>
-            <a:r>
-              <a:rPr lang="en-US" sz="2800" dirty="0" smtClean="0">
-                <a:latin typeface="Times New Roman" panose="02020603050405020304" pitchFamily="18" charset="0"/>
-                <a:cs typeface="Times New Roman" panose="02020603050405020304" pitchFamily="18" charset="0"/>
-              </a:rPr>
-              <a:t> </a:t>
-            </a:r>
-            <a:r>
-              <a:rPr lang="en-US" sz="2800" dirty="0" err="1" smtClean="0">
-                <a:latin typeface="Times New Roman" panose="02020603050405020304" pitchFamily="18" charset="0"/>
-                <a:cs typeface="Times New Roman" panose="02020603050405020304" pitchFamily="18" charset="0"/>
-              </a:rPr>
-              <a:t>ngôn</a:t>
-            </a:r>
-            <a:r>
-              <a:rPr lang="en-US" sz="2800" dirty="0" smtClean="0">
-                <a:latin typeface="Times New Roman" panose="02020603050405020304" pitchFamily="18" charset="0"/>
-                <a:cs typeface="Times New Roman" panose="02020603050405020304" pitchFamily="18" charset="0"/>
-              </a:rPr>
-              <a:t> </a:t>
-            </a:r>
-            <a:r>
-              <a:rPr lang="en-US" sz="2800" dirty="0" err="1" smtClean="0">
-                <a:latin typeface="Times New Roman" panose="02020603050405020304" pitchFamily="18" charset="0"/>
-                <a:cs typeface="Times New Roman" panose="02020603050405020304" pitchFamily="18" charset="0"/>
-              </a:rPr>
-              <a:t>ngữ</a:t>
-            </a:r>
-            <a:r>
-              <a:rPr lang="en-US" sz="2800" dirty="0" smtClean="0">
-                <a:latin typeface="Times New Roman" panose="02020603050405020304" pitchFamily="18" charset="0"/>
-                <a:cs typeface="Times New Roman" panose="02020603050405020304" pitchFamily="18" charset="0"/>
-              </a:rPr>
-              <a:t> Java </a:t>
-            </a:r>
-            <a:r>
-              <a:rPr lang="en-US" sz="2800" dirty="0" err="1" smtClean="0">
-                <a:latin typeface="Times New Roman" panose="02020603050405020304" pitchFamily="18" charset="0"/>
-                <a:cs typeface="Times New Roman" panose="02020603050405020304" pitchFamily="18" charset="0"/>
-              </a:rPr>
-              <a:t>sử</a:t>
-            </a:r>
-            <a:r>
-              <a:rPr lang="en-US" sz="2800" dirty="0" smtClean="0">
-                <a:latin typeface="Times New Roman" panose="02020603050405020304" pitchFamily="18" charset="0"/>
-                <a:cs typeface="Times New Roman" panose="02020603050405020304" pitchFamily="18" charset="0"/>
-              </a:rPr>
-              <a:t> </a:t>
-            </a:r>
-            <a:r>
-              <a:rPr lang="en-US" sz="2800" dirty="0" err="1" smtClean="0">
-                <a:latin typeface="Times New Roman" panose="02020603050405020304" pitchFamily="18" charset="0"/>
-                <a:cs typeface="Times New Roman" panose="02020603050405020304" pitchFamily="18" charset="0"/>
-              </a:rPr>
-              <a:t>dụng</a:t>
-            </a:r>
-            <a:r>
-              <a:rPr lang="en-US" sz="2800" dirty="0" smtClean="0">
-                <a:latin typeface="Times New Roman" panose="02020603050405020304" pitchFamily="18" charset="0"/>
-                <a:cs typeface="Times New Roman" panose="02020603050405020304" pitchFamily="18" charset="0"/>
-              </a:rPr>
-              <a:t> JMS API </a:t>
-            </a:r>
-            <a:r>
-              <a:rPr lang="en-US" sz="2800" dirty="0" err="1" smtClean="0">
-                <a:latin typeface="Times New Roman" panose="02020603050405020304" pitchFamily="18" charset="0"/>
-                <a:cs typeface="Times New Roman" panose="02020603050405020304" pitchFamily="18" charset="0"/>
-              </a:rPr>
-              <a:t>truy</a:t>
-            </a:r>
-            <a:r>
-              <a:rPr lang="en-US" sz="2800" dirty="0" smtClean="0">
-                <a:latin typeface="Times New Roman" panose="02020603050405020304" pitchFamily="18" charset="0"/>
-                <a:cs typeface="Times New Roman" panose="02020603050405020304" pitchFamily="18" charset="0"/>
-              </a:rPr>
-              <a:t> </a:t>
-            </a:r>
-            <a:r>
-              <a:rPr lang="en-US" sz="2800" dirty="0" err="1" smtClean="0">
-                <a:latin typeface="Times New Roman" panose="02020603050405020304" pitchFamily="18" charset="0"/>
-                <a:cs typeface="Times New Roman" panose="02020603050405020304" pitchFamily="18" charset="0"/>
-              </a:rPr>
-              <a:t>cập</a:t>
-            </a:r>
-            <a:r>
-              <a:rPr lang="en-US" sz="2800" dirty="0" smtClean="0">
-                <a:latin typeface="Times New Roman" panose="02020603050405020304" pitchFamily="18" charset="0"/>
-                <a:cs typeface="Times New Roman" panose="02020603050405020304" pitchFamily="18" charset="0"/>
-              </a:rPr>
-              <a:t> </a:t>
-            </a:r>
-            <a:r>
-              <a:rPr lang="en-US" sz="2800" dirty="0" err="1" smtClean="0">
-                <a:latin typeface="Times New Roman" panose="02020603050405020304" pitchFamily="18" charset="0"/>
-                <a:cs typeface="Times New Roman" panose="02020603050405020304" pitchFamily="18" charset="0"/>
-              </a:rPr>
-              <a:t>và</a:t>
-            </a:r>
-            <a:r>
-              <a:rPr lang="en-US" sz="2800" dirty="0" smtClean="0">
-                <a:latin typeface="Times New Roman" panose="02020603050405020304" pitchFamily="18" charset="0"/>
-                <a:cs typeface="Times New Roman" panose="02020603050405020304" pitchFamily="18" charset="0"/>
-              </a:rPr>
-              <a:t> </a:t>
-            </a:r>
-            <a:r>
-              <a:rPr lang="en-US" sz="2800" dirty="0" err="1" smtClean="0">
-                <a:latin typeface="Times New Roman" panose="02020603050405020304" pitchFamily="18" charset="0"/>
-                <a:cs typeface="Times New Roman" panose="02020603050405020304" pitchFamily="18" charset="0"/>
-              </a:rPr>
-              <a:t>thao</a:t>
-            </a:r>
-            <a:r>
-              <a:rPr lang="en-US" sz="2800" dirty="0" smtClean="0">
-                <a:latin typeface="Times New Roman" panose="02020603050405020304" pitchFamily="18" charset="0"/>
-                <a:cs typeface="Times New Roman" panose="02020603050405020304" pitchFamily="18" charset="0"/>
-              </a:rPr>
-              <a:t> </a:t>
-            </a:r>
-            <a:r>
-              <a:rPr lang="en-US" sz="2800" dirty="0" err="1" smtClean="0">
-                <a:latin typeface="Times New Roman" panose="02020603050405020304" pitchFamily="18" charset="0"/>
-                <a:cs typeface="Times New Roman" panose="02020603050405020304" pitchFamily="18" charset="0"/>
-              </a:rPr>
-              <a:t>tác</a:t>
-            </a:r>
-            <a:r>
-              <a:rPr lang="en-US" sz="2800" dirty="0" smtClean="0">
-                <a:latin typeface="Times New Roman" panose="02020603050405020304" pitchFamily="18" charset="0"/>
-                <a:cs typeface="Times New Roman" panose="02020603050405020304" pitchFamily="18" charset="0"/>
-              </a:rPr>
-              <a:t> </a:t>
-            </a:r>
-            <a:r>
-              <a:rPr lang="en-US" sz="2800" dirty="0" err="1" smtClean="0">
-                <a:latin typeface="Times New Roman" panose="02020603050405020304" pitchFamily="18" charset="0"/>
-                <a:cs typeface="Times New Roman" panose="02020603050405020304" pitchFamily="18" charset="0"/>
-              </a:rPr>
-              <a:t>trên</a:t>
-            </a:r>
-            <a:r>
-              <a:rPr lang="en-US" sz="2800" dirty="0" smtClean="0">
-                <a:latin typeface="Times New Roman" panose="02020603050405020304" pitchFamily="18" charset="0"/>
-                <a:cs typeface="Times New Roman" panose="02020603050405020304" pitchFamily="18" charset="0"/>
-              </a:rPr>
-              <a:t> JMS Provider.</a:t>
-            </a:r>
-            <a:endParaRPr lang="en-US" sz="2800" dirty="0" smtClean="0">
-              <a:latin typeface="Times New Roman" panose="02020603050405020304" pitchFamily="18" charset="0"/>
-              <a:cs typeface="Times New Roman" panose="02020603050405020304" pitchFamily="18" charset="0"/>
-            </a:endParaRPr>
-          </a:p>
-        </p:txBody>
-      </p:sp>
-    </p:spTree>
-    <p:extLst>
-      <p:ext uri="{BB962C8B-B14F-4D97-AF65-F5344CB8AC3E}">
-        <p14:creationId xmlns:p14="http://schemas.microsoft.com/office/powerpoint/2010/main" val="410387519"/>
-      </p:ext>
-    </p:extLst>
-  </p:cSld>
-  <p:clrMapOvr>
-    <a:masterClrMapping/>
-  </p:clrMapOvr>
-  <p:timing>
-    <p:tnLst>
-      <p:par>
-        <p:cTn id="1" dur="indefinite" restart="never" nodeType="tmRoot">
-          <p:childTnLst>
-            <p:seq concurrent="1" nextAc="seek">
-              <p:cTn id="2" dur="indefinite" nodeType="mainSeq">
-                <p:childTnLst>
-                  <p:par>
-                    <p:cTn id="3" fill="hold">
-                      <p:stCondLst>
-                        <p:cond delay="indefinite"/>
-                      </p:stCondLst>
-                      <p:childTnLst>
-                        <p:par>
-                          <p:cTn id="4" fill="hold">
-                            <p:stCondLst>
-                              <p:cond delay="0"/>
-                            </p:stCondLst>
-                            <p:childTnLst>
-                              <p:par>
-                                <p:cTn id="5" presetID="2" presetClass="entr" presetSubtype="4" fill="hold" grpId="0" nodeType="clickEffect">
-                                  <p:stCondLst>
-                                    <p:cond delay="0"/>
-                                  </p:stCondLst>
-                                  <p:childTnLst>
-                                    <p:set>
-                                      <p:cBhvr>
-                                        <p:cTn id="6" dur="1" fill="hold">
-                                          <p:stCondLst>
-                                            <p:cond delay="0"/>
-                                          </p:stCondLst>
-                                        </p:cTn>
-                                        <p:tgtEl>
-                                          <p:spTgt spid="3">
-                                            <p:txEl>
-                                              <p:pRg st="0" end="0"/>
-                                            </p:txEl>
-                                          </p:spTgt>
-                                        </p:tgtEl>
-                                        <p:attrNameLst>
-                                          <p:attrName>style.visibility</p:attrName>
-                                        </p:attrNameLst>
-                                      </p:cBhvr>
-                                      <p:to>
-                                        <p:strVal val="visible"/>
-                                      </p:to>
-                                    </p:set>
-                                    <p:anim calcmode="lin" valueType="num">
-                                      <p:cBhvr additive="base">
-                                        <p:cTn id="7" dur="500" fill="hold"/>
-                                        <p:tgtEl>
-                                          <p:spTgt spid="3">
-                                            <p:txEl>
-                                              <p:pRg st="0" end="0"/>
-                                            </p:txEl>
-                                          </p:spTgt>
-                                        </p:tgtEl>
-                                        <p:attrNameLst>
-                                          <p:attrName>ppt_x</p:attrName>
-                                        </p:attrNameLst>
-                                      </p:cBhvr>
-                                      <p:tavLst>
-                                        <p:tav tm="0">
-                                          <p:val>
-                                            <p:strVal val="#ppt_x"/>
-                                          </p:val>
-                                        </p:tav>
-                                        <p:tav tm="100000">
-                                          <p:val>
-                                            <p:strVal val="#ppt_x"/>
-                                          </p:val>
-                                        </p:tav>
-                                      </p:tavLst>
-                                    </p:anim>
-                                    <p:anim calcmode="lin" valueType="num">
-                                      <p:cBhvr additive="base">
-                                        <p:cTn id="8" dur="500" fill="hold"/>
-                                        <p:tgtEl>
-                                          <p:spTgt spid="3">
-                                            <p:txEl>
-                                              <p:pRg st="0" end="0"/>
-                                            </p:txEl>
-                                          </p:spTgt>
-                                        </p:tgtEl>
-                                        <p:attrNameLst>
-                                          <p:attrName>ppt_y</p:attrName>
-                                        </p:attrNameLst>
-                                      </p:cBhvr>
-                                      <p:tavLst>
-                                        <p:tav tm="0">
-                                          <p:val>
-                                            <p:strVal val="1+#ppt_h/2"/>
-                                          </p:val>
-                                        </p:tav>
-                                        <p:tav tm="100000">
-                                          <p:val>
-                                            <p:strVal val="#ppt_y"/>
-                                          </p:val>
-                                        </p:tav>
-                                      </p:tavLst>
-                                    </p:anim>
-                                  </p:childTnLst>
-                                </p:cTn>
-                              </p:par>
-                            </p:childTnLst>
-                          </p:cTn>
-                        </p:par>
-                      </p:childTnLst>
-                    </p:cTn>
-                  </p:par>
-                  <p:par>
-                    <p:cTn id="9" fill="hold">
-                      <p:stCondLst>
-                        <p:cond delay="indefinite"/>
-                      </p:stCondLst>
-                      <p:childTnLst>
-                        <p:par>
-                          <p:cTn id="10" fill="hold">
-                            <p:stCondLst>
-                              <p:cond delay="0"/>
-                            </p:stCondLst>
-                            <p:childTnLst>
-                              <p:par>
-                                <p:cTn id="11" presetID="2" presetClass="entr" presetSubtype="4" fill="hold" grpId="0" nodeType="clickEffect">
-                                  <p:stCondLst>
-                                    <p:cond delay="0"/>
-                                  </p:stCondLst>
-                                  <p:childTnLst>
-                                    <p:set>
-                                      <p:cBhvr>
-                                        <p:cTn id="12" dur="1" fill="hold">
-                                          <p:stCondLst>
-                                            <p:cond delay="0"/>
-                                          </p:stCondLst>
-                                        </p:cTn>
-                                        <p:tgtEl>
-                                          <p:spTgt spid="3">
-                                            <p:txEl>
-                                              <p:pRg st="2" end="2"/>
-                                            </p:txEl>
-                                          </p:spTgt>
-                                        </p:tgtEl>
-                                        <p:attrNameLst>
-                                          <p:attrName>style.visibility</p:attrName>
-                                        </p:attrNameLst>
-                                      </p:cBhvr>
-                                      <p:to>
-                                        <p:strVal val="visible"/>
-                                      </p:to>
-                                    </p:set>
-                                    <p:anim calcmode="lin" valueType="num">
-                                      <p:cBhvr additive="base">
-                                        <p:cTn id="13" dur="500" fill="hold"/>
-                                        <p:tgtEl>
-                                          <p:spTgt spid="3">
-                                            <p:txEl>
-                                              <p:pRg st="2" end="2"/>
-                                            </p:txEl>
-                                          </p:spTgt>
-                                        </p:tgtEl>
-                                        <p:attrNameLst>
-                                          <p:attrName>ppt_x</p:attrName>
-                                        </p:attrNameLst>
-                                      </p:cBhvr>
-                                      <p:tavLst>
-                                        <p:tav tm="0">
-                                          <p:val>
-                                            <p:strVal val="#ppt_x"/>
-                                          </p:val>
-                                        </p:tav>
-                                        <p:tav tm="100000">
-                                          <p:val>
-                                            <p:strVal val="#ppt_x"/>
-                                          </p:val>
-                                        </p:tav>
-                                      </p:tavLst>
-                                    </p:anim>
-                                    <p:anim calcmode="lin" valueType="num">
-                                      <p:cBhvr additive="base">
-                                        <p:cTn id="14" dur="500" fill="hold"/>
-                                        <p:tgtEl>
-                                          <p:spTgt spid="3">
-                                            <p:txEl>
-                                              <p:pRg st="2" end="2"/>
-                                            </p:txEl>
-                                          </p:spTgt>
-                                        </p:tgtEl>
-                                        <p:attrNameLst>
-                                          <p:attrName>ppt_y</p:attrName>
-                                        </p:attrNameLst>
-                                      </p:cBhvr>
-                                      <p:tavLst>
-                                        <p:tav tm="0">
-                                          <p:val>
-                                            <p:strVal val="1+#ppt_h/2"/>
-                                          </p:val>
-                                        </p:tav>
-                                        <p:tav tm="100000">
-                                          <p:val>
-                                            <p:strVal val="#ppt_y"/>
-                                          </p:val>
-                                        </p:tav>
-                                      </p:tavLst>
-                                    </p:anim>
-                                  </p:childTnLst>
-                                </p:cTn>
-                              </p:par>
-                            </p:childTnLst>
-                          </p:cTn>
-                        </p:par>
-                      </p:childTnLst>
-                    </p:cTn>
-                  </p:par>
-                  <p:par>
-                    <p:cTn id="15" fill="hold">
-                      <p:stCondLst>
-                        <p:cond delay="indefinite"/>
-                      </p:stCondLst>
-                      <p:childTnLst>
-                        <p:par>
-                          <p:cTn id="16" fill="hold">
-                            <p:stCondLst>
-                              <p:cond delay="0"/>
-                            </p:stCondLst>
-                            <p:childTnLst>
-                              <p:par>
-                                <p:cTn id="17" presetID="2" presetClass="entr" presetSubtype="4" fill="hold" grpId="0" nodeType="clickEffect">
-                                  <p:stCondLst>
-                                    <p:cond delay="0"/>
-                                  </p:stCondLst>
-                                  <p:childTnLst>
-                                    <p:set>
-                                      <p:cBhvr>
-                                        <p:cTn id="18" dur="1" fill="hold">
-                                          <p:stCondLst>
-                                            <p:cond delay="0"/>
-                                          </p:stCondLst>
-                                        </p:cTn>
-                                        <p:tgtEl>
-                                          <p:spTgt spid="3">
-                                            <p:txEl>
-                                              <p:pRg st="3" end="3"/>
-                                            </p:txEl>
-                                          </p:spTgt>
-                                        </p:tgtEl>
-                                        <p:attrNameLst>
-                                          <p:attrName>style.visibility</p:attrName>
-                                        </p:attrNameLst>
-                                      </p:cBhvr>
-                                      <p:to>
-                                        <p:strVal val="visible"/>
-                                      </p:to>
-                                    </p:set>
-                                    <p:anim calcmode="lin" valueType="num">
-                                      <p:cBhvr additive="base">
-                                        <p:cTn id="19" dur="500" fill="hold"/>
-                                        <p:tgtEl>
-                                          <p:spTgt spid="3">
-                                            <p:txEl>
-                                              <p:pRg st="3" end="3"/>
-                                            </p:txEl>
-                                          </p:spTgt>
-                                        </p:tgtEl>
-                                        <p:attrNameLst>
-                                          <p:attrName>ppt_x</p:attrName>
-                                        </p:attrNameLst>
-                                      </p:cBhvr>
-                                      <p:tavLst>
-                                        <p:tav tm="0">
-                                          <p:val>
-                                            <p:strVal val="#ppt_x"/>
-                                          </p:val>
-                                        </p:tav>
-                                        <p:tav tm="100000">
-                                          <p:val>
-                                            <p:strVal val="#ppt_x"/>
-                                          </p:val>
-                                        </p:tav>
-                                      </p:tavLst>
-                                    </p:anim>
-                                    <p:anim calcmode="lin" valueType="num">
-                                      <p:cBhvr additive="base">
-                                        <p:cTn id="20" dur="500" fill="hold"/>
-                                        <p:tgtEl>
-                                          <p:spTgt spid="3">
-                                            <p:txEl>
-                                              <p:pRg st="3" end="3"/>
-                                            </p:txEl>
-                                          </p:spTgt>
-                                        </p:tgtEl>
-                                        <p:attrNameLst>
-                                          <p:attrName>ppt_y</p:attrName>
-                                        </p:attrNameLst>
-                                      </p:cBhvr>
-                                      <p:tavLst>
-                                        <p:tav tm="0">
-                                          <p:val>
-                                            <p:strVal val="1+#ppt_h/2"/>
-                                          </p:val>
-                                        </p:tav>
-                                        <p:tav tm="100000">
-                                          <p:val>
-                                            <p:strVal val="#ppt_y"/>
-                                          </p:val>
-                                        </p:tav>
-                                      </p:tavLst>
-                                    </p:anim>
-                                  </p:childTnLst>
-                                </p:cTn>
-                              </p:par>
-                            </p:childTnLst>
-                          </p:cTn>
-                        </p:par>
-                      </p:childTnLst>
-                    </p:cTn>
-                  </p:par>
-                  <p:par>
-                    <p:cTn id="21" fill="hold">
-                      <p:stCondLst>
-                        <p:cond delay="indefinite"/>
-                      </p:stCondLst>
-                      <p:childTnLst>
-                        <p:par>
-                          <p:cTn id="22" fill="hold">
-                            <p:stCondLst>
-                              <p:cond delay="0"/>
-                            </p:stCondLst>
-                            <p:childTnLst>
-                              <p:par>
-                                <p:cTn id="23" presetID="2" presetClass="entr" presetSubtype="4" fill="hold" grpId="0" nodeType="clickEffect">
-                                  <p:stCondLst>
-                                    <p:cond delay="0"/>
-                                  </p:stCondLst>
-                                  <p:childTnLst>
-                                    <p:set>
-                                      <p:cBhvr>
-                                        <p:cTn id="24" dur="1" fill="hold">
-                                          <p:stCondLst>
-                                            <p:cond delay="0"/>
-                                          </p:stCondLst>
-                                        </p:cTn>
-                                        <p:tgtEl>
-                                          <p:spTgt spid="3">
-                                            <p:txEl>
-                                              <p:pRg st="5" end="5"/>
-                                            </p:txEl>
-                                          </p:spTgt>
-                                        </p:tgtEl>
-                                        <p:attrNameLst>
-                                          <p:attrName>style.visibility</p:attrName>
-                                        </p:attrNameLst>
-                                      </p:cBhvr>
-                                      <p:to>
-                                        <p:strVal val="visible"/>
-                                      </p:to>
-                                    </p:set>
-                                    <p:anim calcmode="lin" valueType="num">
-                                      <p:cBhvr additive="base">
-                                        <p:cTn id="25" dur="500" fill="hold"/>
-                                        <p:tgtEl>
-                                          <p:spTgt spid="3">
-                                            <p:txEl>
-                                              <p:pRg st="5" end="5"/>
-                                            </p:txEl>
-                                          </p:spTgt>
-                                        </p:tgtEl>
-                                        <p:attrNameLst>
-                                          <p:attrName>ppt_x</p:attrName>
-                                        </p:attrNameLst>
-                                      </p:cBhvr>
-                                      <p:tavLst>
-                                        <p:tav tm="0">
-                                          <p:val>
-                                            <p:strVal val="#ppt_x"/>
-                                          </p:val>
-                                        </p:tav>
-                                        <p:tav tm="100000">
-                                          <p:val>
-                                            <p:strVal val="#ppt_x"/>
-                                          </p:val>
-                                        </p:tav>
-                                      </p:tavLst>
-                                    </p:anim>
-                                    <p:anim calcmode="lin" valueType="num">
-                                      <p:cBhvr additive="base">
-                                        <p:cTn id="26" dur="500" fill="hold"/>
-                                        <p:tgtEl>
-                                          <p:spTgt spid="3">
-                                            <p:txEl>
-                                              <p:pRg st="5" end="5"/>
-                                            </p:txEl>
-                                          </p:spTgt>
-                                        </p:tgtEl>
-                                        <p:attrNameLst>
-                                          <p:attrName>ppt_y</p:attrName>
-                                        </p:attrNameLst>
-                                      </p:cBhvr>
-                                      <p:tavLst>
-                                        <p:tav tm="0">
-                                          <p:val>
-                                            <p:strVal val="1+#ppt_h/2"/>
-                                          </p:val>
-                                        </p:tav>
-                                        <p:tav tm="100000">
-                                          <p:val>
-                                            <p:strVal val="#ppt_y"/>
-                                          </p:val>
-                                        </p:tav>
-                                      </p:tavLst>
-                                    </p:anim>
-                                  </p:childTnLst>
-                                </p:cTn>
-                              </p:par>
-                            </p:childTnLst>
-                          </p:cTn>
-                        </p:par>
-                      </p:childTnLst>
-                    </p:cTn>
-                  </p:par>
-                </p:childTnLst>
-              </p:cTn>
-              <p:prevCondLst>
-                <p:cond evt="onPrev" delay="0">
-                  <p:tgtEl>
-                    <p:sldTgt/>
-                  </p:tgtEl>
-                </p:cond>
-              </p:prevCondLst>
-              <p:nextCondLst>
-                <p:cond evt="onNext" delay="0">
-                  <p:tgtEl>
-                    <p:sldTgt/>
-                  </p:tgtEl>
-                </p:cond>
-              </p:nextCondLst>
-            </p:seq>
-          </p:childTnLst>
-        </p:cTn>
-      </p:par>
-    </p:tnLst>
-    <p:bldLst>
-      <p:bldP spid="3" grpId="0" build="p"/>
-    </p:bldLst>
-  </p:timing>
-</p:sld>
-</file>
-
-<file path=ppt/slides/slide7.xml><?xml version="1.0" encoding="utf-8"?>
-<p:sld xmlns:a="http://schemas.openxmlformats.org/drawingml/2006/main" xmlns:r="http://schemas.openxmlformats.org/officeDocument/2006/relationships" xmlns:p="http://schemas.openxmlformats.org/presentationml/2006/main">
-  <p:cSld>
-    <p:spTree>
-      <p:nvGrpSpPr>
-        <p:cNvPr id="1" name=""/>
-        <p:cNvGrpSpPr/>
-        <p:nvPr/>
-      </p:nvGrpSpPr>
-      <p:grpSpPr>
-        <a:xfrm>
-          <a:off x="0" y="0"/>
-          <a:ext cx="0" cy="0"/>
-          <a:chOff x="0" y="0"/>
-          <a:chExt cx="0" cy="0"/>
-        </a:xfrm>
-      </p:grpSpPr>
-      <p:sp>
-        <p:nvSpPr>
-          <p:cNvPr id="3" name="Content Placeholder 2"/>
-          <p:cNvSpPr>
-            <a:spLocks noGrp="1"/>
-          </p:cNvSpPr>
-          <p:nvPr>
-            <p:ph idx="1"/>
-          </p:nvPr>
-        </p:nvSpPr>
-        <p:spPr>
-          <a:xfrm>
-            <a:off x="274321" y="228601"/>
-            <a:ext cx="11652068" cy="1665514"/>
-          </a:xfrm>
-        </p:spPr>
-        <p:txBody>
-          <a:bodyPr>
-            <a:normAutofit fontScale="92500" lnSpcReduction="10000"/>
-          </a:bodyPr>
-          <a:lstStyle/>
-          <a:p>
-            <a:pPr marL="0" indent="0">
-              <a:buNone/>
-            </a:pPr>
-            <a:r>
-              <a:rPr lang="en-US" sz="2800" dirty="0" smtClean="0">
-                <a:latin typeface="Times New Roman" panose="02020603050405020304" pitchFamily="18" charset="0"/>
-                <a:cs typeface="Times New Roman" panose="02020603050405020304" pitchFamily="18" charset="0"/>
-              </a:rPr>
-              <a:t>- </a:t>
-            </a:r>
-            <a:r>
-              <a:rPr lang="en-US" sz="2800" dirty="0" smtClean="0">
-                <a:latin typeface="Times New Roman" panose="02020603050405020304" pitchFamily="18" charset="0"/>
-                <a:cs typeface="Times New Roman" panose="02020603050405020304" pitchFamily="18" charset="0"/>
-              </a:rPr>
-              <a:t>Messages</a:t>
-            </a:r>
-            <a:r>
-              <a:rPr lang="en-US" sz="2800" dirty="0" smtClean="0">
-                <a:latin typeface="Times New Roman" panose="02020603050405020304" pitchFamily="18" charset="0"/>
-                <a:cs typeface="Times New Roman" panose="02020603050405020304" pitchFamily="18" charset="0"/>
-              </a:rPr>
-              <a:t>: </a:t>
-            </a:r>
-            <a:r>
-              <a:rPr lang="en-US" sz="2800" dirty="0" err="1" smtClean="0">
-                <a:latin typeface="Times New Roman" panose="02020603050405020304" pitchFamily="18" charset="0"/>
-                <a:cs typeface="Times New Roman" panose="02020603050405020304" pitchFamily="18" charset="0"/>
-              </a:rPr>
-              <a:t>định</a:t>
-            </a:r>
-            <a:r>
-              <a:rPr lang="en-US" sz="2800" dirty="0" smtClean="0">
-                <a:latin typeface="Times New Roman" panose="02020603050405020304" pitchFamily="18" charset="0"/>
-                <a:cs typeface="Times New Roman" panose="02020603050405020304" pitchFamily="18" charset="0"/>
-              </a:rPr>
-              <a:t> </a:t>
-            </a:r>
-            <a:r>
-              <a:rPr lang="en-US" sz="2800" dirty="0" err="1" smtClean="0">
-                <a:latin typeface="Times New Roman" panose="02020603050405020304" pitchFamily="18" charset="0"/>
-                <a:cs typeface="Times New Roman" panose="02020603050405020304" pitchFamily="18" charset="0"/>
-              </a:rPr>
-              <a:t>dạng</a:t>
-            </a:r>
-            <a:r>
-              <a:rPr lang="en-US" sz="2800" dirty="0" smtClean="0">
-                <a:latin typeface="Times New Roman" panose="02020603050405020304" pitchFamily="18" charset="0"/>
-                <a:cs typeface="Times New Roman" panose="02020603050405020304" pitchFamily="18" charset="0"/>
-              </a:rPr>
-              <a:t> </a:t>
-            </a:r>
-            <a:r>
-              <a:rPr lang="en-US" sz="2800" dirty="0" err="1" smtClean="0">
-                <a:latin typeface="Times New Roman" panose="02020603050405020304" pitchFamily="18" charset="0"/>
-                <a:cs typeface="Times New Roman" panose="02020603050405020304" pitchFamily="18" charset="0"/>
-              </a:rPr>
-              <a:t>trung</a:t>
-            </a:r>
-            <a:r>
-              <a:rPr lang="en-US" sz="2800" dirty="0" smtClean="0">
-                <a:latin typeface="Times New Roman" panose="02020603050405020304" pitchFamily="18" charset="0"/>
-                <a:cs typeface="Times New Roman" panose="02020603050405020304" pitchFamily="18" charset="0"/>
-              </a:rPr>
-              <a:t> </a:t>
-            </a:r>
-            <a:r>
-              <a:rPr lang="en-US" sz="2800" dirty="0" err="1" smtClean="0">
-                <a:latin typeface="Times New Roman" panose="02020603050405020304" pitchFamily="18" charset="0"/>
-                <a:cs typeface="Times New Roman" panose="02020603050405020304" pitchFamily="18" charset="0"/>
-              </a:rPr>
-              <a:t>gian</a:t>
-            </a:r>
-            <a:r>
-              <a:rPr lang="en-US" sz="2800" dirty="0" smtClean="0">
-                <a:latin typeface="Times New Roman" panose="02020603050405020304" pitchFamily="18" charset="0"/>
-                <a:cs typeface="Times New Roman" panose="02020603050405020304" pitchFamily="18" charset="0"/>
-              </a:rPr>
-              <a:t> </a:t>
-            </a:r>
-            <a:r>
-              <a:rPr lang="en-US" sz="2800" dirty="0" err="1" smtClean="0">
-                <a:latin typeface="Times New Roman" panose="02020603050405020304" pitchFamily="18" charset="0"/>
-                <a:cs typeface="Times New Roman" panose="02020603050405020304" pitchFamily="18" charset="0"/>
-              </a:rPr>
-              <a:t>để</a:t>
-            </a:r>
-            <a:r>
-              <a:rPr lang="en-US" sz="2800" dirty="0" smtClean="0">
-                <a:latin typeface="Times New Roman" panose="02020603050405020304" pitchFamily="18" charset="0"/>
-                <a:cs typeface="Times New Roman" panose="02020603050405020304" pitchFamily="18" charset="0"/>
-              </a:rPr>
-              <a:t> </a:t>
-            </a:r>
-            <a:r>
-              <a:rPr lang="en-US" sz="2800" dirty="0" err="1" smtClean="0">
-                <a:latin typeface="Times New Roman" panose="02020603050405020304" pitchFamily="18" charset="0"/>
-                <a:cs typeface="Times New Roman" panose="02020603050405020304" pitchFamily="18" charset="0"/>
-              </a:rPr>
-              <a:t>giao</a:t>
-            </a:r>
-            <a:r>
-              <a:rPr lang="en-US" sz="2800" dirty="0" smtClean="0">
-                <a:latin typeface="Times New Roman" panose="02020603050405020304" pitchFamily="18" charset="0"/>
-                <a:cs typeface="Times New Roman" panose="02020603050405020304" pitchFamily="18" charset="0"/>
-              </a:rPr>
-              <a:t> </a:t>
-            </a:r>
-            <a:r>
-              <a:rPr lang="en-US" sz="2800" dirty="0" err="1" smtClean="0">
-                <a:latin typeface="Times New Roman" panose="02020603050405020304" pitchFamily="18" charset="0"/>
-                <a:cs typeface="Times New Roman" panose="02020603050405020304" pitchFamily="18" charset="0"/>
-              </a:rPr>
-              <a:t>tiếp</a:t>
-            </a:r>
-            <a:r>
-              <a:rPr lang="en-US" sz="2800" dirty="0" smtClean="0">
-                <a:latin typeface="Times New Roman" panose="02020603050405020304" pitchFamily="18" charset="0"/>
-                <a:cs typeface="Times New Roman" panose="02020603050405020304" pitchFamily="18" charset="0"/>
-              </a:rPr>
-              <a:t> </a:t>
-            </a:r>
-            <a:r>
-              <a:rPr lang="en-US" sz="2800" dirty="0" err="1" smtClean="0">
-                <a:latin typeface="Times New Roman" panose="02020603050405020304" pitchFamily="18" charset="0"/>
-                <a:cs typeface="Times New Roman" panose="02020603050405020304" pitchFamily="18" charset="0"/>
-              </a:rPr>
-              <a:t>giữa</a:t>
-            </a:r>
-            <a:r>
-              <a:rPr lang="en-US" sz="2800" dirty="0" smtClean="0">
-                <a:latin typeface="Times New Roman" panose="02020603050405020304" pitchFamily="18" charset="0"/>
-                <a:cs typeface="Times New Roman" panose="02020603050405020304" pitchFamily="18" charset="0"/>
-              </a:rPr>
-              <a:t> JMS Clients </a:t>
-            </a:r>
-            <a:r>
-              <a:rPr lang="en-US" sz="2800" dirty="0" err="1" smtClean="0">
-                <a:latin typeface="Times New Roman" panose="02020603050405020304" pitchFamily="18" charset="0"/>
-                <a:cs typeface="Times New Roman" panose="02020603050405020304" pitchFamily="18" charset="0"/>
-              </a:rPr>
-              <a:t>và</a:t>
-            </a:r>
-            <a:r>
-              <a:rPr lang="en-US" sz="2800" dirty="0" smtClean="0">
-                <a:latin typeface="Times New Roman" panose="02020603050405020304" pitchFamily="18" charset="0"/>
-                <a:cs typeface="Times New Roman" panose="02020603050405020304" pitchFamily="18" charset="0"/>
-              </a:rPr>
-              <a:t> Providers.</a:t>
-            </a:r>
-            <a:endParaRPr lang="en-US" sz="2800" dirty="0" smtClean="0">
-              <a:latin typeface="Times New Roman" panose="02020603050405020304" pitchFamily="18" charset="0"/>
-              <a:cs typeface="Times New Roman" panose="02020603050405020304" pitchFamily="18" charset="0"/>
-            </a:endParaRPr>
-          </a:p>
-          <a:p>
-            <a:pPr marL="0" indent="0">
-              <a:buNone/>
-            </a:pPr>
-            <a:r>
-              <a:rPr lang="en-US" sz="2800" dirty="0" smtClean="0">
-                <a:latin typeface="Times New Roman" panose="02020603050405020304" pitchFamily="18" charset="0"/>
-                <a:cs typeface="Times New Roman" panose="02020603050405020304" pitchFamily="18" charset="0"/>
-              </a:rPr>
-              <a:t>- </a:t>
-            </a:r>
-            <a:r>
-              <a:rPr lang="en-US" sz="2800" dirty="0" smtClean="0">
-                <a:latin typeface="Times New Roman" panose="02020603050405020304" pitchFamily="18" charset="0"/>
-                <a:cs typeface="Times New Roman" panose="02020603050405020304" pitchFamily="18" charset="0"/>
-              </a:rPr>
-              <a:t>Administered </a:t>
-            </a:r>
-            <a:r>
-              <a:rPr lang="en-US" sz="2800" dirty="0" smtClean="0">
-                <a:latin typeface="Times New Roman" panose="02020603050405020304" pitchFamily="18" charset="0"/>
-                <a:cs typeface="Times New Roman" panose="02020603050405020304" pitchFamily="18" charset="0"/>
-              </a:rPr>
-              <a:t>objects: là các đối tượng được cấu hình sẵn và được tạo ra bởi người quản trị để đáp ứng nhu cầu sử dụng của JMS </a:t>
-            </a:r>
-            <a:r>
-              <a:rPr lang="en-US" sz="2800" dirty="0" smtClean="0">
-                <a:latin typeface="Times New Roman" panose="02020603050405020304" pitchFamily="18" charset="0"/>
-                <a:cs typeface="Times New Roman" panose="02020603050405020304" pitchFamily="18" charset="0"/>
-              </a:rPr>
-              <a:t>clients</a:t>
-            </a:r>
-            <a:r>
-              <a:rPr lang="en-US" sz="2800" dirty="0" smtClean="0">
-                <a:latin typeface="Times New Roman" panose="02020603050405020304" pitchFamily="18" charset="0"/>
-                <a:cs typeface="Times New Roman" panose="02020603050405020304" pitchFamily="18" charset="0"/>
-              </a:rPr>
-              <a:t>, </a:t>
-            </a:r>
-            <a:r>
-              <a:rPr lang="en-US" sz="2800" dirty="0" err="1" smtClean="0">
-                <a:latin typeface="Times New Roman" panose="02020603050405020304" pitchFamily="18" charset="0"/>
-                <a:cs typeface="Times New Roman" panose="02020603050405020304" pitchFamily="18" charset="0"/>
-              </a:rPr>
-              <a:t>gồm</a:t>
-            </a:r>
-            <a:r>
-              <a:rPr lang="en-US" sz="2800" dirty="0" smtClean="0">
-                <a:latin typeface="Times New Roman" panose="02020603050405020304" pitchFamily="18" charset="0"/>
-                <a:cs typeface="Times New Roman" panose="02020603050405020304" pitchFamily="18" charset="0"/>
-              </a:rPr>
-              <a:t> 2 </a:t>
-            </a:r>
-            <a:r>
-              <a:rPr lang="en-US" sz="2800" dirty="0" err="1" smtClean="0">
-                <a:latin typeface="Times New Roman" panose="02020603050405020304" pitchFamily="18" charset="0"/>
-                <a:cs typeface="Times New Roman" panose="02020603050405020304" pitchFamily="18" charset="0"/>
-              </a:rPr>
-              <a:t>loại</a:t>
-            </a:r>
-            <a:r>
-              <a:rPr lang="en-US" sz="2800" dirty="0" smtClean="0">
-                <a:latin typeface="Times New Roman" panose="02020603050405020304" pitchFamily="18" charset="0"/>
-                <a:cs typeface="Times New Roman" panose="02020603050405020304" pitchFamily="18" charset="0"/>
-              </a:rPr>
-              <a:t> Connection Factory </a:t>
-            </a:r>
-            <a:r>
-              <a:rPr lang="en-US" sz="2800" dirty="0" err="1" smtClean="0">
-                <a:latin typeface="Times New Roman" panose="02020603050405020304" pitchFamily="18" charset="0"/>
-                <a:cs typeface="Times New Roman" panose="02020603050405020304" pitchFamily="18" charset="0"/>
-              </a:rPr>
-              <a:t>và</a:t>
-            </a:r>
-            <a:r>
-              <a:rPr lang="en-US" sz="2800" dirty="0" smtClean="0">
-                <a:latin typeface="Times New Roman" panose="02020603050405020304" pitchFamily="18" charset="0"/>
-                <a:cs typeface="Times New Roman" panose="02020603050405020304" pitchFamily="18" charset="0"/>
-              </a:rPr>
-              <a:t> Destination.</a:t>
-            </a:r>
-            <a:endParaRPr lang="en-US" sz="2800" dirty="0">
-              <a:latin typeface="Times New Roman" panose="02020603050405020304" pitchFamily="18" charset="0"/>
-              <a:cs typeface="Times New Roman" panose="02020603050405020304" pitchFamily="18" charset="0"/>
-            </a:endParaRPr>
-          </a:p>
-        </p:txBody>
-      </p:sp>
-      <p:pic>
-        <p:nvPicPr>
-          <p:cNvPr id="2" name="Picture 1"/>
-          <p:cNvPicPr>
-            <a:picLocks noChangeAspect="1"/>
-          </p:cNvPicPr>
-          <p:nvPr/>
-        </p:nvPicPr>
-        <p:blipFill>
-          <a:blip r:embed="rId2">
-            <a:extLst>
-              <a:ext uri="{28A0092B-C50C-407E-A947-70E740481C1C}">
-                <a14:useLocalDpi xmlns:a14="http://schemas.microsoft.com/office/drawing/2010/main" val="0"/>
-              </a:ext>
-            </a:extLst>
-          </a:blip>
-          <a:stretch>
-            <a:fillRect/>
-          </a:stretch>
-        </p:blipFill>
-        <p:spPr>
-          <a:xfrm>
-            <a:off x="274322" y="1894114"/>
-            <a:ext cx="11443062" cy="4963885"/>
-          </a:xfrm>
-          <a:prstGeom prst="rect">
-            <a:avLst/>
-          </a:prstGeom>
-        </p:spPr>
-      </p:pic>
-    </p:spTree>
-    <p:extLst>
-      <p:ext uri="{BB962C8B-B14F-4D97-AF65-F5344CB8AC3E}">
-        <p14:creationId xmlns:p14="http://schemas.microsoft.com/office/powerpoint/2010/main" val="1232588852"/>
+        <p14:creationId xmlns:p14="http://schemas.microsoft.com/office/powerpoint/2010/main" val="3161320849"/>
       </p:ext>
     </p:extLst>
   </p:cSld>
@@ -13267,7 +8776,11 @@
                                           </p:stCondLst>
                                         </p:cTn>
                                         <p:tgtEl>
-                                          <p:spTgt spid="2"/>
+                                          <p:spTgt spid="3">
+                                            <p:txEl>
+                                              <p:pRg st="2" end="2"/>
+                                            </p:txEl>
+                                          </p:spTgt>
                                         </p:tgtEl>
                                         <p:attrNameLst>
                                           <p:attrName>style.visibility</p:attrName>
@@ -13281,7 +8794,11 @@
                                       <p:cBhvr additive="base">
                                         <p:cTn id="19" dur="500" fill="hold"/>
                                         <p:tgtEl>
-                                          <p:spTgt spid="2"/>
+                                          <p:spTgt spid="3">
+                                            <p:txEl>
+                                              <p:pRg st="2" end="2"/>
+                                            </p:txEl>
+                                          </p:spTgt>
                                         </p:tgtEl>
                                         <p:attrNameLst>
                                           <p:attrName>ppt_x</p:attrName>
@@ -13304,413 +8821,11 @@
                                       <p:cBhvr additive="base">
                                         <p:cTn id="20" dur="500" fill="hold"/>
                                         <p:tgtEl>
-                                          <p:spTgt spid="2"/>
-                                        </p:tgtEl>
-                                        <p:attrNameLst>
-                                          <p:attrName>ppt_y</p:attrName>
-                                        </p:attrNameLst>
-                                      </p:cBhvr>
-                                      <p:tavLst>
-                                        <p:tav tm="0">
-                                          <p:val>
-                                            <p:strVal val="1+#ppt_h/2"/>
-                                          </p:val>
-                                        </p:tav>
-                                        <p:tav tm="100000">
-                                          <p:val>
-                                            <p:strVal val="#ppt_y"/>
-                                          </p:val>
-                                        </p:tav>
-                                      </p:tavLst>
-                                    </p:anim>
-                                  </p:childTnLst>
-                                </p:cTn>
-                              </p:par>
-                            </p:childTnLst>
-                          </p:cTn>
-                        </p:par>
-                      </p:childTnLst>
-                    </p:cTn>
-                  </p:par>
-                </p:childTnLst>
-              </p:cTn>
-              <p:prevCondLst>
-                <p:cond evt="onPrev" delay="0">
-                  <p:tgtEl>
-                    <p:sldTgt/>
-                  </p:tgtEl>
-                </p:cond>
-              </p:prevCondLst>
-              <p:nextCondLst>
-                <p:cond evt="onNext" delay="0">
-                  <p:tgtEl>
-                    <p:sldTgt/>
-                  </p:tgtEl>
-                </p:cond>
-              </p:nextCondLst>
-            </p:seq>
-          </p:childTnLst>
-        </p:cTn>
-      </p:par>
-    </p:tnLst>
-  </p:timing>
-</p:sld>
-</file>
-
-<file path=ppt/slides/slide8.xml><?xml version="1.0" encoding="utf-8"?>
-<p:sld xmlns:a="http://schemas.openxmlformats.org/drawingml/2006/main" xmlns:r="http://schemas.openxmlformats.org/officeDocument/2006/relationships" xmlns:p="http://schemas.openxmlformats.org/presentationml/2006/main">
-  <p:cSld>
-    <p:spTree>
-      <p:nvGrpSpPr>
-        <p:cNvPr id="1" name=""/>
-        <p:cNvGrpSpPr/>
-        <p:nvPr/>
-      </p:nvGrpSpPr>
-      <p:grpSpPr>
-        <a:xfrm>
-          <a:off x="0" y="0"/>
-          <a:ext cx="0" cy="0"/>
-          <a:chOff x="0" y="0"/>
-          <a:chExt cx="0" cy="0"/>
-        </a:xfrm>
-      </p:grpSpPr>
-      <p:pic>
-        <p:nvPicPr>
-          <p:cNvPr id="4" name="Content Placeholder 3"/>
-          <p:cNvPicPr>
-            <a:picLocks noGrp="1" noChangeAspect="1"/>
-          </p:cNvPicPr>
-          <p:nvPr>
-            <p:ph idx="1"/>
-          </p:nvPr>
-        </p:nvPicPr>
-        <p:blipFill>
-          <a:blip r:embed="rId2">
-            <a:extLst>
-              <a:ext uri="{28A0092B-C50C-407E-A947-70E740481C1C}">
-                <a14:useLocalDpi xmlns:a14="http://schemas.microsoft.com/office/drawing/2010/main" val="0"/>
-              </a:ext>
-            </a:extLst>
-          </a:blip>
-          <a:stretch>
-            <a:fillRect/>
-          </a:stretch>
-        </p:blipFill>
-        <p:spPr>
-          <a:xfrm>
-            <a:off x="5692140" y="182880"/>
-            <a:ext cx="6499860" cy="6377940"/>
-          </a:xfrm>
-        </p:spPr>
-      </p:pic>
-      <p:sp>
-        <p:nvSpPr>
-          <p:cNvPr id="5" name="TextBox 4"/>
-          <p:cNvSpPr txBox="1"/>
-          <p:nvPr/>
-        </p:nvSpPr>
-        <p:spPr>
-          <a:xfrm>
-            <a:off x="274320" y="182880"/>
-            <a:ext cx="6217920" cy="6494085"/>
-          </a:xfrm>
-          <a:prstGeom prst="rect">
-            <a:avLst/>
-          </a:prstGeom>
-          <a:noFill/>
-        </p:spPr>
-        <p:txBody>
-          <a:bodyPr wrap="square" rtlCol="0">
-            <a:spAutoFit/>
-          </a:bodyPr>
-          <a:lstStyle/>
-          <a:p>
-            <a:r>
-              <a:rPr lang="en-US" sz="2600" b="1" dirty="0" err="1" smtClean="0">
-                <a:latin typeface="Times New Roman" panose="02020603050405020304" pitchFamily="18" charset="0"/>
-                <a:cs typeface="Times New Roman" panose="02020603050405020304" pitchFamily="18" charset="0"/>
-              </a:rPr>
-              <a:t>Mô</a:t>
-            </a:r>
-            <a:r>
-              <a:rPr lang="en-US" sz="2600" b="1" dirty="0" smtClean="0">
-                <a:latin typeface="Times New Roman" panose="02020603050405020304" pitchFamily="18" charset="0"/>
-                <a:cs typeface="Times New Roman" panose="02020603050405020304" pitchFamily="18" charset="0"/>
-              </a:rPr>
-              <a:t> </a:t>
-            </a:r>
-            <a:r>
-              <a:rPr lang="en-US" sz="2600" b="1" dirty="0" err="1" smtClean="0">
-                <a:latin typeface="Times New Roman" panose="02020603050405020304" pitchFamily="18" charset="0"/>
-                <a:cs typeface="Times New Roman" panose="02020603050405020304" pitchFamily="18" charset="0"/>
-              </a:rPr>
-              <a:t>hình</a:t>
-            </a:r>
-            <a:r>
-              <a:rPr lang="en-US" sz="2600" b="1" dirty="0" smtClean="0">
-                <a:latin typeface="Times New Roman" panose="02020603050405020304" pitchFamily="18" charset="0"/>
-                <a:cs typeface="Times New Roman" panose="02020603050405020304" pitchFamily="18" charset="0"/>
-              </a:rPr>
-              <a:t> JMS:</a:t>
-            </a:r>
-          </a:p>
-          <a:p>
-            <a:pPr marL="285750" indent="-285750">
-              <a:buFont typeface="Wingdings" panose="05000000000000000000" pitchFamily="2" charset="2"/>
-              <a:buChar char="Ø"/>
-            </a:pPr>
-            <a:r>
-              <a:rPr lang="vi-VN" sz="2600" dirty="0" smtClean="0">
-                <a:latin typeface="Times New Roman" panose="02020603050405020304" pitchFamily="18" charset="0"/>
-                <a:cs typeface="Times New Roman" panose="02020603050405020304" pitchFamily="18" charset="0"/>
-              </a:rPr>
-              <a:t>Connection </a:t>
-            </a:r>
-            <a:r>
-              <a:rPr lang="vi-VN" sz="2600" dirty="0">
-                <a:latin typeface="Times New Roman" panose="02020603050405020304" pitchFamily="18" charset="0"/>
-                <a:cs typeface="Times New Roman" panose="02020603050405020304" pitchFamily="18" charset="0"/>
-              </a:rPr>
-              <a:t>factory: nơi đưa ra kết nối trên server đến chỗ lưu trữ message để từ đó có thể gửi và nhận </a:t>
-            </a:r>
-            <a:r>
-              <a:rPr lang="vi-VN" sz="2600" dirty="0" smtClean="0">
-                <a:latin typeface="Times New Roman" panose="02020603050405020304" pitchFamily="18" charset="0"/>
-                <a:cs typeface="Times New Roman" panose="02020603050405020304" pitchFamily="18" charset="0"/>
-              </a:rPr>
-              <a:t>message</a:t>
-            </a:r>
-            <a:r>
-              <a:rPr lang="en-US" sz="2600" dirty="0" smtClean="0">
-                <a:latin typeface="Times New Roman" panose="02020603050405020304" pitchFamily="18" charset="0"/>
-                <a:cs typeface="Times New Roman" panose="02020603050405020304" pitchFamily="18" charset="0"/>
-              </a:rPr>
-              <a:t>.</a:t>
-            </a:r>
-          </a:p>
-          <a:p>
-            <a:pPr marL="285750" indent="-285750">
-              <a:buFont typeface="Wingdings" panose="05000000000000000000" pitchFamily="2" charset="2"/>
-              <a:buChar char="Ø"/>
-            </a:pPr>
-            <a:r>
-              <a:rPr lang="vi-VN" sz="2600" dirty="0">
-                <a:latin typeface="Times New Roman" panose="02020603050405020304" pitchFamily="18" charset="0"/>
-                <a:cs typeface="Times New Roman" panose="02020603050405020304" pitchFamily="18" charset="0"/>
-              </a:rPr>
-              <a:t>Connection: thể hiện một kết nối TCP/IP để thực hiện kết nối giữa client và người tạo ra lưu trữ message đó là </a:t>
-            </a:r>
-            <a:r>
-              <a:rPr lang="vi-VN" sz="2600" dirty="0" smtClean="0">
-                <a:latin typeface="Times New Roman" panose="02020603050405020304" pitchFamily="18" charset="0"/>
-                <a:cs typeface="Times New Roman" panose="02020603050405020304" pitchFamily="18" charset="0"/>
-              </a:rPr>
-              <a:t>provider</a:t>
-            </a:r>
-            <a:r>
-              <a:rPr lang="en-US" sz="2600" dirty="0" smtClean="0">
-                <a:latin typeface="Times New Roman" panose="02020603050405020304" pitchFamily="18" charset="0"/>
-                <a:cs typeface="Times New Roman" panose="02020603050405020304" pitchFamily="18" charset="0"/>
-              </a:rPr>
-              <a:t>.</a:t>
-            </a:r>
-          </a:p>
-          <a:p>
-            <a:pPr marL="285750" indent="-285750">
-              <a:buFont typeface="Wingdings" panose="05000000000000000000" pitchFamily="2" charset="2"/>
-              <a:buChar char="Ø"/>
-            </a:pPr>
-            <a:r>
-              <a:rPr lang="vi-VN" sz="2600" dirty="0">
-                <a:latin typeface="Times New Roman" panose="02020603050405020304" pitchFamily="18" charset="0"/>
-                <a:cs typeface="Times New Roman" panose="02020603050405020304" pitchFamily="18" charset="0"/>
-              </a:rPr>
-              <a:t>Session: một thread hỗ trợ tương tác cho việc gửi nhận </a:t>
-            </a:r>
-            <a:r>
-              <a:rPr lang="vi-VN" sz="2600" dirty="0" smtClean="0">
-                <a:latin typeface="Times New Roman" panose="02020603050405020304" pitchFamily="18" charset="0"/>
-                <a:cs typeface="Times New Roman" panose="02020603050405020304" pitchFamily="18" charset="0"/>
-              </a:rPr>
-              <a:t>message</a:t>
-            </a:r>
-            <a:r>
-              <a:rPr lang="en-US" sz="2600" dirty="0" smtClean="0">
-                <a:latin typeface="Times New Roman" panose="02020603050405020304" pitchFamily="18" charset="0"/>
-                <a:cs typeface="Times New Roman" panose="02020603050405020304" pitchFamily="18" charset="0"/>
-              </a:rPr>
-              <a:t>.</a:t>
-            </a:r>
-          </a:p>
-          <a:p>
-            <a:pPr marL="285750" indent="-285750">
-              <a:buFont typeface="Wingdings" panose="05000000000000000000" pitchFamily="2" charset="2"/>
-              <a:buChar char="Ø"/>
-            </a:pPr>
-            <a:r>
-              <a:rPr lang="vi-VN" sz="2600" dirty="0">
-                <a:latin typeface="Times New Roman" panose="02020603050405020304" pitchFamily="18" charset="0"/>
-                <a:cs typeface="Times New Roman" panose="02020603050405020304" pitchFamily="18" charset="0"/>
-              </a:rPr>
-              <a:t>Message Producer: được tạo từ session được dùng để gửi message lên </a:t>
-            </a:r>
-            <a:r>
-              <a:rPr lang="vi-VN" sz="2600" dirty="0" smtClean="0">
-                <a:latin typeface="Times New Roman" panose="02020603050405020304" pitchFamily="18" charset="0"/>
-                <a:cs typeface="Times New Roman" panose="02020603050405020304" pitchFamily="18" charset="0"/>
-              </a:rPr>
-              <a:t>destination</a:t>
-            </a:r>
-            <a:r>
-              <a:rPr lang="en-US" sz="2600" dirty="0" smtClean="0">
-                <a:latin typeface="Times New Roman" panose="02020603050405020304" pitchFamily="18" charset="0"/>
-                <a:cs typeface="Times New Roman" panose="02020603050405020304" pitchFamily="18" charset="0"/>
-              </a:rPr>
-              <a:t>.</a:t>
-            </a:r>
-          </a:p>
-          <a:p>
-            <a:pPr marL="285750" indent="-285750">
-              <a:buFont typeface="Wingdings" panose="05000000000000000000" pitchFamily="2" charset="2"/>
-              <a:buChar char="Ø"/>
-            </a:pPr>
-            <a:r>
-              <a:rPr lang="vi-VN" sz="2600" dirty="0">
-                <a:latin typeface="Times New Roman" panose="02020603050405020304" pitchFamily="18" charset="0"/>
-                <a:cs typeface="Times New Roman" panose="02020603050405020304" pitchFamily="18" charset="0"/>
-              </a:rPr>
-              <a:t>Message Consumer: được tạo từ session được dùng để nhận message từ </a:t>
-            </a:r>
-            <a:r>
-              <a:rPr lang="vi-VN" sz="2600" dirty="0" smtClean="0">
-                <a:latin typeface="Times New Roman" panose="02020603050405020304" pitchFamily="18" charset="0"/>
-                <a:cs typeface="Times New Roman" panose="02020603050405020304" pitchFamily="18" charset="0"/>
-              </a:rPr>
-              <a:t>destination</a:t>
-            </a:r>
-            <a:r>
-              <a:rPr lang="en-US" sz="2600" dirty="0" smtClean="0">
-                <a:latin typeface="Times New Roman" panose="02020603050405020304" pitchFamily="18" charset="0"/>
-                <a:cs typeface="Times New Roman" panose="02020603050405020304" pitchFamily="18" charset="0"/>
-              </a:rPr>
-              <a:t>.</a:t>
-            </a:r>
-          </a:p>
-          <a:p>
-            <a:pPr marL="285750" indent="-285750">
-              <a:buFont typeface="Wingdings" panose="05000000000000000000" pitchFamily="2" charset="2"/>
-              <a:buChar char="Ø"/>
-            </a:pPr>
-            <a:r>
-              <a:rPr lang="vi-VN" sz="2600" dirty="0">
-                <a:latin typeface="Times New Roman" panose="02020603050405020304" pitchFamily="18" charset="0"/>
-                <a:cs typeface="Times New Roman" panose="02020603050405020304" pitchFamily="18" charset="0"/>
-              </a:rPr>
-              <a:t>Destination: nơi tiếp nhận, lưu trữ message và là nơi để các chương trình ứng dụng truy cập </a:t>
-            </a:r>
-            <a:r>
-              <a:rPr lang="vi-VN" sz="2600" dirty="0" smtClean="0">
-                <a:latin typeface="Times New Roman" panose="02020603050405020304" pitchFamily="18" charset="0"/>
-                <a:cs typeface="Times New Roman" panose="02020603050405020304" pitchFamily="18" charset="0"/>
-              </a:rPr>
-              <a:t>tới</a:t>
-            </a:r>
-            <a:r>
-              <a:rPr lang="en-US" sz="2600" dirty="0" smtClean="0">
-                <a:latin typeface="Times New Roman" panose="02020603050405020304" pitchFamily="18" charset="0"/>
-                <a:cs typeface="Times New Roman" panose="02020603050405020304" pitchFamily="18" charset="0"/>
-              </a:rPr>
-              <a:t>.</a:t>
-            </a:r>
-            <a:endParaRPr lang="en-US" sz="2600" dirty="0">
-              <a:latin typeface="Times New Roman" panose="02020603050405020304" pitchFamily="18" charset="0"/>
-              <a:cs typeface="Times New Roman" panose="02020603050405020304" pitchFamily="18" charset="0"/>
-            </a:endParaRPr>
-          </a:p>
-        </p:txBody>
-      </p:sp>
-    </p:spTree>
-    <p:extLst>
-      <p:ext uri="{BB962C8B-B14F-4D97-AF65-F5344CB8AC3E}">
-        <p14:creationId xmlns:p14="http://schemas.microsoft.com/office/powerpoint/2010/main" val="2241910348"/>
-      </p:ext>
-    </p:extLst>
-  </p:cSld>
-  <p:clrMapOvr>
-    <a:masterClrMapping/>
-  </p:clrMapOvr>
-  <p:timing>
-    <p:tnLst>
-      <p:par>
-        <p:cTn id="1" dur="indefinite" restart="never" nodeType="tmRoot">
-          <p:childTnLst>
-            <p:seq concurrent="1" nextAc="seek">
-              <p:cTn id="2" dur="indefinite" nodeType="mainSeq">
-                <p:childTnLst>
-                  <p:par>
-                    <p:cTn id="3" fill="hold">
-                      <p:stCondLst>
-                        <p:cond delay="indefinite"/>
-                      </p:stCondLst>
-                      <p:childTnLst>
-                        <p:par>
-                          <p:cTn id="4" fill="hold">
-                            <p:stCondLst>
-                              <p:cond delay="0"/>
-                            </p:stCondLst>
-                            <p:childTnLst>
-                              <p:par>
-                                <p:cTn id="5" presetID="2" presetClass="entr" presetSubtype="4" fill="hold" nodeType="clickEffect">
-                                  <p:stCondLst>
-                                    <p:cond delay="0"/>
-                                  </p:stCondLst>
-                                  <p:childTnLst>
-                                    <p:set>
-                                      <p:cBhvr>
-                                        <p:cTn id="6" dur="1" fill="hold">
-                                          <p:stCondLst>
-                                            <p:cond delay="0"/>
-                                          </p:stCondLst>
-                                        </p:cTn>
-                                        <p:tgtEl>
-                                          <p:spTgt spid="4"/>
-                                        </p:tgtEl>
-                                        <p:attrNameLst>
-                                          <p:attrName>style.visibility</p:attrName>
-                                        </p:attrNameLst>
-                                      </p:cBhvr>
-                                      <p:to>
-                                        <p:strVal val="visible"/>
-                                      </p:to>
-                                    </p:set>
-                                    <p:anim calcmode="lin" valueType="num">
-                                      <p:cBhvr additive="base">
-                                        <p:cTn id="7" dur="500" fill="hold"/>
-                                        <p:tgtEl>
-                                          <p:spTgt spid="4"/>
-                                        </p:tgtEl>
-                                        <p:attrNameLst>
-                                          <p:attrName>ppt_x</p:attrName>
-                                        </p:attrNameLst>
-                                      </p:cBhvr>
-                                      <p:tavLst>
-                                        <p:tav tm="0">
-                                          <p:val>
-                                            <p:strVal val="#ppt_x"/>
-                                          </p:val>
-                                        </p:tav>
-                                        <p:tav tm="100000">
-                                          <p:val>
-                                            <p:strVal val="#ppt_x"/>
-                                          </p:val>
-                                        </p:tav>
-                                      </p:tavLst>
-                                    </p:anim>
-                                    <p:anim calcmode="lin" valueType="num">
-                                      <p:cBhvr additive="base">
-                                        <p:cTn id="8" dur="500" fill="hold"/>
-                                        <p:tgtEl>
-                                          <p:spTgt spid="4"/>
+                                          <p:spTgt spid="3">
+                                            <p:txEl>
+                                              <p:pRg st="2" end="2"/>
+                                            </p:txEl>
+                                          </p:spTgt>
                                         </p:tgtEl>
                                         <p:attrNameLst>
                                           <p:attrName>ppt_y</p:attrName>
@@ -13739,202 +8854,32 @@
                     </p:cTn>
                   </p:par>
                   <p:par>
-                    <p:cTn id="9" fill="hold">
+                    <p:cTn id="21" fill="hold">
                       <p:stCondLst>
                         <p:cond delay="indefinite"/>
                       </p:stCondLst>
                       <p:childTnLst>
                         <p:par>
-                          <p:cTn id="10" fill="hold">
+                          <p:cTn id="22" fill="hold">
                             <p:stCondLst>
                               <p:cond delay="0"/>
                             </p:stCondLst>
                             <p:childTnLst>
                               <p:par>
-                                <p:cTn id="11" presetID="2" presetClass="entr" presetSubtype="4" fill="hold" nodeType="clickEffect">
+                                <p:cTn id="23" presetID="2" presetClass="entr" presetSubtype="4" fill="hold" nodeType="clickEffect">
                                   <p:stCondLst>
                                     <p:cond delay="0"/>
                                   </p:stCondLst>
                                   <p:childTnLst>
                                     <p:set>
                                       <p:cBhvr>
-                                        <p:cTn id="12" dur="1" fill="hold">
+                                        <p:cTn id="24" dur="1" fill="hold">
                                           <p:stCondLst>
                                             <p:cond delay="0"/>
                                           </p:stCondLst>
                                         </p:cTn>
                                         <p:tgtEl>
-                                          <p:spTgt spid="5">
-                                            <p:txEl>
-                                              <p:pRg st="1" end="1"/>
-                                            </p:txEl>
-                                          </p:spTgt>
-                                        </p:tgtEl>
-                                        <p:attrNameLst>
-                                          <p:attrName>style.visibility</p:attrName>
-                                        </p:attrNameLst>
-                                      </p:cBhvr>
-                                      <p:to>
-                                        <p:strVal val="visible"/>
-                                      </p:to>
-                                    </p:set>
-                                    <p:anim calcmode="lin" valueType="num">
-                                      <p:cBhvr additive="base">
-                                        <p:cTn id="13" dur="500" fill="hold"/>
-                                        <p:tgtEl>
-                                          <p:spTgt spid="5">
-                                            <p:txEl>
-                                              <p:pRg st="1" end="1"/>
-                                            </p:txEl>
-                                          </p:spTgt>
-                                        </p:tgtEl>
-                                        <p:attrNameLst>
-                                          <p:attrName>ppt_x</p:attrName>
-                                        </p:attrNameLst>
-                                      </p:cBhvr>
-                                      <p:tavLst>
-                                        <p:tav tm="0">
-                                          <p:val>
-                                            <p:strVal val="#ppt_x"/>
-                                          </p:val>
-                                        </p:tav>
-                                        <p:tav tm="100000">
-                                          <p:val>
-                                            <p:strVal val="#ppt_x"/>
-                                          </p:val>
-                                        </p:tav>
-                                      </p:tavLst>
-                                    </p:anim>
-                                    <p:anim calcmode="lin" valueType="num">
-                                      <p:cBhvr additive="base">
-                                        <p:cTn id="14" dur="500" fill="hold"/>
-                                        <p:tgtEl>
-                                          <p:spTgt spid="5">
-                                            <p:txEl>
-                                              <p:pRg st="1" end="1"/>
-                                            </p:txEl>
-                                          </p:spTgt>
-                                        </p:tgtEl>
-                                        <p:attrNameLst>
-                                          <p:attrName>ppt_y</p:attrName>
-                                        </p:attrNameLst>
-                                      </p:cBhvr>
-                                      <p:tavLst>
-                                        <p:tav tm="0">
-                                          <p:val>
-                                            <p:strVal val="1+#ppt_h/2"/>
-                                          </p:val>
-                                        </p:tav>
-                                        <p:tav tm="100000">
-                                          <p:val>
-                                            <p:strVal val="#ppt_y"/>
-                                          </p:val>
-                                        </p:tav>
-                                      </p:tavLst>
-                                    </p:anim>
-                                  </p:childTnLst>
-                                </p:cTn>
-                              </p:par>
-                              <p:par>
-                                <p:cTn id="15" presetID="2" presetClass="entr" presetSubtype="4" fill="hold" nodeType="withEffect">
-                                  <p:stCondLst>
-                                    <p:cond delay="0"/>
-                                  </p:stCondLst>
-                                  <p:childTnLst>
-                                    <p:set>
-                                      <p:cBhvr>
-                                        <p:cTn id="16" dur="1" fill="hold">
-                                          <p:stCondLst>
-                                            <p:cond delay="0"/>
-                                          </p:stCondLst>
-                                        </p:cTn>
-                                        <p:tgtEl>
-                                          <p:spTgt spid="5">
-                                            <p:txEl>
-                                              <p:pRg st="2" end="2"/>
-                                            </p:txEl>
-                                          </p:spTgt>
-                                        </p:tgtEl>
-                                        <p:attrNameLst>
-                                          <p:attrName>style.visibility</p:attrName>
-                                        </p:attrNameLst>
-                                      </p:cBhvr>
-                                      <p:to>
-                                        <p:strVal val="visible"/>
-                                      </p:to>
-                                    </p:set>
-                                    <p:anim calcmode="lin" valueType="num">
-                                      <p:cBhvr additive="base">
-                                        <p:cTn id="17" dur="500" fill="hold"/>
-                                        <p:tgtEl>
-                                          <p:spTgt spid="5">
-                                            <p:txEl>
-                                              <p:pRg st="2" end="2"/>
-                                            </p:txEl>
-                                          </p:spTgt>
-                                        </p:tgtEl>
-                                        <p:attrNameLst>
-                                          <p:attrName>ppt_x</p:attrName>
-                                        </p:attrNameLst>
-                                      </p:cBhvr>
-                                      <p:tavLst>
-                                        <p:tav tm="0">
-                                          <p:val>
-                                            <p:strVal val="#ppt_x"/>
-                                          </p:val>
-                                        </p:tav>
-                                        <p:tav tm="100000">
-                                          <p:val>
-                                            <p:strVal val="#ppt_x"/>
-                                          </p:val>
-                                        </p:tav>
-                                      </p:tavLst>
-                                    </p:anim>
-                                    <p:anim calcmode="lin" valueType="num">
-                                      <p:cBhvr additive="base">
-                                        <p:cTn id="18" dur="500" fill="hold"/>
-                                        <p:tgtEl>
-                                          <p:spTgt spid="5">
-                                            <p:txEl>
-                                              <p:pRg st="2" end="2"/>
-                                            </p:txEl>
-                                          </p:spTgt>
-                                        </p:tgtEl>
-                                        <p:attrNameLst>
-                                          <p:attrName>ppt_y</p:attrName>
-                                        </p:attrNameLst>
-                                      </p:cBhvr>
-                                      <p:tavLst>
-                                        <p:tav tm="0">
-                                          <p:val>
-                                            <p:strVal val="1+#ppt_h/2"/>
-                                          </p:val>
-                                        </p:tav>
-                                        <p:tav tm="100000">
-                                          <p:val>
-                                            <p:strVal val="#ppt_y"/>
-                                          </p:val>
-                                        </p:tav>
-                                      </p:tavLst>
-                                    </p:anim>
-                                  </p:childTnLst>
-                                </p:cTn>
-                              </p:par>
-                              <p:par>
-                                <p:cTn id="19" presetID="2" presetClass="entr" presetSubtype="4" fill="hold" nodeType="withEffect">
-                                  <p:stCondLst>
-                                    <p:cond delay="0"/>
-                                  </p:stCondLst>
-                                  <p:childTnLst>
-                                    <p:set>
-                                      <p:cBhvr>
-                                        <p:cTn id="20" dur="1" fill="hold">
-                                          <p:stCondLst>
-                                            <p:cond delay="0"/>
-                                          </p:stCondLst>
-                                        </p:cTn>
-                                        <p:tgtEl>
-                                          <p:spTgt spid="5">
+                                          <p:spTgt spid="3">
                                             <p:txEl>
                                               <p:pRg st="3" end="3"/>
                                             </p:txEl>
@@ -13950,9 +8895,9 @@
                                     </p:set>
                                     <p:anim calcmode="lin" valueType="num">
                                       <p:cBhvr additive="base">
-                                        <p:cTn id="21" dur="500" fill="hold"/>
+                                        <p:cTn id="25" dur="500" fill="hold"/>
                                         <p:tgtEl>
-                                          <p:spTgt spid="5">
+                                          <p:spTgt spid="3">
                                             <p:txEl>
                                               <p:pRg st="3" end="3"/>
                                             </p:txEl>
@@ -13977,266 +8922,11 @@
                                     </p:anim>
                                     <p:anim calcmode="lin" valueType="num">
                                       <p:cBhvr additive="base">
-                                        <p:cTn id="22" dur="500" fill="hold"/>
+                                        <p:cTn id="26" dur="500" fill="hold"/>
                                         <p:tgtEl>
-                                          <p:spTgt spid="5">
+                                          <p:spTgt spid="3">
                                             <p:txEl>
                                               <p:pRg st="3" end="3"/>
-                                            </p:txEl>
-                                          </p:spTgt>
-                                        </p:tgtEl>
-                                        <p:attrNameLst>
-                                          <p:attrName>ppt_y</p:attrName>
-                                        </p:attrNameLst>
-                                      </p:cBhvr>
-                                      <p:tavLst>
-                                        <p:tav tm="0">
-                                          <p:val>
-                                            <p:strVal val="1+#ppt_h/2"/>
-                                          </p:val>
-                                        </p:tav>
-                                        <p:tav tm="100000">
-                                          <p:val>
-                                            <p:strVal val="#ppt_y"/>
-                                          </p:val>
-                                        </p:tav>
-                                      </p:tavLst>
-                                    </p:anim>
-                                  </p:childTnLst>
-                                </p:cTn>
-                              </p:par>
-                              <p:par>
-                                <p:cTn id="23" presetID="2" presetClass="entr" presetSubtype="4" fill="hold" nodeType="withEffect">
-                                  <p:stCondLst>
-                                    <p:cond delay="0"/>
-                                  </p:stCondLst>
-                                  <p:childTnLst>
-                                    <p:set>
-                                      <p:cBhvr>
-                                        <p:cTn id="24" dur="1" fill="hold">
-                                          <p:stCondLst>
-                                            <p:cond delay="0"/>
-                                          </p:stCondLst>
-                                        </p:cTn>
-                                        <p:tgtEl>
-                                          <p:spTgt spid="5">
-                                            <p:txEl>
-                                              <p:pRg st="4" end="4"/>
-                                            </p:txEl>
-                                          </p:spTgt>
-                                        </p:tgtEl>
-                                        <p:attrNameLst>
-                                          <p:attrName>style.visibility</p:attrName>
-                                        </p:attrNameLst>
-                                      </p:cBhvr>
-                                      <p:to>
-                                        <p:strVal val="visible"/>
-                                      </p:to>
-                                    </p:set>
-                                    <p:anim calcmode="lin" valueType="num">
-                                      <p:cBhvr additive="base">
-                                        <p:cTn id="25" dur="500" fill="hold"/>
-                                        <p:tgtEl>
-                                          <p:spTgt spid="5">
-                                            <p:txEl>
-                                              <p:pRg st="4" end="4"/>
-                                            </p:txEl>
-                                          </p:spTgt>
-                                        </p:tgtEl>
-                                        <p:attrNameLst>
-                                          <p:attrName>ppt_x</p:attrName>
-                                        </p:attrNameLst>
-                                      </p:cBhvr>
-                                      <p:tavLst>
-                                        <p:tav tm="0">
-                                          <p:val>
-                                            <p:strVal val="#ppt_x"/>
-                                          </p:val>
-                                        </p:tav>
-                                        <p:tav tm="100000">
-                                          <p:val>
-                                            <p:strVal val="#ppt_x"/>
-                                          </p:val>
-                                        </p:tav>
-                                      </p:tavLst>
-                                    </p:anim>
-                                    <p:anim calcmode="lin" valueType="num">
-                                      <p:cBhvr additive="base">
-                                        <p:cTn id="26" dur="500" fill="hold"/>
-                                        <p:tgtEl>
-                                          <p:spTgt spid="5">
-                                            <p:txEl>
-                                              <p:pRg st="4" end="4"/>
-                                            </p:txEl>
-                                          </p:spTgt>
-                                        </p:tgtEl>
-                                        <p:attrNameLst>
-                                          <p:attrName>ppt_y</p:attrName>
-                                        </p:attrNameLst>
-                                      </p:cBhvr>
-                                      <p:tavLst>
-                                        <p:tav tm="0">
-                                          <p:val>
-                                            <p:strVal val="1+#ppt_h/2"/>
-                                          </p:val>
-                                        </p:tav>
-                                        <p:tav tm="100000">
-                                          <p:val>
-                                            <p:strVal val="#ppt_y"/>
-                                          </p:val>
-                                        </p:tav>
-                                      </p:tavLst>
-                                    </p:anim>
-                                  </p:childTnLst>
-                                </p:cTn>
-                              </p:par>
-                              <p:par>
-                                <p:cTn id="27" presetID="2" presetClass="entr" presetSubtype="4" fill="hold" nodeType="withEffect">
-                                  <p:stCondLst>
-                                    <p:cond delay="0"/>
-                                  </p:stCondLst>
-                                  <p:childTnLst>
-                                    <p:set>
-                                      <p:cBhvr>
-                                        <p:cTn id="28" dur="1" fill="hold">
-                                          <p:stCondLst>
-                                            <p:cond delay="0"/>
-                                          </p:stCondLst>
-                                        </p:cTn>
-                                        <p:tgtEl>
-                                          <p:spTgt spid="5">
-                                            <p:txEl>
-                                              <p:pRg st="5" end="5"/>
-                                            </p:txEl>
-                                          </p:spTgt>
-                                        </p:tgtEl>
-                                        <p:attrNameLst>
-                                          <p:attrName>style.visibility</p:attrName>
-                                        </p:attrNameLst>
-                                      </p:cBhvr>
-                                      <p:to>
-                                        <p:strVal val="visible"/>
-                                      </p:to>
-                                    </p:set>
-                                    <p:anim calcmode="lin" valueType="num">
-                                      <p:cBhvr additive="base">
-                                        <p:cTn id="29" dur="500" fill="hold"/>
-                                        <p:tgtEl>
-                                          <p:spTgt spid="5">
-                                            <p:txEl>
-                                              <p:pRg st="5" end="5"/>
-                                            </p:txEl>
-                                          </p:spTgt>
-                                        </p:tgtEl>
-                                        <p:attrNameLst>
-                                          <p:attrName>ppt_x</p:attrName>
-                                        </p:attrNameLst>
-                                      </p:cBhvr>
-                                      <p:tavLst>
-                                        <p:tav tm="0">
-                                          <p:val>
-                                            <p:strVal val="#ppt_x"/>
-                                          </p:val>
-                                        </p:tav>
-                                        <p:tav tm="100000">
-                                          <p:val>
-                                            <p:strVal val="#ppt_x"/>
-                                          </p:val>
-                                        </p:tav>
-                                      </p:tavLst>
-                                    </p:anim>
-                                    <p:anim calcmode="lin" valueType="num">
-                                      <p:cBhvr additive="base">
-                                        <p:cTn id="30" dur="500" fill="hold"/>
-                                        <p:tgtEl>
-                                          <p:spTgt spid="5">
-                                            <p:txEl>
-                                              <p:pRg st="5" end="5"/>
-                                            </p:txEl>
-                                          </p:spTgt>
-                                        </p:tgtEl>
-                                        <p:attrNameLst>
-                                          <p:attrName>ppt_y</p:attrName>
-                                        </p:attrNameLst>
-                                      </p:cBhvr>
-                                      <p:tavLst>
-                                        <p:tav tm="0">
-                                          <p:val>
-                                            <p:strVal val="1+#ppt_h/2"/>
-                                          </p:val>
-                                        </p:tav>
-                                        <p:tav tm="100000">
-                                          <p:val>
-                                            <p:strVal val="#ppt_y"/>
-                                          </p:val>
-                                        </p:tav>
-                                      </p:tavLst>
-                                    </p:anim>
-                                  </p:childTnLst>
-                                </p:cTn>
-                              </p:par>
-                              <p:par>
-                                <p:cTn id="31" presetID="2" presetClass="entr" presetSubtype="4" fill="hold" nodeType="withEffect">
-                                  <p:stCondLst>
-                                    <p:cond delay="0"/>
-                                  </p:stCondLst>
-                                  <p:childTnLst>
-                                    <p:set>
-                                      <p:cBhvr>
-                                        <p:cTn id="32" dur="1" fill="hold">
-                                          <p:stCondLst>
-                                            <p:cond delay="0"/>
-                                          </p:stCondLst>
-                                        </p:cTn>
-                                        <p:tgtEl>
-                                          <p:spTgt spid="5">
-                                            <p:txEl>
-                                              <p:pRg st="6" end="6"/>
-                                            </p:txEl>
-                                          </p:spTgt>
-                                        </p:tgtEl>
-                                        <p:attrNameLst>
-                                          <p:attrName>style.visibility</p:attrName>
-                                        </p:attrNameLst>
-                                      </p:cBhvr>
-                                      <p:to>
-                                        <p:strVal val="visible"/>
-                                      </p:to>
-                                    </p:set>
-                                    <p:anim calcmode="lin" valueType="num">
-                                      <p:cBhvr additive="base">
-                                        <p:cTn id="33" dur="500" fill="hold"/>
-                                        <p:tgtEl>
-                                          <p:spTgt spid="5">
-                                            <p:txEl>
-                                              <p:pRg st="6" end="6"/>
-                                            </p:txEl>
-                                          </p:spTgt>
-                                        </p:tgtEl>
-                                        <p:attrNameLst>
-                                          <p:attrName>ppt_x</p:attrName>
-                                        </p:attrNameLst>
-                                      </p:cBhvr>
-                                      <p:tavLst>
-                                        <p:tav tm="0">
-                                          <p:val>
-                                            <p:strVal val="#ppt_x"/>
-                                          </p:val>
-                                        </p:tav>
-                                        <p:tav tm="100000">
-                                          <p:val>
-                                            <p:strVal val="#ppt_x"/>
-                                          </p:val>
-                                        </p:tav>
-                                      </p:tavLst>
-                                    </p:anim>
-                                    <p:anim calcmode="lin" valueType="num">
-                                      <p:cBhvr additive="base">
-                                        <p:cTn id="34" dur="500" fill="hold"/>
-                                        <p:tgtEl>
-                                          <p:spTgt spid="5">
-                                            <p:txEl>
-                                              <p:pRg st="6" end="6"/>
                                             </p:txEl>
                                           </p:spTgt>
                                         </p:tgtEl>
@@ -14291,6 +8981,965 @@
 </p:sld>
 </file>
 
+<file path=ppt/slides/slide3.xml><?xml version="1.0" encoding="utf-8"?>
+<p:sld xmlns:a="http://schemas.openxmlformats.org/drawingml/2006/main" xmlns:r="http://schemas.openxmlformats.org/officeDocument/2006/relationships" xmlns:p="http://schemas.openxmlformats.org/presentationml/2006/main">
+  <p:cSld>
+    <p:spTree>
+      <p:nvGrpSpPr>
+        <p:cNvPr id="1" name=""/>
+        <p:cNvGrpSpPr/>
+        <p:nvPr/>
+      </p:nvGrpSpPr>
+      <p:grpSpPr>
+        <a:xfrm>
+          <a:off x="0" y="0"/>
+          <a:ext cx="0" cy="0"/>
+          <a:chOff x="0" y="0"/>
+          <a:chExt cx="0" cy="0"/>
+        </a:xfrm>
+      </p:grpSpPr>
+      <p:sp>
+        <p:nvSpPr>
+          <p:cNvPr id="5" name="Title 4"/>
+          <p:cNvSpPr>
+            <a:spLocks noGrp="1"/>
+          </p:cNvSpPr>
+          <p:nvPr>
+            <p:ph type="title"/>
+          </p:nvPr>
+        </p:nvSpPr>
+        <p:spPr>
+          <a:xfrm>
+            <a:off x="677334" y="609600"/>
+            <a:ext cx="8596668" cy="435429"/>
+          </a:xfrm>
+        </p:spPr>
+        <p:txBody>
+          <a:bodyPr>
+            <a:normAutofit fontScale="90000"/>
+          </a:bodyPr>
+          <a:lstStyle/>
+          <a:p>
+            <a:r>
+              <a:rPr lang="en-US" sz="3000" smtClean="0">
+                <a:latin typeface="Times New Roman" panose="02020603050405020304" pitchFamily="18" charset="0"/>
+                <a:cs typeface="Times New Roman" panose="02020603050405020304" pitchFamily="18" charset="0"/>
+              </a:rPr>
+              <a:t>2. Hệ thống JMS:</a:t>
+            </a:r>
+            <a:endParaRPr lang="en-US" sz="3000" dirty="0">
+              <a:latin typeface="Times New Roman" panose="02020603050405020304" pitchFamily="18" charset="0"/>
+              <a:cs typeface="Times New Roman" panose="02020603050405020304" pitchFamily="18" charset="0"/>
+            </a:endParaRPr>
+          </a:p>
+        </p:txBody>
+      </p:sp>
+      <p:sp>
+        <p:nvSpPr>
+          <p:cNvPr id="2" name="Content Placeholder 1"/>
+          <p:cNvSpPr>
+            <a:spLocks noGrp="1"/>
+          </p:cNvSpPr>
+          <p:nvPr>
+            <p:ph idx="1"/>
+          </p:nvPr>
+        </p:nvSpPr>
+        <p:spPr>
+          <a:xfrm>
+            <a:off x="677334" y="1812759"/>
+            <a:ext cx="8596668" cy="4228604"/>
+          </a:xfrm>
+        </p:spPr>
+        <p:txBody>
+          <a:bodyPr/>
+          <a:lstStyle/>
+          <a:p>
+            <a:r>
+              <a:rPr lang="vi-VN" sz="2200">
+                <a:latin typeface="Times New Roman" panose="02020603050405020304" pitchFamily="18" charset="0"/>
+                <a:cs typeface="Times New Roman" panose="02020603050405020304" pitchFamily="18" charset="0"/>
+              </a:rPr>
+              <a:t>JMS đưa ra API cho phép người phát triển phần mềm có thể tương tác với các MOM khác nhau tương tự như khái niệm người ta đưa ra JDBC API để hỗ trợ tương tác giữa các DB khác nhau</a:t>
+            </a:r>
+          </a:p>
+          <a:p>
+            <a:pPr lvl="1"/>
+            <a:r>
+              <a:rPr lang="vi-VN" sz="2200">
+                <a:latin typeface="Times New Roman" panose="02020603050405020304" pitchFamily="18" charset="0"/>
+                <a:cs typeface="Times New Roman" panose="02020603050405020304" pitchFamily="18" charset="0"/>
+              </a:rPr>
+              <a:t>JMS API cung cấp tất các mọi chức năng hỗ trợ tạo, thêm, xóa, gửi và nhận message</a:t>
+            </a:r>
+          </a:p>
+          <a:p>
+            <a:pPr lvl="1"/>
+            <a:r>
+              <a:rPr lang="vi-VN" sz="2200">
+                <a:latin typeface="Times New Roman" panose="02020603050405020304" pitchFamily="18" charset="0"/>
+                <a:cs typeface="Times New Roman" panose="02020603050405020304" pitchFamily="18" charset="0"/>
+              </a:rPr>
+              <a:t>JMS bao gồm 2 thành phần API hỗ trợ chức năng cho người phát triển phần mềm và SPI – Service Provider Interface cho phép các nhà sản xuất tạo ra tool JMS tích hợp định hướng cho mọi người sử dụng theo hướng chuẩn hóa</a:t>
+            </a:r>
+          </a:p>
+          <a:p>
+            <a:endParaRPr lang="en-US"/>
+          </a:p>
+        </p:txBody>
+      </p:sp>
+    </p:spTree>
+    <p:extLst>
+      <p:ext uri="{BB962C8B-B14F-4D97-AF65-F5344CB8AC3E}">
+        <p14:creationId xmlns:p14="http://schemas.microsoft.com/office/powerpoint/2010/main" val="4146443841"/>
+      </p:ext>
+    </p:extLst>
+  </p:cSld>
+  <p:clrMapOvr>
+    <a:masterClrMapping/>
+  </p:clrMapOvr>
+  <p:timing>
+    <p:tnLst>
+      <p:par>
+        <p:cTn id="1" dur="indefinite" restart="never" nodeType="tmRoot"/>
+      </p:par>
+    </p:tnLst>
+  </p:timing>
+</p:sld>
+</file>
+
+<file path=ppt/slides/slide4.xml><?xml version="1.0" encoding="utf-8"?>
+<p:sld xmlns:a="http://schemas.openxmlformats.org/drawingml/2006/main" xmlns:r="http://schemas.openxmlformats.org/officeDocument/2006/relationships" xmlns:p="http://schemas.openxmlformats.org/presentationml/2006/main">
+  <p:cSld>
+    <p:spTree>
+      <p:nvGrpSpPr>
+        <p:cNvPr id="1" name=""/>
+        <p:cNvGrpSpPr/>
+        <p:nvPr/>
+      </p:nvGrpSpPr>
+      <p:grpSpPr>
+        <a:xfrm>
+          <a:off x="0" y="0"/>
+          <a:ext cx="0" cy="0"/>
+          <a:chOff x="0" y="0"/>
+          <a:chExt cx="0" cy="0"/>
+        </a:xfrm>
+      </p:grpSpPr>
+      <p:sp>
+        <p:nvSpPr>
+          <p:cNvPr id="5" name="Title 4"/>
+          <p:cNvSpPr>
+            <a:spLocks noGrp="1"/>
+          </p:cNvSpPr>
+          <p:nvPr>
+            <p:ph type="title"/>
+          </p:nvPr>
+        </p:nvSpPr>
+        <p:spPr>
+          <a:xfrm>
+            <a:off x="677334" y="609600"/>
+            <a:ext cx="8596668" cy="435429"/>
+          </a:xfrm>
+        </p:spPr>
+        <p:txBody>
+          <a:bodyPr>
+            <a:normAutofit fontScale="90000"/>
+          </a:bodyPr>
+          <a:lstStyle/>
+          <a:p>
+            <a:r>
+              <a:rPr lang="en-US" sz="3000" smtClean="0">
+                <a:latin typeface="Times New Roman" panose="02020603050405020304" pitchFamily="18" charset="0"/>
+                <a:cs typeface="Times New Roman" panose="02020603050405020304" pitchFamily="18" charset="0"/>
+              </a:rPr>
+              <a:t>Hệ thống JMS:</a:t>
+            </a:r>
+            <a:endParaRPr lang="en-US" sz="3000" dirty="0">
+              <a:latin typeface="Times New Roman" panose="02020603050405020304" pitchFamily="18" charset="0"/>
+              <a:cs typeface="Times New Roman" panose="02020603050405020304" pitchFamily="18" charset="0"/>
+            </a:endParaRPr>
+          </a:p>
+        </p:txBody>
+      </p:sp>
+      <p:pic>
+        <p:nvPicPr>
+          <p:cNvPr id="3" name="Content Placeholder 2"/>
+          <p:cNvPicPr>
+            <a:picLocks noGrp="1" noChangeAspect="1"/>
+          </p:cNvPicPr>
+          <p:nvPr>
+            <p:ph idx="1"/>
+          </p:nvPr>
+        </p:nvPicPr>
+        <p:blipFill>
+          <a:blip r:embed="rId2"/>
+          <a:stretch>
+            <a:fillRect/>
+          </a:stretch>
+        </p:blipFill>
+        <p:spPr>
+          <a:xfrm>
+            <a:off x="2320382" y="1299411"/>
+            <a:ext cx="6377669" cy="5078220"/>
+          </a:xfrm>
+          <a:prstGeom prst="rect">
+            <a:avLst/>
+          </a:prstGeom>
+        </p:spPr>
+      </p:pic>
+    </p:spTree>
+    <p:extLst>
+      <p:ext uri="{BB962C8B-B14F-4D97-AF65-F5344CB8AC3E}">
+        <p14:creationId xmlns:p14="http://schemas.microsoft.com/office/powerpoint/2010/main" val="102601793"/>
+      </p:ext>
+    </p:extLst>
+  </p:cSld>
+  <p:clrMapOvr>
+    <a:masterClrMapping/>
+  </p:clrMapOvr>
+  <p:timing>
+    <p:tnLst>
+      <p:par>
+        <p:cTn id="1" dur="indefinite" restart="never" nodeType="tmRoot"/>
+      </p:par>
+    </p:tnLst>
+  </p:timing>
+</p:sld>
+</file>
+
+<file path=ppt/slides/slide5.xml><?xml version="1.0" encoding="utf-8"?>
+<p:sld xmlns:a="http://schemas.openxmlformats.org/drawingml/2006/main" xmlns:r="http://schemas.openxmlformats.org/officeDocument/2006/relationships" xmlns:p="http://schemas.openxmlformats.org/presentationml/2006/main">
+  <p:cSld>
+    <p:spTree>
+      <p:nvGrpSpPr>
+        <p:cNvPr id="1" name=""/>
+        <p:cNvGrpSpPr/>
+        <p:nvPr/>
+      </p:nvGrpSpPr>
+      <p:grpSpPr>
+        <a:xfrm>
+          <a:off x="0" y="0"/>
+          <a:ext cx="0" cy="0"/>
+          <a:chOff x="0" y="0"/>
+          <a:chExt cx="0" cy="0"/>
+        </a:xfrm>
+      </p:grpSpPr>
+      <p:sp>
+        <p:nvSpPr>
+          <p:cNvPr id="3" name="Content Placeholder 2"/>
+          <p:cNvSpPr>
+            <a:spLocks noGrp="1"/>
+          </p:cNvSpPr>
+          <p:nvPr>
+            <p:ph idx="1"/>
+          </p:nvPr>
+        </p:nvSpPr>
+        <p:spPr>
+          <a:xfrm>
+            <a:off x="625080" y="253412"/>
+            <a:ext cx="8759552" cy="6447834"/>
+          </a:xfrm>
+        </p:spPr>
+        <p:txBody>
+          <a:bodyPr>
+            <a:normAutofit/>
+          </a:bodyPr>
+          <a:lstStyle/>
+          <a:p>
+            <a:pPr marL="0" indent="0">
+              <a:buNone/>
+            </a:pPr>
+            <a:r>
+              <a:rPr lang="en-US" sz="2800" b="1" smtClean="0">
+                <a:solidFill>
+                  <a:srgbClr val="92D050"/>
+                </a:solidFill>
+                <a:latin typeface="Times New Roman" panose="02020603050405020304" pitchFamily="18" charset="0"/>
+                <a:cs typeface="Times New Roman" panose="02020603050405020304" pitchFamily="18" charset="0"/>
+              </a:rPr>
+              <a:t>Cơ chế giao tiếp</a:t>
+            </a:r>
+            <a:endParaRPr lang="en-US" sz="2800" b="1" dirty="0" smtClean="0">
+              <a:solidFill>
+                <a:srgbClr val="92D050"/>
+              </a:solidFill>
+              <a:latin typeface="Times New Roman" panose="02020603050405020304" pitchFamily="18" charset="0"/>
+              <a:cs typeface="Times New Roman" panose="02020603050405020304" pitchFamily="18" charset="0"/>
+            </a:endParaRPr>
+          </a:p>
+          <a:p>
+            <a:pPr marL="0" indent="0">
+              <a:buNone/>
+            </a:pPr>
+            <a:endParaRPr lang="en-US" sz="2800" b="1" dirty="0" smtClean="0">
+              <a:solidFill>
+                <a:srgbClr val="92D050"/>
+              </a:solidFill>
+              <a:latin typeface="Times New Roman" panose="02020603050405020304" pitchFamily="18" charset="0"/>
+              <a:cs typeface="Times New Roman" panose="02020603050405020304" pitchFamily="18" charset="0"/>
+            </a:endParaRPr>
+          </a:p>
+          <a:p>
+            <a:pPr>
+              <a:buFontTx/>
+              <a:buChar char="-"/>
+            </a:pPr>
+            <a:r>
+              <a:rPr lang="vi-VN" sz="2500">
+                <a:latin typeface="Times New Roman" panose="02020603050405020304" pitchFamily="18" charset="0"/>
+                <a:cs typeface="Times New Roman" panose="02020603050405020304" pitchFamily="18" charset="0"/>
+              </a:rPr>
+              <a:t>Asynchronous: JMS tự động chuyển message đến người nhận khi message đến</a:t>
+            </a:r>
+            <a:r>
+              <a:rPr lang="en-US" sz="2500" smtClean="0">
+                <a:solidFill>
+                  <a:schemeClr val="tx1"/>
+                </a:solidFill>
+                <a:latin typeface="Times New Roman" panose="02020603050405020304" pitchFamily="18" charset="0"/>
+                <a:cs typeface="Times New Roman" panose="02020603050405020304" pitchFamily="18" charset="0"/>
+              </a:rPr>
+              <a:t>.</a:t>
+            </a:r>
+            <a:endParaRPr lang="en-US" sz="2500" dirty="0" smtClean="0">
+              <a:solidFill>
+                <a:schemeClr val="tx1"/>
+              </a:solidFill>
+              <a:latin typeface="Times New Roman" panose="02020603050405020304" pitchFamily="18" charset="0"/>
+              <a:cs typeface="Times New Roman" panose="02020603050405020304" pitchFamily="18" charset="0"/>
+            </a:endParaRPr>
+          </a:p>
+          <a:p>
+            <a:pPr>
+              <a:buFontTx/>
+              <a:buChar char="-"/>
+            </a:pPr>
+            <a:endParaRPr lang="en-US" sz="2500" dirty="0" smtClean="0">
+              <a:solidFill>
+                <a:schemeClr val="tx1"/>
+              </a:solidFill>
+              <a:latin typeface="Times New Roman" panose="02020603050405020304" pitchFamily="18" charset="0"/>
+              <a:cs typeface="Times New Roman" panose="02020603050405020304" pitchFamily="18" charset="0"/>
+            </a:endParaRPr>
+          </a:p>
+          <a:p>
+            <a:pPr>
+              <a:buFontTx/>
+              <a:buChar char="-"/>
+            </a:pPr>
+            <a:r>
+              <a:rPr lang="vi-VN" sz="2500">
+                <a:latin typeface="Times New Roman" panose="02020603050405020304" pitchFamily="18" charset="0"/>
+                <a:cs typeface="Times New Roman" panose="02020603050405020304" pitchFamily="18" charset="0"/>
+              </a:rPr>
+              <a:t>Reliable: một message chỉ được chuyển đến đúng một người nhận mà không có cơ chế nhân bản, do vậy, tín hiệu phản hồi hoàn tất nhận message từ người nhận sẽ gây nên xóa bỏ thông tin trên middleware object</a:t>
+            </a:r>
+            <a:r>
+              <a:rPr lang="en-US" sz="2500" smtClean="0">
+                <a:solidFill>
+                  <a:schemeClr val="tx1"/>
+                </a:solidFill>
+                <a:latin typeface="Times New Roman" panose="02020603050405020304" pitchFamily="18" charset="0"/>
+                <a:cs typeface="Times New Roman" panose="02020603050405020304" pitchFamily="18" charset="0"/>
+              </a:rPr>
+              <a:t>.</a:t>
+            </a:r>
+            <a:endParaRPr lang="en-US" sz="2500" dirty="0">
+              <a:solidFill>
+                <a:schemeClr val="tx1"/>
+              </a:solidFill>
+              <a:latin typeface="Times New Roman" panose="02020603050405020304" pitchFamily="18" charset="0"/>
+              <a:cs typeface="Times New Roman" panose="02020603050405020304" pitchFamily="18" charset="0"/>
+            </a:endParaRPr>
+          </a:p>
+        </p:txBody>
+      </p:sp>
+    </p:spTree>
+    <p:extLst>
+      <p:ext uri="{BB962C8B-B14F-4D97-AF65-F5344CB8AC3E}">
+        <p14:creationId xmlns:p14="http://schemas.microsoft.com/office/powerpoint/2010/main" val="120623031"/>
+      </p:ext>
+    </p:extLst>
+  </p:cSld>
+  <p:clrMapOvr>
+    <a:masterClrMapping/>
+  </p:clrMapOvr>
+  <p:timing>
+    <p:tnLst>
+      <p:par>
+        <p:cTn id="1" dur="indefinite" restart="never" nodeType="tmRoot">
+          <p:childTnLst>
+            <p:seq concurrent="1" nextAc="seek">
+              <p:cTn id="2" dur="indefinite" nodeType="mainSeq">
+                <p:childTnLst>
+                  <p:par>
+                    <p:cTn id="3" fill="hold">
+                      <p:stCondLst>
+                        <p:cond delay="indefinite"/>
+                      </p:stCondLst>
+                      <p:childTnLst>
+                        <p:par>
+                          <p:cTn id="4" fill="hold">
+                            <p:stCondLst>
+                              <p:cond delay="0"/>
+                            </p:stCondLst>
+                            <p:childTnLst>
+                              <p:par>
+                                <p:cTn id="5" presetID="2" presetClass="entr" presetSubtype="4" fill="hold" nodeType="clickEffect">
+                                  <p:stCondLst>
+                                    <p:cond delay="0"/>
+                                  </p:stCondLst>
+                                  <p:childTnLst>
+                                    <p:set>
+                                      <p:cBhvr>
+                                        <p:cTn id="6" dur="1" fill="hold">
+                                          <p:stCondLst>
+                                            <p:cond delay="0"/>
+                                          </p:stCondLst>
+                                        </p:cTn>
+                                        <p:tgtEl>
+                                          <p:spTgt spid="3">
+                                            <p:txEl>
+                                              <p:pRg st="2" end="2"/>
+                                            </p:txEl>
+                                          </p:spTgt>
+                                        </p:tgtEl>
+                                        <p:attrNameLst>
+                                          <p:attrName>style.visibility</p:attrName>
+                                        </p:attrNameLst>
+                                      </p:cBhvr>
+                                      <p:to>
+                                        <p:strVal val="visible"/>
+                                      </p:to>
+                                    </p:set>
+                                    <p:anim calcmode="lin" valueType="num">
+                                      <p:cBhvr additive="base">
+                                        <p:cTn id="7" dur="500" fill="hold"/>
+                                        <p:tgtEl>
+                                          <p:spTgt spid="3">
+                                            <p:txEl>
+                                              <p:pRg st="2" end="2"/>
+                                            </p:txEl>
+                                          </p:spTgt>
+                                        </p:tgtEl>
+                                        <p:attrNameLst>
+                                          <p:attrName>ppt_x</p:attrName>
+                                        </p:attrNameLst>
+                                      </p:cBhvr>
+                                      <p:tavLst>
+                                        <p:tav tm="0">
+                                          <p:val>
+                                            <p:strVal val="#ppt_x"/>
+                                          </p:val>
+                                        </p:tav>
+                                        <p:tav tm="100000">
+                                          <p:val>
+                                            <p:strVal val="#ppt_x"/>
+                                          </p:val>
+                                        </p:tav>
+                                      </p:tavLst>
+                                    </p:anim>
+                                    <p:anim calcmode="lin" valueType="num">
+                                      <p:cBhvr additive="base">
+                                        <p:cTn id="8" dur="500" fill="hold"/>
+                                        <p:tgtEl>
+                                          <p:spTgt spid="3">
+                                            <p:txEl>
+                                              <p:pRg st="2" end="2"/>
+                                            </p:txEl>
+                                          </p:spTgt>
+                                        </p:tgtEl>
+                                        <p:attrNameLst>
+                                          <p:attrName>ppt_y</p:attrName>
+                                        </p:attrNameLst>
+                                      </p:cBhvr>
+                                      <p:tavLst>
+                                        <p:tav tm="0">
+                                          <p:val>
+                                            <p:strVal val="1+#ppt_h/2"/>
+                                          </p:val>
+                                        </p:tav>
+                                        <p:tav tm="100000">
+                                          <p:val>
+                                            <p:strVal val="#ppt_y"/>
+                                          </p:val>
+                                        </p:tav>
+                                      </p:tavLst>
+                                    </p:anim>
+                                  </p:childTnLst>
+                                </p:cTn>
+                              </p:par>
+                              <p:par>
+                                <p:cTn id="9" presetID="2" presetClass="entr" presetSubtype="4" fill="hold" nodeType="withEffect">
+                                  <p:stCondLst>
+                                    <p:cond delay="0"/>
+                                  </p:stCondLst>
+                                  <p:childTnLst>
+                                    <p:set>
+                                      <p:cBhvr>
+                                        <p:cTn id="10" dur="1" fill="hold">
+                                          <p:stCondLst>
+                                            <p:cond delay="0"/>
+                                          </p:stCondLst>
+                                        </p:cTn>
+                                        <p:tgtEl>
+                                          <p:spTgt spid="3">
+                                            <p:txEl>
+                                              <p:pRg st="4" end="4"/>
+                                            </p:txEl>
+                                          </p:spTgt>
+                                        </p:tgtEl>
+                                        <p:attrNameLst>
+                                          <p:attrName>style.visibility</p:attrName>
+                                        </p:attrNameLst>
+                                      </p:cBhvr>
+                                      <p:to>
+                                        <p:strVal val="visible"/>
+                                      </p:to>
+                                    </p:set>
+                                    <p:anim calcmode="lin" valueType="num">
+                                      <p:cBhvr additive="base">
+                                        <p:cTn id="11" dur="500" fill="hold"/>
+                                        <p:tgtEl>
+                                          <p:spTgt spid="3">
+                                            <p:txEl>
+                                              <p:pRg st="4" end="4"/>
+                                            </p:txEl>
+                                          </p:spTgt>
+                                        </p:tgtEl>
+                                        <p:attrNameLst>
+                                          <p:attrName>ppt_x</p:attrName>
+                                        </p:attrNameLst>
+                                      </p:cBhvr>
+                                      <p:tavLst>
+                                        <p:tav tm="0">
+                                          <p:val>
+                                            <p:strVal val="#ppt_x"/>
+                                          </p:val>
+                                        </p:tav>
+                                        <p:tav tm="100000">
+                                          <p:val>
+                                            <p:strVal val="#ppt_x"/>
+                                          </p:val>
+                                        </p:tav>
+                                      </p:tavLst>
+                                    </p:anim>
+                                    <p:anim calcmode="lin" valueType="num">
+                                      <p:cBhvr additive="base">
+                                        <p:cTn id="12" dur="500" fill="hold"/>
+                                        <p:tgtEl>
+                                          <p:spTgt spid="3">
+                                            <p:txEl>
+                                              <p:pRg st="4" end="4"/>
+                                            </p:txEl>
+                                          </p:spTgt>
+                                        </p:tgtEl>
+                                        <p:attrNameLst>
+                                          <p:attrName>ppt_y</p:attrName>
+                                        </p:attrNameLst>
+                                      </p:cBhvr>
+                                      <p:tavLst>
+                                        <p:tav tm="0">
+                                          <p:val>
+                                            <p:strVal val="1+#ppt_h/2"/>
+                                          </p:val>
+                                        </p:tav>
+                                        <p:tav tm="100000">
+                                          <p:val>
+                                            <p:strVal val="#ppt_y"/>
+                                          </p:val>
+                                        </p:tav>
+                                      </p:tavLst>
+                                    </p:anim>
+                                  </p:childTnLst>
+                                </p:cTn>
+                              </p:par>
+                            </p:childTnLst>
+                          </p:cTn>
+                        </p:par>
+                      </p:childTnLst>
+                    </p:cTn>
+                  </p:par>
+                </p:childTnLst>
+              </p:cTn>
+              <p:prevCondLst>
+                <p:cond evt="onPrev" delay="0">
+                  <p:tgtEl>
+                    <p:sldTgt/>
+                  </p:tgtEl>
+                </p:cond>
+              </p:prevCondLst>
+              <p:nextCondLst>
+                <p:cond evt="onNext" delay="0">
+                  <p:tgtEl>
+                    <p:sldTgt/>
+                  </p:tgtEl>
+                </p:cond>
+              </p:nextCondLst>
+            </p:seq>
+          </p:childTnLst>
+        </p:cTn>
+      </p:par>
+    </p:tnLst>
+  </p:timing>
+</p:sld>
+</file>
+
+<file path=ppt/slides/slide6.xml><?xml version="1.0" encoding="utf-8"?>
+<p:sld xmlns:a="http://schemas.openxmlformats.org/drawingml/2006/main" xmlns:r="http://schemas.openxmlformats.org/officeDocument/2006/relationships" xmlns:p="http://schemas.openxmlformats.org/presentationml/2006/main">
+  <p:cSld>
+    <p:spTree>
+      <p:nvGrpSpPr>
+        <p:cNvPr id="1" name=""/>
+        <p:cNvGrpSpPr/>
+        <p:nvPr/>
+      </p:nvGrpSpPr>
+      <p:grpSpPr>
+        <a:xfrm>
+          <a:off x="0" y="0"/>
+          <a:ext cx="0" cy="0"/>
+          <a:chOff x="0" y="0"/>
+          <a:chExt cx="0" cy="0"/>
+        </a:xfrm>
+      </p:grpSpPr>
+      <p:sp>
+        <p:nvSpPr>
+          <p:cNvPr id="3" name="Content Placeholder 2"/>
+          <p:cNvSpPr>
+            <a:spLocks noGrp="1"/>
+          </p:cNvSpPr>
+          <p:nvPr>
+            <p:ph idx="1"/>
+          </p:nvPr>
+        </p:nvSpPr>
+        <p:spPr>
+          <a:xfrm>
+            <a:off x="625080" y="253412"/>
+            <a:ext cx="8759552" cy="6447834"/>
+          </a:xfrm>
+        </p:spPr>
+        <p:txBody>
+          <a:bodyPr>
+            <a:normAutofit/>
+          </a:bodyPr>
+          <a:lstStyle/>
+          <a:p>
+            <a:pPr marL="0" indent="0">
+              <a:buNone/>
+            </a:pPr>
+            <a:r>
+              <a:rPr lang="en-US" sz="3200" b="1">
+                <a:solidFill>
+                  <a:srgbClr val="92D050"/>
+                </a:solidFill>
+                <a:latin typeface="Times New Roman" panose="02020603050405020304" pitchFamily="18" charset="0"/>
+                <a:cs typeface="Times New Roman" panose="02020603050405020304" pitchFamily="18" charset="0"/>
+              </a:rPr>
+              <a:t>Kiến trúc JMS</a:t>
+            </a:r>
+          </a:p>
+          <a:p>
+            <a:pPr marL="0" indent="0">
+              <a:buNone/>
+            </a:pPr>
+            <a:endParaRPr lang="en-US" sz="3200" b="1">
+              <a:solidFill>
+                <a:srgbClr val="92D050"/>
+              </a:solidFill>
+              <a:latin typeface="Times New Roman" panose="02020603050405020304" pitchFamily="18" charset="0"/>
+              <a:cs typeface="Times New Roman" panose="02020603050405020304" pitchFamily="18" charset="0"/>
+            </a:endParaRPr>
+          </a:p>
+          <a:p>
+            <a:r>
+              <a:rPr lang="vi-VN" sz="2800">
+                <a:latin typeface="Times New Roman" panose="02020603050405020304" pitchFamily="18" charset="0"/>
+                <a:cs typeface="Times New Roman" panose="02020603050405020304" pitchFamily="18" charset="0"/>
+              </a:rPr>
+              <a:t>JMS Provider: những người tạo ra hệ thống JMS để lưu trữ tương tự hệ thống quản lý CSDL như SQL Server, Oracle, ….</a:t>
+            </a:r>
+          </a:p>
+          <a:p>
+            <a:r>
+              <a:rPr lang="vi-VN" sz="2800">
+                <a:latin typeface="Times New Roman" panose="02020603050405020304" pitchFamily="18" charset="0"/>
+                <a:cs typeface="Times New Roman" panose="02020603050405020304" pitchFamily="18" charset="0"/>
+              </a:rPr>
+              <a:t>JMS Client: những thành phần sử dụng JMS API truy cập và thao tác trên JMS Provider</a:t>
+            </a:r>
+          </a:p>
+          <a:p>
+            <a:r>
+              <a:rPr lang="vi-VN" sz="2800">
+                <a:latin typeface="Times New Roman" panose="02020603050405020304" pitchFamily="18" charset="0"/>
+                <a:cs typeface="Times New Roman" panose="02020603050405020304" pitchFamily="18" charset="0"/>
+              </a:rPr>
+              <a:t>Messages: định dạng trung gian để giao tiếp giữa JMS Clients và Providers</a:t>
+            </a:r>
+          </a:p>
+          <a:p>
+            <a:r>
+              <a:rPr lang="vi-VN" sz="2800">
+                <a:latin typeface="Times New Roman" panose="02020603050405020304" pitchFamily="18" charset="0"/>
+                <a:cs typeface="Times New Roman" panose="02020603050405020304" pitchFamily="18" charset="0"/>
+              </a:rPr>
+              <a:t>Administratered Object: hỗ trợ cơ chế quản lý và cấu hình cho JMS Objects</a:t>
+            </a:r>
+            <a:endParaRPr lang="vi-VN" sz="2800">
+              <a:latin typeface="Times New Roman" panose="02020603050405020304" pitchFamily="18" charset="0"/>
+              <a:cs typeface="Times New Roman" panose="02020603050405020304" pitchFamily="18" charset="0"/>
+            </a:endParaRPr>
+          </a:p>
+        </p:txBody>
+      </p:sp>
+    </p:spTree>
+    <p:extLst>
+      <p:ext uri="{BB962C8B-B14F-4D97-AF65-F5344CB8AC3E}">
+        <p14:creationId xmlns:p14="http://schemas.microsoft.com/office/powerpoint/2010/main" val="4759553"/>
+      </p:ext>
+    </p:extLst>
+  </p:cSld>
+  <p:clrMapOvr>
+    <a:masterClrMapping/>
+  </p:clrMapOvr>
+  <p:timing>
+    <p:tnLst>
+      <p:par>
+        <p:cTn id="1" dur="indefinite" restart="never" nodeType="tmRoot"/>
+      </p:par>
+    </p:tnLst>
+  </p:timing>
+</p:sld>
+</file>
+
+<file path=ppt/slides/slide7.xml><?xml version="1.0" encoding="utf-8"?>
+<p:sld xmlns:a="http://schemas.openxmlformats.org/drawingml/2006/main" xmlns:r="http://schemas.openxmlformats.org/officeDocument/2006/relationships" xmlns:p="http://schemas.openxmlformats.org/presentationml/2006/main">
+  <p:cSld>
+    <p:spTree>
+      <p:nvGrpSpPr>
+        <p:cNvPr id="1" name=""/>
+        <p:cNvGrpSpPr/>
+        <p:nvPr/>
+      </p:nvGrpSpPr>
+      <p:grpSpPr>
+        <a:xfrm>
+          <a:off x="0" y="0"/>
+          <a:ext cx="0" cy="0"/>
+          <a:chOff x="0" y="0"/>
+          <a:chExt cx="0" cy="0"/>
+        </a:xfrm>
+      </p:grpSpPr>
+      <p:sp>
+        <p:nvSpPr>
+          <p:cNvPr id="3" name="Content Placeholder 2"/>
+          <p:cNvSpPr>
+            <a:spLocks noGrp="1"/>
+          </p:cNvSpPr>
+          <p:nvPr>
+            <p:ph idx="1"/>
+          </p:nvPr>
+        </p:nvSpPr>
+        <p:spPr>
+          <a:xfrm>
+            <a:off x="625080" y="253412"/>
+            <a:ext cx="8759552" cy="6447834"/>
+          </a:xfrm>
+        </p:spPr>
+        <p:txBody>
+          <a:bodyPr>
+            <a:normAutofit/>
+          </a:bodyPr>
+          <a:lstStyle/>
+          <a:p>
+            <a:pPr marL="0" indent="0">
+              <a:buNone/>
+            </a:pPr>
+            <a:r>
+              <a:rPr lang="en-US" sz="3200" b="1" smtClean="0">
+                <a:solidFill>
+                  <a:srgbClr val="92D050"/>
+                </a:solidFill>
+                <a:latin typeface="Times New Roman" panose="02020603050405020304" pitchFamily="18" charset="0"/>
+                <a:cs typeface="Times New Roman" panose="02020603050405020304" pitchFamily="18" charset="0"/>
+              </a:rPr>
+              <a:t>Cơ chế JMS deploy vào Application Server</a:t>
+            </a:r>
+            <a:endParaRPr lang="en-US" sz="3200" b="1">
+              <a:solidFill>
+                <a:srgbClr val="92D050"/>
+              </a:solidFill>
+              <a:latin typeface="Times New Roman" panose="02020603050405020304" pitchFamily="18" charset="0"/>
+              <a:cs typeface="Times New Roman" panose="02020603050405020304" pitchFamily="18" charset="0"/>
+            </a:endParaRPr>
+          </a:p>
+          <a:p>
+            <a:pPr marL="0" indent="0">
+              <a:buNone/>
+            </a:pPr>
+            <a:endParaRPr lang="en-US" sz="3200" b="1">
+              <a:solidFill>
+                <a:srgbClr val="92D050"/>
+              </a:solidFill>
+              <a:latin typeface="Times New Roman" panose="02020603050405020304" pitchFamily="18" charset="0"/>
+              <a:cs typeface="Times New Roman" panose="02020603050405020304" pitchFamily="18" charset="0"/>
+            </a:endParaRPr>
+          </a:p>
+        </p:txBody>
+      </p:sp>
+      <p:pic>
+        <p:nvPicPr>
+          <p:cNvPr id="2" name="Picture 1"/>
+          <p:cNvPicPr>
+            <a:picLocks noChangeAspect="1"/>
+          </p:cNvPicPr>
+          <p:nvPr/>
+        </p:nvPicPr>
+        <p:blipFill>
+          <a:blip r:embed="rId2"/>
+          <a:stretch>
+            <a:fillRect/>
+          </a:stretch>
+        </p:blipFill>
+        <p:spPr>
+          <a:xfrm>
+            <a:off x="1588168" y="1695449"/>
+            <a:ext cx="7774907" cy="4272213"/>
+          </a:xfrm>
+          <a:prstGeom prst="rect">
+            <a:avLst/>
+          </a:prstGeom>
+        </p:spPr>
+      </p:pic>
+    </p:spTree>
+    <p:extLst>
+      <p:ext uri="{BB962C8B-B14F-4D97-AF65-F5344CB8AC3E}">
+        <p14:creationId xmlns:p14="http://schemas.microsoft.com/office/powerpoint/2010/main" val="1506818044"/>
+      </p:ext>
+    </p:extLst>
+  </p:cSld>
+  <p:clrMapOvr>
+    <a:masterClrMapping/>
+  </p:clrMapOvr>
+  <p:timing>
+    <p:tnLst>
+      <p:par>
+        <p:cTn id="1" dur="indefinite" restart="never" nodeType="tmRoot"/>
+      </p:par>
+    </p:tnLst>
+  </p:timing>
+</p:sld>
+</file>
+
+<file path=ppt/slides/slide8.xml><?xml version="1.0" encoding="utf-8"?>
+<p:sld xmlns:a="http://schemas.openxmlformats.org/drawingml/2006/main" xmlns:r="http://schemas.openxmlformats.org/officeDocument/2006/relationships" xmlns:p="http://schemas.openxmlformats.org/presentationml/2006/main">
+  <p:cSld>
+    <p:spTree>
+      <p:nvGrpSpPr>
+        <p:cNvPr id="1" name=""/>
+        <p:cNvGrpSpPr/>
+        <p:nvPr/>
+      </p:nvGrpSpPr>
+      <p:grpSpPr>
+        <a:xfrm>
+          <a:off x="0" y="0"/>
+          <a:ext cx="0" cy="0"/>
+          <a:chOff x="0" y="0"/>
+          <a:chExt cx="0" cy="0"/>
+        </a:xfrm>
+      </p:grpSpPr>
+      <p:sp>
+        <p:nvSpPr>
+          <p:cNvPr id="3" name="Content Placeholder 2"/>
+          <p:cNvSpPr>
+            <a:spLocks noGrp="1"/>
+          </p:cNvSpPr>
+          <p:nvPr>
+            <p:ph idx="1"/>
+          </p:nvPr>
+        </p:nvSpPr>
+        <p:spPr>
+          <a:xfrm>
+            <a:off x="625080" y="253412"/>
+            <a:ext cx="8759552" cy="6447834"/>
+          </a:xfrm>
+        </p:spPr>
+        <p:txBody>
+          <a:bodyPr>
+            <a:normAutofit/>
+          </a:bodyPr>
+          <a:lstStyle/>
+          <a:p>
+            <a:pPr marL="0" indent="0">
+              <a:buNone/>
+            </a:pPr>
+            <a:r>
+              <a:rPr lang="en-US" sz="3200" b="1">
+                <a:solidFill>
+                  <a:srgbClr val="92D050"/>
+                </a:solidFill>
+                <a:latin typeface="Times New Roman" panose="02020603050405020304" pitchFamily="18" charset="0"/>
+                <a:cs typeface="Times New Roman" panose="02020603050405020304" pitchFamily="18" charset="0"/>
+              </a:rPr>
+              <a:t>Cơ chế JMS deploy vào Application Server</a:t>
+            </a:r>
+          </a:p>
+          <a:p>
+            <a:pPr marL="0" indent="0">
+              <a:buNone/>
+            </a:pPr>
+            <a:endParaRPr lang="en-US" sz="3200" b="1">
+              <a:solidFill>
+                <a:srgbClr val="92D050"/>
+              </a:solidFill>
+              <a:latin typeface="Times New Roman" panose="02020603050405020304" pitchFamily="18" charset="0"/>
+              <a:cs typeface="Times New Roman" panose="02020603050405020304" pitchFamily="18" charset="0"/>
+            </a:endParaRPr>
+          </a:p>
+        </p:txBody>
+      </p:sp>
+      <p:pic>
+        <p:nvPicPr>
+          <p:cNvPr id="4" name="Picture 3"/>
+          <p:cNvPicPr>
+            <a:picLocks noChangeAspect="1"/>
+          </p:cNvPicPr>
+          <p:nvPr/>
+        </p:nvPicPr>
+        <p:blipFill>
+          <a:blip r:embed="rId2"/>
+          <a:stretch>
+            <a:fillRect/>
+          </a:stretch>
+        </p:blipFill>
+        <p:spPr>
+          <a:xfrm>
+            <a:off x="2471737" y="930442"/>
+            <a:ext cx="7248525" cy="5189370"/>
+          </a:xfrm>
+          <a:prstGeom prst="rect">
+            <a:avLst/>
+          </a:prstGeom>
+        </p:spPr>
+      </p:pic>
+    </p:spTree>
+    <p:extLst>
+      <p:ext uri="{BB962C8B-B14F-4D97-AF65-F5344CB8AC3E}">
+        <p14:creationId xmlns:p14="http://schemas.microsoft.com/office/powerpoint/2010/main" val="1298332300"/>
+      </p:ext>
+    </p:extLst>
+  </p:cSld>
+  <p:clrMapOvr>
+    <a:masterClrMapping/>
+  </p:clrMapOvr>
+  <p:timing>
+    <p:tnLst>
+      <p:par>
+        <p:cTn id="1" dur="indefinite" restart="never" nodeType="tmRoot"/>
+      </p:par>
+    </p:tnLst>
+  </p:timing>
+</p:sld>
+</file>
+
 <file path=ppt/slides/slide9.xml><?xml version="1.0" encoding="utf-8"?>
 <p:sld xmlns:a="http://schemas.openxmlformats.org/drawingml/2006/main" xmlns:r="http://schemas.openxmlformats.org/officeDocument/2006/relationships" xmlns:p="http://schemas.openxmlformats.org/presentationml/2006/main">
   <p:cSld>
@@ -14416,25 +10065,8 @@
                 <a:latin typeface="Times New Roman" panose="02020603050405020304" pitchFamily="18" charset="0"/>
                 <a:cs typeface="Times New Roman" panose="02020603050405020304" pitchFamily="18" charset="0"/>
               </a:rPr>
-              <a:t> </a:t>
-            </a:r>
-            <a:r>
-              <a:rPr lang="en-US" sz="2400" b="1" dirty="0" smtClean="0">
-                <a:solidFill>
-                  <a:srgbClr val="92D050"/>
-                </a:solidFill>
-                <a:latin typeface="Times New Roman" panose="02020603050405020304" pitchFamily="18" charset="0"/>
-                <a:cs typeface="Times New Roman" panose="02020603050405020304" pitchFamily="18" charset="0"/>
-              </a:rPr>
-              <a:t>Point-to-Point (P2P).</a:t>
-            </a:r>
-            <a:endParaRPr lang="en-US" sz="2400" b="1" dirty="0" smtClean="0">
-              <a:solidFill>
-                <a:srgbClr val="92D050"/>
-              </a:solidFill>
-              <a:latin typeface="Times New Roman" panose="02020603050405020304" pitchFamily="18" charset="0"/>
-              <a:cs typeface="Times New Roman" panose="02020603050405020304" pitchFamily="18" charset="0"/>
-            </a:endParaRPr>
+              <a:t> Point-to-Point (P2P).</a:t>
+            </a:r>
           </a:p>
           <a:p>
             <a:pPr>
